--- a/Talk.pptx
+++ b/Talk.pptx
@@ -9,6 +9,7 @@
     <p:sldId id="257" r:id="rId3"/>
     <p:sldId id="258" r:id="rId4"/>
     <p:sldId id="259" r:id="rId5"/>
+    <p:sldId id="260" r:id="rId6"/>
   </p:sldIdLst>
   <p:sldSz cx="12192000" cy="6858000"/>
   <p:notesSz cx="6858000" cy="9144000"/>
@@ -336,7 +337,7 @@
           <a:p>
             <a:fld id="{96DFF08F-DC6B-4601-B491-B0F83F6DD2DA}" type="datetimeFigureOut">
               <a:rPr lang="en-US" dirty="0"/>
-              <a:t>6/11/2014</a:t>
+              <a:t>6/11/14</a:t>
             </a:fld>
             <a:endParaRPr lang="en-US" dirty="0"/>
           </a:p>
@@ -539,7 +540,7 @@
           <a:p>
             <a:fld id="{96DFF08F-DC6B-4601-B491-B0F83F6DD2DA}" type="datetimeFigureOut">
               <a:rPr lang="en-US" dirty="0"/>
-              <a:t>6/11/2014</a:t>
+              <a:t>6/11/14</a:t>
             </a:fld>
             <a:endParaRPr lang="en-US" dirty="0"/>
           </a:p>
@@ -790,7 +791,7 @@
           <a:p>
             <a:fld id="{96DFF08F-DC6B-4601-B491-B0F83F6DD2DA}" type="datetimeFigureOut">
               <a:rPr lang="en-US" dirty="0"/>
-              <a:t>6/11/2014</a:t>
+              <a:t>6/11/14</a:t>
             </a:fld>
             <a:endParaRPr lang="en-US" dirty="0"/>
           </a:p>
@@ -955,7 +956,7 @@
           <a:p>
             <a:fld id="{D62CEF3B-A037-46D0-B02C-1428F07E9383}" type="datetimeFigureOut">
               <a:rPr lang="en-US" dirty="0"/>
-              <a:t>6/11/2014</a:t>
+              <a:t>6/11/14</a:t>
             </a:fld>
             <a:endParaRPr lang="en-US" dirty="0"/>
           </a:p>
@@ -1293,7 +1294,7 @@
           <a:p>
             <a:fld id="{96DFF08F-DC6B-4601-B491-B0F83F6DD2DA}" type="datetimeFigureOut">
               <a:rPr lang="en-US" dirty="0"/>
-              <a:t>6/11/2014</a:t>
+              <a:t>6/11/14</a:t>
             </a:fld>
             <a:endParaRPr lang="en-US" dirty="0"/>
           </a:p>
@@ -1563,7 +1564,7 @@
           <a:p>
             <a:fld id="{96DFF08F-DC6B-4601-B491-B0F83F6DD2DA}" type="datetimeFigureOut">
               <a:rPr lang="en-US" dirty="0"/>
-              <a:t>6/11/2014</a:t>
+              <a:t>6/11/14</a:t>
             </a:fld>
             <a:endParaRPr lang="en-US" dirty="0"/>
           </a:p>
@@ -1937,7 +1938,7 @@
           <a:p>
             <a:fld id="{96DFF08F-DC6B-4601-B491-B0F83F6DD2DA}" type="datetimeFigureOut">
               <a:rPr lang="en-US" dirty="0"/>
-              <a:t>6/11/2014</a:t>
+              <a:t>6/11/14</a:t>
             </a:fld>
             <a:endParaRPr lang="en-US" dirty="0"/>
           </a:p>
@@ -2050,7 +2051,7 @@
           <a:p>
             <a:fld id="{96DFF08F-DC6B-4601-B491-B0F83F6DD2DA}" type="datetimeFigureOut">
               <a:rPr lang="en-US" dirty="0"/>
-              <a:t>6/11/2014</a:t>
+              <a:t>6/11/14</a:t>
             </a:fld>
             <a:endParaRPr lang="en-US" dirty="0"/>
           </a:p>
@@ -2217,7 +2218,7 @@
             <a:fld id="{96DFF08F-DC6B-4601-B491-B0F83F6DD2DA}" type="datetimeFigureOut">
               <a:rPr lang="en-US" dirty="0"/>
               <a:pPr/>
-              <a:t>6/11/2014</a:t>
+              <a:t>6/11/14</a:t>
             </a:fld>
             <a:endParaRPr lang="en-US" dirty="0"/>
           </a:p>
@@ -2568,7 +2569,7 @@
             <a:fld id="{96DFF08F-DC6B-4601-B491-B0F83F6DD2DA}" type="datetimeFigureOut">
               <a:rPr lang="en-US" dirty="0"/>
               <a:pPr/>
-              <a:t>6/11/2014</a:t>
+              <a:t>6/11/14</a:t>
             </a:fld>
             <a:endParaRPr lang="en-US" dirty="0"/>
           </a:p>
@@ -2941,7 +2942,7 @@
           <a:p>
             <a:fld id="{96DFF08F-DC6B-4601-B491-B0F83F6DD2DA}" type="datetimeFigureOut">
               <a:rPr lang="en-US" dirty="0"/>
-              <a:t>6/11/2014</a:t>
+              <a:t>6/11/14</a:t>
             </a:fld>
             <a:endParaRPr lang="en-US" dirty="0"/>
           </a:p>
@@ -3224,7 +3225,7 @@
             <a:fld id="{96DFF08F-DC6B-4601-B491-B0F83F6DD2DA}" type="datetimeFigureOut">
               <a:rPr lang="en-US" dirty="0"/>
               <a:pPr/>
-              <a:t>6/11/2014</a:t>
+              <a:t>6/11/14</a:t>
             </a:fld>
             <a:endParaRPr lang="en-US" dirty="0"/>
           </a:p>
@@ -3792,6 +3793,13 @@
   <p:clrMapOvr>
     <a:masterClrMapping/>
   </p:clrMapOvr>
+  <p:timing>
+    <p:tnLst>
+      <p:par>
+        <p:cTn xmlns:p14="http://schemas.microsoft.com/office/powerpoint/2010/main" id="1" dur="indefinite" restart="never" nodeType="tmRoot"/>
+      </p:par>
+    </p:tnLst>
+  </p:timing>
 </p:sld>
 </file>
 
@@ -3843,8 +3851,10 @@
                 </a:highlight>
                 <a:latin typeface="Consolas" panose="020B0609020204030204" pitchFamily="49" charset="0"/>
               </a:rPr>
-              <a:t>1</a:t>
-            </a:r>
+              <a:t>11 </a:t>
+            </a:r>
+          </a:p>
+          <a:p>
             <a:r>
               <a:rPr lang="en-US" sz="2400" dirty="0">
                 <a:solidFill>
@@ -3855,8 +3865,10 @@
                 </a:highlight>
                 <a:latin typeface="Consolas" panose="020B0609020204030204" pitchFamily="49" charset="0"/>
               </a:rPr>
-              <a:t>1</a:t>
-            </a:r>
+              <a:t>12 </a:t>
+            </a:r>
+          </a:p>
+          <a:p>
             <a:r>
               <a:rPr lang="en-US" sz="2400" dirty="0">
                 <a:solidFill>
@@ -3867,7 +3879,7 @@
                 </a:highlight>
                 <a:latin typeface="Consolas" panose="020B0609020204030204" pitchFamily="49" charset="0"/>
               </a:rPr>
-              <a:t> </a:t>
+              <a:t>13 </a:t>
             </a:r>
           </a:p>
           <a:p>
@@ -3881,45 +3893,8 @@
                 </a:highlight>
                 <a:latin typeface="Consolas" panose="020B0609020204030204" pitchFamily="49" charset="0"/>
               </a:rPr>
-              <a:t>12 </a:t>
-            </a:r>
-          </a:p>
-          <a:p>
-            <a:r>
-              <a:rPr lang="en-US" sz="2400" dirty="0">
-                <a:solidFill>
-                  <a:srgbClr val="2B91AF"/>
-                </a:solidFill>
-                <a:highlight>
-                  <a:srgbClr val="FFFFFF"/>
-                </a:highlight>
-                <a:latin typeface="Consolas" panose="020B0609020204030204" pitchFamily="49" charset="0"/>
-              </a:rPr>
-              <a:t>13 </a:t>
-            </a:r>
-          </a:p>
-          <a:p>
-            <a:r>
-              <a:rPr lang="en-US" sz="2400" dirty="0">
-                <a:solidFill>
-                  <a:srgbClr val="2B91AF"/>
-                </a:solidFill>
-                <a:highlight>
-                  <a:srgbClr val="FFFFFF"/>
-                </a:highlight>
-                <a:latin typeface="Consolas" panose="020B0609020204030204" pitchFamily="49" charset="0"/>
-              </a:rPr>
               <a:t>14</a:t>
             </a:r>
-            <a:endParaRPr lang="en-US" sz="2400" dirty="0">
-              <a:solidFill>
-                <a:srgbClr val="2B91AF"/>
-              </a:solidFill>
-              <a:highlight>
-                <a:srgbClr val="FFFFFF"/>
-              </a:highlight>
-              <a:latin typeface="Consolas" panose="020B0609020204030204" pitchFamily="49" charset="0"/>
-            </a:endParaRPr>
           </a:p>
         </p:txBody>
       </p:sp>
@@ -4570,6 +4545,130 @@
   <p:clrMapOvr>
     <a:masterClrMapping/>
   </p:clrMapOvr>
+  <p:timing>
+    <p:tnLst>
+      <p:par>
+        <p:cTn xmlns:p14="http://schemas.microsoft.com/office/powerpoint/2010/main" id="1" dur="indefinite" restart="never" nodeType="tmRoot">
+          <p:childTnLst>
+            <p:seq concurrent="1" nextAc="seek">
+              <p:cTn id="2" dur="indefinite" nodeType="mainSeq">
+                <p:childTnLst>
+                  <p:par>
+                    <p:cTn id="3" fill="hold">
+                      <p:stCondLst>
+                        <p:cond delay="indefinite"/>
+                      </p:stCondLst>
+                      <p:childTnLst>
+                        <p:par>
+                          <p:cTn id="4" fill="hold">
+                            <p:stCondLst>
+                              <p:cond delay="0"/>
+                            </p:stCondLst>
+                            <p:childTnLst>
+                              <p:par>
+                                <p:cTn id="5" presetID="1" presetClass="entr" presetSubtype="0" fill="hold" grpId="0" nodeType="clickEffect">
+                                  <p:stCondLst>
+                                    <p:cond delay="0"/>
+                                  </p:stCondLst>
+                                  <p:childTnLst>
+                                    <p:set>
+                                      <p:cBhvr>
+                                        <p:cTn id="6" dur="1" fill="hold">
+                                          <p:stCondLst>
+                                            <p:cond delay="0"/>
+                                          </p:stCondLst>
+                                        </p:cTn>
+                                        <p:tgtEl>
+                                          <p:spTgt spid="5"/>
+                                        </p:tgtEl>
+                                        <p:attrNameLst>
+                                          <p:attrName>style.visibility</p:attrName>
+                                        </p:attrNameLst>
+                                      </p:cBhvr>
+                                      <p:to>
+                                        <p:strVal val="visible"/>
+                                      </p:to>
+                                    </p:set>
+                                  </p:childTnLst>
+                                </p:cTn>
+                              </p:par>
+                            </p:childTnLst>
+                          </p:cTn>
+                        </p:par>
+                      </p:childTnLst>
+                    </p:cTn>
+                  </p:par>
+                  <p:par>
+                    <p:cTn id="7" fill="hold">
+                      <p:stCondLst>
+                        <p:cond delay="indefinite"/>
+                      </p:stCondLst>
+                      <p:childTnLst>
+                        <p:par>
+                          <p:cTn id="8" fill="hold">
+                            <p:stCondLst>
+                              <p:cond delay="0"/>
+                            </p:stCondLst>
+                            <p:childTnLst>
+                              <p:par>
+                                <p:cTn id="9" presetID="1" presetClass="entr" presetSubtype="0" fill="hold" grpId="0" nodeType="clickEffect">
+                                  <p:stCondLst>
+                                    <p:cond delay="0"/>
+                                  </p:stCondLst>
+                                  <p:childTnLst>
+                                    <p:set>
+                                      <p:cBhvr>
+                                        <p:cTn id="10" dur="1" fill="hold">
+                                          <p:stCondLst>
+                                            <p:cond delay="0"/>
+                                          </p:stCondLst>
+                                        </p:cTn>
+                                        <p:tgtEl>
+                                          <p:spTgt spid="7"/>
+                                        </p:tgtEl>
+                                        <p:attrNameLst>
+                                          <p:attrName>style.visibility</p:attrName>
+                                        </p:attrNameLst>
+                                      </p:cBhvr>
+                                      <p:to>
+                                        <p:strVal val="visible"/>
+                                      </p:to>
+                                    </p:set>
+                                  </p:childTnLst>
+                                </p:cTn>
+                              </p:par>
+                            </p:childTnLst>
+                          </p:cTn>
+                        </p:par>
+                      </p:childTnLst>
+                    </p:cTn>
+                  </p:par>
+                </p:childTnLst>
+              </p:cTn>
+              <p:prevCondLst>
+                <p:cond evt="onPrev" delay="0">
+                  <p:tgtEl>
+                    <p:sldTgt/>
+                  </p:tgtEl>
+                </p:cond>
+              </p:prevCondLst>
+              <p:nextCondLst>
+                <p:cond evt="onNext" delay="0">
+                  <p:tgtEl>
+                    <p:sldTgt/>
+                  </p:tgtEl>
+                </p:cond>
+              </p:nextCondLst>
+            </p:seq>
+          </p:childTnLst>
+        </p:cTn>
+      </p:par>
+    </p:tnLst>
+    <p:bldLst>
+      <p:bldP spid="5" grpId="0" animBg="1"/>
+      <p:bldP spid="7" grpId="0" animBg="1"/>
+    </p:bldLst>
+  </p:timing>
 </p:sld>
 </file>
 
@@ -4873,6 +4972,13 @@
   <p:clrMapOvr>
     <a:masterClrMapping/>
   </p:clrMapOvr>
+  <p:timing>
+    <p:tnLst>
+      <p:par>
+        <p:cTn xmlns:p14="http://schemas.microsoft.com/office/powerpoint/2010/main" id="1" dur="indefinite" restart="never" nodeType="tmRoot"/>
+      </p:par>
+    </p:tnLst>
+  </p:timing>
 </p:sld>
 </file>
 
@@ -4924,8 +5030,10 @@
                 </a:highlight>
                 <a:latin typeface="Consolas" panose="020B0609020204030204" pitchFamily="49" charset="0"/>
               </a:rPr>
-              <a:t>1</a:t>
-            </a:r>
+              <a:t>11 </a:t>
+            </a:r>
+          </a:p>
+          <a:p>
             <a:r>
               <a:rPr lang="en-US" sz="2400" dirty="0">
                 <a:solidFill>
@@ -4936,8 +5044,10 @@
                 </a:highlight>
                 <a:latin typeface="Consolas" panose="020B0609020204030204" pitchFamily="49" charset="0"/>
               </a:rPr>
-              <a:t>1</a:t>
-            </a:r>
+              <a:t>12 </a:t>
+            </a:r>
+          </a:p>
+          <a:p>
             <a:r>
               <a:rPr lang="en-US" sz="2400" dirty="0">
                 <a:solidFill>
@@ -4948,7 +5058,7 @@
                 </a:highlight>
                 <a:latin typeface="Consolas" panose="020B0609020204030204" pitchFamily="49" charset="0"/>
               </a:rPr>
-              <a:t> </a:t>
+              <a:t>13 </a:t>
             </a:r>
           </a:p>
           <a:p>
@@ -4962,45 +5072,8 @@
                 </a:highlight>
                 <a:latin typeface="Consolas" panose="020B0609020204030204" pitchFamily="49" charset="0"/>
               </a:rPr>
-              <a:t>12 </a:t>
-            </a:r>
-          </a:p>
-          <a:p>
-            <a:r>
-              <a:rPr lang="en-US" sz="2400" dirty="0">
-                <a:solidFill>
-                  <a:srgbClr val="2B91AF"/>
-                </a:solidFill>
-                <a:highlight>
-                  <a:srgbClr val="FFFFFF"/>
-                </a:highlight>
-                <a:latin typeface="Consolas" panose="020B0609020204030204" pitchFamily="49" charset="0"/>
-              </a:rPr>
-              <a:t>13 </a:t>
-            </a:r>
-          </a:p>
-          <a:p>
-            <a:r>
-              <a:rPr lang="en-US" sz="2400" dirty="0">
-                <a:solidFill>
-                  <a:srgbClr val="2B91AF"/>
-                </a:solidFill>
-                <a:highlight>
-                  <a:srgbClr val="FFFFFF"/>
-                </a:highlight>
-                <a:latin typeface="Consolas" panose="020B0609020204030204" pitchFamily="49" charset="0"/>
-              </a:rPr>
               <a:t>14</a:t>
             </a:r>
-            <a:endParaRPr lang="en-US" sz="2400" dirty="0">
-              <a:solidFill>
-                <a:srgbClr val="2B91AF"/>
-              </a:solidFill>
-              <a:highlight>
-                <a:srgbClr val="FFFFFF"/>
-              </a:highlight>
-              <a:latin typeface="Consolas" panose="020B0609020204030204" pitchFamily="49" charset="0"/>
-            </a:endParaRPr>
           </a:p>
         </p:txBody>
       </p:sp>
@@ -5710,6 +5783,145 @@
   <p:clrMapOvr>
     <a:masterClrMapping/>
   </p:clrMapOvr>
+  <p:timing>
+    <p:tnLst>
+      <p:par>
+        <p:cTn xmlns:p14="http://schemas.microsoft.com/office/powerpoint/2010/main" id="1" dur="indefinite" restart="never" nodeType="tmRoot"/>
+      </p:par>
+    </p:tnLst>
+  </p:timing>
+</p:sld>
+</file>
+
+<file path=ppt/slides/slide5.xml><?xml version="1.0" encoding="utf-8"?>
+<p:sld xmlns:a="http://schemas.openxmlformats.org/drawingml/2006/main" xmlns:r="http://schemas.openxmlformats.org/officeDocument/2006/relationships" xmlns:p="http://schemas.openxmlformats.org/presentationml/2006/main">
+  <p:cSld>
+    <p:spTree>
+      <p:nvGrpSpPr>
+        <p:cNvPr id="1" name=""/>
+        <p:cNvGrpSpPr/>
+        <p:nvPr/>
+      </p:nvGrpSpPr>
+      <p:grpSpPr>
+        <a:xfrm>
+          <a:off x="0" y="0"/>
+          <a:ext cx="0" cy="0"/>
+          <a:chOff x="0" y="0"/>
+          <a:chExt cx="0" cy="0"/>
+        </a:xfrm>
+      </p:grpSpPr>
+      <p:sp>
+        <p:nvSpPr>
+          <p:cNvPr id="2" name="Title 1"/>
+          <p:cNvSpPr>
+            <a:spLocks noGrp="1"/>
+          </p:cNvSpPr>
+          <p:nvPr>
+            <p:ph type="title"/>
+          </p:nvPr>
+        </p:nvSpPr>
+        <p:spPr>
+          <a:xfrm>
+            <a:off x="1097280" y="286604"/>
+            <a:ext cx="10058400" cy="1025730"/>
+          </a:xfrm>
+        </p:spPr>
+        <p:txBody>
+          <a:bodyPr>
+            <a:normAutofit/>
+          </a:bodyPr>
+          <a:lstStyle/>
+          <a:p>
+            <a:r>
+              <a:rPr lang="en-US" sz="3600" dirty="0" smtClean="0"/>
+              <a:t>This exception proves the rule…</a:t>
+            </a:r>
+            <a:endParaRPr lang="en-US" sz="3600" dirty="0"/>
+          </a:p>
+        </p:txBody>
+      </p:sp>
+      <p:sp>
+        <p:nvSpPr>
+          <p:cNvPr id="3" name="Content Placeholder 2"/>
+          <p:cNvSpPr>
+            <a:spLocks noGrp="1"/>
+          </p:cNvSpPr>
+          <p:nvPr>
+            <p:ph idx="1"/>
+          </p:nvPr>
+        </p:nvSpPr>
+        <p:spPr/>
+        <p:txBody>
+          <a:bodyPr>
+            <a:normAutofit/>
+          </a:bodyPr>
+          <a:lstStyle/>
+          <a:p>
+            <a:r>
+              <a:rPr lang="en-US" sz="4800" i="1" spc="-50" dirty="0" smtClean="0">
+                <a:latin typeface="+mj-lt"/>
+                <a:ea typeface="+mj-ea"/>
+                <a:cs typeface="+mj-cs"/>
+              </a:rPr>
+              <a:t>“Provide </a:t>
+            </a:r>
+            <a:r>
+              <a:rPr lang="en-US" sz="4800" i="1" spc="-50" dirty="0">
+                <a:latin typeface="+mj-lt"/>
+                <a:ea typeface="+mj-ea"/>
+                <a:cs typeface="+mj-cs"/>
+              </a:rPr>
+              <a:t>the variable values in your error messages to give </a:t>
+            </a:r>
+            <a:r>
+              <a:rPr lang="en-US" sz="4800" i="1" spc="-50" dirty="0" smtClean="0">
+                <a:latin typeface="+mj-lt"/>
+                <a:ea typeface="+mj-ea"/>
+                <a:cs typeface="+mj-cs"/>
+              </a:rPr>
+              <a:t>the confused </a:t>
+            </a:r>
+            <a:r>
+              <a:rPr lang="en-US" sz="4800" i="1" spc="-50" dirty="0">
+                <a:latin typeface="+mj-lt"/>
+                <a:ea typeface="+mj-ea"/>
+                <a:cs typeface="+mj-cs"/>
+              </a:rPr>
+              <a:t>coder some </a:t>
+            </a:r>
+            <a:r>
+              <a:rPr lang="en-US" sz="4800" i="1" spc="-50" dirty="0" smtClean="0">
+                <a:latin typeface="+mj-lt"/>
+                <a:ea typeface="+mj-ea"/>
+                <a:cs typeface="+mj-cs"/>
+              </a:rPr>
+              <a:t>guidance”</a:t>
+            </a:r>
+            <a:endParaRPr lang="en-US" sz="4800" i="1" spc="-50" dirty="0">
+              <a:latin typeface="+mj-lt"/>
+              <a:ea typeface="+mj-ea"/>
+              <a:cs typeface="+mj-cs"/>
+            </a:endParaRPr>
+          </a:p>
+        </p:txBody>
+      </p:sp>
+    </p:spTree>
+    <p:extLst>
+      <p:ext uri="{BB962C8B-B14F-4D97-AF65-F5344CB8AC3E}">
+        <p14:creationId xmlns:p14="http://schemas.microsoft.com/office/powerpoint/2010/main" val="90879600"/>
+      </p:ext>
+    </p:extLst>
+  </p:cSld>
+  <p:clrMapOvr>
+    <a:masterClrMapping/>
+  </p:clrMapOvr>
+  <p:timing>
+    <p:tnLst>
+      <p:par>
+        <p:cTn xmlns:p14="http://schemas.microsoft.com/office/powerpoint/2010/main" id="1" dur="indefinite" restart="never" nodeType="tmRoot"/>
+      </p:par>
+    </p:tnLst>
+  </p:timing>
 </p:sld>
 </file>
 
@@ -5756,7 +5968,7 @@
     </a:clrScheme>
     <a:fontScheme name="Retrospect">
       <a:majorFont>
-        <a:latin typeface="Calibri Light" panose="020F0302020204030204"/>
+        <a:latin typeface="Calibri Light"/>
         <a:ea typeface=""/>
         <a:cs typeface=""/>
         <a:font script="Jpan" typeface="ＭＳ Ｐゴシック"/>
@@ -5791,7 +6003,7 @@
         <a:font script="Geor" typeface="Sylfaen"/>
       </a:majorFont>
       <a:minorFont>
-        <a:latin typeface="Calibri" panose="020F0502020204030204"/>
+        <a:latin typeface="Calibri"/>
         <a:ea typeface=""/>
         <a:cs typeface=""/>
         <a:font script="Jpan" typeface="ＭＳ Ｐゴシック"/>
@@ -5990,7 +6202,7 @@
   <a:extraClrSchemeLst/>
   <a:extLst>
     <a:ext uri="{05A4C25C-085E-4340-85A3-A5531E510DB2}">
-      <thm15:themeFamily xmlns:thm15="http://schemas.microsoft.com/office/thememl/2012/main" name="Retrospect" id="{5F128B03-DCCA-4EEB-AB3B-CF2899314A46}" vid="{9CC26709-368C-4D72-9060-94E5B3FF3CD6}"/>
+      <thm15:themeFamily xmlns:thm15="http://schemas.microsoft.com/office/thememl/2012/main" xmlns="" name="Retrospect" id="{5F128B03-DCCA-4EEB-AB3B-CF2899314A46}" vid="{9CC26709-368C-4D72-9060-94E5B3FF3CD6}"/>
     </a:ext>
   </a:extLst>
 </a:theme>

--- a/Talk.pptx
+++ b/Talk.pptx
@@ -10,6 +10,7 @@
     <p:sldId id="258" r:id="rId4"/>
     <p:sldId id="259" r:id="rId5"/>
     <p:sldId id="260" r:id="rId6"/>
+    <p:sldId id="262" r:id="rId7"/>
   </p:sldIdLst>
   <p:sldSz cx="12192000" cy="6858000"/>
   <p:notesSz cx="6858000" cy="9144000"/>
@@ -108,6 +109,22 @@
       </a:defRPr>
     </a:lvl9pPr>
   </p:defaultTextStyle>
+  <p:extLst>
+    <p:ext uri="{EFAFB233-063F-42B5-8137-9DF3F51BA10A}">
+      <p15:sldGuideLst xmlns:p15="http://schemas.microsoft.com/office/powerpoint/2012/main">
+        <p15:guide id="1" orient="horz" pos="2160">
+          <p15:clr>
+            <a:srgbClr val="A4A3A4"/>
+          </p15:clr>
+        </p15:guide>
+        <p15:guide id="2" pos="3840">
+          <p15:clr>
+            <a:srgbClr val="A4A3A4"/>
+          </p15:clr>
+        </p15:guide>
+      </p15:sldGuideLst>
+    </p:ext>
+  </p:extLst>
 </p:presentation>
 </file>
 
@@ -337,7 +354,7 @@
           <a:p>
             <a:fld id="{96DFF08F-DC6B-4601-B491-B0F83F6DD2DA}" type="datetimeFigureOut">
               <a:rPr lang="en-US" dirty="0"/>
-              <a:t>6/11/14</a:t>
+              <a:t>6/11/2014</a:t>
             </a:fld>
             <a:endParaRPr lang="en-US" dirty="0"/>
           </a:p>
@@ -540,7 +557,7 @@
           <a:p>
             <a:fld id="{96DFF08F-DC6B-4601-B491-B0F83F6DD2DA}" type="datetimeFigureOut">
               <a:rPr lang="en-US" dirty="0"/>
-              <a:t>6/11/14</a:t>
+              <a:t>6/11/2014</a:t>
             </a:fld>
             <a:endParaRPr lang="en-US" dirty="0"/>
           </a:p>
@@ -791,7 +808,7 @@
           <a:p>
             <a:fld id="{96DFF08F-DC6B-4601-B491-B0F83F6DD2DA}" type="datetimeFigureOut">
               <a:rPr lang="en-US" dirty="0"/>
-              <a:t>6/11/14</a:t>
+              <a:t>6/11/2014</a:t>
             </a:fld>
             <a:endParaRPr lang="en-US" dirty="0"/>
           </a:p>
@@ -956,7 +973,7 @@
           <a:p>
             <a:fld id="{D62CEF3B-A037-46D0-B02C-1428F07E9383}" type="datetimeFigureOut">
               <a:rPr lang="en-US" dirty="0"/>
-              <a:t>6/11/14</a:t>
+              <a:t>6/11/2014</a:t>
             </a:fld>
             <a:endParaRPr lang="en-US" dirty="0"/>
           </a:p>
@@ -1294,7 +1311,7 @@
           <a:p>
             <a:fld id="{96DFF08F-DC6B-4601-B491-B0F83F6DD2DA}" type="datetimeFigureOut">
               <a:rPr lang="en-US" dirty="0"/>
-              <a:t>6/11/14</a:t>
+              <a:t>6/11/2014</a:t>
             </a:fld>
             <a:endParaRPr lang="en-US" dirty="0"/>
           </a:p>
@@ -1564,7 +1581,7 @@
           <a:p>
             <a:fld id="{96DFF08F-DC6B-4601-B491-B0F83F6DD2DA}" type="datetimeFigureOut">
               <a:rPr lang="en-US" dirty="0"/>
-              <a:t>6/11/14</a:t>
+              <a:t>6/11/2014</a:t>
             </a:fld>
             <a:endParaRPr lang="en-US" dirty="0"/>
           </a:p>
@@ -1938,7 +1955,7 @@
           <a:p>
             <a:fld id="{96DFF08F-DC6B-4601-B491-B0F83F6DD2DA}" type="datetimeFigureOut">
               <a:rPr lang="en-US" dirty="0"/>
-              <a:t>6/11/14</a:t>
+              <a:t>6/11/2014</a:t>
             </a:fld>
             <a:endParaRPr lang="en-US" dirty="0"/>
           </a:p>
@@ -2051,7 +2068,7 @@
           <a:p>
             <a:fld id="{96DFF08F-DC6B-4601-B491-B0F83F6DD2DA}" type="datetimeFigureOut">
               <a:rPr lang="en-US" dirty="0"/>
-              <a:t>6/11/14</a:t>
+              <a:t>6/11/2014</a:t>
             </a:fld>
             <a:endParaRPr lang="en-US" dirty="0"/>
           </a:p>
@@ -2218,7 +2235,7 @@
             <a:fld id="{96DFF08F-DC6B-4601-B491-B0F83F6DD2DA}" type="datetimeFigureOut">
               <a:rPr lang="en-US" dirty="0"/>
               <a:pPr/>
-              <a:t>6/11/14</a:t>
+              <a:t>6/11/2014</a:t>
             </a:fld>
             <a:endParaRPr lang="en-US" dirty="0"/>
           </a:p>
@@ -2569,7 +2586,7 @@
             <a:fld id="{96DFF08F-DC6B-4601-B491-B0F83F6DD2DA}" type="datetimeFigureOut">
               <a:rPr lang="en-US" dirty="0"/>
               <a:pPr/>
-              <a:t>6/11/14</a:t>
+              <a:t>6/11/2014</a:t>
             </a:fld>
             <a:endParaRPr lang="en-US" dirty="0"/>
           </a:p>
@@ -2942,7 +2959,7 @@
           <a:p>
             <a:fld id="{96DFF08F-DC6B-4601-B491-B0F83F6DD2DA}" type="datetimeFigureOut">
               <a:rPr lang="en-US" dirty="0"/>
-              <a:t>6/11/14</a:t>
+              <a:t>6/11/2014</a:t>
             </a:fld>
             <a:endParaRPr lang="en-US" dirty="0"/>
           </a:p>
@@ -3225,7 +3242,7 @@
             <a:fld id="{96DFF08F-DC6B-4601-B491-B0F83F6DD2DA}" type="datetimeFigureOut">
               <a:rPr lang="en-US" dirty="0"/>
               <a:pPr/>
-              <a:t>6/11/14</a:t>
+              <a:t>6/11/2014</a:t>
             </a:fld>
             <a:endParaRPr lang="en-US" dirty="0"/>
           </a:p>
@@ -3796,7 +3813,7 @@
   <p:timing>
     <p:tnLst>
       <p:par>
-        <p:cTn xmlns:p14="http://schemas.microsoft.com/office/powerpoint/2010/main" id="1" dur="indefinite" restart="never" nodeType="tmRoot"/>
+        <p:cTn id="1" dur="indefinite" restart="never" nodeType="tmRoot"/>
       </p:par>
     </p:tnLst>
   </p:timing>
@@ -4548,7 +4565,7 @@
   <p:timing>
     <p:tnLst>
       <p:par>
-        <p:cTn xmlns:p14="http://schemas.microsoft.com/office/powerpoint/2010/main" id="1" dur="indefinite" restart="never" nodeType="tmRoot">
+        <p:cTn id="1" dur="indefinite" restart="never" nodeType="tmRoot">
           <p:childTnLst>
             <p:seq concurrent="1" nextAc="seek">
               <p:cTn id="2" dur="indefinite" nodeType="mainSeq">
@@ -4975,7 +4992,7 @@
   <p:timing>
     <p:tnLst>
       <p:par>
-        <p:cTn xmlns:p14="http://schemas.microsoft.com/office/powerpoint/2010/main" id="1" dur="indefinite" restart="never" nodeType="tmRoot"/>
+        <p:cTn id="1" dur="indefinite" restart="never" nodeType="tmRoot"/>
       </p:par>
     </p:tnLst>
   </p:timing>
@@ -5786,7 +5803,7 @@
   <p:timing>
     <p:tnLst>
       <p:par>
-        <p:cTn xmlns:p14="http://schemas.microsoft.com/office/powerpoint/2010/main" id="1" dur="indefinite" restart="never" nodeType="tmRoot"/>
+        <p:cTn id="1" dur="indefinite" restart="never" nodeType="tmRoot"/>
       </p:par>
     </p:tnLst>
   </p:timing>
@@ -5817,13 +5834,13 @@
             <a:spLocks noGrp="1"/>
           </p:cNvSpPr>
           <p:nvPr>
-            <p:ph type="title"/>
+            <p:ph type="title" idx="4294967295"/>
           </p:nvPr>
         </p:nvSpPr>
         <p:spPr>
           <a:xfrm>
-            <a:off x="1097280" y="286604"/>
-            <a:ext cx="10058400" cy="1025730"/>
+            <a:off x="1097280" y="264188"/>
+            <a:ext cx="10058400" cy="1025525"/>
           </a:xfrm>
         </p:spPr>
         <p:txBody>
@@ -5847,12 +5864,17 @@
             <a:spLocks noGrp="1"/>
           </p:cNvSpPr>
           <p:nvPr>
-            <p:ph idx="1"/>
-          </p:nvPr>
-        </p:nvSpPr>
-        <p:spPr/>
-        <p:txBody>
-          <a:bodyPr>
+            <p:ph idx="4294967295"/>
+          </p:nvPr>
+        </p:nvSpPr>
+        <p:spPr>
+          <a:xfrm>
+            <a:off x="1097280" y="1414804"/>
+            <a:ext cx="10058400" cy="4024313"/>
+          </a:xfrm>
+        </p:spPr>
+        <p:txBody>
+          <a:bodyPr anchor="ctr">
             <a:normAutofit/>
           </a:bodyPr>
           <a:lstStyle/>
@@ -5863,7 +5885,7 @@
                 <a:ea typeface="+mj-ea"/>
                 <a:cs typeface="+mj-cs"/>
               </a:rPr>
-              <a:t>“Provide </a:t>
+              <a:t>“Print variable values </a:t>
             </a:r>
             <a:r>
               <a:rPr lang="en-US" sz="4800" i="1" spc="-50" dirty="0">
@@ -5871,7 +5893,7 @@
                 <a:ea typeface="+mj-ea"/>
                 <a:cs typeface="+mj-cs"/>
               </a:rPr>
-              <a:t>the variable values in your error messages to give </a:t>
+              <a:t>in your error </a:t>
             </a:r>
             <a:r>
               <a:rPr lang="en-US" sz="4800" i="1" spc="-50" dirty="0" smtClean="0">
@@ -5879,29 +5901,66 @@
                 <a:ea typeface="+mj-ea"/>
                 <a:cs typeface="+mj-cs"/>
               </a:rPr>
-              <a:t>the confused </a:t>
-            </a:r>
-            <a:r>
-              <a:rPr lang="en-US" sz="4800" i="1" spc="-50" dirty="0">
-                <a:latin typeface="+mj-lt"/>
-                <a:ea typeface="+mj-ea"/>
-                <a:cs typeface="+mj-cs"/>
-              </a:rPr>
-              <a:t>coder some </a:t>
-            </a:r>
-            <a:r>
-              <a:rPr lang="en-US" sz="4800" i="1" spc="-50" dirty="0" smtClean="0">
-                <a:latin typeface="+mj-lt"/>
-                <a:ea typeface="+mj-ea"/>
-                <a:cs typeface="+mj-cs"/>
-              </a:rPr>
-              <a:t>guidance”</a:t>
+              <a:t>messages”</a:t>
             </a:r>
             <a:endParaRPr lang="en-US" sz="4800" i="1" spc="-50" dirty="0">
               <a:latin typeface="+mj-lt"/>
               <a:ea typeface="+mj-ea"/>
               <a:cs typeface="+mj-cs"/>
             </a:endParaRPr>
+          </a:p>
+        </p:txBody>
+      </p:sp>
+      <p:sp>
+        <p:nvSpPr>
+          <p:cNvPr id="4" name="Title 1"/>
+          <p:cNvSpPr txBox="1">
+            <a:spLocks/>
+          </p:cNvSpPr>
+          <p:nvPr/>
+        </p:nvSpPr>
+        <p:spPr>
+          <a:xfrm>
+            <a:off x="1097280" y="5234030"/>
+            <a:ext cx="10058400" cy="1025730"/>
+          </a:xfrm>
+          <a:prstGeom prst="rect">
+            <a:avLst/>
+          </a:prstGeom>
+        </p:spPr>
+        <p:txBody>
+          <a:bodyPr vert="horz" lIns="91440" tIns="45720" rIns="91440" bIns="45720" rtlCol="0" anchor="b">
+            <a:normAutofit/>
+          </a:bodyPr>
+          <a:lstStyle>
+            <a:lvl1pPr algn="l" defTabSz="914400" rtl="0" eaLnBrk="1" latinLnBrk="0" hangingPunct="1">
+              <a:lnSpc>
+                <a:spcPct val="85000"/>
+              </a:lnSpc>
+              <a:spcBef>
+                <a:spcPct val="0"/>
+              </a:spcBef>
+              <a:buNone/>
+              <a:defRPr sz="4800" kern="1200" spc="-50" baseline="0">
+                <a:solidFill>
+                  <a:schemeClr val="tx1">
+                    <a:lumMod val="75000"/>
+                    <a:lumOff val="25000"/>
+                  </a:schemeClr>
+                </a:solidFill>
+                <a:latin typeface="+mj-lt"/>
+                <a:ea typeface="+mj-ea"/>
+                <a:cs typeface="+mj-cs"/>
+              </a:defRPr>
+            </a:lvl1pPr>
+          </a:lstStyle>
+          <a:p>
+            <a:pPr algn="r"/>
+            <a:r>
+              <a:rPr lang="en-US" sz="3600" dirty="0" smtClean="0"/>
+              <a:t>…to give the confused coder some guidance</a:t>
+            </a:r>
+            <a:endParaRPr lang="en-US" sz="3600" dirty="0"/>
           </a:p>
         </p:txBody>
       </p:sp>
@@ -5918,7 +5977,160 @@
   <p:timing>
     <p:tnLst>
       <p:par>
-        <p:cTn xmlns:p14="http://schemas.microsoft.com/office/powerpoint/2010/main" id="1" dur="indefinite" restart="never" nodeType="tmRoot"/>
+        <p:cTn id="1" dur="indefinite" restart="never" nodeType="tmRoot"/>
+      </p:par>
+    </p:tnLst>
+  </p:timing>
+</p:sld>
+</file>
+
+<file path=ppt/slides/slide6.xml><?xml version="1.0" encoding="utf-8"?>
+<p:sld xmlns:a="http://schemas.openxmlformats.org/drawingml/2006/main" xmlns:r="http://schemas.openxmlformats.org/officeDocument/2006/relationships" xmlns:p="http://schemas.openxmlformats.org/presentationml/2006/main">
+  <p:cSld>
+    <p:spTree>
+      <p:nvGrpSpPr>
+        <p:cNvPr id="1" name=""/>
+        <p:cNvGrpSpPr/>
+        <p:nvPr/>
+      </p:nvGrpSpPr>
+      <p:grpSpPr>
+        <a:xfrm>
+          <a:off x="0" y="0"/>
+          <a:ext cx="0" cy="0"/>
+          <a:chOff x="0" y="0"/>
+          <a:chExt cx="0" cy="0"/>
+        </a:xfrm>
+      </p:grpSpPr>
+      <p:sp>
+        <p:nvSpPr>
+          <p:cNvPr id="2" name="Title 1"/>
+          <p:cNvSpPr>
+            <a:spLocks noGrp="1"/>
+          </p:cNvSpPr>
+          <p:nvPr>
+            <p:ph type="title" idx="4294967295"/>
+          </p:nvPr>
+        </p:nvSpPr>
+        <p:spPr>
+          <a:xfrm>
+            <a:off x="1097280" y="264188"/>
+            <a:ext cx="10058400" cy="1025525"/>
+          </a:xfrm>
+        </p:spPr>
+        <p:txBody>
+          <a:bodyPr>
+            <a:normAutofit/>
+          </a:bodyPr>
+          <a:lstStyle/>
+          <a:p>
+            <a:r>
+              <a:rPr lang="en-US" sz="3600" dirty="0" smtClean="0"/>
+              <a:t>This exception proves the rule…</a:t>
+            </a:r>
+            <a:endParaRPr lang="en-US" sz="3600" dirty="0"/>
+          </a:p>
+        </p:txBody>
+      </p:sp>
+      <p:sp>
+        <p:nvSpPr>
+          <p:cNvPr id="3" name="Content Placeholder 2"/>
+          <p:cNvSpPr>
+            <a:spLocks noGrp="1"/>
+          </p:cNvSpPr>
+          <p:nvPr>
+            <p:ph idx="4294967295"/>
+          </p:nvPr>
+        </p:nvSpPr>
+        <p:spPr>
+          <a:xfrm>
+            <a:off x="1097280" y="1414804"/>
+            <a:ext cx="10058400" cy="4024313"/>
+          </a:xfrm>
+        </p:spPr>
+        <p:txBody>
+          <a:bodyPr anchor="ctr">
+            <a:normAutofit/>
+          </a:bodyPr>
+          <a:lstStyle/>
+          <a:p>
+            <a:r>
+              <a:rPr lang="en-US" sz="4800" i="1" spc="-50" dirty="0">
+                <a:latin typeface="+mj-lt"/>
+                <a:ea typeface="+mj-ea"/>
+                <a:cs typeface="+mj-cs"/>
+              </a:rPr>
+              <a:t>“Give example code for any setup needed.”</a:t>
+            </a:r>
+          </a:p>
+        </p:txBody>
+      </p:sp>
+      <p:sp>
+        <p:nvSpPr>
+          <p:cNvPr id="4" name="Title 1"/>
+          <p:cNvSpPr txBox="1">
+            <a:spLocks/>
+          </p:cNvSpPr>
+          <p:nvPr/>
+        </p:nvSpPr>
+        <p:spPr>
+          <a:xfrm>
+            <a:off x="1097280" y="5234030"/>
+            <a:ext cx="10058400" cy="1025730"/>
+          </a:xfrm>
+          <a:prstGeom prst="rect">
+            <a:avLst/>
+          </a:prstGeom>
+        </p:spPr>
+        <p:txBody>
+          <a:bodyPr vert="horz" lIns="91440" tIns="45720" rIns="91440" bIns="45720" rtlCol="0" anchor="b">
+            <a:normAutofit/>
+          </a:bodyPr>
+          <a:lstStyle>
+            <a:lvl1pPr algn="l" defTabSz="914400" rtl="0" eaLnBrk="1" latinLnBrk="0" hangingPunct="1">
+              <a:lnSpc>
+                <a:spcPct val="85000"/>
+              </a:lnSpc>
+              <a:spcBef>
+                <a:spcPct val="0"/>
+              </a:spcBef>
+              <a:buNone/>
+              <a:defRPr sz="4800" kern="1200" spc="-50" baseline="0">
+                <a:solidFill>
+                  <a:schemeClr val="tx1">
+                    <a:lumMod val="75000"/>
+                    <a:lumOff val="25000"/>
+                  </a:schemeClr>
+                </a:solidFill>
+                <a:latin typeface="+mj-lt"/>
+                <a:ea typeface="+mj-ea"/>
+                <a:cs typeface="+mj-cs"/>
+              </a:defRPr>
+            </a:lvl1pPr>
+          </a:lstStyle>
+          <a:p>
+            <a:pPr algn="r"/>
+            <a:r>
+              <a:rPr lang="en-US" sz="3600" dirty="0" smtClean="0"/>
+              <a:t>…to give the confused coder some guidance</a:t>
+            </a:r>
+            <a:endParaRPr lang="en-US" sz="3600" dirty="0"/>
+          </a:p>
+        </p:txBody>
+      </p:sp>
+    </p:spTree>
+    <p:extLst>
+      <p:ext uri="{BB962C8B-B14F-4D97-AF65-F5344CB8AC3E}">
+        <p14:creationId xmlns:p14="http://schemas.microsoft.com/office/powerpoint/2010/main" val="416516849"/>
+      </p:ext>
+    </p:extLst>
+  </p:cSld>
+  <p:clrMapOvr>
+    <a:masterClrMapping/>
+  </p:clrMapOvr>
+  <p:timing>
+    <p:tnLst>
+      <p:par>
+        <p:cTn id="1" dur="indefinite" restart="never" nodeType="tmRoot"/>
       </p:par>
     </p:tnLst>
   </p:timing>
@@ -6202,7 +6414,7 @@
   <a:extraClrSchemeLst/>
   <a:extLst>
     <a:ext uri="{05A4C25C-085E-4340-85A3-A5531E510DB2}">
-      <thm15:themeFamily xmlns:thm15="http://schemas.microsoft.com/office/thememl/2012/main" xmlns="" name="Retrospect" id="{5F128B03-DCCA-4EEB-AB3B-CF2899314A46}" vid="{9CC26709-368C-4D72-9060-94E5B3FF3CD6}"/>
+      <thm15:themeFamily xmlns:thm15="http://schemas.microsoft.com/office/thememl/2012/main" name="Retrospect" id="{5F128B03-DCCA-4EEB-AB3B-CF2899314A46}" vid="{9CC26709-368C-4D72-9060-94E5B3FF3CD6}"/>
     </a:ext>
   </a:extLst>
 </a:theme>

--- a/Talk.pptx
+++ b/Talk.pptx
@@ -11,6 +11,9 @@
     <p:sldId id="259" r:id="rId5"/>
     <p:sldId id="260" r:id="rId6"/>
     <p:sldId id="262" r:id="rId7"/>
+    <p:sldId id="263" r:id="rId8"/>
+    <p:sldId id="264" r:id="rId9"/>
+    <p:sldId id="265" r:id="rId10"/>
   </p:sldIdLst>
   <p:sldSz cx="12192000" cy="6858000"/>
   <p:notesSz cx="6858000" cy="9144000"/>
@@ -111,7 +114,7 @@
   </p:defaultTextStyle>
   <p:extLst>
     <p:ext uri="{EFAFB233-063F-42B5-8137-9DF3F51BA10A}">
-      <p15:sldGuideLst xmlns:p15="http://schemas.microsoft.com/office/powerpoint/2012/main">
+      <p15:sldGuideLst xmlns:p15="http://schemas.microsoft.com/office/powerpoint/2012/main" xmlns="">
         <p15:guide id="1" orient="horz" pos="2160">
           <p15:clr>
             <a:srgbClr val="A4A3A4"/>
@@ -354,7 +357,7 @@
           <a:p>
             <a:fld id="{96DFF08F-DC6B-4601-B491-B0F83F6DD2DA}" type="datetimeFigureOut">
               <a:rPr lang="en-US" dirty="0"/>
-              <a:t>6/11/2014</a:t>
+              <a:t>6/11/14</a:t>
             </a:fld>
             <a:endParaRPr lang="en-US" dirty="0"/>
           </a:p>
@@ -557,7 +560,7 @@
           <a:p>
             <a:fld id="{96DFF08F-DC6B-4601-B491-B0F83F6DD2DA}" type="datetimeFigureOut">
               <a:rPr lang="en-US" dirty="0"/>
-              <a:t>6/11/2014</a:t>
+              <a:t>6/11/14</a:t>
             </a:fld>
             <a:endParaRPr lang="en-US" dirty="0"/>
           </a:p>
@@ -808,7 +811,7 @@
           <a:p>
             <a:fld id="{96DFF08F-DC6B-4601-B491-B0F83F6DD2DA}" type="datetimeFigureOut">
               <a:rPr lang="en-US" dirty="0"/>
-              <a:t>6/11/2014</a:t>
+              <a:t>6/11/14</a:t>
             </a:fld>
             <a:endParaRPr lang="en-US" dirty="0"/>
           </a:p>
@@ -973,7 +976,7 @@
           <a:p>
             <a:fld id="{D62CEF3B-A037-46D0-B02C-1428F07E9383}" type="datetimeFigureOut">
               <a:rPr lang="en-US" dirty="0"/>
-              <a:t>6/11/2014</a:t>
+              <a:t>6/11/14</a:t>
             </a:fld>
             <a:endParaRPr lang="en-US" dirty="0"/>
           </a:p>
@@ -1311,7 +1314,7 @@
           <a:p>
             <a:fld id="{96DFF08F-DC6B-4601-B491-B0F83F6DD2DA}" type="datetimeFigureOut">
               <a:rPr lang="en-US" dirty="0"/>
-              <a:t>6/11/2014</a:t>
+              <a:t>6/11/14</a:t>
             </a:fld>
             <a:endParaRPr lang="en-US" dirty="0"/>
           </a:p>
@@ -1581,7 +1584,7 @@
           <a:p>
             <a:fld id="{96DFF08F-DC6B-4601-B491-B0F83F6DD2DA}" type="datetimeFigureOut">
               <a:rPr lang="en-US" dirty="0"/>
-              <a:t>6/11/2014</a:t>
+              <a:t>6/11/14</a:t>
             </a:fld>
             <a:endParaRPr lang="en-US" dirty="0"/>
           </a:p>
@@ -1955,7 +1958,7 @@
           <a:p>
             <a:fld id="{96DFF08F-DC6B-4601-B491-B0F83F6DD2DA}" type="datetimeFigureOut">
               <a:rPr lang="en-US" dirty="0"/>
-              <a:t>6/11/2014</a:t>
+              <a:t>6/11/14</a:t>
             </a:fld>
             <a:endParaRPr lang="en-US" dirty="0"/>
           </a:p>
@@ -2068,7 +2071,7 @@
           <a:p>
             <a:fld id="{96DFF08F-DC6B-4601-B491-B0F83F6DD2DA}" type="datetimeFigureOut">
               <a:rPr lang="en-US" dirty="0"/>
-              <a:t>6/11/2014</a:t>
+              <a:t>6/11/14</a:t>
             </a:fld>
             <a:endParaRPr lang="en-US" dirty="0"/>
           </a:p>
@@ -2235,7 +2238,7 @@
             <a:fld id="{96DFF08F-DC6B-4601-B491-B0F83F6DD2DA}" type="datetimeFigureOut">
               <a:rPr lang="en-US" dirty="0"/>
               <a:pPr/>
-              <a:t>6/11/2014</a:t>
+              <a:t>6/11/14</a:t>
             </a:fld>
             <a:endParaRPr lang="en-US" dirty="0"/>
           </a:p>
@@ -2586,7 +2589,7 @@
             <a:fld id="{96DFF08F-DC6B-4601-B491-B0F83F6DD2DA}" type="datetimeFigureOut">
               <a:rPr lang="en-US" dirty="0"/>
               <a:pPr/>
-              <a:t>6/11/2014</a:t>
+              <a:t>6/11/14</a:t>
             </a:fld>
             <a:endParaRPr lang="en-US" dirty="0"/>
           </a:p>
@@ -2959,7 +2962,7 @@
           <a:p>
             <a:fld id="{96DFF08F-DC6B-4601-B491-B0F83F6DD2DA}" type="datetimeFigureOut">
               <a:rPr lang="en-US" dirty="0"/>
-              <a:t>6/11/2014</a:t>
+              <a:t>6/11/14</a:t>
             </a:fld>
             <a:endParaRPr lang="en-US" dirty="0"/>
           </a:p>
@@ -3242,7 +3245,7 @@
             <a:fld id="{96DFF08F-DC6B-4601-B491-B0F83F6DD2DA}" type="datetimeFigureOut">
               <a:rPr lang="en-US" dirty="0"/>
               <a:pPr/>
-              <a:t>6/11/2014</a:t>
+              <a:t>6/11/14</a:t>
             </a:fld>
             <a:endParaRPr lang="en-US" dirty="0"/>
           </a:p>
@@ -3813,7 +3816,7 @@
   <p:timing>
     <p:tnLst>
       <p:par>
-        <p:cTn id="1" dur="indefinite" restart="never" nodeType="tmRoot"/>
+        <p:cTn xmlns:p14="http://schemas.microsoft.com/office/powerpoint/2010/main" id="1" dur="indefinite" restart="never" nodeType="tmRoot"/>
       </p:par>
     </p:tnLst>
   </p:timing>
@@ -4565,7 +4568,7 @@
   <p:timing>
     <p:tnLst>
       <p:par>
-        <p:cTn id="1" dur="indefinite" restart="never" nodeType="tmRoot">
+        <p:cTn xmlns:p14="http://schemas.microsoft.com/office/powerpoint/2010/main" id="1" dur="indefinite" restart="never" nodeType="tmRoot">
           <p:childTnLst>
             <p:seq concurrent="1" nextAc="seek">
               <p:cTn id="2" dur="indefinite" nodeType="mainSeq">
@@ -4992,7 +4995,7 @@
   <p:timing>
     <p:tnLst>
       <p:par>
-        <p:cTn id="1" dur="indefinite" restart="never" nodeType="tmRoot"/>
+        <p:cTn xmlns:p14="http://schemas.microsoft.com/office/powerpoint/2010/main" id="1" dur="indefinite" restart="never" nodeType="tmRoot"/>
       </p:par>
     </p:tnLst>
   </p:timing>
@@ -5803,7 +5806,7 @@
   <p:timing>
     <p:tnLst>
       <p:par>
-        <p:cTn id="1" dur="indefinite" restart="never" nodeType="tmRoot"/>
+        <p:cTn xmlns:p14="http://schemas.microsoft.com/office/powerpoint/2010/main" id="1" dur="indefinite" restart="never" nodeType="tmRoot"/>
       </p:par>
     </p:tnLst>
   </p:timing>
@@ -5879,6 +5882,7 @@
           </a:bodyPr>
           <a:lstStyle/>
           <a:p>
+            <a:pPr algn="ctr"/>
             <a:r>
               <a:rPr lang="en-US" sz="4800" i="1" spc="-50" dirty="0" smtClean="0">
                 <a:latin typeface="+mj-lt"/>
@@ -5887,13 +5891,29 @@
               </a:rPr>
               <a:t>“Print variable values </a:t>
             </a:r>
+            <a:endParaRPr lang="en-US" sz="4800" i="1" spc="-50" dirty="0" smtClean="0">
+              <a:latin typeface="+mj-lt"/>
+              <a:ea typeface="+mj-ea"/>
+              <a:cs typeface="+mj-cs"/>
+            </a:endParaRPr>
+          </a:p>
+          <a:p>
+            <a:pPr algn="ctr"/>
+            <a:r>
+              <a:rPr lang="en-US" sz="4800" i="1" spc="-50" dirty="0" smtClean="0">
+                <a:latin typeface="+mj-lt"/>
+                <a:ea typeface="+mj-ea"/>
+                <a:cs typeface="+mj-cs"/>
+              </a:rPr>
+              <a:t>in </a:t>
+            </a:r>
             <a:r>
               <a:rPr lang="en-US" sz="4800" i="1" spc="-50" dirty="0">
                 <a:latin typeface="+mj-lt"/>
                 <a:ea typeface="+mj-ea"/>
                 <a:cs typeface="+mj-cs"/>
               </a:rPr>
-              <a:t>in your error </a:t>
+              <a:t>your error </a:t>
             </a:r>
             <a:r>
               <a:rPr lang="en-US" sz="4800" i="1" spc="-50" dirty="0" smtClean="0">
@@ -5977,7 +5997,7 @@
   <p:timing>
     <p:tnLst>
       <p:par>
-        <p:cTn id="1" dur="indefinite" restart="never" nodeType="tmRoot"/>
+        <p:cTn xmlns:p14="http://schemas.microsoft.com/office/powerpoint/2010/main" id="1" dur="indefinite" restart="never" nodeType="tmRoot"/>
       </p:par>
     </p:tnLst>
   </p:timing>
@@ -6053,14 +6073,52 @@
           </a:bodyPr>
           <a:lstStyle/>
           <a:p>
+            <a:pPr algn="ctr"/>
             <a:r>
               <a:rPr lang="en-US" sz="4800" i="1" spc="-50" dirty="0">
                 <a:latin typeface="+mj-lt"/>
                 <a:ea typeface="+mj-ea"/>
                 <a:cs typeface="+mj-cs"/>
               </a:rPr>
-              <a:t>“Give example code for any setup needed.”</a:t>
-            </a:r>
+              <a:t>“Give example code </a:t>
+            </a:r>
+            <a:endParaRPr lang="en-US" sz="4800" i="1" spc="-50" dirty="0" smtClean="0">
+              <a:latin typeface="+mj-lt"/>
+              <a:ea typeface="+mj-ea"/>
+              <a:cs typeface="+mj-cs"/>
+            </a:endParaRPr>
+          </a:p>
+          <a:p>
+            <a:pPr algn="ctr"/>
+            <a:r>
+              <a:rPr lang="en-US" sz="4800" i="1" spc="-50" dirty="0" smtClean="0">
+                <a:latin typeface="+mj-lt"/>
+                <a:ea typeface="+mj-ea"/>
+                <a:cs typeface="+mj-cs"/>
+              </a:rPr>
+              <a:t>for </a:t>
+            </a:r>
+            <a:r>
+              <a:rPr lang="en-US" sz="4800" i="1" spc="-50" dirty="0">
+                <a:latin typeface="+mj-lt"/>
+                <a:ea typeface="+mj-ea"/>
+                <a:cs typeface="+mj-cs"/>
+              </a:rPr>
+              <a:t>any setup </a:t>
+            </a:r>
+            <a:r>
+              <a:rPr lang="en-US" sz="4800" i="1" spc="-50" dirty="0" smtClean="0">
+                <a:latin typeface="+mj-lt"/>
+                <a:ea typeface="+mj-ea"/>
+                <a:cs typeface="+mj-cs"/>
+              </a:rPr>
+              <a:t>needed”</a:t>
+            </a:r>
+            <a:endParaRPr lang="en-US" sz="4800" i="1" spc="-50" dirty="0">
+              <a:latin typeface="+mj-lt"/>
+              <a:ea typeface="+mj-ea"/>
+              <a:cs typeface="+mj-cs"/>
+            </a:endParaRPr>
           </a:p>
         </p:txBody>
       </p:sp>
@@ -6130,7 +6188,495 @@
   <p:timing>
     <p:tnLst>
       <p:par>
-        <p:cTn id="1" dur="indefinite" restart="never" nodeType="tmRoot"/>
+        <p:cTn xmlns:p14="http://schemas.microsoft.com/office/powerpoint/2010/main" id="1" dur="indefinite" restart="never" nodeType="tmRoot"/>
+      </p:par>
+    </p:tnLst>
+  </p:timing>
+</p:sld>
+</file>
+
+<file path=ppt/slides/slide7.xml><?xml version="1.0" encoding="utf-8"?>
+<p:sld xmlns:a="http://schemas.openxmlformats.org/drawingml/2006/main" xmlns:r="http://schemas.openxmlformats.org/officeDocument/2006/relationships" xmlns:p="http://schemas.openxmlformats.org/presentationml/2006/main">
+  <p:cSld>
+    <p:spTree>
+      <p:nvGrpSpPr>
+        <p:cNvPr id="1" name=""/>
+        <p:cNvGrpSpPr/>
+        <p:nvPr/>
+      </p:nvGrpSpPr>
+      <p:grpSpPr>
+        <a:xfrm>
+          <a:off x="0" y="0"/>
+          <a:ext cx="0" cy="0"/>
+          <a:chOff x="0" y="0"/>
+          <a:chExt cx="0" cy="0"/>
+        </a:xfrm>
+      </p:grpSpPr>
+      <p:sp>
+        <p:nvSpPr>
+          <p:cNvPr id="2" name="Title 1"/>
+          <p:cNvSpPr>
+            <a:spLocks noGrp="1"/>
+          </p:cNvSpPr>
+          <p:nvPr>
+            <p:ph type="title" idx="4294967295"/>
+          </p:nvPr>
+        </p:nvSpPr>
+        <p:spPr>
+          <a:xfrm>
+            <a:off x="1097280" y="264188"/>
+            <a:ext cx="10058400" cy="1025525"/>
+          </a:xfrm>
+        </p:spPr>
+        <p:txBody>
+          <a:bodyPr>
+            <a:normAutofit/>
+          </a:bodyPr>
+          <a:lstStyle/>
+          <a:p>
+            <a:r>
+              <a:rPr lang="en-US" sz="3600" dirty="0" smtClean="0"/>
+              <a:t>This exception proves the rule…</a:t>
+            </a:r>
+            <a:endParaRPr lang="en-US" sz="3600" dirty="0"/>
+          </a:p>
+        </p:txBody>
+      </p:sp>
+      <p:sp>
+        <p:nvSpPr>
+          <p:cNvPr id="3" name="Content Placeholder 2"/>
+          <p:cNvSpPr>
+            <a:spLocks noGrp="1"/>
+          </p:cNvSpPr>
+          <p:nvPr>
+            <p:ph idx="4294967295"/>
+          </p:nvPr>
+        </p:nvSpPr>
+        <p:spPr>
+          <a:xfrm>
+            <a:off x="1097280" y="1414804"/>
+            <a:ext cx="10058400" cy="4024313"/>
+          </a:xfrm>
+        </p:spPr>
+        <p:txBody>
+          <a:bodyPr anchor="ctr">
+            <a:normAutofit/>
+          </a:bodyPr>
+          <a:lstStyle/>
+          <a:p>
+            <a:pPr algn="ctr"/>
+            <a:r>
+              <a:rPr lang="en-US" sz="4800" i="1" spc="-50" dirty="0" smtClean="0">
+                <a:latin typeface="+mj-lt"/>
+                <a:ea typeface="+mj-ea"/>
+                <a:cs typeface="+mj-cs"/>
+              </a:rPr>
+              <a:t>“Print other variables to provide context”</a:t>
+            </a:r>
+            <a:endParaRPr lang="en-US" sz="4800" i="1" spc="-50" dirty="0">
+              <a:latin typeface="+mj-lt"/>
+              <a:ea typeface="+mj-ea"/>
+              <a:cs typeface="+mj-cs"/>
+            </a:endParaRPr>
+          </a:p>
+        </p:txBody>
+      </p:sp>
+      <p:sp>
+        <p:nvSpPr>
+          <p:cNvPr id="4" name="Title 1"/>
+          <p:cNvSpPr txBox="1">
+            <a:spLocks/>
+          </p:cNvSpPr>
+          <p:nvPr/>
+        </p:nvSpPr>
+        <p:spPr>
+          <a:xfrm>
+            <a:off x="1097280" y="5234030"/>
+            <a:ext cx="10058400" cy="1025730"/>
+          </a:xfrm>
+          <a:prstGeom prst="rect">
+            <a:avLst/>
+          </a:prstGeom>
+        </p:spPr>
+        <p:txBody>
+          <a:bodyPr vert="horz" lIns="91440" tIns="45720" rIns="91440" bIns="45720" rtlCol="0" anchor="b">
+            <a:normAutofit/>
+          </a:bodyPr>
+          <a:lstStyle>
+            <a:lvl1pPr algn="l" defTabSz="914400" rtl="0" eaLnBrk="1" latinLnBrk="0" hangingPunct="1">
+              <a:lnSpc>
+                <a:spcPct val="85000"/>
+              </a:lnSpc>
+              <a:spcBef>
+                <a:spcPct val="0"/>
+              </a:spcBef>
+              <a:buNone/>
+              <a:defRPr sz="4800" kern="1200" spc="-50" baseline="0">
+                <a:solidFill>
+                  <a:schemeClr val="tx1">
+                    <a:lumMod val="75000"/>
+                    <a:lumOff val="25000"/>
+                  </a:schemeClr>
+                </a:solidFill>
+                <a:latin typeface="+mj-lt"/>
+                <a:ea typeface="+mj-ea"/>
+                <a:cs typeface="+mj-cs"/>
+              </a:defRPr>
+            </a:lvl1pPr>
+          </a:lstStyle>
+          <a:p>
+            <a:pPr algn="r"/>
+            <a:r>
+              <a:rPr lang="en-US" sz="3600" dirty="0" smtClean="0"/>
+              <a:t>…to give the confused coder some guidance</a:t>
+            </a:r>
+            <a:endParaRPr lang="en-US" sz="3600" dirty="0"/>
+          </a:p>
+        </p:txBody>
+      </p:sp>
+    </p:spTree>
+    <p:extLst>
+      <p:ext uri="{BB962C8B-B14F-4D97-AF65-F5344CB8AC3E}">
+        <p14:creationId xmlns:p14="http://schemas.microsoft.com/office/powerpoint/2010/main" val="3834345920"/>
+      </p:ext>
+    </p:extLst>
+  </p:cSld>
+  <p:clrMapOvr>
+    <a:masterClrMapping/>
+  </p:clrMapOvr>
+  <p:timing>
+    <p:tnLst>
+      <p:par>
+        <p:cTn xmlns:p14="http://schemas.microsoft.com/office/powerpoint/2010/main" id="1" dur="indefinite" restart="never" nodeType="tmRoot"/>
+      </p:par>
+    </p:tnLst>
+  </p:timing>
+</p:sld>
+</file>
+
+<file path=ppt/slides/slide8.xml><?xml version="1.0" encoding="utf-8"?>
+<p:sld xmlns:a="http://schemas.openxmlformats.org/drawingml/2006/main" xmlns:r="http://schemas.openxmlformats.org/officeDocument/2006/relationships" xmlns:p="http://schemas.openxmlformats.org/presentationml/2006/main">
+  <p:cSld>
+    <p:spTree>
+      <p:nvGrpSpPr>
+        <p:cNvPr id="1" name=""/>
+        <p:cNvGrpSpPr/>
+        <p:nvPr/>
+      </p:nvGrpSpPr>
+      <p:grpSpPr>
+        <a:xfrm>
+          <a:off x="0" y="0"/>
+          <a:ext cx="0" cy="0"/>
+          <a:chOff x="0" y="0"/>
+          <a:chExt cx="0" cy="0"/>
+        </a:xfrm>
+      </p:grpSpPr>
+      <p:sp>
+        <p:nvSpPr>
+          <p:cNvPr id="2" name="Title 1"/>
+          <p:cNvSpPr>
+            <a:spLocks noGrp="1"/>
+          </p:cNvSpPr>
+          <p:nvPr>
+            <p:ph type="title" idx="4294967295"/>
+          </p:nvPr>
+        </p:nvSpPr>
+        <p:spPr>
+          <a:xfrm>
+            <a:off x="1097280" y="264188"/>
+            <a:ext cx="10058400" cy="1025525"/>
+          </a:xfrm>
+        </p:spPr>
+        <p:txBody>
+          <a:bodyPr>
+            <a:normAutofit/>
+          </a:bodyPr>
+          <a:lstStyle/>
+          <a:p>
+            <a:r>
+              <a:rPr lang="en-US" sz="3600" dirty="0" smtClean="0"/>
+              <a:t>This exception proves the rule…</a:t>
+            </a:r>
+            <a:endParaRPr lang="en-US" sz="3600" dirty="0"/>
+          </a:p>
+        </p:txBody>
+      </p:sp>
+      <p:sp>
+        <p:nvSpPr>
+          <p:cNvPr id="3" name="Content Placeholder 2"/>
+          <p:cNvSpPr>
+            <a:spLocks noGrp="1"/>
+          </p:cNvSpPr>
+          <p:nvPr>
+            <p:ph idx="4294967295"/>
+          </p:nvPr>
+        </p:nvSpPr>
+        <p:spPr>
+          <a:xfrm>
+            <a:off x="1097280" y="1414804"/>
+            <a:ext cx="10058400" cy="4024313"/>
+          </a:xfrm>
+        </p:spPr>
+        <p:txBody>
+          <a:bodyPr anchor="ctr">
+            <a:normAutofit/>
+          </a:bodyPr>
+          <a:lstStyle/>
+          <a:p>
+            <a:pPr algn="ctr"/>
+            <a:r>
+              <a:rPr lang="en-US" sz="4800" i="1" spc="-50" dirty="0" smtClean="0">
+                <a:latin typeface="+mj-lt"/>
+                <a:ea typeface="+mj-ea"/>
+                <a:cs typeface="+mj-cs"/>
+              </a:rPr>
+              <a:t>“Show examples if </a:t>
+            </a:r>
+          </a:p>
+          <a:p>
+            <a:pPr algn="ctr"/>
+            <a:r>
+              <a:rPr lang="en-US" sz="4800" i="1" spc="-50" dirty="0" smtClean="0">
+                <a:latin typeface="+mj-lt"/>
+                <a:ea typeface="+mj-ea"/>
+                <a:cs typeface="+mj-cs"/>
+              </a:rPr>
+              <a:t>particular formats are required”</a:t>
+            </a:r>
+            <a:endParaRPr lang="en-US" sz="4800" i="1" spc="-50" dirty="0">
+              <a:latin typeface="+mj-lt"/>
+              <a:ea typeface="+mj-ea"/>
+              <a:cs typeface="+mj-cs"/>
+            </a:endParaRPr>
+          </a:p>
+        </p:txBody>
+      </p:sp>
+      <p:sp>
+        <p:nvSpPr>
+          <p:cNvPr id="4" name="Title 1"/>
+          <p:cNvSpPr txBox="1">
+            <a:spLocks/>
+          </p:cNvSpPr>
+          <p:nvPr/>
+        </p:nvSpPr>
+        <p:spPr>
+          <a:xfrm>
+            <a:off x="1097280" y="5234030"/>
+            <a:ext cx="10058400" cy="1025730"/>
+          </a:xfrm>
+          <a:prstGeom prst="rect">
+            <a:avLst/>
+          </a:prstGeom>
+        </p:spPr>
+        <p:txBody>
+          <a:bodyPr vert="horz" lIns="91440" tIns="45720" rIns="91440" bIns="45720" rtlCol="0" anchor="b">
+            <a:normAutofit/>
+          </a:bodyPr>
+          <a:lstStyle>
+            <a:lvl1pPr algn="l" defTabSz="914400" rtl="0" eaLnBrk="1" latinLnBrk="0" hangingPunct="1">
+              <a:lnSpc>
+                <a:spcPct val="85000"/>
+              </a:lnSpc>
+              <a:spcBef>
+                <a:spcPct val="0"/>
+              </a:spcBef>
+              <a:buNone/>
+              <a:defRPr sz="4800" kern="1200" spc="-50" baseline="0">
+                <a:solidFill>
+                  <a:schemeClr val="tx1">
+                    <a:lumMod val="75000"/>
+                    <a:lumOff val="25000"/>
+                  </a:schemeClr>
+                </a:solidFill>
+                <a:latin typeface="+mj-lt"/>
+                <a:ea typeface="+mj-ea"/>
+                <a:cs typeface="+mj-cs"/>
+              </a:defRPr>
+            </a:lvl1pPr>
+          </a:lstStyle>
+          <a:p>
+            <a:pPr algn="r"/>
+            <a:r>
+              <a:rPr lang="en-US" sz="3600" dirty="0" smtClean="0"/>
+              <a:t>…to give the confused coder some guidance</a:t>
+            </a:r>
+            <a:endParaRPr lang="en-US" sz="3600" dirty="0"/>
+          </a:p>
+        </p:txBody>
+      </p:sp>
+    </p:spTree>
+    <p:extLst>
+      <p:ext uri="{BB962C8B-B14F-4D97-AF65-F5344CB8AC3E}">
+        <p14:creationId xmlns:p14="http://schemas.microsoft.com/office/powerpoint/2010/main" val="309843548"/>
+      </p:ext>
+    </p:extLst>
+  </p:cSld>
+  <p:clrMapOvr>
+    <a:masterClrMapping/>
+  </p:clrMapOvr>
+  <p:timing>
+    <p:tnLst>
+      <p:par>
+        <p:cTn xmlns:p14="http://schemas.microsoft.com/office/powerpoint/2010/main" id="1" dur="indefinite" restart="never" nodeType="tmRoot"/>
+      </p:par>
+    </p:tnLst>
+  </p:timing>
+</p:sld>
+</file>
+
+<file path=ppt/slides/slide9.xml><?xml version="1.0" encoding="utf-8"?>
+<p:sld xmlns:a="http://schemas.openxmlformats.org/drawingml/2006/main" xmlns:r="http://schemas.openxmlformats.org/officeDocument/2006/relationships" xmlns:p="http://schemas.openxmlformats.org/presentationml/2006/main">
+  <p:cSld>
+    <p:spTree>
+      <p:nvGrpSpPr>
+        <p:cNvPr id="1" name=""/>
+        <p:cNvGrpSpPr/>
+        <p:nvPr/>
+      </p:nvGrpSpPr>
+      <p:grpSpPr>
+        <a:xfrm>
+          <a:off x="0" y="0"/>
+          <a:ext cx="0" cy="0"/>
+          <a:chOff x="0" y="0"/>
+          <a:chExt cx="0" cy="0"/>
+        </a:xfrm>
+      </p:grpSpPr>
+      <p:sp>
+        <p:nvSpPr>
+          <p:cNvPr id="2" name="Title 1"/>
+          <p:cNvSpPr>
+            <a:spLocks noGrp="1"/>
+          </p:cNvSpPr>
+          <p:nvPr>
+            <p:ph type="title" idx="4294967295"/>
+          </p:nvPr>
+        </p:nvSpPr>
+        <p:spPr>
+          <a:xfrm>
+            <a:off x="1097280" y="264188"/>
+            <a:ext cx="10058400" cy="1025525"/>
+          </a:xfrm>
+        </p:spPr>
+        <p:txBody>
+          <a:bodyPr>
+            <a:normAutofit/>
+          </a:bodyPr>
+          <a:lstStyle/>
+          <a:p>
+            <a:r>
+              <a:rPr lang="en-US" sz="3600" dirty="0" smtClean="0"/>
+              <a:t>This exception proves the rule…</a:t>
+            </a:r>
+            <a:endParaRPr lang="en-US" sz="3600" dirty="0"/>
+          </a:p>
+        </p:txBody>
+      </p:sp>
+      <p:sp>
+        <p:nvSpPr>
+          <p:cNvPr id="3" name="Content Placeholder 2"/>
+          <p:cNvSpPr>
+            <a:spLocks noGrp="1"/>
+          </p:cNvSpPr>
+          <p:nvPr>
+            <p:ph idx="4294967295"/>
+          </p:nvPr>
+        </p:nvSpPr>
+        <p:spPr>
+          <a:xfrm>
+            <a:off x="1097280" y="1414804"/>
+            <a:ext cx="10058400" cy="4024313"/>
+          </a:xfrm>
+        </p:spPr>
+        <p:txBody>
+          <a:bodyPr anchor="ctr">
+            <a:normAutofit/>
+          </a:bodyPr>
+          <a:lstStyle/>
+          <a:p>
+            <a:pPr algn="ctr"/>
+            <a:r>
+              <a:rPr lang="en-US" sz="4800" i="1" spc="-50" dirty="0" smtClean="0">
+                <a:latin typeface="+mj-lt"/>
+                <a:ea typeface="+mj-ea"/>
+                <a:cs typeface="+mj-cs"/>
+              </a:rPr>
+              <a:t>“Point to online documentation”</a:t>
+            </a:r>
+            <a:endParaRPr lang="en-US" sz="4800" i="1" spc="-50" dirty="0">
+              <a:latin typeface="+mj-lt"/>
+              <a:ea typeface="+mj-ea"/>
+              <a:cs typeface="+mj-cs"/>
+            </a:endParaRPr>
+          </a:p>
+        </p:txBody>
+      </p:sp>
+      <p:sp>
+        <p:nvSpPr>
+          <p:cNvPr id="4" name="Title 1"/>
+          <p:cNvSpPr txBox="1">
+            <a:spLocks/>
+          </p:cNvSpPr>
+          <p:nvPr/>
+        </p:nvSpPr>
+        <p:spPr>
+          <a:xfrm>
+            <a:off x="1097280" y="5234030"/>
+            <a:ext cx="10058400" cy="1025730"/>
+          </a:xfrm>
+          <a:prstGeom prst="rect">
+            <a:avLst/>
+          </a:prstGeom>
+        </p:spPr>
+        <p:txBody>
+          <a:bodyPr vert="horz" lIns="91440" tIns="45720" rIns="91440" bIns="45720" rtlCol="0" anchor="b">
+            <a:normAutofit/>
+          </a:bodyPr>
+          <a:lstStyle>
+            <a:lvl1pPr algn="l" defTabSz="914400" rtl="0" eaLnBrk="1" latinLnBrk="0" hangingPunct="1">
+              <a:lnSpc>
+                <a:spcPct val="85000"/>
+              </a:lnSpc>
+              <a:spcBef>
+                <a:spcPct val="0"/>
+              </a:spcBef>
+              <a:buNone/>
+              <a:defRPr sz="4800" kern="1200" spc="-50" baseline="0">
+                <a:solidFill>
+                  <a:schemeClr val="tx1">
+                    <a:lumMod val="75000"/>
+                    <a:lumOff val="25000"/>
+                  </a:schemeClr>
+                </a:solidFill>
+                <a:latin typeface="+mj-lt"/>
+                <a:ea typeface="+mj-ea"/>
+                <a:cs typeface="+mj-cs"/>
+              </a:defRPr>
+            </a:lvl1pPr>
+          </a:lstStyle>
+          <a:p>
+            <a:pPr algn="r"/>
+            <a:r>
+              <a:rPr lang="en-US" sz="3600" dirty="0" smtClean="0"/>
+              <a:t>…to give the confused coder some guidance</a:t>
+            </a:r>
+            <a:endParaRPr lang="en-US" sz="3600" dirty="0"/>
+          </a:p>
+        </p:txBody>
+      </p:sp>
+    </p:spTree>
+    <p:extLst>
+      <p:ext uri="{BB962C8B-B14F-4D97-AF65-F5344CB8AC3E}">
+        <p14:creationId xmlns:p14="http://schemas.microsoft.com/office/powerpoint/2010/main" val="1162058314"/>
+      </p:ext>
+    </p:extLst>
+  </p:cSld>
+  <p:clrMapOvr>
+    <a:masterClrMapping/>
+  </p:clrMapOvr>
+  <p:timing>
+    <p:tnLst>
+      <p:par>
+        <p:cTn xmlns:p14="http://schemas.microsoft.com/office/powerpoint/2010/main" id="1" dur="indefinite" restart="never" nodeType="tmRoot"/>
       </p:par>
     </p:tnLst>
   </p:timing>
@@ -6414,7 +6960,7 @@
   <a:extraClrSchemeLst/>
   <a:extLst>
     <a:ext uri="{05A4C25C-085E-4340-85A3-A5531E510DB2}">
-      <thm15:themeFamily xmlns:thm15="http://schemas.microsoft.com/office/thememl/2012/main" name="Retrospect" id="{5F128B03-DCCA-4EEB-AB3B-CF2899314A46}" vid="{9CC26709-368C-4D72-9060-94E5B3FF3CD6}"/>
+      <thm15:themeFamily xmlns:thm15="http://schemas.microsoft.com/office/thememl/2012/main" xmlns="" name="Retrospect" id="{5F128B03-DCCA-4EEB-AB3B-CF2899314A46}" vid="{9CC26709-368C-4D72-9060-94E5B3FF3CD6}"/>
     </a:ext>
   </a:extLst>
 </a:theme>

--- a/Talk.pptx
+++ b/Talk.pptx
@@ -6,14 +6,19 @@
   </p:sldMasterIdLst>
   <p:sldIdLst>
     <p:sldId id="256" r:id="rId2"/>
-    <p:sldId id="257" r:id="rId3"/>
-    <p:sldId id="258" r:id="rId4"/>
-    <p:sldId id="259" r:id="rId5"/>
-    <p:sldId id="260" r:id="rId6"/>
-    <p:sldId id="262" r:id="rId7"/>
-    <p:sldId id="263" r:id="rId8"/>
-    <p:sldId id="264" r:id="rId9"/>
-    <p:sldId id="265" r:id="rId10"/>
+    <p:sldId id="266" r:id="rId3"/>
+    <p:sldId id="257" r:id="rId4"/>
+    <p:sldId id="258" r:id="rId5"/>
+    <p:sldId id="259" r:id="rId6"/>
+    <p:sldId id="260" r:id="rId7"/>
+    <p:sldId id="268" r:id="rId8"/>
+    <p:sldId id="269" r:id="rId9"/>
+    <p:sldId id="270" r:id="rId10"/>
+    <p:sldId id="263" r:id="rId11"/>
+    <p:sldId id="271" r:id="rId12"/>
+    <p:sldId id="262" r:id="rId13"/>
+    <p:sldId id="264" r:id="rId14"/>
+    <p:sldId id="265" r:id="rId15"/>
   </p:sldIdLst>
   <p:sldSz cx="12192000" cy="6858000"/>
   <p:notesSz cx="6858000" cy="9144000"/>
@@ -114,7 +119,7 @@
   </p:defaultTextStyle>
   <p:extLst>
     <p:ext uri="{EFAFB233-063F-42B5-8137-9DF3F51BA10A}">
-      <p15:sldGuideLst xmlns:p15="http://schemas.microsoft.com/office/powerpoint/2012/main" xmlns="">
+      <p15:sldGuideLst xmlns:p15="http://schemas.microsoft.com/office/powerpoint/2012/main">
         <p15:guide id="1" orient="horz" pos="2160">
           <p15:clr>
             <a:srgbClr val="A4A3A4"/>
@@ -357,7 +362,7 @@
           <a:p>
             <a:fld id="{96DFF08F-DC6B-4601-B491-B0F83F6DD2DA}" type="datetimeFigureOut">
               <a:rPr lang="en-US" dirty="0"/>
-              <a:t>6/11/14</a:t>
+              <a:t>6/15/2014</a:t>
             </a:fld>
             <a:endParaRPr lang="en-US" dirty="0"/>
           </a:p>
@@ -560,7 +565,7 @@
           <a:p>
             <a:fld id="{96DFF08F-DC6B-4601-B491-B0F83F6DD2DA}" type="datetimeFigureOut">
               <a:rPr lang="en-US" dirty="0"/>
-              <a:t>6/11/14</a:t>
+              <a:t>6/15/2014</a:t>
             </a:fld>
             <a:endParaRPr lang="en-US" dirty="0"/>
           </a:p>
@@ -811,7 +816,7 @@
           <a:p>
             <a:fld id="{96DFF08F-DC6B-4601-B491-B0F83F6DD2DA}" type="datetimeFigureOut">
               <a:rPr lang="en-US" dirty="0"/>
-              <a:t>6/11/14</a:t>
+              <a:t>6/15/2014</a:t>
             </a:fld>
             <a:endParaRPr lang="en-US" dirty="0"/>
           </a:p>
@@ -976,7 +981,7 @@
           <a:p>
             <a:fld id="{D62CEF3B-A037-46D0-B02C-1428F07E9383}" type="datetimeFigureOut">
               <a:rPr lang="en-US" dirty="0"/>
-              <a:t>6/11/14</a:t>
+              <a:t>6/15/2014</a:t>
             </a:fld>
             <a:endParaRPr lang="en-US" dirty="0"/>
           </a:p>
@@ -1314,7 +1319,7 @@
           <a:p>
             <a:fld id="{96DFF08F-DC6B-4601-B491-B0F83F6DD2DA}" type="datetimeFigureOut">
               <a:rPr lang="en-US" dirty="0"/>
-              <a:t>6/11/14</a:t>
+              <a:t>6/15/2014</a:t>
             </a:fld>
             <a:endParaRPr lang="en-US" dirty="0"/>
           </a:p>
@@ -1584,7 +1589,7 @@
           <a:p>
             <a:fld id="{96DFF08F-DC6B-4601-B491-B0F83F6DD2DA}" type="datetimeFigureOut">
               <a:rPr lang="en-US" dirty="0"/>
-              <a:t>6/11/14</a:t>
+              <a:t>6/15/2014</a:t>
             </a:fld>
             <a:endParaRPr lang="en-US" dirty="0"/>
           </a:p>
@@ -1958,7 +1963,7 @@
           <a:p>
             <a:fld id="{96DFF08F-DC6B-4601-B491-B0F83F6DD2DA}" type="datetimeFigureOut">
               <a:rPr lang="en-US" dirty="0"/>
-              <a:t>6/11/14</a:t>
+              <a:t>6/15/2014</a:t>
             </a:fld>
             <a:endParaRPr lang="en-US" dirty="0"/>
           </a:p>
@@ -2071,7 +2076,7 @@
           <a:p>
             <a:fld id="{96DFF08F-DC6B-4601-B491-B0F83F6DD2DA}" type="datetimeFigureOut">
               <a:rPr lang="en-US" dirty="0"/>
-              <a:t>6/11/14</a:t>
+              <a:t>6/15/2014</a:t>
             </a:fld>
             <a:endParaRPr lang="en-US" dirty="0"/>
           </a:p>
@@ -2238,7 +2243,7 @@
             <a:fld id="{96DFF08F-DC6B-4601-B491-B0F83F6DD2DA}" type="datetimeFigureOut">
               <a:rPr lang="en-US" dirty="0"/>
               <a:pPr/>
-              <a:t>6/11/14</a:t>
+              <a:t>6/15/2014</a:t>
             </a:fld>
             <a:endParaRPr lang="en-US" dirty="0"/>
           </a:p>
@@ -2589,7 +2594,7 @@
             <a:fld id="{96DFF08F-DC6B-4601-B491-B0F83F6DD2DA}" type="datetimeFigureOut">
               <a:rPr lang="en-US" dirty="0"/>
               <a:pPr/>
-              <a:t>6/11/14</a:t>
+              <a:t>6/15/2014</a:t>
             </a:fld>
             <a:endParaRPr lang="en-US" dirty="0"/>
           </a:p>
@@ -2962,7 +2967,7 @@
           <a:p>
             <a:fld id="{96DFF08F-DC6B-4601-B491-B0F83F6DD2DA}" type="datetimeFigureOut">
               <a:rPr lang="en-US" dirty="0"/>
-              <a:t>6/11/14</a:t>
+              <a:t>6/15/2014</a:t>
             </a:fld>
             <a:endParaRPr lang="en-US" dirty="0"/>
           </a:p>
@@ -3245,7 +3250,7 @@
             <a:fld id="{96DFF08F-DC6B-4601-B491-B0F83F6DD2DA}" type="datetimeFigureOut">
               <a:rPr lang="en-US" dirty="0"/>
               <a:pPr/>
-              <a:t>6/11/14</a:t>
+              <a:t>6/15/2014</a:t>
             </a:fld>
             <a:endParaRPr lang="en-US" dirty="0"/>
           </a:p>
@@ -3816,7 +3821,887 @@
   <p:timing>
     <p:tnLst>
       <p:par>
-        <p:cTn xmlns:p14="http://schemas.microsoft.com/office/powerpoint/2010/main" id="1" dur="indefinite" restart="never" nodeType="tmRoot"/>
+        <p:cTn id="1" dur="indefinite" restart="never" nodeType="tmRoot"/>
+      </p:par>
+    </p:tnLst>
+  </p:timing>
+</p:sld>
+</file>
+
+<file path=ppt/slides/slide10.xml><?xml version="1.0" encoding="utf-8"?>
+<p:sld xmlns:a="http://schemas.openxmlformats.org/drawingml/2006/main" xmlns:r="http://schemas.openxmlformats.org/officeDocument/2006/relationships" xmlns:p="http://schemas.openxmlformats.org/presentationml/2006/main">
+  <p:cSld>
+    <p:spTree>
+      <p:nvGrpSpPr>
+        <p:cNvPr id="1" name=""/>
+        <p:cNvGrpSpPr/>
+        <p:nvPr/>
+      </p:nvGrpSpPr>
+      <p:grpSpPr>
+        <a:xfrm>
+          <a:off x="0" y="0"/>
+          <a:ext cx="0" cy="0"/>
+          <a:chOff x="0" y="0"/>
+          <a:chExt cx="0" cy="0"/>
+        </a:xfrm>
+      </p:grpSpPr>
+      <p:sp>
+        <p:nvSpPr>
+          <p:cNvPr id="2" name="Title 1"/>
+          <p:cNvSpPr>
+            <a:spLocks noGrp="1"/>
+          </p:cNvSpPr>
+          <p:nvPr>
+            <p:ph type="title" idx="4294967295"/>
+          </p:nvPr>
+        </p:nvSpPr>
+        <p:spPr>
+          <a:xfrm>
+            <a:off x="1097280" y="264188"/>
+            <a:ext cx="10058400" cy="1025525"/>
+          </a:xfrm>
+        </p:spPr>
+        <p:txBody>
+          <a:bodyPr>
+            <a:normAutofit/>
+          </a:bodyPr>
+          <a:lstStyle/>
+          <a:p>
+            <a:r>
+              <a:rPr lang="en-US" sz="3600" dirty="0" smtClean="0"/>
+              <a:t>This exception proves the rule…</a:t>
+            </a:r>
+            <a:endParaRPr lang="en-US" sz="3600" dirty="0"/>
+          </a:p>
+        </p:txBody>
+      </p:sp>
+      <p:sp>
+        <p:nvSpPr>
+          <p:cNvPr id="3" name="Content Placeholder 2"/>
+          <p:cNvSpPr>
+            <a:spLocks noGrp="1"/>
+          </p:cNvSpPr>
+          <p:nvPr>
+            <p:ph idx="4294967295"/>
+          </p:nvPr>
+        </p:nvSpPr>
+        <p:spPr>
+          <a:xfrm>
+            <a:off x="1097280" y="1414804"/>
+            <a:ext cx="10058400" cy="4024313"/>
+          </a:xfrm>
+        </p:spPr>
+        <p:txBody>
+          <a:bodyPr anchor="ctr">
+            <a:normAutofit/>
+          </a:bodyPr>
+          <a:lstStyle/>
+          <a:p>
+            <a:pPr algn="ctr"/>
+            <a:r>
+              <a:rPr lang="en-US" sz="4800" i="1" spc="-50" dirty="0" smtClean="0">
+                <a:latin typeface="+mj-lt"/>
+                <a:ea typeface="+mj-ea"/>
+                <a:cs typeface="+mj-cs"/>
+              </a:rPr>
+              <a:t>“If the framework gives you bad exceptions, throw better ones”</a:t>
+            </a:r>
+            <a:endParaRPr lang="en-US" sz="4800" i="1" spc="-50" dirty="0">
+              <a:latin typeface="+mj-lt"/>
+              <a:ea typeface="+mj-ea"/>
+              <a:cs typeface="+mj-cs"/>
+            </a:endParaRPr>
+          </a:p>
+        </p:txBody>
+      </p:sp>
+      <p:sp>
+        <p:nvSpPr>
+          <p:cNvPr id="4" name="Title 1"/>
+          <p:cNvSpPr txBox="1">
+            <a:spLocks/>
+          </p:cNvSpPr>
+          <p:nvPr/>
+        </p:nvSpPr>
+        <p:spPr>
+          <a:xfrm>
+            <a:off x="1097280" y="5234030"/>
+            <a:ext cx="10058400" cy="1025730"/>
+          </a:xfrm>
+          <a:prstGeom prst="rect">
+            <a:avLst/>
+          </a:prstGeom>
+        </p:spPr>
+        <p:txBody>
+          <a:bodyPr vert="horz" lIns="91440" tIns="45720" rIns="91440" bIns="45720" rtlCol="0" anchor="b">
+            <a:normAutofit/>
+          </a:bodyPr>
+          <a:lstStyle>
+            <a:lvl1pPr algn="l" defTabSz="914400" rtl="0" eaLnBrk="1" latinLnBrk="0" hangingPunct="1">
+              <a:lnSpc>
+                <a:spcPct val="85000"/>
+              </a:lnSpc>
+              <a:spcBef>
+                <a:spcPct val="0"/>
+              </a:spcBef>
+              <a:buNone/>
+              <a:defRPr sz="4800" kern="1200" spc="-50" baseline="0">
+                <a:solidFill>
+                  <a:schemeClr val="tx1">
+                    <a:lumMod val="75000"/>
+                    <a:lumOff val="25000"/>
+                  </a:schemeClr>
+                </a:solidFill>
+                <a:latin typeface="+mj-lt"/>
+                <a:ea typeface="+mj-ea"/>
+                <a:cs typeface="+mj-cs"/>
+              </a:defRPr>
+            </a:lvl1pPr>
+          </a:lstStyle>
+          <a:p>
+            <a:pPr algn="r"/>
+            <a:r>
+              <a:rPr lang="en-US" sz="3600" dirty="0" smtClean="0"/>
+              <a:t>…to give the confused coder some guidance</a:t>
+            </a:r>
+            <a:endParaRPr lang="en-US" sz="3600" dirty="0"/>
+          </a:p>
+        </p:txBody>
+      </p:sp>
+    </p:spTree>
+    <p:extLst>
+      <p:ext uri="{BB962C8B-B14F-4D97-AF65-F5344CB8AC3E}">
+        <p14:creationId xmlns:p14="http://schemas.microsoft.com/office/powerpoint/2010/main" val="3834345920"/>
+      </p:ext>
+    </p:extLst>
+  </p:cSld>
+  <p:clrMapOvr>
+    <a:masterClrMapping/>
+  </p:clrMapOvr>
+  <p:timing>
+    <p:tnLst>
+      <p:par>
+        <p:cTn id="1" dur="indefinite" restart="never" nodeType="tmRoot"/>
+      </p:par>
+    </p:tnLst>
+  </p:timing>
+</p:sld>
+</file>
+
+<file path=ppt/slides/slide11.xml><?xml version="1.0" encoding="utf-8"?>
+<p:sld xmlns:a="http://schemas.openxmlformats.org/drawingml/2006/main" xmlns:r="http://schemas.openxmlformats.org/officeDocument/2006/relationships" xmlns:p="http://schemas.openxmlformats.org/presentationml/2006/main">
+  <p:cSld>
+    <p:spTree>
+      <p:nvGrpSpPr>
+        <p:cNvPr id="1" name=""/>
+        <p:cNvGrpSpPr/>
+        <p:nvPr/>
+      </p:nvGrpSpPr>
+      <p:grpSpPr>
+        <a:xfrm>
+          <a:off x="0" y="0"/>
+          <a:ext cx="0" cy="0"/>
+          <a:chOff x="0" y="0"/>
+          <a:chExt cx="0" cy="0"/>
+        </a:xfrm>
+      </p:grpSpPr>
+      <p:sp>
+        <p:nvSpPr>
+          <p:cNvPr id="2" name="Title 1"/>
+          <p:cNvSpPr>
+            <a:spLocks noGrp="1"/>
+          </p:cNvSpPr>
+          <p:nvPr>
+            <p:ph type="title" idx="4294967295"/>
+          </p:nvPr>
+        </p:nvSpPr>
+        <p:spPr>
+          <a:xfrm>
+            <a:off x="1097280" y="264188"/>
+            <a:ext cx="10058400" cy="1025525"/>
+          </a:xfrm>
+        </p:spPr>
+        <p:txBody>
+          <a:bodyPr>
+            <a:normAutofit/>
+          </a:bodyPr>
+          <a:lstStyle/>
+          <a:p>
+            <a:r>
+              <a:rPr lang="en-US" sz="3600" dirty="0" smtClean="0"/>
+              <a:t>This exception proves the rule…</a:t>
+            </a:r>
+            <a:endParaRPr lang="en-US" sz="3600" dirty="0"/>
+          </a:p>
+        </p:txBody>
+      </p:sp>
+      <p:sp>
+        <p:nvSpPr>
+          <p:cNvPr id="3" name="Content Placeholder 2"/>
+          <p:cNvSpPr>
+            <a:spLocks noGrp="1"/>
+          </p:cNvSpPr>
+          <p:nvPr>
+            <p:ph idx="4294967295"/>
+          </p:nvPr>
+        </p:nvSpPr>
+        <p:spPr>
+          <a:xfrm>
+            <a:off x="1097280" y="1414804"/>
+            <a:ext cx="10058400" cy="4024313"/>
+          </a:xfrm>
+        </p:spPr>
+        <p:txBody>
+          <a:bodyPr anchor="ctr">
+            <a:normAutofit/>
+          </a:bodyPr>
+          <a:lstStyle/>
+          <a:p>
+            <a:pPr algn="ctr"/>
+            <a:r>
+              <a:rPr lang="en-US" sz="4800" i="1" spc="-50" dirty="0" smtClean="0">
+                <a:latin typeface="+mj-lt"/>
+                <a:ea typeface="+mj-ea"/>
+                <a:cs typeface="+mj-cs"/>
+              </a:rPr>
+              <a:t>“Print other variables to provide context”</a:t>
+            </a:r>
+            <a:endParaRPr lang="en-US" sz="4800" i="1" spc="-50" dirty="0">
+              <a:latin typeface="+mj-lt"/>
+              <a:ea typeface="+mj-ea"/>
+              <a:cs typeface="+mj-cs"/>
+            </a:endParaRPr>
+          </a:p>
+        </p:txBody>
+      </p:sp>
+      <p:sp>
+        <p:nvSpPr>
+          <p:cNvPr id="4" name="Title 1"/>
+          <p:cNvSpPr txBox="1">
+            <a:spLocks/>
+          </p:cNvSpPr>
+          <p:nvPr/>
+        </p:nvSpPr>
+        <p:spPr>
+          <a:xfrm>
+            <a:off x="1097280" y="5234030"/>
+            <a:ext cx="10058400" cy="1025730"/>
+          </a:xfrm>
+          <a:prstGeom prst="rect">
+            <a:avLst/>
+          </a:prstGeom>
+        </p:spPr>
+        <p:txBody>
+          <a:bodyPr vert="horz" lIns="91440" tIns="45720" rIns="91440" bIns="45720" rtlCol="0" anchor="b">
+            <a:normAutofit/>
+          </a:bodyPr>
+          <a:lstStyle>
+            <a:lvl1pPr algn="l" defTabSz="914400" rtl="0" eaLnBrk="1" latinLnBrk="0" hangingPunct="1">
+              <a:lnSpc>
+                <a:spcPct val="85000"/>
+              </a:lnSpc>
+              <a:spcBef>
+                <a:spcPct val="0"/>
+              </a:spcBef>
+              <a:buNone/>
+              <a:defRPr sz="4800" kern="1200" spc="-50" baseline="0">
+                <a:solidFill>
+                  <a:schemeClr val="tx1">
+                    <a:lumMod val="75000"/>
+                    <a:lumOff val="25000"/>
+                  </a:schemeClr>
+                </a:solidFill>
+                <a:latin typeface="+mj-lt"/>
+                <a:ea typeface="+mj-ea"/>
+                <a:cs typeface="+mj-cs"/>
+              </a:defRPr>
+            </a:lvl1pPr>
+          </a:lstStyle>
+          <a:p>
+            <a:pPr algn="r"/>
+            <a:r>
+              <a:rPr lang="en-US" sz="3600" dirty="0" smtClean="0"/>
+              <a:t>…to give the confused coder some guidance</a:t>
+            </a:r>
+            <a:endParaRPr lang="en-US" sz="3600" dirty="0"/>
+          </a:p>
+        </p:txBody>
+      </p:sp>
+      <p:sp>
+        <p:nvSpPr>
+          <p:cNvPr id="5" name="Rectangle 4"/>
+          <p:cNvSpPr/>
+          <p:nvPr/>
+        </p:nvSpPr>
+        <p:spPr>
+          <a:xfrm>
+            <a:off x="5040683" y="4413387"/>
+            <a:ext cx="7151317" cy="461665"/>
+          </a:xfrm>
+          <a:prstGeom prst="rect">
+            <a:avLst/>
+          </a:prstGeom>
+        </p:spPr>
+        <p:txBody>
+          <a:bodyPr wrap="none">
+            <a:spAutoFit/>
+          </a:bodyPr>
+          <a:lstStyle/>
+          <a:p>
+            <a:r>
+              <a:rPr lang="en-US" sz="2400" dirty="0">
+                <a:solidFill>
+                  <a:schemeClr val="bg1">
+                    <a:lumMod val="50000"/>
+                  </a:schemeClr>
+                </a:solidFill>
+                <a:latin typeface="Consolas" panose="020B0609020204030204" pitchFamily="49" charset="0"/>
+              </a:rPr>
+              <a:t>Rectangle '{X=0,Y=0,Width=189,Height=0}' </a:t>
+            </a:r>
+            <a:endParaRPr lang="en-US" sz="2400" dirty="0">
+              <a:solidFill>
+                <a:schemeClr val="bg1">
+                  <a:lumMod val="50000"/>
+                </a:schemeClr>
+              </a:solidFill>
+            </a:endParaRPr>
+          </a:p>
+        </p:txBody>
+      </p:sp>
+    </p:spTree>
+    <p:extLst>
+      <p:ext uri="{BB962C8B-B14F-4D97-AF65-F5344CB8AC3E}">
+        <p14:creationId xmlns:p14="http://schemas.microsoft.com/office/powerpoint/2010/main" val="1288993617"/>
+      </p:ext>
+    </p:extLst>
+  </p:cSld>
+  <p:clrMapOvr>
+    <a:masterClrMapping/>
+  </p:clrMapOvr>
+  <p:timing>
+    <p:tnLst>
+      <p:par>
+        <p:cTn id="1" dur="indefinite" restart="never" nodeType="tmRoot"/>
+      </p:par>
+    </p:tnLst>
+  </p:timing>
+</p:sld>
+</file>
+
+<file path=ppt/slides/slide12.xml><?xml version="1.0" encoding="utf-8"?>
+<p:sld xmlns:a="http://schemas.openxmlformats.org/drawingml/2006/main" xmlns:r="http://schemas.openxmlformats.org/officeDocument/2006/relationships" xmlns:p="http://schemas.openxmlformats.org/presentationml/2006/main">
+  <p:cSld>
+    <p:spTree>
+      <p:nvGrpSpPr>
+        <p:cNvPr id="1" name=""/>
+        <p:cNvGrpSpPr/>
+        <p:nvPr/>
+      </p:nvGrpSpPr>
+      <p:grpSpPr>
+        <a:xfrm>
+          <a:off x="0" y="0"/>
+          <a:ext cx="0" cy="0"/>
+          <a:chOff x="0" y="0"/>
+          <a:chExt cx="0" cy="0"/>
+        </a:xfrm>
+      </p:grpSpPr>
+      <p:sp>
+        <p:nvSpPr>
+          <p:cNvPr id="2" name="Title 1"/>
+          <p:cNvSpPr>
+            <a:spLocks noGrp="1"/>
+          </p:cNvSpPr>
+          <p:nvPr>
+            <p:ph type="title" idx="4294967295"/>
+          </p:nvPr>
+        </p:nvSpPr>
+        <p:spPr>
+          <a:xfrm>
+            <a:off x="1097280" y="264188"/>
+            <a:ext cx="10058400" cy="1025525"/>
+          </a:xfrm>
+        </p:spPr>
+        <p:txBody>
+          <a:bodyPr>
+            <a:normAutofit/>
+          </a:bodyPr>
+          <a:lstStyle/>
+          <a:p>
+            <a:r>
+              <a:rPr lang="en-US" sz="3600" dirty="0" smtClean="0"/>
+              <a:t>This exception proves the rule…</a:t>
+            </a:r>
+            <a:endParaRPr lang="en-US" sz="3600" dirty="0"/>
+          </a:p>
+        </p:txBody>
+      </p:sp>
+      <p:sp>
+        <p:nvSpPr>
+          <p:cNvPr id="3" name="Content Placeholder 2"/>
+          <p:cNvSpPr>
+            <a:spLocks noGrp="1"/>
+          </p:cNvSpPr>
+          <p:nvPr>
+            <p:ph idx="4294967295"/>
+          </p:nvPr>
+        </p:nvSpPr>
+        <p:spPr>
+          <a:xfrm>
+            <a:off x="1097280" y="1414804"/>
+            <a:ext cx="10058400" cy="4024313"/>
+          </a:xfrm>
+        </p:spPr>
+        <p:txBody>
+          <a:bodyPr anchor="ctr">
+            <a:normAutofit/>
+          </a:bodyPr>
+          <a:lstStyle/>
+          <a:p>
+            <a:pPr algn="ctr"/>
+            <a:r>
+              <a:rPr lang="en-US" sz="4800" i="1" spc="-50" dirty="0">
+                <a:latin typeface="+mj-lt"/>
+                <a:ea typeface="+mj-ea"/>
+                <a:cs typeface="+mj-cs"/>
+              </a:rPr>
+              <a:t>“Give example code </a:t>
+            </a:r>
+            <a:endParaRPr lang="en-US" sz="4800" i="1" spc="-50" dirty="0" smtClean="0">
+              <a:latin typeface="+mj-lt"/>
+              <a:ea typeface="+mj-ea"/>
+              <a:cs typeface="+mj-cs"/>
+            </a:endParaRPr>
+          </a:p>
+          <a:p>
+            <a:pPr algn="ctr"/>
+            <a:r>
+              <a:rPr lang="en-US" sz="4800" i="1" spc="-50" dirty="0" smtClean="0">
+                <a:latin typeface="+mj-lt"/>
+                <a:ea typeface="+mj-ea"/>
+                <a:cs typeface="+mj-cs"/>
+              </a:rPr>
+              <a:t>for </a:t>
+            </a:r>
+            <a:r>
+              <a:rPr lang="en-US" sz="4800" i="1" spc="-50" dirty="0">
+                <a:latin typeface="+mj-lt"/>
+                <a:ea typeface="+mj-ea"/>
+                <a:cs typeface="+mj-cs"/>
+              </a:rPr>
+              <a:t>any setup </a:t>
+            </a:r>
+            <a:r>
+              <a:rPr lang="en-US" sz="4800" i="1" spc="-50" dirty="0" smtClean="0">
+                <a:latin typeface="+mj-lt"/>
+                <a:ea typeface="+mj-ea"/>
+                <a:cs typeface="+mj-cs"/>
+              </a:rPr>
+              <a:t>needed”</a:t>
+            </a:r>
+            <a:endParaRPr lang="en-US" sz="4800" i="1" spc="-50" dirty="0">
+              <a:latin typeface="+mj-lt"/>
+              <a:ea typeface="+mj-ea"/>
+              <a:cs typeface="+mj-cs"/>
+            </a:endParaRPr>
+          </a:p>
+        </p:txBody>
+      </p:sp>
+      <p:sp>
+        <p:nvSpPr>
+          <p:cNvPr id="4" name="Title 1"/>
+          <p:cNvSpPr txBox="1">
+            <a:spLocks/>
+          </p:cNvSpPr>
+          <p:nvPr/>
+        </p:nvSpPr>
+        <p:spPr>
+          <a:xfrm>
+            <a:off x="1097280" y="5234030"/>
+            <a:ext cx="10058400" cy="1025730"/>
+          </a:xfrm>
+          <a:prstGeom prst="rect">
+            <a:avLst/>
+          </a:prstGeom>
+        </p:spPr>
+        <p:txBody>
+          <a:bodyPr vert="horz" lIns="91440" tIns="45720" rIns="91440" bIns="45720" rtlCol="0" anchor="b">
+            <a:normAutofit/>
+          </a:bodyPr>
+          <a:lstStyle>
+            <a:lvl1pPr algn="l" defTabSz="914400" rtl="0" eaLnBrk="1" latinLnBrk="0" hangingPunct="1">
+              <a:lnSpc>
+                <a:spcPct val="85000"/>
+              </a:lnSpc>
+              <a:spcBef>
+                <a:spcPct val="0"/>
+              </a:spcBef>
+              <a:buNone/>
+              <a:defRPr sz="4800" kern="1200" spc="-50" baseline="0">
+                <a:solidFill>
+                  <a:schemeClr val="tx1">
+                    <a:lumMod val="75000"/>
+                    <a:lumOff val="25000"/>
+                  </a:schemeClr>
+                </a:solidFill>
+                <a:latin typeface="+mj-lt"/>
+                <a:ea typeface="+mj-ea"/>
+                <a:cs typeface="+mj-cs"/>
+              </a:defRPr>
+            </a:lvl1pPr>
+          </a:lstStyle>
+          <a:p>
+            <a:pPr algn="r"/>
+            <a:r>
+              <a:rPr lang="en-US" sz="3600" dirty="0" smtClean="0"/>
+              <a:t>…to give the confused coder some guidance</a:t>
+            </a:r>
+            <a:endParaRPr lang="en-US" sz="3600" dirty="0"/>
+          </a:p>
+        </p:txBody>
+      </p:sp>
+    </p:spTree>
+    <p:extLst>
+      <p:ext uri="{BB962C8B-B14F-4D97-AF65-F5344CB8AC3E}">
+        <p14:creationId xmlns:p14="http://schemas.microsoft.com/office/powerpoint/2010/main" val="416516849"/>
+      </p:ext>
+    </p:extLst>
+  </p:cSld>
+  <p:clrMapOvr>
+    <a:masterClrMapping/>
+  </p:clrMapOvr>
+  <p:timing>
+    <p:tnLst>
+      <p:par>
+        <p:cTn id="1" dur="indefinite" restart="never" nodeType="tmRoot"/>
+      </p:par>
+    </p:tnLst>
+  </p:timing>
+</p:sld>
+</file>
+
+<file path=ppt/slides/slide13.xml><?xml version="1.0" encoding="utf-8"?>
+<p:sld xmlns:a="http://schemas.openxmlformats.org/drawingml/2006/main" xmlns:r="http://schemas.openxmlformats.org/officeDocument/2006/relationships" xmlns:p="http://schemas.openxmlformats.org/presentationml/2006/main">
+  <p:cSld>
+    <p:spTree>
+      <p:nvGrpSpPr>
+        <p:cNvPr id="1" name=""/>
+        <p:cNvGrpSpPr/>
+        <p:nvPr/>
+      </p:nvGrpSpPr>
+      <p:grpSpPr>
+        <a:xfrm>
+          <a:off x="0" y="0"/>
+          <a:ext cx="0" cy="0"/>
+          <a:chOff x="0" y="0"/>
+          <a:chExt cx="0" cy="0"/>
+        </a:xfrm>
+      </p:grpSpPr>
+      <p:sp>
+        <p:nvSpPr>
+          <p:cNvPr id="2" name="Title 1"/>
+          <p:cNvSpPr>
+            <a:spLocks noGrp="1"/>
+          </p:cNvSpPr>
+          <p:nvPr>
+            <p:ph type="title" idx="4294967295"/>
+          </p:nvPr>
+        </p:nvSpPr>
+        <p:spPr>
+          <a:xfrm>
+            <a:off x="1097280" y="264188"/>
+            <a:ext cx="10058400" cy="1025525"/>
+          </a:xfrm>
+        </p:spPr>
+        <p:txBody>
+          <a:bodyPr>
+            <a:normAutofit/>
+          </a:bodyPr>
+          <a:lstStyle/>
+          <a:p>
+            <a:r>
+              <a:rPr lang="en-US" sz="3600" dirty="0" smtClean="0"/>
+              <a:t>This exception proves the rule…</a:t>
+            </a:r>
+            <a:endParaRPr lang="en-US" sz="3600" dirty="0"/>
+          </a:p>
+        </p:txBody>
+      </p:sp>
+      <p:sp>
+        <p:nvSpPr>
+          <p:cNvPr id="3" name="Content Placeholder 2"/>
+          <p:cNvSpPr>
+            <a:spLocks noGrp="1"/>
+          </p:cNvSpPr>
+          <p:nvPr>
+            <p:ph idx="4294967295"/>
+          </p:nvPr>
+        </p:nvSpPr>
+        <p:spPr>
+          <a:xfrm>
+            <a:off x="1097280" y="1414804"/>
+            <a:ext cx="10058400" cy="4024313"/>
+          </a:xfrm>
+        </p:spPr>
+        <p:txBody>
+          <a:bodyPr anchor="ctr">
+            <a:normAutofit/>
+          </a:bodyPr>
+          <a:lstStyle/>
+          <a:p>
+            <a:pPr algn="ctr"/>
+            <a:r>
+              <a:rPr lang="en-US" sz="4800" i="1" spc="-50" dirty="0" smtClean="0">
+                <a:latin typeface="+mj-lt"/>
+                <a:ea typeface="+mj-ea"/>
+                <a:cs typeface="+mj-cs"/>
+              </a:rPr>
+              <a:t>“Show examples if </a:t>
+            </a:r>
+          </a:p>
+          <a:p>
+            <a:pPr algn="ctr"/>
+            <a:r>
+              <a:rPr lang="en-US" sz="4800" i="1" spc="-50" dirty="0" smtClean="0">
+                <a:latin typeface="+mj-lt"/>
+                <a:ea typeface="+mj-ea"/>
+                <a:cs typeface="+mj-cs"/>
+              </a:rPr>
+              <a:t>particular formats are required”</a:t>
+            </a:r>
+            <a:endParaRPr lang="en-US" sz="4800" i="1" spc="-50" dirty="0">
+              <a:latin typeface="+mj-lt"/>
+              <a:ea typeface="+mj-ea"/>
+              <a:cs typeface="+mj-cs"/>
+            </a:endParaRPr>
+          </a:p>
+        </p:txBody>
+      </p:sp>
+      <p:sp>
+        <p:nvSpPr>
+          <p:cNvPr id="4" name="Title 1"/>
+          <p:cNvSpPr txBox="1">
+            <a:spLocks/>
+          </p:cNvSpPr>
+          <p:nvPr/>
+        </p:nvSpPr>
+        <p:spPr>
+          <a:xfrm>
+            <a:off x="1097280" y="5234030"/>
+            <a:ext cx="10058400" cy="1025730"/>
+          </a:xfrm>
+          <a:prstGeom prst="rect">
+            <a:avLst/>
+          </a:prstGeom>
+        </p:spPr>
+        <p:txBody>
+          <a:bodyPr vert="horz" lIns="91440" tIns="45720" rIns="91440" bIns="45720" rtlCol="0" anchor="b">
+            <a:normAutofit/>
+          </a:bodyPr>
+          <a:lstStyle>
+            <a:lvl1pPr algn="l" defTabSz="914400" rtl="0" eaLnBrk="1" latinLnBrk="0" hangingPunct="1">
+              <a:lnSpc>
+                <a:spcPct val="85000"/>
+              </a:lnSpc>
+              <a:spcBef>
+                <a:spcPct val="0"/>
+              </a:spcBef>
+              <a:buNone/>
+              <a:defRPr sz="4800" kern="1200" spc="-50" baseline="0">
+                <a:solidFill>
+                  <a:schemeClr val="tx1">
+                    <a:lumMod val="75000"/>
+                    <a:lumOff val="25000"/>
+                  </a:schemeClr>
+                </a:solidFill>
+                <a:latin typeface="+mj-lt"/>
+                <a:ea typeface="+mj-ea"/>
+                <a:cs typeface="+mj-cs"/>
+              </a:defRPr>
+            </a:lvl1pPr>
+          </a:lstStyle>
+          <a:p>
+            <a:pPr algn="r"/>
+            <a:r>
+              <a:rPr lang="en-US" sz="3600" dirty="0" smtClean="0"/>
+              <a:t>…to give the confused coder some guidance</a:t>
+            </a:r>
+            <a:endParaRPr lang="en-US" sz="3600" dirty="0"/>
+          </a:p>
+        </p:txBody>
+      </p:sp>
+    </p:spTree>
+    <p:extLst>
+      <p:ext uri="{BB962C8B-B14F-4D97-AF65-F5344CB8AC3E}">
+        <p14:creationId xmlns:p14="http://schemas.microsoft.com/office/powerpoint/2010/main" val="309843548"/>
+      </p:ext>
+    </p:extLst>
+  </p:cSld>
+  <p:clrMapOvr>
+    <a:masterClrMapping/>
+  </p:clrMapOvr>
+  <p:timing>
+    <p:tnLst>
+      <p:par>
+        <p:cTn id="1" dur="indefinite" restart="never" nodeType="tmRoot"/>
+      </p:par>
+    </p:tnLst>
+  </p:timing>
+</p:sld>
+</file>
+
+<file path=ppt/slides/slide14.xml><?xml version="1.0" encoding="utf-8"?>
+<p:sld xmlns:a="http://schemas.openxmlformats.org/drawingml/2006/main" xmlns:r="http://schemas.openxmlformats.org/officeDocument/2006/relationships" xmlns:p="http://schemas.openxmlformats.org/presentationml/2006/main">
+  <p:cSld>
+    <p:spTree>
+      <p:nvGrpSpPr>
+        <p:cNvPr id="1" name=""/>
+        <p:cNvGrpSpPr/>
+        <p:nvPr/>
+      </p:nvGrpSpPr>
+      <p:grpSpPr>
+        <a:xfrm>
+          <a:off x="0" y="0"/>
+          <a:ext cx="0" cy="0"/>
+          <a:chOff x="0" y="0"/>
+          <a:chExt cx="0" cy="0"/>
+        </a:xfrm>
+      </p:grpSpPr>
+      <p:sp>
+        <p:nvSpPr>
+          <p:cNvPr id="2" name="Title 1"/>
+          <p:cNvSpPr>
+            <a:spLocks noGrp="1"/>
+          </p:cNvSpPr>
+          <p:nvPr>
+            <p:ph type="title" idx="4294967295"/>
+          </p:nvPr>
+        </p:nvSpPr>
+        <p:spPr>
+          <a:xfrm>
+            <a:off x="1097280" y="264188"/>
+            <a:ext cx="10058400" cy="1025525"/>
+          </a:xfrm>
+        </p:spPr>
+        <p:txBody>
+          <a:bodyPr>
+            <a:normAutofit/>
+          </a:bodyPr>
+          <a:lstStyle/>
+          <a:p>
+            <a:r>
+              <a:rPr lang="en-US" sz="3600" dirty="0" smtClean="0"/>
+              <a:t>This exception proves the rule…</a:t>
+            </a:r>
+            <a:endParaRPr lang="en-US" sz="3600" dirty="0"/>
+          </a:p>
+        </p:txBody>
+      </p:sp>
+      <p:sp>
+        <p:nvSpPr>
+          <p:cNvPr id="3" name="Content Placeholder 2"/>
+          <p:cNvSpPr>
+            <a:spLocks noGrp="1"/>
+          </p:cNvSpPr>
+          <p:nvPr>
+            <p:ph idx="4294967295"/>
+          </p:nvPr>
+        </p:nvSpPr>
+        <p:spPr>
+          <a:xfrm>
+            <a:off x="1097280" y="1414804"/>
+            <a:ext cx="10058400" cy="4024313"/>
+          </a:xfrm>
+        </p:spPr>
+        <p:txBody>
+          <a:bodyPr anchor="ctr">
+            <a:normAutofit/>
+          </a:bodyPr>
+          <a:lstStyle/>
+          <a:p>
+            <a:pPr algn="ctr"/>
+            <a:r>
+              <a:rPr lang="en-US" sz="4800" i="1" spc="-50" dirty="0" smtClean="0">
+                <a:latin typeface="+mj-lt"/>
+                <a:ea typeface="+mj-ea"/>
+                <a:cs typeface="+mj-cs"/>
+              </a:rPr>
+              <a:t>“Point to online documentation”</a:t>
+            </a:r>
+            <a:endParaRPr lang="en-US" sz="4800" i="1" spc="-50" dirty="0">
+              <a:latin typeface="+mj-lt"/>
+              <a:ea typeface="+mj-ea"/>
+              <a:cs typeface="+mj-cs"/>
+            </a:endParaRPr>
+          </a:p>
+        </p:txBody>
+      </p:sp>
+      <p:sp>
+        <p:nvSpPr>
+          <p:cNvPr id="4" name="Title 1"/>
+          <p:cNvSpPr txBox="1">
+            <a:spLocks/>
+          </p:cNvSpPr>
+          <p:nvPr/>
+        </p:nvSpPr>
+        <p:spPr>
+          <a:xfrm>
+            <a:off x="1097280" y="5234030"/>
+            <a:ext cx="10058400" cy="1025730"/>
+          </a:xfrm>
+          <a:prstGeom prst="rect">
+            <a:avLst/>
+          </a:prstGeom>
+        </p:spPr>
+        <p:txBody>
+          <a:bodyPr vert="horz" lIns="91440" tIns="45720" rIns="91440" bIns="45720" rtlCol="0" anchor="b">
+            <a:normAutofit/>
+          </a:bodyPr>
+          <a:lstStyle>
+            <a:lvl1pPr algn="l" defTabSz="914400" rtl="0" eaLnBrk="1" latinLnBrk="0" hangingPunct="1">
+              <a:lnSpc>
+                <a:spcPct val="85000"/>
+              </a:lnSpc>
+              <a:spcBef>
+                <a:spcPct val="0"/>
+              </a:spcBef>
+              <a:buNone/>
+              <a:defRPr sz="4800" kern="1200" spc="-50" baseline="0">
+                <a:solidFill>
+                  <a:schemeClr val="tx1">
+                    <a:lumMod val="75000"/>
+                    <a:lumOff val="25000"/>
+                  </a:schemeClr>
+                </a:solidFill>
+                <a:latin typeface="+mj-lt"/>
+                <a:ea typeface="+mj-ea"/>
+                <a:cs typeface="+mj-cs"/>
+              </a:defRPr>
+            </a:lvl1pPr>
+          </a:lstStyle>
+          <a:p>
+            <a:pPr algn="r"/>
+            <a:r>
+              <a:rPr lang="en-US" sz="3600" dirty="0" smtClean="0"/>
+              <a:t>…to give the confused coder some guidance</a:t>
+            </a:r>
+            <a:endParaRPr lang="en-US" sz="3600" dirty="0"/>
+          </a:p>
+        </p:txBody>
+      </p:sp>
+    </p:spTree>
+    <p:extLst>
+      <p:ext uri="{BB962C8B-B14F-4D97-AF65-F5344CB8AC3E}">
+        <p14:creationId xmlns:p14="http://schemas.microsoft.com/office/powerpoint/2010/main" val="1162058314"/>
+      </p:ext>
+    </p:extLst>
+  </p:cSld>
+  <p:clrMapOvr>
+    <a:masterClrMapping/>
+  </p:clrMapOvr>
+  <p:timing>
+    <p:tnLst>
+      <p:par>
+        <p:cTn id="1" dur="indefinite" restart="never" nodeType="tmRoot"/>
       </p:par>
     </p:tnLst>
   </p:timing>
@@ -3842,6 +4727,94 @@
       </p:grpSpPr>
       <p:sp>
         <p:nvSpPr>
+          <p:cNvPr id="2" name="Rectangle 1"/>
+          <p:cNvSpPr/>
+          <p:nvPr/>
+        </p:nvSpPr>
+        <p:spPr>
+          <a:xfrm>
+            <a:off x="4105904" y="3244334"/>
+            <a:ext cx="3980192" cy="369332"/>
+          </a:xfrm>
+          <a:prstGeom prst="rect">
+            <a:avLst/>
+          </a:prstGeom>
+        </p:spPr>
+        <p:txBody>
+          <a:bodyPr wrap="none">
+            <a:spAutoFit/>
+          </a:bodyPr>
+          <a:lstStyle/>
+          <a:p>
+            <a:r>
+              <a:rPr lang="en-US" dirty="0"/>
+              <a:t>http://youtu.be/k6C_HjWr3Nk?t=3m30s</a:t>
+            </a:r>
+          </a:p>
+        </p:txBody>
+      </p:sp>
+      <p:sp>
+        <p:nvSpPr>
+          <p:cNvPr id="3" name="TextBox 2"/>
+          <p:cNvSpPr txBox="1"/>
+          <p:nvPr/>
+        </p:nvSpPr>
+        <p:spPr>
+          <a:xfrm>
+            <a:off x="5023821" y="2097741"/>
+            <a:ext cx="2142959" cy="369332"/>
+          </a:xfrm>
+          <a:prstGeom prst="rect">
+            <a:avLst/>
+          </a:prstGeom>
+          <a:noFill/>
+        </p:spPr>
+        <p:txBody>
+          <a:bodyPr wrap="none" rtlCol="0">
+            <a:spAutoFit/>
+          </a:bodyPr>
+          <a:lstStyle/>
+          <a:p>
+            <a:r>
+              <a:rPr lang="en-US" dirty="0" smtClean="0"/>
+              <a:t>Eddie Izzard’s printer</a:t>
+            </a:r>
+            <a:endParaRPr lang="en-US" dirty="0"/>
+          </a:p>
+        </p:txBody>
+      </p:sp>
+    </p:spTree>
+    <p:extLst>
+      <p:ext uri="{BB962C8B-B14F-4D97-AF65-F5344CB8AC3E}">
+        <p14:creationId xmlns:p14="http://schemas.microsoft.com/office/powerpoint/2010/main" val="410438205"/>
+      </p:ext>
+    </p:extLst>
+  </p:cSld>
+  <p:clrMapOvr>
+    <a:masterClrMapping/>
+  </p:clrMapOvr>
+</p:sld>
+</file>
+
+<file path=ppt/slides/slide3.xml><?xml version="1.0" encoding="utf-8"?>
+<p:sld xmlns:a="http://schemas.openxmlformats.org/drawingml/2006/main" xmlns:r="http://schemas.openxmlformats.org/officeDocument/2006/relationships" xmlns:p="http://schemas.openxmlformats.org/presentationml/2006/main">
+  <p:cSld>
+    <p:spTree>
+      <p:nvGrpSpPr>
+        <p:cNvPr id="1" name=""/>
+        <p:cNvGrpSpPr/>
+        <p:nvPr/>
+      </p:nvGrpSpPr>
+      <p:grpSpPr>
+        <a:xfrm>
+          <a:off x="0" y="0"/>
+          <a:ext cx="0" cy="0"/>
+          <a:chOff x="0" y="0"/>
+          <a:chExt cx="0" cy="0"/>
+        </a:xfrm>
+      </p:grpSpPr>
+      <p:sp>
+        <p:nvSpPr>
           <p:cNvPr id="3" name="Rectangle 2"/>
           <p:cNvSpPr/>
           <p:nvPr/>
@@ -4568,7 +5541,7 @@
   <p:timing>
     <p:tnLst>
       <p:par>
-        <p:cTn xmlns:p14="http://schemas.microsoft.com/office/powerpoint/2010/main" id="1" dur="indefinite" restart="never" nodeType="tmRoot">
+        <p:cTn id="1" dur="indefinite" restart="never" nodeType="tmRoot">
           <p:childTnLst>
             <p:seq concurrent="1" nextAc="seek">
               <p:cTn id="2" dur="indefinite" nodeType="mainSeq">
@@ -4692,7 +5665,7 @@
 </p:sld>
 </file>
 
-<file path=ppt/slides/slide3.xml><?xml version="1.0" encoding="utf-8"?>
+<file path=ppt/slides/slide4.xml><?xml version="1.0" encoding="utf-8"?>
 <p:sld xmlns:a="http://schemas.openxmlformats.org/drawingml/2006/main" xmlns:r="http://schemas.openxmlformats.org/officeDocument/2006/relationships" xmlns:p="http://schemas.openxmlformats.org/presentationml/2006/main">
   <p:cSld>
     <p:spTree>
@@ -4995,818 +5968,7 @@
   <p:timing>
     <p:tnLst>
       <p:par>
-        <p:cTn xmlns:p14="http://schemas.microsoft.com/office/powerpoint/2010/main" id="1" dur="indefinite" restart="never" nodeType="tmRoot"/>
-      </p:par>
-    </p:tnLst>
-  </p:timing>
-</p:sld>
-</file>
-
-<file path=ppt/slides/slide4.xml><?xml version="1.0" encoding="utf-8"?>
-<p:sld xmlns:a="http://schemas.openxmlformats.org/drawingml/2006/main" xmlns:r="http://schemas.openxmlformats.org/officeDocument/2006/relationships" xmlns:p="http://schemas.openxmlformats.org/presentationml/2006/main">
-  <p:cSld>
-    <p:spTree>
-      <p:nvGrpSpPr>
-        <p:cNvPr id="1" name=""/>
-        <p:cNvGrpSpPr/>
-        <p:nvPr/>
-      </p:nvGrpSpPr>
-      <p:grpSpPr>
-        <a:xfrm>
-          <a:off x="0" y="0"/>
-          <a:ext cx="0" cy="0"/>
-          <a:chOff x="0" y="0"/>
-          <a:chExt cx="0" cy="0"/>
-        </a:xfrm>
-      </p:grpSpPr>
-      <p:sp>
-        <p:nvSpPr>
-          <p:cNvPr id="3" name="Rectangle 2"/>
-          <p:cNvSpPr/>
-          <p:nvPr/>
-        </p:nvSpPr>
-        <p:spPr>
-          <a:xfrm>
-            <a:off x="6611" y="377047"/>
-            <a:ext cx="580770" cy="1569660"/>
-          </a:xfrm>
-          <a:prstGeom prst="rect">
-            <a:avLst/>
-          </a:prstGeom>
-        </p:spPr>
-        <p:txBody>
-          <a:bodyPr wrap="square">
-            <a:spAutoFit/>
-          </a:bodyPr>
-          <a:lstStyle/>
-          <a:p>
-            <a:r>
-              <a:rPr lang="en-US" sz="2400" dirty="0">
-                <a:solidFill>
-                  <a:srgbClr val="2B91AF"/>
-                </a:solidFill>
-                <a:highlight>
-                  <a:srgbClr val="FFFFFF"/>
-                </a:highlight>
-                <a:latin typeface="Consolas" panose="020B0609020204030204" pitchFamily="49" charset="0"/>
-              </a:rPr>
-              <a:t>11 </a:t>
-            </a:r>
-          </a:p>
-          <a:p>
-            <a:r>
-              <a:rPr lang="en-US" sz="2400" dirty="0">
-                <a:solidFill>
-                  <a:srgbClr val="2B91AF"/>
-                </a:solidFill>
-                <a:highlight>
-                  <a:srgbClr val="FFFFFF"/>
-                </a:highlight>
-                <a:latin typeface="Consolas" panose="020B0609020204030204" pitchFamily="49" charset="0"/>
-              </a:rPr>
-              <a:t>12 </a:t>
-            </a:r>
-          </a:p>
-          <a:p>
-            <a:r>
-              <a:rPr lang="en-US" sz="2400" dirty="0">
-                <a:solidFill>
-                  <a:srgbClr val="2B91AF"/>
-                </a:solidFill>
-                <a:highlight>
-                  <a:srgbClr val="FFFFFF"/>
-                </a:highlight>
-                <a:latin typeface="Consolas" panose="020B0609020204030204" pitchFamily="49" charset="0"/>
-              </a:rPr>
-              <a:t>13 </a:t>
-            </a:r>
-          </a:p>
-          <a:p>
-            <a:r>
-              <a:rPr lang="en-US" sz="2400" dirty="0">
-                <a:solidFill>
-                  <a:srgbClr val="2B91AF"/>
-                </a:solidFill>
-                <a:highlight>
-                  <a:srgbClr val="FFFFFF"/>
-                </a:highlight>
-                <a:latin typeface="Consolas" panose="020B0609020204030204" pitchFamily="49" charset="0"/>
-              </a:rPr>
-              <a:t>14</a:t>
-            </a:r>
-          </a:p>
-        </p:txBody>
-      </p:sp>
-      <p:sp>
-        <p:nvSpPr>
-          <p:cNvPr id="4" name="Rectangle 3"/>
-          <p:cNvSpPr/>
-          <p:nvPr/>
-        </p:nvSpPr>
-        <p:spPr>
-          <a:xfrm>
-            <a:off x="580769" y="377047"/>
-            <a:ext cx="11402123" cy="1569660"/>
-          </a:xfrm>
-          <a:prstGeom prst="rect">
-            <a:avLst/>
-          </a:prstGeom>
-        </p:spPr>
-        <p:txBody>
-          <a:bodyPr wrap="square">
-            <a:spAutoFit/>
-          </a:bodyPr>
-          <a:lstStyle/>
-          <a:p>
-            <a:r>
-              <a:rPr lang="en-US" sz="2400" dirty="0" err="1">
-                <a:solidFill>
-                  <a:srgbClr val="0000FF"/>
-                </a:solidFill>
-                <a:highlight>
-                  <a:srgbClr val="FFFFFF"/>
-                </a:highlight>
-                <a:latin typeface="Consolas" panose="020B0609020204030204" pitchFamily="49" charset="0"/>
-              </a:rPr>
-              <a:t>var</a:t>
-            </a:r>
-            <a:r>
-              <a:rPr lang="en-US" sz="2400" dirty="0">
-                <a:solidFill>
-                  <a:srgbClr val="000000"/>
-                </a:solidFill>
-                <a:highlight>
-                  <a:srgbClr val="FFFFFF"/>
-                </a:highlight>
-                <a:latin typeface="Consolas" panose="020B0609020204030204" pitchFamily="49" charset="0"/>
-              </a:rPr>
-              <a:t> a = </a:t>
-            </a:r>
-            <a:r>
-              <a:rPr lang="en-US" sz="2400" dirty="0" err="1">
-                <a:solidFill>
-                  <a:srgbClr val="2B91AF"/>
-                </a:solidFill>
-                <a:highlight>
-                  <a:srgbClr val="FFFFFF"/>
-                </a:highlight>
-                <a:latin typeface="Consolas" panose="020B0609020204030204" pitchFamily="49" charset="0"/>
-              </a:rPr>
-              <a:t>Router</a:t>
-            </a:r>
-            <a:r>
-              <a:rPr lang="en-US" sz="2400" dirty="0" err="1">
-                <a:solidFill>
-                  <a:srgbClr val="000000"/>
-                </a:solidFill>
-                <a:highlight>
-                  <a:srgbClr val="FFFFFF"/>
-                </a:highlight>
-                <a:latin typeface="Consolas" panose="020B0609020204030204" pitchFamily="49" charset="0"/>
-              </a:rPr>
-              <a:t>.GetRoute</a:t>
-            </a:r>
-            <a:r>
-              <a:rPr lang="en-US" sz="2400" dirty="0">
-                <a:solidFill>
-                  <a:srgbClr val="000000"/>
-                </a:solidFill>
-                <a:highlight>
-                  <a:srgbClr val="FFFFFF"/>
-                </a:highlight>
-                <a:latin typeface="Consolas" panose="020B0609020204030204" pitchFamily="49" charset="0"/>
-              </a:rPr>
-              <a:t>(</a:t>
-            </a:r>
-            <a:r>
-              <a:rPr lang="en-US" sz="2400" dirty="0">
-                <a:solidFill>
-                  <a:srgbClr val="A31515"/>
-                </a:solidFill>
-                <a:highlight>
-                  <a:srgbClr val="FFFFFF"/>
-                </a:highlight>
-                <a:latin typeface="Consolas" panose="020B0609020204030204" pitchFamily="49" charset="0"/>
-              </a:rPr>
-              <a:t>"A"</a:t>
-            </a:r>
-            <a:r>
-              <a:rPr lang="en-US" sz="2400" dirty="0">
-                <a:solidFill>
-                  <a:srgbClr val="000000"/>
-                </a:solidFill>
-                <a:highlight>
-                  <a:srgbClr val="FFFFFF"/>
-                </a:highlight>
-                <a:latin typeface="Consolas" panose="020B0609020204030204" pitchFamily="49" charset="0"/>
-              </a:rPr>
-              <a:t>);</a:t>
-            </a:r>
-          </a:p>
-          <a:p>
-            <a:r>
-              <a:rPr lang="en-US" sz="2400" dirty="0" err="1">
-                <a:solidFill>
-                  <a:srgbClr val="0000FF"/>
-                </a:solidFill>
-                <a:highlight>
-                  <a:srgbClr val="FFFFFF"/>
-                </a:highlight>
-                <a:latin typeface="Consolas" panose="020B0609020204030204" pitchFamily="49" charset="0"/>
-              </a:rPr>
-              <a:t>var</a:t>
-            </a:r>
-            <a:r>
-              <a:rPr lang="en-US" sz="2400" dirty="0">
-                <a:solidFill>
-                  <a:srgbClr val="000000"/>
-                </a:solidFill>
-                <a:highlight>
-                  <a:srgbClr val="FFFFFF"/>
-                </a:highlight>
-                <a:latin typeface="Consolas" panose="020B0609020204030204" pitchFamily="49" charset="0"/>
-              </a:rPr>
-              <a:t> b = </a:t>
-            </a:r>
-            <a:r>
-              <a:rPr lang="en-US" sz="2400" dirty="0" err="1">
-                <a:solidFill>
-                  <a:srgbClr val="2B91AF"/>
-                </a:solidFill>
-                <a:highlight>
-                  <a:srgbClr val="FFFFFF"/>
-                </a:highlight>
-                <a:latin typeface="Consolas" panose="020B0609020204030204" pitchFamily="49" charset="0"/>
-              </a:rPr>
-              <a:t>Router</a:t>
-            </a:r>
-            <a:r>
-              <a:rPr lang="en-US" sz="2400" dirty="0" err="1">
-                <a:solidFill>
-                  <a:srgbClr val="000000"/>
-                </a:solidFill>
-                <a:highlight>
-                  <a:srgbClr val="FFFFFF"/>
-                </a:highlight>
-                <a:latin typeface="Consolas" panose="020B0609020204030204" pitchFamily="49" charset="0"/>
-              </a:rPr>
-              <a:t>.GetRoute</a:t>
-            </a:r>
-            <a:r>
-              <a:rPr lang="en-US" sz="2400" dirty="0">
-                <a:solidFill>
-                  <a:srgbClr val="000000"/>
-                </a:solidFill>
-                <a:highlight>
-                  <a:srgbClr val="FFFFFF"/>
-                </a:highlight>
-                <a:latin typeface="Consolas" panose="020B0609020204030204" pitchFamily="49" charset="0"/>
-              </a:rPr>
-              <a:t>(</a:t>
-            </a:r>
-            <a:r>
-              <a:rPr lang="en-US" sz="2400" dirty="0">
-                <a:solidFill>
-                  <a:srgbClr val="A31515"/>
-                </a:solidFill>
-                <a:highlight>
-                  <a:srgbClr val="FFFFFF"/>
-                </a:highlight>
-                <a:latin typeface="Consolas" panose="020B0609020204030204" pitchFamily="49" charset="0"/>
-              </a:rPr>
-              <a:t>"B"</a:t>
-            </a:r>
-            <a:r>
-              <a:rPr lang="en-US" sz="2400" dirty="0">
-                <a:solidFill>
-                  <a:srgbClr val="000000"/>
-                </a:solidFill>
-                <a:highlight>
-                  <a:srgbClr val="FFFFFF"/>
-                </a:highlight>
-                <a:latin typeface="Consolas" panose="020B0609020204030204" pitchFamily="49" charset="0"/>
-              </a:rPr>
-              <a:t>);</a:t>
-            </a:r>
-          </a:p>
-          <a:p>
-            <a:r>
-              <a:rPr lang="en-US" sz="2400" dirty="0" err="1">
-                <a:solidFill>
-                  <a:srgbClr val="0000FF"/>
-                </a:solidFill>
-                <a:highlight>
-                  <a:srgbClr val="FFFFFF"/>
-                </a:highlight>
-                <a:latin typeface="Consolas" panose="020B0609020204030204" pitchFamily="49" charset="0"/>
-              </a:rPr>
-              <a:t>var</a:t>
-            </a:r>
-            <a:r>
-              <a:rPr lang="en-US" sz="2400" dirty="0">
-                <a:solidFill>
-                  <a:srgbClr val="000000"/>
-                </a:solidFill>
-                <a:highlight>
-                  <a:srgbClr val="FFFFFF"/>
-                </a:highlight>
-                <a:latin typeface="Consolas" panose="020B0609020204030204" pitchFamily="49" charset="0"/>
-              </a:rPr>
-              <a:t> c = </a:t>
-            </a:r>
-            <a:r>
-              <a:rPr lang="en-US" sz="2400" dirty="0" err="1">
-                <a:solidFill>
-                  <a:srgbClr val="2B91AF"/>
-                </a:solidFill>
-                <a:highlight>
-                  <a:srgbClr val="FFFFFF"/>
-                </a:highlight>
-                <a:latin typeface="Consolas" panose="020B0609020204030204" pitchFamily="49" charset="0"/>
-              </a:rPr>
-              <a:t>Router</a:t>
-            </a:r>
-            <a:r>
-              <a:rPr lang="en-US" sz="2400" dirty="0" err="1">
-                <a:solidFill>
-                  <a:srgbClr val="000000"/>
-                </a:solidFill>
-                <a:highlight>
-                  <a:srgbClr val="FFFFFF"/>
-                </a:highlight>
-                <a:latin typeface="Consolas" panose="020B0609020204030204" pitchFamily="49" charset="0"/>
-              </a:rPr>
-              <a:t>.GetRoute</a:t>
-            </a:r>
-            <a:r>
-              <a:rPr lang="en-US" sz="2400" dirty="0">
-                <a:solidFill>
-                  <a:srgbClr val="000000"/>
-                </a:solidFill>
-                <a:highlight>
-                  <a:srgbClr val="FFFFFF"/>
-                </a:highlight>
-                <a:latin typeface="Consolas" panose="020B0609020204030204" pitchFamily="49" charset="0"/>
-              </a:rPr>
-              <a:t>(</a:t>
-            </a:r>
-            <a:r>
-              <a:rPr lang="en-US" sz="2400" dirty="0">
-                <a:solidFill>
-                  <a:srgbClr val="A31515"/>
-                </a:solidFill>
-                <a:highlight>
-                  <a:srgbClr val="FFFFFF"/>
-                </a:highlight>
-                <a:latin typeface="Consolas" panose="020B0609020204030204" pitchFamily="49" charset="0"/>
-              </a:rPr>
-              <a:t>"C"</a:t>
-            </a:r>
-            <a:r>
-              <a:rPr lang="en-US" sz="2400" dirty="0">
-                <a:solidFill>
-                  <a:srgbClr val="000000"/>
-                </a:solidFill>
-                <a:highlight>
-                  <a:srgbClr val="FFFFFF"/>
-                </a:highlight>
-                <a:latin typeface="Consolas" panose="020B0609020204030204" pitchFamily="49" charset="0"/>
-              </a:rPr>
-              <a:t>);</a:t>
-            </a:r>
-          </a:p>
-          <a:p>
-            <a:r>
-              <a:rPr lang="en-US" sz="2400" dirty="0" err="1">
-                <a:solidFill>
-                  <a:srgbClr val="0000FF"/>
-                </a:solidFill>
-                <a:highlight>
-                  <a:srgbClr val="FFFFFF"/>
-                </a:highlight>
-                <a:latin typeface="Consolas" panose="020B0609020204030204" pitchFamily="49" charset="0"/>
-              </a:rPr>
-              <a:t>var</a:t>
-            </a:r>
-            <a:r>
-              <a:rPr lang="en-US" sz="2400" dirty="0">
-                <a:solidFill>
-                  <a:srgbClr val="000000"/>
-                </a:solidFill>
-                <a:highlight>
-                  <a:srgbClr val="FFFFFF"/>
-                </a:highlight>
-                <a:latin typeface="Consolas" panose="020B0609020204030204" pitchFamily="49" charset="0"/>
-              </a:rPr>
-              <a:t> result = </a:t>
-            </a:r>
-            <a:r>
-              <a:rPr lang="en-US" sz="2400" dirty="0">
-                <a:solidFill>
-                  <a:srgbClr val="0000FF"/>
-                </a:solidFill>
-                <a:highlight>
-                  <a:srgbClr val="FFFFFF"/>
-                </a:highlight>
-                <a:latin typeface="Consolas" panose="020B0609020204030204" pitchFamily="49" charset="0"/>
-              </a:rPr>
-              <a:t>new</a:t>
-            </a:r>
-            <a:r>
-              <a:rPr lang="en-US" sz="2400" dirty="0">
-                <a:solidFill>
-                  <a:srgbClr val="000000"/>
-                </a:solidFill>
-                <a:highlight>
-                  <a:srgbClr val="FFFFFF"/>
-                </a:highlight>
-                <a:latin typeface="Consolas" panose="020B0609020204030204" pitchFamily="49" charset="0"/>
-              </a:rPr>
-              <a:t> </a:t>
-            </a:r>
-            <a:r>
-              <a:rPr lang="en-US" sz="2400" dirty="0">
-                <a:solidFill>
-                  <a:srgbClr val="2B91AF"/>
-                </a:solidFill>
-                <a:highlight>
-                  <a:srgbClr val="FFFFFF"/>
-                </a:highlight>
-                <a:latin typeface="Consolas" panose="020B0609020204030204" pitchFamily="49" charset="0"/>
-              </a:rPr>
-              <a:t>Helper</a:t>
-            </a:r>
-            <a:r>
-              <a:rPr lang="en-US" sz="2400" dirty="0">
-                <a:solidFill>
-                  <a:srgbClr val="000000"/>
-                </a:solidFill>
-                <a:highlight>
-                  <a:srgbClr val="FFFFFF"/>
-                </a:highlight>
-                <a:latin typeface="Consolas" panose="020B0609020204030204" pitchFamily="49" charset="0"/>
-              </a:rPr>
-              <a:t>(</a:t>
-            </a:r>
-            <a:r>
-              <a:rPr lang="en-US" sz="2400" dirty="0" err="1">
-                <a:solidFill>
-                  <a:srgbClr val="000000"/>
-                </a:solidFill>
-                <a:highlight>
-                  <a:srgbClr val="FFFFFF"/>
-                </a:highlight>
-                <a:latin typeface="Consolas" panose="020B0609020204030204" pitchFamily="49" charset="0"/>
-              </a:rPr>
-              <a:t>a.From</a:t>
-            </a:r>
-            <a:r>
-              <a:rPr lang="en-US" sz="2400" dirty="0">
-                <a:solidFill>
-                  <a:srgbClr val="000000"/>
-                </a:solidFill>
-                <a:highlight>
-                  <a:srgbClr val="FFFFFF"/>
-                </a:highlight>
-                <a:latin typeface="Consolas" panose="020B0609020204030204" pitchFamily="49" charset="0"/>
-              </a:rPr>
-              <a:t>, </a:t>
-            </a:r>
-            <a:r>
-              <a:rPr lang="en-US" sz="2400" dirty="0" err="1">
-                <a:solidFill>
-                  <a:srgbClr val="000000"/>
-                </a:solidFill>
-                <a:highlight>
-                  <a:srgbClr val="FFFFFF"/>
-                </a:highlight>
-                <a:latin typeface="Consolas" panose="020B0609020204030204" pitchFamily="49" charset="0"/>
-              </a:rPr>
-              <a:t>b.To</a:t>
-            </a:r>
-            <a:r>
-              <a:rPr lang="en-US" sz="2400" dirty="0">
-                <a:solidFill>
-                  <a:srgbClr val="000000"/>
-                </a:solidFill>
-                <a:highlight>
-                  <a:srgbClr val="FFFFFF"/>
-                </a:highlight>
-                <a:latin typeface="Consolas" panose="020B0609020204030204" pitchFamily="49" charset="0"/>
-              </a:rPr>
-              <a:t>, </a:t>
-            </a:r>
-            <a:r>
-              <a:rPr lang="en-US" sz="2400" dirty="0" err="1">
-                <a:solidFill>
-                  <a:srgbClr val="000000"/>
-                </a:solidFill>
-                <a:highlight>
-                  <a:srgbClr val="FFFFFF"/>
-                </a:highlight>
-                <a:latin typeface="Consolas" panose="020B0609020204030204" pitchFamily="49" charset="0"/>
-              </a:rPr>
-              <a:t>c.ViaProxy</a:t>
-            </a:r>
-            <a:r>
-              <a:rPr lang="en-US" sz="2400" dirty="0">
-                <a:solidFill>
-                  <a:srgbClr val="000000"/>
-                </a:solidFill>
-                <a:highlight>
-                  <a:srgbClr val="FFFFFF"/>
-                </a:highlight>
-                <a:latin typeface="Consolas" panose="020B0609020204030204" pitchFamily="49" charset="0"/>
-              </a:rPr>
-              <a:t>).Send();</a:t>
-            </a:r>
-            <a:endParaRPr lang="en-US" sz="2400" dirty="0"/>
-          </a:p>
-        </p:txBody>
-      </p:sp>
-      <p:sp>
-        <p:nvSpPr>
-          <p:cNvPr id="5" name="Rectangle 4"/>
-          <p:cNvSpPr/>
-          <p:nvPr/>
-        </p:nvSpPr>
-        <p:spPr>
-          <a:xfrm>
-            <a:off x="98762" y="2232584"/>
-            <a:ext cx="11976281" cy="1200329"/>
-          </a:xfrm>
-          <a:prstGeom prst="rect">
-            <a:avLst/>
-          </a:prstGeom>
-          <a:ln w="57150">
-            <a:solidFill>
-              <a:srgbClr val="FF0000"/>
-            </a:solidFill>
-          </a:ln>
-        </p:spPr>
-        <p:txBody>
-          <a:bodyPr wrap="square">
-            <a:spAutoFit/>
-          </a:bodyPr>
-          <a:lstStyle/>
-          <a:p>
-            <a:r>
-              <a:rPr lang="en-US" sz="2400" dirty="0" err="1" smtClean="0">
-                <a:solidFill>
-                  <a:srgbClr val="000000"/>
-                </a:solidFill>
-                <a:latin typeface="Consolas" panose="020B0609020204030204" pitchFamily="49" charset="0"/>
-              </a:rPr>
-              <a:t>System.NullReferenceException</a:t>
-            </a:r>
-            <a:r>
-              <a:rPr lang="en-US" sz="2400" dirty="0">
-                <a:solidFill>
-                  <a:srgbClr val="000000"/>
-                </a:solidFill>
-                <a:latin typeface="Consolas" panose="020B0609020204030204" pitchFamily="49" charset="0"/>
-              </a:rPr>
-              <a:t>: </a:t>
-            </a:r>
-            <a:endParaRPr lang="en-US" sz="2400" dirty="0" smtClean="0">
-              <a:solidFill>
-                <a:srgbClr val="000000"/>
-              </a:solidFill>
-              <a:latin typeface="Consolas" panose="020B0609020204030204" pitchFamily="49" charset="0"/>
-            </a:endParaRPr>
-          </a:p>
-          <a:p>
-            <a:r>
-              <a:rPr lang="en-US" sz="2400" dirty="0">
-                <a:solidFill>
-                  <a:srgbClr val="000000"/>
-                </a:solidFill>
-                <a:latin typeface="Consolas" panose="020B0609020204030204" pitchFamily="49" charset="0"/>
-              </a:rPr>
-              <a:t>	</a:t>
-            </a:r>
-            <a:r>
-              <a:rPr lang="en-US" sz="2400" dirty="0" smtClean="0">
-                <a:solidFill>
-                  <a:srgbClr val="000000"/>
-                </a:solidFill>
-                <a:latin typeface="Consolas" panose="020B0609020204030204" pitchFamily="49" charset="0"/>
-              </a:rPr>
-              <a:t>Null </a:t>
-            </a:r>
-            <a:r>
-              <a:rPr lang="en-US" sz="2400" dirty="0">
-                <a:solidFill>
-                  <a:srgbClr val="000000"/>
-                </a:solidFill>
-                <a:latin typeface="Consolas" panose="020B0609020204030204" pitchFamily="49" charset="0"/>
-              </a:rPr>
-              <a:t>reference while executing: </a:t>
-            </a:r>
-            <a:r>
-              <a:rPr lang="en-US" sz="2400" dirty="0" err="1" smtClean="0">
-                <a:solidFill>
-                  <a:srgbClr val="000000"/>
-                </a:solidFill>
-                <a:latin typeface="Consolas" panose="020B0609020204030204" pitchFamily="49" charset="0"/>
-              </a:rPr>
-              <a:t>Route.To</a:t>
-            </a:r>
-            <a:endParaRPr lang="en-US" sz="2400" dirty="0">
-              <a:solidFill>
-                <a:srgbClr val="000000"/>
-              </a:solidFill>
-              <a:latin typeface="Consolas" panose="020B0609020204030204" pitchFamily="49" charset="0"/>
-            </a:endParaRPr>
-          </a:p>
-          <a:p>
-            <a:r>
-              <a:rPr lang="en-US" sz="2400" dirty="0">
-                <a:solidFill>
-                  <a:srgbClr val="000000"/>
-                </a:solidFill>
-                <a:latin typeface="Calibri" panose="020F0502020204030204" pitchFamily="34" charset="0"/>
-              </a:rPr>
-              <a:t>   	</a:t>
-            </a:r>
-            <a:r>
-              <a:rPr lang="en-US" sz="2400" dirty="0" smtClean="0">
-                <a:solidFill>
-                  <a:srgbClr val="000000"/>
-                </a:solidFill>
-                <a:latin typeface="Calibri" panose="020F0502020204030204" pitchFamily="34" charset="0"/>
-              </a:rPr>
-              <a:t>at </a:t>
-            </a:r>
-            <a:r>
-              <a:rPr lang="en-US" sz="2400" u="sng" dirty="0" err="1">
-                <a:solidFill>
-                  <a:srgbClr val="00008B"/>
-                </a:solidFill>
-                <a:latin typeface="Calibri" panose="020F0502020204030204" pitchFamily="34" charset="0"/>
-              </a:rPr>
-              <a:t>ExceptionalExamples.UnitTests</a:t>
-            </a:r>
-            <a:r>
-              <a:rPr lang="en-US" sz="2400" dirty="0" err="1">
-                <a:solidFill>
-                  <a:srgbClr val="000000"/>
-                </a:solidFill>
-                <a:latin typeface="Calibri" panose="020F0502020204030204" pitchFamily="34" charset="0"/>
-              </a:rPr>
-              <a:t>.</a:t>
-            </a:r>
-            <a:r>
-              <a:rPr lang="en-US" sz="2400" u="sng" dirty="0" err="1">
-                <a:solidFill>
-                  <a:srgbClr val="008B8B"/>
-                </a:solidFill>
-                <a:latin typeface="Calibri" panose="020F0502020204030204" pitchFamily="34" charset="0"/>
-              </a:rPr>
-              <a:t>NullRef</a:t>
-            </a:r>
-            <a:r>
-              <a:rPr lang="en-US" sz="2400" dirty="0">
-                <a:solidFill>
-                  <a:srgbClr val="000000"/>
-                </a:solidFill>
-                <a:latin typeface="Calibri" panose="020F0502020204030204" pitchFamily="34" charset="0"/>
-              </a:rPr>
-              <a:t>() in </a:t>
-            </a:r>
-            <a:r>
-              <a:rPr lang="en-US" sz="2400" u="sng" dirty="0">
-                <a:solidFill>
-                  <a:srgbClr val="0066CC"/>
-                </a:solidFill>
-                <a:latin typeface="Calibri" panose="020F0502020204030204" pitchFamily="34" charset="0"/>
-              </a:rPr>
-              <a:t>UnitTest1.cs: line 14</a:t>
-            </a:r>
-            <a:endParaRPr lang="en-US" sz="2400" dirty="0">
-              <a:solidFill>
-                <a:srgbClr val="000000"/>
-              </a:solidFill>
-              <a:latin typeface="Calibri" panose="020F0502020204030204" pitchFamily="34" charset="0"/>
-            </a:endParaRPr>
-          </a:p>
-        </p:txBody>
-      </p:sp>
-      <p:sp>
-        <p:nvSpPr>
-          <p:cNvPr id="7" name="TextBox 6"/>
-          <p:cNvSpPr txBox="1"/>
-          <p:nvPr/>
-        </p:nvSpPr>
-        <p:spPr>
-          <a:xfrm>
-            <a:off x="296996" y="3718790"/>
-            <a:ext cx="2105448" cy="2308324"/>
-          </a:xfrm>
-          <a:prstGeom prst="rect">
-            <a:avLst/>
-          </a:prstGeom>
-          <a:noFill/>
-          <a:ln>
-            <a:solidFill>
-              <a:schemeClr val="accent1"/>
-            </a:solidFill>
-          </a:ln>
-        </p:spPr>
-        <p:txBody>
-          <a:bodyPr wrap="none" rtlCol="0">
-            <a:spAutoFit/>
-          </a:bodyPr>
-          <a:lstStyle/>
-          <a:p>
-            <a:r>
-              <a:rPr lang="en-US" sz="2400" dirty="0" smtClean="0"/>
-              <a:t>What is null?</a:t>
-            </a:r>
-          </a:p>
-          <a:p>
-            <a:r>
-              <a:rPr lang="en-US" sz="2400" b="1" dirty="0" smtClean="0">
-                <a:solidFill>
-                  <a:srgbClr val="FF0000"/>
-                </a:solidFill>
-              </a:rPr>
-              <a:t>A) </a:t>
-            </a:r>
-            <a:r>
-              <a:rPr lang="en-US" sz="2400" dirty="0" smtClean="0"/>
-              <a:t>a</a:t>
-            </a:r>
-          </a:p>
-          <a:p>
-            <a:r>
-              <a:rPr lang="en-US" sz="2400" b="1" dirty="0" smtClean="0">
-                <a:solidFill>
-                  <a:srgbClr val="FFC000"/>
-                </a:solidFill>
-              </a:rPr>
-              <a:t>B) </a:t>
-            </a:r>
-            <a:r>
-              <a:rPr lang="en-US" sz="2400" dirty="0" smtClean="0"/>
-              <a:t>b</a:t>
-            </a:r>
-          </a:p>
-          <a:p>
-            <a:r>
-              <a:rPr lang="en-US" sz="2400" b="1" dirty="0" smtClean="0">
-                <a:solidFill>
-                  <a:schemeClr val="accent2"/>
-                </a:solidFill>
-              </a:rPr>
-              <a:t>C)</a:t>
-            </a:r>
-            <a:r>
-              <a:rPr lang="en-US" sz="2400" dirty="0" smtClean="0">
-                <a:solidFill>
-                  <a:schemeClr val="accent2"/>
-                </a:solidFill>
-              </a:rPr>
-              <a:t> </a:t>
-            </a:r>
-            <a:r>
-              <a:rPr lang="en-US" sz="2400" dirty="0" smtClean="0"/>
-              <a:t>c</a:t>
-            </a:r>
-          </a:p>
-          <a:p>
-            <a:r>
-              <a:rPr lang="en-US" sz="2400" b="1" dirty="0" smtClean="0">
-                <a:solidFill>
-                  <a:srgbClr val="00B050"/>
-                </a:solidFill>
-              </a:rPr>
-              <a:t>D) </a:t>
-            </a:r>
-            <a:r>
-              <a:rPr lang="en-US" sz="2400" dirty="0" smtClean="0"/>
-              <a:t>I don’t know</a:t>
-            </a:r>
-          </a:p>
-          <a:p>
-            <a:endParaRPr lang="en-US" sz="2400" dirty="0"/>
-          </a:p>
-        </p:txBody>
-      </p:sp>
-    </p:spTree>
-    <p:extLst>
-      <p:ext uri="{BB962C8B-B14F-4D97-AF65-F5344CB8AC3E}">
-        <p14:creationId xmlns:p14="http://schemas.microsoft.com/office/powerpoint/2010/main" val="1373656577"/>
-      </p:ext>
-    </p:extLst>
-  </p:cSld>
-  <p:clrMapOvr>
-    <a:masterClrMapping/>
-  </p:clrMapOvr>
-  <p:timing>
-    <p:tnLst>
-      <p:par>
-        <p:cTn xmlns:p14="http://schemas.microsoft.com/office/powerpoint/2010/main" id="1" dur="indefinite" restart="never" nodeType="tmRoot"/>
+        <p:cTn id="1" dur="indefinite" restart="never" nodeType="tmRoot"/>
       </p:par>
     </p:tnLst>
   </p:timing>
@@ -5832,6 +5994,817 @@
       </p:grpSpPr>
       <p:sp>
         <p:nvSpPr>
+          <p:cNvPr id="3" name="Rectangle 2"/>
+          <p:cNvSpPr/>
+          <p:nvPr/>
+        </p:nvSpPr>
+        <p:spPr>
+          <a:xfrm>
+            <a:off x="6611" y="377047"/>
+            <a:ext cx="580770" cy="1569660"/>
+          </a:xfrm>
+          <a:prstGeom prst="rect">
+            <a:avLst/>
+          </a:prstGeom>
+        </p:spPr>
+        <p:txBody>
+          <a:bodyPr wrap="square">
+            <a:spAutoFit/>
+          </a:bodyPr>
+          <a:lstStyle/>
+          <a:p>
+            <a:r>
+              <a:rPr lang="en-US" sz="2400" dirty="0">
+                <a:solidFill>
+                  <a:srgbClr val="2B91AF"/>
+                </a:solidFill>
+                <a:highlight>
+                  <a:srgbClr val="FFFFFF"/>
+                </a:highlight>
+                <a:latin typeface="Consolas" panose="020B0609020204030204" pitchFamily="49" charset="0"/>
+              </a:rPr>
+              <a:t>11 </a:t>
+            </a:r>
+          </a:p>
+          <a:p>
+            <a:r>
+              <a:rPr lang="en-US" sz="2400" dirty="0">
+                <a:solidFill>
+                  <a:srgbClr val="2B91AF"/>
+                </a:solidFill>
+                <a:highlight>
+                  <a:srgbClr val="FFFFFF"/>
+                </a:highlight>
+                <a:latin typeface="Consolas" panose="020B0609020204030204" pitchFamily="49" charset="0"/>
+              </a:rPr>
+              <a:t>12 </a:t>
+            </a:r>
+          </a:p>
+          <a:p>
+            <a:r>
+              <a:rPr lang="en-US" sz="2400" dirty="0">
+                <a:solidFill>
+                  <a:srgbClr val="2B91AF"/>
+                </a:solidFill>
+                <a:highlight>
+                  <a:srgbClr val="FFFFFF"/>
+                </a:highlight>
+                <a:latin typeface="Consolas" panose="020B0609020204030204" pitchFamily="49" charset="0"/>
+              </a:rPr>
+              <a:t>13 </a:t>
+            </a:r>
+          </a:p>
+          <a:p>
+            <a:r>
+              <a:rPr lang="en-US" sz="2400" dirty="0">
+                <a:solidFill>
+                  <a:srgbClr val="2B91AF"/>
+                </a:solidFill>
+                <a:highlight>
+                  <a:srgbClr val="FFFFFF"/>
+                </a:highlight>
+                <a:latin typeface="Consolas" panose="020B0609020204030204" pitchFamily="49" charset="0"/>
+              </a:rPr>
+              <a:t>14</a:t>
+            </a:r>
+          </a:p>
+        </p:txBody>
+      </p:sp>
+      <p:sp>
+        <p:nvSpPr>
+          <p:cNvPr id="4" name="Rectangle 3"/>
+          <p:cNvSpPr/>
+          <p:nvPr/>
+        </p:nvSpPr>
+        <p:spPr>
+          <a:xfrm>
+            <a:off x="580769" y="377047"/>
+            <a:ext cx="11402123" cy="1569660"/>
+          </a:xfrm>
+          <a:prstGeom prst="rect">
+            <a:avLst/>
+          </a:prstGeom>
+        </p:spPr>
+        <p:txBody>
+          <a:bodyPr wrap="square">
+            <a:spAutoFit/>
+          </a:bodyPr>
+          <a:lstStyle/>
+          <a:p>
+            <a:r>
+              <a:rPr lang="en-US" sz="2400" dirty="0" err="1">
+                <a:solidFill>
+                  <a:srgbClr val="0000FF"/>
+                </a:solidFill>
+                <a:highlight>
+                  <a:srgbClr val="FFFFFF"/>
+                </a:highlight>
+                <a:latin typeface="Consolas" panose="020B0609020204030204" pitchFamily="49" charset="0"/>
+              </a:rPr>
+              <a:t>var</a:t>
+            </a:r>
+            <a:r>
+              <a:rPr lang="en-US" sz="2400" dirty="0">
+                <a:solidFill>
+                  <a:srgbClr val="000000"/>
+                </a:solidFill>
+                <a:highlight>
+                  <a:srgbClr val="FFFFFF"/>
+                </a:highlight>
+                <a:latin typeface="Consolas" panose="020B0609020204030204" pitchFamily="49" charset="0"/>
+              </a:rPr>
+              <a:t> a = </a:t>
+            </a:r>
+            <a:r>
+              <a:rPr lang="en-US" sz="2400" dirty="0" err="1">
+                <a:solidFill>
+                  <a:srgbClr val="2B91AF"/>
+                </a:solidFill>
+                <a:highlight>
+                  <a:srgbClr val="FFFFFF"/>
+                </a:highlight>
+                <a:latin typeface="Consolas" panose="020B0609020204030204" pitchFamily="49" charset="0"/>
+              </a:rPr>
+              <a:t>Router</a:t>
+            </a:r>
+            <a:r>
+              <a:rPr lang="en-US" sz="2400" dirty="0" err="1">
+                <a:solidFill>
+                  <a:srgbClr val="000000"/>
+                </a:solidFill>
+                <a:highlight>
+                  <a:srgbClr val="FFFFFF"/>
+                </a:highlight>
+                <a:latin typeface="Consolas" panose="020B0609020204030204" pitchFamily="49" charset="0"/>
+              </a:rPr>
+              <a:t>.GetRoute</a:t>
+            </a:r>
+            <a:r>
+              <a:rPr lang="en-US" sz="2400" dirty="0">
+                <a:solidFill>
+                  <a:srgbClr val="000000"/>
+                </a:solidFill>
+                <a:highlight>
+                  <a:srgbClr val="FFFFFF"/>
+                </a:highlight>
+                <a:latin typeface="Consolas" panose="020B0609020204030204" pitchFamily="49" charset="0"/>
+              </a:rPr>
+              <a:t>(</a:t>
+            </a:r>
+            <a:r>
+              <a:rPr lang="en-US" sz="2400" dirty="0">
+                <a:solidFill>
+                  <a:srgbClr val="A31515"/>
+                </a:solidFill>
+                <a:highlight>
+                  <a:srgbClr val="FFFFFF"/>
+                </a:highlight>
+                <a:latin typeface="Consolas" panose="020B0609020204030204" pitchFamily="49" charset="0"/>
+              </a:rPr>
+              <a:t>"A"</a:t>
+            </a:r>
+            <a:r>
+              <a:rPr lang="en-US" sz="2400" dirty="0">
+                <a:solidFill>
+                  <a:srgbClr val="000000"/>
+                </a:solidFill>
+                <a:highlight>
+                  <a:srgbClr val="FFFFFF"/>
+                </a:highlight>
+                <a:latin typeface="Consolas" panose="020B0609020204030204" pitchFamily="49" charset="0"/>
+              </a:rPr>
+              <a:t>);</a:t>
+            </a:r>
+          </a:p>
+          <a:p>
+            <a:r>
+              <a:rPr lang="en-US" sz="2400" dirty="0" err="1">
+                <a:solidFill>
+                  <a:srgbClr val="0000FF"/>
+                </a:solidFill>
+                <a:highlight>
+                  <a:srgbClr val="FFFFFF"/>
+                </a:highlight>
+                <a:latin typeface="Consolas" panose="020B0609020204030204" pitchFamily="49" charset="0"/>
+              </a:rPr>
+              <a:t>var</a:t>
+            </a:r>
+            <a:r>
+              <a:rPr lang="en-US" sz="2400" dirty="0">
+                <a:solidFill>
+                  <a:srgbClr val="000000"/>
+                </a:solidFill>
+                <a:highlight>
+                  <a:srgbClr val="FFFFFF"/>
+                </a:highlight>
+                <a:latin typeface="Consolas" panose="020B0609020204030204" pitchFamily="49" charset="0"/>
+              </a:rPr>
+              <a:t> b = </a:t>
+            </a:r>
+            <a:r>
+              <a:rPr lang="en-US" sz="2400" dirty="0" err="1">
+                <a:solidFill>
+                  <a:srgbClr val="2B91AF"/>
+                </a:solidFill>
+                <a:highlight>
+                  <a:srgbClr val="FFFFFF"/>
+                </a:highlight>
+                <a:latin typeface="Consolas" panose="020B0609020204030204" pitchFamily="49" charset="0"/>
+              </a:rPr>
+              <a:t>Router</a:t>
+            </a:r>
+            <a:r>
+              <a:rPr lang="en-US" sz="2400" dirty="0" err="1">
+                <a:solidFill>
+                  <a:srgbClr val="000000"/>
+                </a:solidFill>
+                <a:highlight>
+                  <a:srgbClr val="FFFFFF"/>
+                </a:highlight>
+                <a:latin typeface="Consolas" panose="020B0609020204030204" pitchFamily="49" charset="0"/>
+              </a:rPr>
+              <a:t>.GetRoute</a:t>
+            </a:r>
+            <a:r>
+              <a:rPr lang="en-US" sz="2400" dirty="0">
+                <a:solidFill>
+                  <a:srgbClr val="000000"/>
+                </a:solidFill>
+                <a:highlight>
+                  <a:srgbClr val="FFFFFF"/>
+                </a:highlight>
+                <a:latin typeface="Consolas" panose="020B0609020204030204" pitchFamily="49" charset="0"/>
+              </a:rPr>
+              <a:t>(</a:t>
+            </a:r>
+            <a:r>
+              <a:rPr lang="en-US" sz="2400" dirty="0">
+                <a:solidFill>
+                  <a:srgbClr val="A31515"/>
+                </a:solidFill>
+                <a:highlight>
+                  <a:srgbClr val="FFFFFF"/>
+                </a:highlight>
+                <a:latin typeface="Consolas" panose="020B0609020204030204" pitchFamily="49" charset="0"/>
+              </a:rPr>
+              <a:t>"B"</a:t>
+            </a:r>
+            <a:r>
+              <a:rPr lang="en-US" sz="2400" dirty="0">
+                <a:solidFill>
+                  <a:srgbClr val="000000"/>
+                </a:solidFill>
+                <a:highlight>
+                  <a:srgbClr val="FFFFFF"/>
+                </a:highlight>
+                <a:latin typeface="Consolas" panose="020B0609020204030204" pitchFamily="49" charset="0"/>
+              </a:rPr>
+              <a:t>);</a:t>
+            </a:r>
+          </a:p>
+          <a:p>
+            <a:r>
+              <a:rPr lang="en-US" sz="2400" dirty="0" err="1">
+                <a:solidFill>
+                  <a:srgbClr val="0000FF"/>
+                </a:solidFill>
+                <a:highlight>
+                  <a:srgbClr val="FFFFFF"/>
+                </a:highlight>
+                <a:latin typeface="Consolas" panose="020B0609020204030204" pitchFamily="49" charset="0"/>
+              </a:rPr>
+              <a:t>var</a:t>
+            </a:r>
+            <a:r>
+              <a:rPr lang="en-US" sz="2400" dirty="0">
+                <a:solidFill>
+                  <a:srgbClr val="000000"/>
+                </a:solidFill>
+                <a:highlight>
+                  <a:srgbClr val="FFFFFF"/>
+                </a:highlight>
+                <a:latin typeface="Consolas" panose="020B0609020204030204" pitchFamily="49" charset="0"/>
+              </a:rPr>
+              <a:t> c = </a:t>
+            </a:r>
+            <a:r>
+              <a:rPr lang="en-US" sz="2400" dirty="0" err="1">
+                <a:solidFill>
+                  <a:srgbClr val="2B91AF"/>
+                </a:solidFill>
+                <a:highlight>
+                  <a:srgbClr val="FFFFFF"/>
+                </a:highlight>
+                <a:latin typeface="Consolas" panose="020B0609020204030204" pitchFamily="49" charset="0"/>
+              </a:rPr>
+              <a:t>Router</a:t>
+            </a:r>
+            <a:r>
+              <a:rPr lang="en-US" sz="2400" dirty="0" err="1">
+                <a:solidFill>
+                  <a:srgbClr val="000000"/>
+                </a:solidFill>
+                <a:highlight>
+                  <a:srgbClr val="FFFFFF"/>
+                </a:highlight>
+                <a:latin typeface="Consolas" panose="020B0609020204030204" pitchFamily="49" charset="0"/>
+              </a:rPr>
+              <a:t>.GetRoute</a:t>
+            </a:r>
+            <a:r>
+              <a:rPr lang="en-US" sz="2400" dirty="0">
+                <a:solidFill>
+                  <a:srgbClr val="000000"/>
+                </a:solidFill>
+                <a:highlight>
+                  <a:srgbClr val="FFFFFF"/>
+                </a:highlight>
+                <a:latin typeface="Consolas" panose="020B0609020204030204" pitchFamily="49" charset="0"/>
+              </a:rPr>
+              <a:t>(</a:t>
+            </a:r>
+            <a:r>
+              <a:rPr lang="en-US" sz="2400" dirty="0">
+                <a:solidFill>
+                  <a:srgbClr val="A31515"/>
+                </a:solidFill>
+                <a:highlight>
+                  <a:srgbClr val="FFFFFF"/>
+                </a:highlight>
+                <a:latin typeface="Consolas" panose="020B0609020204030204" pitchFamily="49" charset="0"/>
+              </a:rPr>
+              <a:t>"C"</a:t>
+            </a:r>
+            <a:r>
+              <a:rPr lang="en-US" sz="2400" dirty="0">
+                <a:solidFill>
+                  <a:srgbClr val="000000"/>
+                </a:solidFill>
+                <a:highlight>
+                  <a:srgbClr val="FFFFFF"/>
+                </a:highlight>
+                <a:latin typeface="Consolas" panose="020B0609020204030204" pitchFamily="49" charset="0"/>
+              </a:rPr>
+              <a:t>);</a:t>
+            </a:r>
+          </a:p>
+          <a:p>
+            <a:r>
+              <a:rPr lang="en-US" sz="2400" dirty="0" err="1">
+                <a:solidFill>
+                  <a:srgbClr val="0000FF"/>
+                </a:solidFill>
+                <a:highlight>
+                  <a:srgbClr val="FFFFFF"/>
+                </a:highlight>
+                <a:latin typeface="Consolas" panose="020B0609020204030204" pitchFamily="49" charset="0"/>
+              </a:rPr>
+              <a:t>var</a:t>
+            </a:r>
+            <a:r>
+              <a:rPr lang="en-US" sz="2400" dirty="0">
+                <a:solidFill>
+                  <a:srgbClr val="000000"/>
+                </a:solidFill>
+                <a:highlight>
+                  <a:srgbClr val="FFFFFF"/>
+                </a:highlight>
+                <a:latin typeface="Consolas" panose="020B0609020204030204" pitchFamily="49" charset="0"/>
+              </a:rPr>
+              <a:t> result = </a:t>
+            </a:r>
+            <a:r>
+              <a:rPr lang="en-US" sz="2400" dirty="0">
+                <a:solidFill>
+                  <a:srgbClr val="0000FF"/>
+                </a:solidFill>
+                <a:highlight>
+                  <a:srgbClr val="FFFFFF"/>
+                </a:highlight>
+                <a:latin typeface="Consolas" panose="020B0609020204030204" pitchFamily="49" charset="0"/>
+              </a:rPr>
+              <a:t>new</a:t>
+            </a:r>
+            <a:r>
+              <a:rPr lang="en-US" sz="2400" dirty="0">
+                <a:solidFill>
+                  <a:srgbClr val="000000"/>
+                </a:solidFill>
+                <a:highlight>
+                  <a:srgbClr val="FFFFFF"/>
+                </a:highlight>
+                <a:latin typeface="Consolas" panose="020B0609020204030204" pitchFamily="49" charset="0"/>
+              </a:rPr>
+              <a:t> </a:t>
+            </a:r>
+            <a:r>
+              <a:rPr lang="en-US" sz="2400" dirty="0">
+                <a:solidFill>
+                  <a:srgbClr val="2B91AF"/>
+                </a:solidFill>
+                <a:highlight>
+                  <a:srgbClr val="FFFFFF"/>
+                </a:highlight>
+                <a:latin typeface="Consolas" panose="020B0609020204030204" pitchFamily="49" charset="0"/>
+              </a:rPr>
+              <a:t>Helper</a:t>
+            </a:r>
+            <a:r>
+              <a:rPr lang="en-US" sz="2400" dirty="0">
+                <a:solidFill>
+                  <a:srgbClr val="000000"/>
+                </a:solidFill>
+                <a:highlight>
+                  <a:srgbClr val="FFFFFF"/>
+                </a:highlight>
+                <a:latin typeface="Consolas" panose="020B0609020204030204" pitchFamily="49" charset="0"/>
+              </a:rPr>
+              <a:t>(</a:t>
+            </a:r>
+            <a:r>
+              <a:rPr lang="en-US" sz="2400" dirty="0" err="1">
+                <a:solidFill>
+                  <a:srgbClr val="000000"/>
+                </a:solidFill>
+                <a:highlight>
+                  <a:srgbClr val="FFFFFF"/>
+                </a:highlight>
+                <a:latin typeface="Consolas" panose="020B0609020204030204" pitchFamily="49" charset="0"/>
+              </a:rPr>
+              <a:t>a.From</a:t>
+            </a:r>
+            <a:r>
+              <a:rPr lang="en-US" sz="2400" dirty="0">
+                <a:solidFill>
+                  <a:srgbClr val="000000"/>
+                </a:solidFill>
+                <a:highlight>
+                  <a:srgbClr val="FFFFFF"/>
+                </a:highlight>
+                <a:latin typeface="Consolas" panose="020B0609020204030204" pitchFamily="49" charset="0"/>
+              </a:rPr>
+              <a:t>, </a:t>
+            </a:r>
+            <a:r>
+              <a:rPr lang="en-US" sz="2400" dirty="0" err="1">
+                <a:solidFill>
+                  <a:srgbClr val="000000"/>
+                </a:solidFill>
+                <a:highlight>
+                  <a:srgbClr val="FFFFFF"/>
+                </a:highlight>
+                <a:latin typeface="Consolas" panose="020B0609020204030204" pitchFamily="49" charset="0"/>
+              </a:rPr>
+              <a:t>b.To</a:t>
+            </a:r>
+            <a:r>
+              <a:rPr lang="en-US" sz="2400" dirty="0">
+                <a:solidFill>
+                  <a:srgbClr val="000000"/>
+                </a:solidFill>
+                <a:highlight>
+                  <a:srgbClr val="FFFFFF"/>
+                </a:highlight>
+                <a:latin typeface="Consolas" panose="020B0609020204030204" pitchFamily="49" charset="0"/>
+              </a:rPr>
+              <a:t>, </a:t>
+            </a:r>
+            <a:r>
+              <a:rPr lang="en-US" sz="2400" dirty="0" err="1">
+                <a:solidFill>
+                  <a:srgbClr val="000000"/>
+                </a:solidFill>
+                <a:highlight>
+                  <a:srgbClr val="FFFFFF"/>
+                </a:highlight>
+                <a:latin typeface="Consolas" panose="020B0609020204030204" pitchFamily="49" charset="0"/>
+              </a:rPr>
+              <a:t>c.ViaProxy</a:t>
+            </a:r>
+            <a:r>
+              <a:rPr lang="en-US" sz="2400" dirty="0">
+                <a:solidFill>
+                  <a:srgbClr val="000000"/>
+                </a:solidFill>
+                <a:highlight>
+                  <a:srgbClr val="FFFFFF"/>
+                </a:highlight>
+                <a:latin typeface="Consolas" panose="020B0609020204030204" pitchFamily="49" charset="0"/>
+              </a:rPr>
+              <a:t>).Send();</a:t>
+            </a:r>
+            <a:endParaRPr lang="en-US" sz="2400" dirty="0"/>
+          </a:p>
+        </p:txBody>
+      </p:sp>
+      <p:sp>
+        <p:nvSpPr>
+          <p:cNvPr id="5" name="Rectangle 4"/>
+          <p:cNvSpPr/>
+          <p:nvPr/>
+        </p:nvSpPr>
+        <p:spPr>
+          <a:xfrm>
+            <a:off x="98762" y="2232584"/>
+            <a:ext cx="11976281" cy="1200329"/>
+          </a:xfrm>
+          <a:prstGeom prst="rect">
+            <a:avLst/>
+          </a:prstGeom>
+          <a:ln w="57150">
+            <a:solidFill>
+              <a:srgbClr val="FF0000"/>
+            </a:solidFill>
+          </a:ln>
+        </p:spPr>
+        <p:txBody>
+          <a:bodyPr wrap="square">
+            <a:spAutoFit/>
+          </a:bodyPr>
+          <a:lstStyle/>
+          <a:p>
+            <a:r>
+              <a:rPr lang="en-US" sz="2400" dirty="0" err="1" smtClean="0">
+                <a:solidFill>
+                  <a:srgbClr val="000000"/>
+                </a:solidFill>
+                <a:latin typeface="Consolas" panose="020B0609020204030204" pitchFamily="49" charset="0"/>
+              </a:rPr>
+              <a:t>System.NullReferenceException</a:t>
+            </a:r>
+            <a:r>
+              <a:rPr lang="en-US" sz="2400" dirty="0">
+                <a:solidFill>
+                  <a:srgbClr val="000000"/>
+                </a:solidFill>
+                <a:latin typeface="Consolas" panose="020B0609020204030204" pitchFamily="49" charset="0"/>
+              </a:rPr>
+              <a:t>: </a:t>
+            </a:r>
+            <a:endParaRPr lang="en-US" sz="2400" dirty="0" smtClean="0">
+              <a:solidFill>
+                <a:srgbClr val="000000"/>
+              </a:solidFill>
+              <a:latin typeface="Consolas" panose="020B0609020204030204" pitchFamily="49" charset="0"/>
+            </a:endParaRPr>
+          </a:p>
+          <a:p>
+            <a:r>
+              <a:rPr lang="en-US" sz="2400" dirty="0">
+                <a:solidFill>
+                  <a:srgbClr val="000000"/>
+                </a:solidFill>
+                <a:latin typeface="Consolas" panose="020B0609020204030204" pitchFamily="49" charset="0"/>
+              </a:rPr>
+              <a:t>	</a:t>
+            </a:r>
+            <a:r>
+              <a:rPr lang="en-US" sz="2400" dirty="0" smtClean="0">
+                <a:solidFill>
+                  <a:srgbClr val="000000"/>
+                </a:solidFill>
+                <a:latin typeface="Consolas" panose="020B0609020204030204" pitchFamily="49" charset="0"/>
+              </a:rPr>
+              <a:t>Null </a:t>
+            </a:r>
+            <a:r>
+              <a:rPr lang="en-US" sz="2400" dirty="0">
+                <a:solidFill>
+                  <a:srgbClr val="000000"/>
+                </a:solidFill>
+                <a:latin typeface="Consolas" panose="020B0609020204030204" pitchFamily="49" charset="0"/>
+              </a:rPr>
+              <a:t>reference while executing: </a:t>
+            </a:r>
+            <a:r>
+              <a:rPr lang="en-US" sz="2400" dirty="0" err="1" smtClean="0">
+                <a:solidFill>
+                  <a:srgbClr val="000000"/>
+                </a:solidFill>
+                <a:latin typeface="Consolas" panose="020B0609020204030204" pitchFamily="49" charset="0"/>
+              </a:rPr>
+              <a:t>Route.To</a:t>
+            </a:r>
+            <a:endParaRPr lang="en-US" sz="2400" dirty="0">
+              <a:solidFill>
+                <a:srgbClr val="000000"/>
+              </a:solidFill>
+              <a:latin typeface="Consolas" panose="020B0609020204030204" pitchFamily="49" charset="0"/>
+            </a:endParaRPr>
+          </a:p>
+          <a:p>
+            <a:r>
+              <a:rPr lang="en-US" sz="2400" dirty="0">
+                <a:solidFill>
+                  <a:srgbClr val="000000"/>
+                </a:solidFill>
+                <a:latin typeface="Calibri" panose="020F0502020204030204" pitchFamily="34" charset="0"/>
+              </a:rPr>
+              <a:t>   	</a:t>
+            </a:r>
+            <a:r>
+              <a:rPr lang="en-US" sz="2400" dirty="0" smtClean="0">
+                <a:solidFill>
+                  <a:srgbClr val="000000"/>
+                </a:solidFill>
+                <a:latin typeface="Calibri" panose="020F0502020204030204" pitchFamily="34" charset="0"/>
+              </a:rPr>
+              <a:t>at </a:t>
+            </a:r>
+            <a:r>
+              <a:rPr lang="en-US" sz="2400" u="sng" dirty="0" err="1">
+                <a:solidFill>
+                  <a:srgbClr val="00008B"/>
+                </a:solidFill>
+                <a:latin typeface="Calibri" panose="020F0502020204030204" pitchFamily="34" charset="0"/>
+              </a:rPr>
+              <a:t>ExceptionalExamples.UnitTests</a:t>
+            </a:r>
+            <a:r>
+              <a:rPr lang="en-US" sz="2400" dirty="0" err="1">
+                <a:solidFill>
+                  <a:srgbClr val="000000"/>
+                </a:solidFill>
+                <a:latin typeface="Calibri" panose="020F0502020204030204" pitchFamily="34" charset="0"/>
+              </a:rPr>
+              <a:t>.</a:t>
+            </a:r>
+            <a:r>
+              <a:rPr lang="en-US" sz="2400" u="sng" dirty="0" err="1">
+                <a:solidFill>
+                  <a:srgbClr val="008B8B"/>
+                </a:solidFill>
+                <a:latin typeface="Calibri" panose="020F0502020204030204" pitchFamily="34" charset="0"/>
+              </a:rPr>
+              <a:t>NullRef</a:t>
+            </a:r>
+            <a:r>
+              <a:rPr lang="en-US" sz="2400" dirty="0">
+                <a:solidFill>
+                  <a:srgbClr val="000000"/>
+                </a:solidFill>
+                <a:latin typeface="Calibri" panose="020F0502020204030204" pitchFamily="34" charset="0"/>
+              </a:rPr>
+              <a:t>() in </a:t>
+            </a:r>
+            <a:r>
+              <a:rPr lang="en-US" sz="2400" u="sng" dirty="0">
+                <a:solidFill>
+                  <a:srgbClr val="0066CC"/>
+                </a:solidFill>
+                <a:latin typeface="Calibri" panose="020F0502020204030204" pitchFamily="34" charset="0"/>
+              </a:rPr>
+              <a:t>UnitTest1.cs: line 14</a:t>
+            </a:r>
+            <a:endParaRPr lang="en-US" sz="2400" dirty="0">
+              <a:solidFill>
+                <a:srgbClr val="000000"/>
+              </a:solidFill>
+              <a:latin typeface="Calibri" panose="020F0502020204030204" pitchFamily="34" charset="0"/>
+            </a:endParaRPr>
+          </a:p>
+        </p:txBody>
+      </p:sp>
+      <p:sp>
+        <p:nvSpPr>
+          <p:cNvPr id="7" name="TextBox 6"/>
+          <p:cNvSpPr txBox="1"/>
+          <p:nvPr/>
+        </p:nvSpPr>
+        <p:spPr>
+          <a:xfrm>
+            <a:off x="296996" y="3718790"/>
+            <a:ext cx="2105448" cy="2308324"/>
+          </a:xfrm>
+          <a:prstGeom prst="rect">
+            <a:avLst/>
+          </a:prstGeom>
+          <a:noFill/>
+          <a:ln>
+            <a:solidFill>
+              <a:schemeClr val="accent1"/>
+            </a:solidFill>
+          </a:ln>
+        </p:spPr>
+        <p:txBody>
+          <a:bodyPr wrap="none" rtlCol="0">
+            <a:spAutoFit/>
+          </a:bodyPr>
+          <a:lstStyle/>
+          <a:p>
+            <a:r>
+              <a:rPr lang="en-US" sz="2400" dirty="0" smtClean="0"/>
+              <a:t>What is null?</a:t>
+            </a:r>
+          </a:p>
+          <a:p>
+            <a:r>
+              <a:rPr lang="en-US" sz="2400" b="1" dirty="0" smtClean="0">
+                <a:solidFill>
+                  <a:srgbClr val="FF0000"/>
+                </a:solidFill>
+              </a:rPr>
+              <a:t>A) </a:t>
+            </a:r>
+            <a:r>
+              <a:rPr lang="en-US" sz="2400" dirty="0" smtClean="0"/>
+              <a:t>a</a:t>
+            </a:r>
+          </a:p>
+          <a:p>
+            <a:r>
+              <a:rPr lang="en-US" sz="2400" b="1" dirty="0" smtClean="0">
+                <a:solidFill>
+                  <a:srgbClr val="FFC000"/>
+                </a:solidFill>
+              </a:rPr>
+              <a:t>B) </a:t>
+            </a:r>
+            <a:r>
+              <a:rPr lang="en-US" sz="2400" dirty="0" smtClean="0"/>
+              <a:t>b</a:t>
+            </a:r>
+          </a:p>
+          <a:p>
+            <a:r>
+              <a:rPr lang="en-US" sz="2400" b="1" dirty="0" smtClean="0">
+                <a:solidFill>
+                  <a:schemeClr val="accent2"/>
+                </a:solidFill>
+              </a:rPr>
+              <a:t>C)</a:t>
+            </a:r>
+            <a:r>
+              <a:rPr lang="en-US" sz="2400" dirty="0" smtClean="0">
+                <a:solidFill>
+                  <a:schemeClr val="accent2"/>
+                </a:solidFill>
+              </a:rPr>
+              <a:t> </a:t>
+            </a:r>
+            <a:r>
+              <a:rPr lang="en-US" sz="2400" dirty="0" smtClean="0"/>
+              <a:t>c</a:t>
+            </a:r>
+          </a:p>
+          <a:p>
+            <a:r>
+              <a:rPr lang="en-US" sz="2400" b="1" dirty="0" smtClean="0">
+                <a:solidFill>
+                  <a:srgbClr val="00B050"/>
+                </a:solidFill>
+              </a:rPr>
+              <a:t>D) </a:t>
+            </a:r>
+            <a:r>
+              <a:rPr lang="en-US" sz="2400" dirty="0" smtClean="0"/>
+              <a:t>I don’t know</a:t>
+            </a:r>
+          </a:p>
+          <a:p>
+            <a:endParaRPr lang="en-US" sz="2400" dirty="0"/>
+          </a:p>
+        </p:txBody>
+      </p:sp>
+    </p:spTree>
+    <p:extLst>
+      <p:ext uri="{BB962C8B-B14F-4D97-AF65-F5344CB8AC3E}">
+        <p14:creationId xmlns:p14="http://schemas.microsoft.com/office/powerpoint/2010/main" val="1373656577"/>
+      </p:ext>
+    </p:extLst>
+  </p:cSld>
+  <p:clrMapOvr>
+    <a:masterClrMapping/>
+  </p:clrMapOvr>
+  <p:timing>
+    <p:tnLst>
+      <p:par>
+        <p:cTn id="1" dur="indefinite" restart="never" nodeType="tmRoot"/>
+      </p:par>
+    </p:tnLst>
+  </p:timing>
+</p:sld>
+</file>
+
+<file path=ppt/slides/slide6.xml><?xml version="1.0" encoding="utf-8"?>
+<p:sld xmlns:a="http://schemas.openxmlformats.org/drawingml/2006/main" xmlns:r="http://schemas.openxmlformats.org/officeDocument/2006/relationships" xmlns:p="http://schemas.openxmlformats.org/presentationml/2006/main">
+  <p:cSld>
+    <p:spTree>
+      <p:nvGrpSpPr>
+        <p:cNvPr id="1" name=""/>
+        <p:cNvGrpSpPr/>
+        <p:nvPr/>
+      </p:nvGrpSpPr>
+      <p:grpSpPr>
+        <a:xfrm>
+          <a:off x="0" y="0"/>
+          <a:ext cx="0" cy="0"/>
+          <a:chOff x="0" y="0"/>
+          <a:chExt cx="0" cy="0"/>
+        </a:xfrm>
+      </p:grpSpPr>
+      <p:sp>
+        <p:nvSpPr>
           <p:cNvPr id="2" name="Title 1"/>
           <p:cNvSpPr>
             <a:spLocks noGrp="1"/>
@@ -5891,11 +6864,6 @@
               </a:rPr>
               <a:t>“Print variable values </a:t>
             </a:r>
-            <a:endParaRPr lang="en-US" sz="4800" i="1" spc="-50" dirty="0" smtClean="0">
-              <a:latin typeface="+mj-lt"/>
-              <a:ea typeface="+mj-ea"/>
-              <a:cs typeface="+mj-cs"/>
-            </a:endParaRPr>
           </a:p>
           <a:p>
             <a:pPr algn="ctr"/>
@@ -5997,198 +6965,7 @@
   <p:timing>
     <p:tnLst>
       <p:par>
-        <p:cTn xmlns:p14="http://schemas.microsoft.com/office/powerpoint/2010/main" id="1" dur="indefinite" restart="never" nodeType="tmRoot"/>
-      </p:par>
-    </p:tnLst>
-  </p:timing>
-</p:sld>
-</file>
-
-<file path=ppt/slides/slide6.xml><?xml version="1.0" encoding="utf-8"?>
-<p:sld xmlns:a="http://schemas.openxmlformats.org/drawingml/2006/main" xmlns:r="http://schemas.openxmlformats.org/officeDocument/2006/relationships" xmlns:p="http://schemas.openxmlformats.org/presentationml/2006/main">
-  <p:cSld>
-    <p:spTree>
-      <p:nvGrpSpPr>
-        <p:cNvPr id="1" name=""/>
-        <p:cNvGrpSpPr/>
-        <p:nvPr/>
-      </p:nvGrpSpPr>
-      <p:grpSpPr>
-        <a:xfrm>
-          <a:off x="0" y="0"/>
-          <a:ext cx="0" cy="0"/>
-          <a:chOff x="0" y="0"/>
-          <a:chExt cx="0" cy="0"/>
-        </a:xfrm>
-      </p:grpSpPr>
-      <p:sp>
-        <p:nvSpPr>
-          <p:cNvPr id="2" name="Title 1"/>
-          <p:cNvSpPr>
-            <a:spLocks noGrp="1"/>
-          </p:cNvSpPr>
-          <p:nvPr>
-            <p:ph type="title" idx="4294967295"/>
-          </p:nvPr>
-        </p:nvSpPr>
-        <p:spPr>
-          <a:xfrm>
-            <a:off x="1097280" y="264188"/>
-            <a:ext cx="10058400" cy="1025525"/>
-          </a:xfrm>
-        </p:spPr>
-        <p:txBody>
-          <a:bodyPr>
-            <a:normAutofit/>
-          </a:bodyPr>
-          <a:lstStyle/>
-          <a:p>
-            <a:r>
-              <a:rPr lang="en-US" sz="3600" dirty="0" smtClean="0"/>
-              <a:t>This exception proves the rule…</a:t>
-            </a:r>
-            <a:endParaRPr lang="en-US" sz="3600" dirty="0"/>
-          </a:p>
-        </p:txBody>
-      </p:sp>
-      <p:sp>
-        <p:nvSpPr>
-          <p:cNvPr id="3" name="Content Placeholder 2"/>
-          <p:cNvSpPr>
-            <a:spLocks noGrp="1"/>
-          </p:cNvSpPr>
-          <p:nvPr>
-            <p:ph idx="4294967295"/>
-          </p:nvPr>
-        </p:nvSpPr>
-        <p:spPr>
-          <a:xfrm>
-            <a:off x="1097280" y="1414804"/>
-            <a:ext cx="10058400" cy="4024313"/>
-          </a:xfrm>
-        </p:spPr>
-        <p:txBody>
-          <a:bodyPr anchor="ctr">
-            <a:normAutofit/>
-          </a:bodyPr>
-          <a:lstStyle/>
-          <a:p>
-            <a:pPr algn="ctr"/>
-            <a:r>
-              <a:rPr lang="en-US" sz="4800" i="1" spc="-50" dirty="0">
-                <a:latin typeface="+mj-lt"/>
-                <a:ea typeface="+mj-ea"/>
-                <a:cs typeface="+mj-cs"/>
-              </a:rPr>
-              <a:t>“Give example code </a:t>
-            </a:r>
-            <a:endParaRPr lang="en-US" sz="4800" i="1" spc="-50" dirty="0" smtClean="0">
-              <a:latin typeface="+mj-lt"/>
-              <a:ea typeface="+mj-ea"/>
-              <a:cs typeface="+mj-cs"/>
-            </a:endParaRPr>
-          </a:p>
-          <a:p>
-            <a:pPr algn="ctr"/>
-            <a:r>
-              <a:rPr lang="en-US" sz="4800" i="1" spc="-50" dirty="0" smtClean="0">
-                <a:latin typeface="+mj-lt"/>
-                <a:ea typeface="+mj-ea"/>
-                <a:cs typeface="+mj-cs"/>
-              </a:rPr>
-              <a:t>for </a:t>
-            </a:r>
-            <a:r>
-              <a:rPr lang="en-US" sz="4800" i="1" spc="-50" dirty="0">
-                <a:latin typeface="+mj-lt"/>
-                <a:ea typeface="+mj-ea"/>
-                <a:cs typeface="+mj-cs"/>
-              </a:rPr>
-              <a:t>any setup </a:t>
-            </a:r>
-            <a:r>
-              <a:rPr lang="en-US" sz="4800" i="1" spc="-50" dirty="0" smtClean="0">
-                <a:latin typeface="+mj-lt"/>
-                <a:ea typeface="+mj-ea"/>
-                <a:cs typeface="+mj-cs"/>
-              </a:rPr>
-              <a:t>needed”</a:t>
-            </a:r>
-            <a:endParaRPr lang="en-US" sz="4800" i="1" spc="-50" dirty="0">
-              <a:latin typeface="+mj-lt"/>
-              <a:ea typeface="+mj-ea"/>
-              <a:cs typeface="+mj-cs"/>
-            </a:endParaRPr>
-          </a:p>
-        </p:txBody>
-      </p:sp>
-      <p:sp>
-        <p:nvSpPr>
-          <p:cNvPr id="4" name="Title 1"/>
-          <p:cNvSpPr txBox="1">
-            <a:spLocks/>
-          </p:cNvSpPr>
-          <p:nvPr/>
-        </p:nvSpPr>
-        <p:spPr>
-          <a:xfrm>
-            <a:off x="1097280" y="5234030"/>
-            <a:ext cx="10058400" cy="1025730"/>
-          </a:xfrm>
-          <a:prstGeom prst="rect">
-            <a:avLst/>
-          </a:prstGeom>
-        </p:spPr>
-        <p:txBody>
-          <a:bodyPr vert="horz" lIns="91440" tIns="45720" rIns="91440" bIns="45720" rtlCol="0" anchor="b">
-            <a:normAutofit/>
-          </a:bodyPr>
-          <a:lstStyle>
-            <a:lvl1pPr algn="l" defTabSz="914400" rtl="0" eaLnBrk="1" latinLnBrk="0" hangingPunct="1">
-              <a:lnSpc>
-                <a:spcPct val="85000"/>
-              </a:lnSpc>
-              <a:spcBef>
-                <a:spcPct val="0"/>
-              </a:spcBef>
-              <a:buNone/>
-              <a:defRPr sz="4800" kern="1200" spc="-50" baseline="0">
-                <a:solidFill>
-                  <a:schemeClr val="tx1">
-                    <a:lumMod val="75000"/>
-                    <a:lumOff val="25000"/>
-                  </a:schemeClr>
-                </a:solidFill>
-                <a:latin typeface="+mj-lt"/>
-                <a:ea typeface="+mj-ea"/>
-                <a:cs typeface="+mj-cs"/>
-              </a:defRPr>
-            </a:lvl1pPr>
-          </a:lstStyle>
-          <a:p>
-            <a:pPr algn="r"/>
-            <a:r>
-              <a:rPr lang="en-US" sz="3600" dirty="0" smtClean="0"/>
-              <a:t>…to give the confused coder some guidance</a:t>
-            </a:r>
-            <a:endParaRPr lang="en-US" sz="3600" dirty="0"/>
-          </a:p>
-        </p:txBody>
-      </p:sp>
-    </p:spTree>
-    <p:extLst>
-      <p:ext uri="{BB962C8B-B14F-4D97-AF65-F5344CB8AC3E}">
-        <p14:creationId xmlns:p14="http://schemas.microsoft.com/office/powerpoint/2010/main" val="416516849"/>
-      </p:ext>
-    </p:extLst>
-  </p:cSld>
-  <p:clrMapOvr>
-    <a:masterClrMapping/>
-  </p:clrMapOvr>
-  <p:timing>
-    <p:tnLst>
-      <p:par>
-        <p:cTn xmlns:p14="http://schemas.microsoft.com/office/powerpoint/2010/main" id="1" dur="indefinite" restart="never" nodeType="tmRoot"/>
+        <p:cTn id="1" dur="indefinite" restart="never" nodeType="tmRoot"/>
       </p:par>
     </p:tnLst>
   </p:timing>
@@ -6214,130 +6991,1564 @@
       </p:grpSpPr>
       <p:sp>
         <p:nvSpPr>
-          <p:cNvPr id="2" name="Title 1"/>
-          <p:cNvSpPr>
-            <a:spLocks noGrp="1"/>
-          </p:cNvSpPr>
-          <p:nvPr>
-            <p:ph type="title" idx="4294967295"/>
-          </p:nvPr>
+          <p:cNvPr id="3" name="Rectangle 2"/>
+          <p:cNvSpPr/>
+          <p:nvPr/>
         </p:nvSpPr>
         <p:spPr>
           <a:xfrm>
-            <a:off x="1097280" y="264188"/>
-            <a:ext cx="10058400" cy="1025525"/>
-          </a:xfrm>
-        </p:spPr>
-        <p:txBody>
-          <a:bodyPr>
-            <a:normAutofit/>
-          </a:bodyPr>
-          <a:lstStyle/>
-          <a:p>
-            <a:r>
-              <a:rPr lang="en-US" sz="3600" dirty="0" smtClean="0"/>
-              <a:t>This exception proves the rule…</a:t>
-            </a:r>
-            <a:endParaRPr lang="en-US" sz="3600" dirty="0"/>
-          </a:p>
-        </p:txBody>
-      </p:sp>
-      <p:sp>
-        <p:nvSpPr>
-          <p:cNvPr id="3" name="Content Placeholder 2"/>
-          <p:cNvSpPr>
-            <a:spLocks noGrp="1"/>
-          </p:cNvSpPr>
-          <p:nvPr>
-            <p:ph idx="4294967295"/>
-          </p:nvPr>
-        </p:nvSpPr>
-        <p:spPr>
-          <a:xfrm>
-            <a:off x="1097280" y="1414804"/>
-            <a:ext cx="10058400" cy="4024313"/>
-          </a:xfrm>
-        </p:spPr>
-        <p:txBody>
-          <a:bodyPr anchor="ctr">
-            <a:normAutofit/>
-          </a:bodyPr>
-          <a:lstStyle/>
-          <a:p>
-            <a:pPr algn="ctr"/>
-            <a:r>
-              <a:rPr lang="en-US" sz="4800" i="1" spc="-50" dirty="0" smtClean="0">
-                <a:latin typeface="+mj-lt"/>
-                <a:ea typeface="+mj-ea"/>
-                <a:cs typeface="+mj-cs"/>
-              </a:rPr>
-              <a:t>“Print other variables to provide context”</a:t>
-            </a:r>
-            <a:endParaRPr lang="en-US" sz="4800" i="1" spc="-50" dirty="0">
-              <a:latin typeface="+mj-lt"/>
-              <a:ea typeface="+mj-ea"/>
-              <a:cs typeface="+mj-cs"/>
-            </a:endParaRPr>
-          </a:p>
-        </p:txBody>
-      </p:sp>
-      <p:sp>
-        <p:nvSpPr>
-          <p:cNvPr id="4" name="Title 1"/>
-          <p:cNvSpPr txBox="1">
-            <a:spLocks/>
-          </p:cNvSpPr>
-          <p:nvPr/>
-        </p:nvSpPr>
-        <p:spPr>
-          <a:xfrm>
-            <a:off x="1097280" y="5234030"/>
-            <a:ext cx="10058400" cy="1025730"/>
+            <a:off x="6611" y="377047"/>
+            <a:ext cx="580770" cy="2862322"/>
           </a:xfrm>
           <a:prstGeom prst="rect">
             <a:avLst/>
           </a:prstGeom>
         </p:spPr>
         <p:txBody>
-          <a:bodyPr vert="horz" lIns="91440" tIns="45720" rIns="91440" bIns="45720" rtlCol="0" anchor="b">
-            <a:normAutofit/>
+          <a:bodyPr wrap="square">
+            <a:spAutoFit/>
           </a:bodyPr>
-          <a:lstStyle>
-            <a:lvl1pPr algn="l" defTabSz="914400" rtl="0" eaLnBrk="1" latinLnBrk="0" hangingPunct="1">
-              <a:lnSpc>
-                <a:spcPct val="85000"/>
-              </a:lnSpc>
-              <a:spcBef>
-                <a:spcPct val="0"/>
-              </a:spcBef>
-              <a:buNone/>
-              <a:defRPr sz="4800" kern="1200" spc="-50" baseline="0">
-                <a:solidFill>
-                  <a:schemeClr val="tx1">
-                    <a:lumMod val="75000"/>
-                    <a:lumOff val="25000"/>
-                  </a:schemeClr>
-                </a:solidFill>
-                <a:latin typeface="+mj-lt"/>
-                <a:ea typeface="+mj-ea"/>
-                <a:cs typeface="+mj-cs"/>
-              </a:defRPr>
-            </a:lvl1pPr>
-          </a:lstStyle>
-          <a:p>
-            <a:pPr algn="r"/>
-            <a:r>
-              <a:rPr lang="en-US" sz="3600" dirty="0" smtClean="0"/>
-              <a:t>…to give the confused coder some guidance</a:t>
-            </a:r>
-            <a:endParaRPr lang="en-US" sz="3600" dirty="0"/>
+          <a:lstStyle/>
+          <a:p>
+            <a:r>
+              <a:rPr lang="en-US" dirty="0" smtClean="0">
+                <a:solidFill>
+                  <a:srgbClr val="2B91AF"/>
+                </a:solidFill>
+                <a:highlight>
+                  <a:srgbClr val="FFFFFF"/>
+                </a:highlight>
+                <a:latin typeface="Consolas" panose="020B0609020204030204" pitchFamily="49" charset="0"/>
+              </a:rPr>
+              <a:t>58</a:t>
+            </a:r>
+            <a:r>
+              <a:rPr lang="en-US" dirty="0" smtClean="0">
+                <a:solidFill>
+                  <a:srgbClr val="2B91AF"/>
+                </a:solidFill>
+                <a:highlight>
+                  <a:srgbClr val="FFFFFF"/>
+                </a:highlight>
+                <a:latin typeface="Consolas" panose="020B0609020204030204" pitchFamily="49" charset="0"/>
+              </a:rPr>
+              <a:t> </a:t>
+            </a:r>
+          </a:p>
+          <a:p>
+            <a:r>
+              <a:rPr lang="en-US" dirty="0" smtClean="0">
+                <a:solidFill>
+                  <a:srgbClr val="2B91AF"/>
+                </a:solidFill>
+                <a:highlight>
+                  <a:srgbClr val="FFFFFF"/>
+                </a:highlight>
+                <a:latin typeface="Consolas" panose="020B0609020204030204" pitchFamily="49" charset="0"/>
+              </a:rPr>
+              <a:t>59</a:t>
+            </a:r>
+            <a:r>
+              <a:rPr lang="en-US" dirty="0" smtClean="0">
+                <a:solidFill>
+                  <a:srgbClr val="2B91AF"/>
+                </a:solidFill>
+                <a:highlight>
+                  <a:srgbClr val="FFFFFF"/>
+                </a:highlight>
+                <a:latin typeface="Consolas" panose="020B0609020204030204" pitchFamily="49" charset="0"/>
+              </a:rPr>
+              <a:t> </a:t>
+            </a:r>
+          </a:p>
+          <a:p>
+            <a:r>
+              <a:rPr lang="en-US" dirty="0" smtClean="0">
+                <a:solidFill>
+                  <a:srgbClr val="2B91AF"/>
+                </a:solidFill>
+                <a:highlight>
+                  <a:srgbClr val="FFFFFF"/>
+                </a:highlight>
+                <a:latin typeface="Consolas" panose="020B0609020204030204" pitchFamily="49" charset="0"/>
+              </a:rPr>
+              <a:t>60</a:t>
+            </a:r>
+            <a:r>
+              <a:rPr lang="en-US" dirty="0" smtClean="0">
+                <a:solidFill>
+                  <a:srgbClr val="2B91AF"/>
+                </a:solidFill>
+                <a:highlight>
+                  <a:srgbClr val="FFFFFF"/>
+                </a:highlight>
+                <a:latin typeface="Consolas" panose="020B0609020204030204" pitchFamily="49" charset="0"/>
+              </a:rPr>
+              <a:t> </a:t>
+            </a:r>
+          </a:p>
+          <a:p>
+            <a:r>
+              <a:rPr lang="en-US" dirty="0" smtClean="0">
+                <a:solidFill>
+                  <a:srgbClr val="2B91AF"/>
+                </a:solidFill>
+                <a:highlight>
+                  <a:srgbClr val="FFFFFF"/>
+                </a:highlight>
+                <a:latin typeface="Consolas" panose="020B0609020204030204" pitchFamily="49" charset="0"/>
+              </a:rPr>
+              <a:t>61</a:t>
+            </a:r>
+            <a:endParaRPr lang="en-US" dirty="0" smtClean="0">
+              <a:solidFill>
+                <a:srgbClr val="2B91AF"/>
+              </a:solidFill>
+              <a:highlight>
+                <a:srgbClr val="FFFFFF"/>
+              </a:highlight>
+              <a:latin typeface="Consolas" panose="020B0609020204030204" pitchFamily="49" charset="0"/>
+            </a:endParaRPr>
+          </a:p>
+          <a:p>
+            <a:r>
+              <a:rPr lang="en-US" dirty="0" smtClean="0">
+                <a:solidFill>
+                  <a:srgbClr val="2B91AF"/>
+                </a:solidFill>
+                <a:highlight>
+                  <a:srgbClr val="FFFFFF"/>
+                </a:highlight>
+                <a:latin typeface="Consolas" panose="020B0609020204030204" pitchFamily="49" charset="0"/>
+              </a:rPr>
+              <a:t>62</a:t>
+            </a:r>
+          </a:p>
+          <a:p>
+            <a:r>
+              <a:rPr lang="en-US" dirty="0" smtClean="0">
+                <a:solidFill>
+                  <a:srgbClr val="2B91AF"/>
+                </a:solidFill>
+                <a:highlight>
+                  <a:srgbClr val="FFFFFF"/>
+                </a:highlight>
+                <a:latin typeface="Consolas" panose="020B0609020204030204" pitchFamily="49" charset="0"/>
+              </a:rPr>
+              <a:t>63</a:t>
+            </a:r>
+            <a:endParaRPr lang="en-US" dirty="0" smtClean="0">
+              <a:solidFill>
+                <a:srgbClr val="2B91AF"/>
+              </a:solidFill>
+              <a:highlight>
+                <a:srgbClr val="FFFFFF"/>
+              </a:highlight>
+              <a:latin typeface="Consolas" panose="020B0609020204030204" pitchFamily="49" charset="0"/>
+            </a:endParaRPr>
+          </a:p>
+          <a:p>
+            <a:r>
+              <a:rPr lang="en-US" dirty="0" smtClean="0">
+                <a:solidFill>
+                  <a:srgbClr val="2B91AF"/>
+                </a:solidFill>
+                <a:highlight>
+                  <a:srgbClr val="FFFFFF"/>
+                </a:highlight>
+                <a:latin typeface="Consolas" panose="020B0609020204030204" pitchFamily="49" charset="0"/>
+              </a:rPr>
+              <a:t>64</a:t>
+            </a:r>
+          </a:p>
+          <a:p>
+            <a:r>
+              <a:rPr lang="en-US" dirty="0" smtClean="0">
+                <a:solidFill>
+                  <a:srgbClr val="2B91AF"/>
+                </a:solidFill>
+                <a:highlight>
+                  <a:srgbClr val="FFFFFF"/>
+                </a:highlight>
+                <a:latin typeface="Consolas" panose="020B0609020204030204" pitchFamily="49" charset="0"/>
+              </a:rPr>
+              <a:t>65</a:t>
+            </a:r>
+          </a:p>
+          <a:p>
+            <a:r>
+              <a:rPr lang="en-US" dirty="0" smtClean="0">
+                <a:solidFill>
+                  <a:srgbClr val="2B91AF"/>
+                </a:solidFill>
+                <a:highlight>
+                  <a:srgbClr val="FFFFFF"/>
+                </a:highlight>
+                <a:latin typeface="Consolas" panose="020B0609020204030204" pitchFamily="49" charset="0"/>
+              </a:rPr>
+              <a:t>66</a:t>
+            </a:r>
+            <a:endParaRPr lang="en-US" dirty="0">
+              <a:solidFill>
+                <a:srgbClr val="2B91AF"/>
+              </a:solidFill>
+              <a:highlight>
+                <a:srgbClr val="FFFFFF"/>
+              </a:highlight>
+              <a:latin typeface="Consolas" panose="020B0609020204030204" pitchFamily="49" charset="0"/>
+            </a:endParaRPr>
+          </a:p>
+          <a:p>
+            <a:r>
+              <a:rPr lang="en-US" dirty="0" smtClean="0">
+                <a:solidFill>
+                  <a:srgbClr val="2B91AF"/>
+                </a:solidFill>
+                <a:highlight>
+                  <a:srgbClr val="FFFFFF"/>
+                </a:highlight>
+                <a:latin typeface="Consolas" panose="020B0609020204030204" pitchFamily="49" charset="0"/>
+              </a:rPr>
+              <a:t>67</a:t>
+            </a:r>
+            <a:endParaRPr lang="en-US" dirty="0">
+              <a:solidFill>
+                <a:srgbClr val="2B91AF"/>
+              </a:solidFill>
+              <a:highlight>
+                <a:srgbClr val="FFFFFF"/>
+              </a:highlight>
+              <a:latin typeface="Consolas" panose="020B0609020204030204" pitchFamily="49" charset="0"/>
+            </a:endParaRPr>
+          </a:p>
+        </p:txBody>
+      </p:sp>
+      <p:sp>
+        <p:nvSpPr>
+          <p:cNvPr id="5" name="Rectangle 4"/>
+          <p:cNvSpPr/>
+          <p:nvPr/>
+        </p:nvSpPr>
+        <p:spPr>
+          <a:xfrm>
+            <a:off x="3018791" y="3718790"/>
+            <a:ext cx="9118164" cy="1477328"/>
+          </a:xfrm>
+          <a:prstGeom prst="rect">
+            <a:avLst/>
+          </a:prstGeom>
+          <a:ln w="57150">
+            <a:solidFill>
+              <a:srgbClr val="FF0000"/>
+            </a:solidFill>
+          </a:ln>
+        </p:spPr>
+        <p:txBody>
+          <a:bodyPr wrap="square">
+            <a:spAutoFit/>
+          </a:bodyPr>
+          <a:lstStyle/>
+          <a:p>
+            <a:r>
+              <a:rPr lang="en-US" dirty="0" err="1">
+                <a:solidFill>
+                  <a:srgbClr val="000000"/>
+                </a:solidFill>
+                <a:latin typeface="Consolas" panose="020B0609020204030204" pitchFamily="49" charset="0"/>
+              </a:rPr>
+              <a:t>System.OutOfMemoryException</a:t>
+            </a:r>
+            <a:r>
+              <a:rPr lang="en-US" dirty="0">
+                <a:solidFill>
+                  <a:srgbClr val="000000"/>
+                </a:solidFill>
+                <a:latin typeface="Consolas" panose="020B0609020204030204" pitchFamily="49" charset="0"/>
+              </a:rPr>
+              <a:t>: Out of memory.</a:t>
+            </a:r>
+          </a:p>
+          <a:p>
+            <a:r>
+              <a:rPr lang="en-US" dirty="0">
+                <a:solidFill>
+                  <a:srgbClr val="000000"/>
+                </a:solidFill>
+                <a:latin typeface="Consolas" panose="020B0609020204030204" pitchFamily="49" charset="0"/>
+              </a:rPr>
+              <a:t>   at </a:t>
+            </a:r>
+            <a:r>
+              <a:rPr lang="en-US" dirty="0" err="1" smtClean="0">
+                <a:solidFill>
+                  <a:srgbClr val="000000"/>
+                </a:solidFill>
+                <a:latin typeface="Consolas" panose="020B0609020204030204" pitchFamily="49" charset="0"/>
+              </a:rPr>
+              <a:t>LinearGradientBrush</a:t>
+            </a:r>
+            <a:r>
+              <a:rPr lang="en-US" dirty="0">
+                <a:solidFill>
+                  <a:srgbClr val="000000"/>
+                </a:solidFill>
+                <a:latin typeface="Consolas" panose="020B0609020204030204" pitchFamily="49" charset="0"/>
+              </a:rPr>
+              <a:t>..</a:t>
+            </a:r>
+            <a:r>
+              <a:rPr lang="en-US" dirty="0" err="1">
+                <a:solidFill>
+                  <a:srgbClr val="000000"/>
+                </a:solidFill>
+                <a:latin typeface="Consolas" panose="020B0609020204030204" pitchFamily="49" charset="0"/>
+              </a:rPr>
+              <a:t>ctor</a:t>
+            </a:r>
+            <a:r>
+              <a:rPr lang="en-US" dirty="0">
+                <a:solidFill>
+                  <a:srgbClr val="000000"/>
+                </a:solidFill>
+                <a:latin typeface="Consolas" panose="020B0609020204030204" pitchFamily="49" charset="0"/>
+              </a:rPr>
+              <a:t>(Point </a:t>
+            </a:r>
+            <a:r>
+              <a:rPr lang="en-US" dirty="0" smtClean="0">
+                <a:solidFill>
+                  <a:srgbClr val="000000"/>
+                </a:solidFill>
+                <a:latin typeface="Consolas" panose="020B0609020204030204" pitchFamily="49" charset="0"/>
+              </a:rPr>
+              <a:t>p1, </a:t>
+            </a:r>
+            <a:r>
+              <a:rPr lang="en-US" dirty="0">
+                <a:solidFill>
+                  <a:srgbClr val="000000"/>
+                </a:solidFill>
+                <a:latin typeface="Consolas" panose="020B0609020204030204" pitchFamily="49" charset="0"/>
+              </a:rPr>
+              <a:t>Point </a:t>
+            </a:r>
+            <a:r>
+              <a:rPr lang="en-US" dirty="0" smtClean="0">
+                <a:solidFill>
+                  <a:srgbClr val="000000"/>
+                </a:solidFill>
+                <a:latin typeface="Consolas" panose="020B0609020204030204" pitchFamily="49" charset="0"/>
+              </a:rPr>
+              <a:t>p2</a:t>
+            </a:r>
+            <a:r>
+              <a:rPr lang="en-US" dirty="0">
+                <a:solidFill>
+                  <a:srgbClr val="000000"/>
+                </a:solidFill>
+                <a:latin typeface="Consolas" panose="020B0609020204030204" pitchFamily="49" charset="0"/>
+              </a:rPr>
+              <a:t>, Color </a:t>
+            </a:r>
+            <a:r>
+              <a:rPr lang="en-US" dirty="0" smtClean="0">
+                <a:solidFill>
+                  <a:srgbClr val="000000"/>
+                </a:solidFill>
+                <a:latin typeface="Consolas" panose="020B0609020204030204" pitchFamily="49" charset="0"/>
+              </a:rPr>
+              <a:t>c1</a:t>
+            </a:r>
+            <a:r>
+              <a:rPr lang="en-US" dirty="0">
+                <a:solidFill>
+                  <a:srgbClr val="000000"/>
+                </a:solidFill>
+                <a:latin typeface="Consolas" panose="020B0609020204030204" pitchFamily="49" charset="0"/>
+              </a:rPr>
+              <a:t>, Color </a:t>
+            </a:r>
+            <a:r>
+              <a:rPr lang="en-US" dirty="0" smtClean="0">
+                <a:solidFill>
+                  <a:srgbClr val="000000"/>
+                </a:solidFill>
+                <a:latin typeface="Consolas" panose="020B0609020204030204" pitchFamily="49" charset="0"/>
+              </a:rPr>
+              <a:t>c2</a:t>
+            </a:r>
+            <a:r>
+              <a:rPr lang="en-US" dirty="0">
+                <a:solidFill>
+                  <a:srgbClr val="000000"/>
+                </a:solidFill>
+                <a:latin typeface="Consolas" panose="020B0609020204030204" pitchFamily="49" charset="0"/>
+              </a:rPr>
+              <a:t>)</a:t>
+            </a:r>
+          </a:p>
+          <a:p>
+            <a:r>
+              <a:rPr lang="en-US" dirty="0">
+                <a:solidFill>
+                  <a:srgbClr val="000000"/>
+                </a:solidFill>
+                <a:latin typeface="Consolas" panose="020B0609020204030204" pitchFamily="49" charset="0"/>
+              </a:rPr>
+              <a:t>   at </a:t>
+            </a:r>
+            <a:r>
+              <a:rPr lang="en-US" dirty="0" err="1" smtClean="0">
+                <a:solidFill>
+                  <a:srgbClr val="000000"/>
+                </a:solidFill>
+                <a:latin typeface="Consolas" panose="020B0609020204030204" pitchFamily="49" charset="0"/>
+              </a:rPr>
+              <a:t>MyForm.OnPaint</a:t>
+            </a:r>
+            <a:r>
+              <a:rPr lang="en-US" dirty="0" smtClean="0">
+                <a:solidFill>
+                  <a:srgbClr val="000000"/>
+                </a:solidFill>
+                <a:latin typeface="Consolas" panose="020B0609020204030204" pitchFamily="49" charset="0"/>
+              </a:rPr>
+              <a:t>(</a:t>
+            </a:r>
+            <a:r>
+              <a:rPr lang="en-US" dirty="0" err="1" smtClean="0">
+                <a:solidFill>
+                  <a:srgbClr val="000000"/>
+                </a:solidFill>
+                <a:latin typeface="Consolas" panose="020B0609020204030204" pitchFamily="49" charset="0"/>
+              </a:rPr>
+              <a:t>PaintEventArgs</a:t>
+            </a:r>
+            <a:r>
+              <a:rPr lang="en-US" dirty="0" smtClean="0">
+                <a:solidFill>
+                  <a:srgbClr val="000000"/>
+                </a:solidFill>
+                <a:latin typeface="Consolas" panose="020B0609020204030204" pitchFamily="49" charset="0"/>
+              </a:rPr>
+              <a:t> </a:t>
+            </a:r>
+            <a:r>
+              <a:rPr lang="en-US" dirty="0">
+                <a:solidFill>
+                  <a:srgbClr val="000000"/>
+                </a:solidFill>
+                <a:latin typeface="Consolas" panose="020B0609020204030204" pitchFamily="49" charset="0"/>
+              </a:rPr>
+              <a:t>e) in c</a:t>
+            </a:r>
+            <a:r>
+              <a:rPr lang="en-US" dirty="0" smtClean="0">
+                <a:solidFill>
+                  <a:srgbClr val="000000"/>
+                </a:solidFill>
+                <a:latin typeface="Consolas" panose="020B0609020204030204" pitchFamily="49" charset="0"/>
+              </a:rPr>
+              <a:t>:\...\</a:t>
+            </a:r>
+            <a:r>
+              <a:rPr lang="en-US" dirty="0">
+                <a:solidFill>
+                  <a:srgbClr val="000000"/>
+                </a:solidFill>
+                <a:latin typeface="Consolas" panose="020B0609020204030204" pitchFamily="49" charset="0"/>
+              </a:rPr>
+              <a:t>UnitTest1.cs:line 64</a:t>
+            </a:r>
+          </a:p>
+          <a:p>
+            <a:r>
+              <a:rPr lang="en-US" dirty="0">
+                <a:solidFill>
+                  <a:srgbClr val="000000"/>
+                </a:solidFill>
+                <a:latin typeface="Consolas" panose="020B0609020204030204" pitchFamily="49" charset="0"/>
+              </a:rPr>
+              <a:t>   at </a:t>
+            </a:r>
+            <a:r>
+              <a:rPr lang="en-US" dirty="0" err="1" smtClean="0">
+                <a:solidFill>
+                  <a:srgbClr val="000000"/>
+                </a:solidFill>
+                <a:latin typeface="Consolas" panose="020B0609020204030204" pitchFamily="49" charset="0"/>
+              </a:rPr>
+              <a:t>Control.PaintWithErrorHandling</a:t>
+            </a:r>
+            <a:r>
+              <a:rPr lang="en-US" dirty="0" smtClean="0">
+                <a:solidFill>
+                  <a:srgbClr val="000000"/>
+                </a:solidFill>
+                <a:latin typeface="Consolas" panose="020B0609020204030204" pitchFamily="49" charset="0"/>
+              </a:rPr>
+              <a:t>(</a:t>
+            </a:r>
+            <a:r>
+              <a:rPr lang="en-US" dirty="0" err="1" smtClean="0">
+                <a:solidFill>
+                  <a:srgbClr val="000000"/>
+                </a:solidFill>
+                <a:latin typeface="Consolas" panose="020B0609020204030204" pitchFamily="49" charset="0"/>
+              </a:rPr>
+              <a:t>PaintEventArgs</a:t>
+            </a:r>
+            <a:r>
+              <a:rPr lang="en-US" dirty="0" smtClean="0">
+                <a:solidFill>
+                  <a:srgbClr val="000000"/>
+                </a:solidFill>
+                <a:latin typeface="Consolas" panose="020B0609020204030204" pitchFamily="49" charset="0"/>
+              </a:rPr>
+              <a:t> </a:t>
+            </a:r>
+            <a:r>
+              <a:rPr lang="en-US" dirty="0">
+                <a:solidFill>
+                  <a:srgbClr val="000000"/>
+                </a:solidFill>
+                <a:latin typeface="Consolas" panose="020B0609020204030204" pitchFamily="49" charset="0"/>
+              </a:rPr>
+              <a:t>e, Int16 layer)</a:t>
+            </a:r>
+          </a:p>
+          <a:p>
+            <a:r>
+              <a:rPr lang="en-US" dirty="0">
+                <a:solidFill>
+                  <a:srgbClr val="000000"/>
+                </a:solidFill>
+                <a:latin typeface="Consolas" panose="020B0609020204030204" pitchFamily="49" charset="0"/>
+              </a:rPr>
+              <a:t>   at </a:t>
+            </a:r>
+            <a:r>
+              <a:rPr lang="en-US" dirty="0" err="1" smtClean="0">
+                <a:solidFill>
+                  <a:srgbClr val="000000"/>
+                </a:solidFill>
+                <a:latin typeface="Consolas" panose="020B0609020204030204" pitchFamily="49" charset="0"/>
+              </a:rPr>
+              <a:t>Control.OnPrint</a:t>
+            </a:r>
+            <a:r>
+              <a:rPr lang="en-US" dirty="0" smtClean="0">
+                <a:solidFill>
+                  <a:srgbClr val="000000"/>
+                </a:solidFill>
+                <a:latin typeface="Consolas" panose="020B0609020204030204" pitchFamily="49" charset="0"/>
+              </a:rPr>
+              <a:t>(</a:t>
+            </a:r>
+            <a:r>
+              <a:rPr lang="en-US" dirty="0" err="1" smtClean="0">
+                <a:solidFill>
+                  <a:srgbClr val="000000"/>
+                </a:solidFill>
+                <a:latin typeface="Consolas" panose="020B0609020204030204" pitchFamily="49" charset="0"/>
+              </a:rPr>
+              <a:t>PaintEventArgs</a:t>
+            </a:r>
+            <a:r>
+              <a:rPr lang="en-US" dirty="0" smtClean="0">
+                <a:solidFill>
+                  <a:srgbClr val="000000"/>
+                </a:solidFill>
+                <a:latin typeface="Consolas" panose="020B0609020204030204" pitchFamily="49" charset="0"/>
+              </a:rPr>
+              <a:t> </a:t>
+            </a:r>
+            <a:r>
+              <a:rPr lang="en-US" dirty="0">
+                <a:solidFill>
+                  <a:srgbClr val="000000"/>
+                </a:solidFill>
+                <a:latin typeface="Consolas" panose="020B0609020204030204" pitchFamily="49" charset="0"/>
+              </a:rPr>
+              <a:t>e)</a:t>
+            </a:r>
+            <a:endParaRPr lang="en-US" dirty="0">
+              <a:solidFill>
+                <a:srgbClr val="000000"/>
+              </a:solidFill>
+              <a:latin typeface="Calibri" panose="020F0502020204030204" pitchFamily="34" charset="0"/>
+            </a:endParaRPr>
+          </a:p>
+        </p:txBody>
+      </p:sp>
+      <p:sp>
+        <p:nvSpPr>
+          <p:cNvPr id="7" name="TextBox 6"/>
+          <p:cNvSpPr txBox="1"/>
+          <p:nvPr/>
+        </p:nvSpPr>
+        <p:spPr>
+          <a:xfrm>
+            <a:off x="146387" y="3644804"/>
+            <a:ext cx="2657331" cy="2154436"/>
+          </a:xfrm>
+          <a:prstGeom prst="rect">
+            <a:avLst/>
+          </a:prstGeom>
+          <a:noFill/>
+          <a:ln>
+            <a:solidFill>
+              <a:schemeClr val="accent1"/>
+            </a:solidFill>
+          </a:ln>
+        </p:spPr>
+        <p:txBody>
+          <a:bodyPr wrap="none" rtlCol="0">
+            <a:spAutoFit/>
+          </a:bodyPr>
+          <a:lstStyle/>
+          <a:p>
+            <a:r>
+              <a:rPr lang="en-US" sz="2200" dirty="0" smtClean="0"/>
+              <a:t>What </a:t>
+            </a:r>
+            <a:r>
+              <a:rPr lang="en-US" sz="2200" dirty="0" smtClean="0"/>
+              <a:t>went wrong?</a:t>
+            </a:r>
+            <a:endParaRPr lang="en-US" sz="2200" dirty="0" smtClean="0"/>
+          </a:p>
+          <a:p>
+            <a:r>
+              <a:rPr lang="en-US" sz="2200" b="1" dirty="0" smtClean="0">
+                <a:solidFill>
+                  <a:srgbClr val="FF0000"/>
+                </a:solidFill>
+              </a:rPr>
+              <a:t>A) </a:t>
+            </a:r>
+            <a:r>
+              <a:rPr lang="en-US" sz="2200" dirty="0" smtClean="0"/>
+              <a:t>10,000 rectangles</a:t>
+            </a:r>
+            <a:endParaRPr lang="en-US" sz="2200" dirty="0" smtClean="0"/>
+          </a:p>
+          <a:p>
+            <a:r>
+              <a:rPr lang="en-US" sz="2200" b="1" dirty="0" smtClean="0">
+                <a:solidFill>
+                  <a:srgbClr val="FFC000"/>
+                </a:solidFill>
+              </a:rPr>
+              <a:t>B) </a:t>
+            </a:r>
+            <a:r>
+              <a:rPr lang="en-US" sz="2200" dirty="0" smtClean="0"/>
+              <a:t>Brush too big</a:t>
+            </a:r>
+          </a:p>
+          <a:p>
+            <a:r>
+              <a:rPr lang="en-US" sz="2200" b="1" dirty="0" smtClean="0">
+                <a:solidFill>
+                  <a:schemeClr val="accent2"/>
+                </a:solidFill>
+              </a:rPr>
+              <a:t>C)</a:t>
+            </a:r>
+            <a:r>
+              <a:rPr lang="en-US" sz="2200" dirty="0" smtClean="0">
+                <a:solidFill>
+                  <a:schemeClr val="accent2"/>
+                </a:solidFill>
+              </a:rPr>
+              <a:t> </a:t>
+            </a:r>
+            <a:r>
+              <a:rPr lang="en-US" sz="2200" dirty="0" smtClean="0"/>
+              <a:t>Garbage Collection</a:t>
+            </a:r>
+            <a:endParaRPr lang="en-US" sz="2200" dirty="0" smtClean="0"/>
+          </a:p>
+          <a:p>
+            <a:r>
+              <a:rPr lang="en-US" sz="2200" b="1" dirty="0" smtClean="0">
+                <a:solidFill>
+                  <a:srgbClr val="00B050"/>
+                </a:solidFill>
+              </a:rPr>
+              <a:t>D</a:t>
+            </a:r>
+            <a:r>
+              <a:rPr lang="en-US" sz="2200" b="1" dirty="0" smtClean="0">
+                <a:solidFill>
+                  <a:srgbClr val="00B050"/>
+                </a:solidFill>
+              </a:rPr>
+              <a:t>) </a:t>
+            </a:r>
+            <a:r>
+              <a:rPr lang="en-US" sz="2200" dirty="0" smtClean="0"/>
+              <a:t>Other</a:t>
+            </a:r>
+            <a:endParaRPr lang="en-US" sz="2200" dirty="0" smtClean="0"/>
+          </a:p>
+          <a:p>
+            <a:endParaRPr lang="en-US" sz="2400" dirty="0"/>
+          </a:p>
+        </p:txBody>
+      </p:sp>
+      <p:sp>
+        <p:nvSpPr>
+          <p:cNvPr id="8" name="Rectangle 7"/>
+          <p:cNvSpPr/>
+          <p:nvPr/>
+        </p:nvSpPr>
+        <p:spPr>
+          <a:xfrm>
+            <a:off x="479520" y="377047"/>
+            <a:ext cx="11712479" cy="2862322"/>
+          </a:xfrm>
+          <a:prstGeom prst="rect">
+            <a:avLst/>
+          </a:prstGeom>
+        </p:spPr>
+        <p:txBody>
+          <a:bodyPr wrap="square">
+            <a:spAutoFit/>
+          </a:bodyPr>
+          <a:lstStyle/>
+          <a:p>
+            <a:r>
+              <a:rPr lang="nn-NO" dirty="0">
+                <a:solidFill>
+                  <a:srgbClr val="0000FF"/>
+                </a:solidFill>
+                <a:highlight>
+                  <a:srgbClr val="FFFFFF"/>
+                </a:highlight>
+                <a:latin typeface="Consolas" panose="020B0609020204030204" pitchFamily="49" charset="0"/>
+              </a:rPr>
+              <a:t>for</a:t>
+            </a:r>
+            <a:r>
+              <a:rPr lang="nn-NO" dirty="0">
+                <a:solidFill>
+                  <a:srgbClr val="000000"/>
+                </a:solidFill>
+                <a:highlight>
+                  <a:srgbClr val="FFFFFF"/>
+                </a:highlight>
+                <a:latin typeface="Consolas" panose="020B0609020204030204" pitchFamily="49" charset="0"/>
+              </a:rPr>
+              <a:t> (</a:t>
+            </a:r>
+            <a:r>
+              <a:rPr lang="nn-NO" dirty="0">
+                <a:solidFill>
+                  <a:srgbClr val="0000FF"/>
+                </a:solidFill>
+                <a:highlight>
+                  <a:srgbClr val="FFFFFF"/>
+                </a:highlight>
+                <a:latin typeface="Consolas" panose="020B0609020204030204" pitchFamily="49" charset="0"/>
+              </a:rPr>
+              <a:t>var</a:t>
+            </a:r>
+            <a:r>
+              <a:rPr lang="nn-NO" dirty="0">
+                <a:solidFill>
+                  <a:srgbClr val="000000"/>
+                </a:solidFill>
+                <a:highlight>
+                  <a:srgbClr val="FFFFFF"/>
+                </a:highlight>
+                <a:latin typeface="Consolas" panose="020B0609020204030204" pitchFamily="49" charset="0"/>
+              </a:rPr>
+              <a:t> i = 0; i &lt; 10000; i++)</a:t>
+            </a:r>
+          </a:p>
+          <a:p>
+            <a:r>
+              <a:rPr lang="en-US" dirty="0">
+                <a:solidFill>
+                  <a:srgbClr val="000000"/>
+                </a:solidFill>
+                <a:highlight>
+                  <a:srgbClr val="FFFFFF"/>
+                </a:highlight>
+                <a:latin typeface="Consolas" panose="020B0609020204030204" pitchFamily="49" charset="0"/>
+              </a:rPr>
+              <a:t>{</a:t>
+            </a:r>
+          </a:p>
+          <a:p>
+            <a:r>
+              <a:rPr lang="en-US" dirty="0">
+                <a:solidFill>
+                  <a:srgbClr val="000000"/>
+                </a:solidFill>
+                <a:highlight>
+                  <a:srgbClr val="FFFFFF"/>
+                </a:highlight>
+                <a:latin typeface="Consolas" panose="020B0609020204030204" pitchFamily="49" charset="0"/>
+              </a:rPr>
+              <a:t>    </a:t>
+            </a:r>
+            <a:r>
+              <a:rPr lang="en-US" dirty="0" err="1">
+                <a:solidFill>
+                  <a:srgbClr val="0000FF"/>
+                </a:solidFill>
+                <a:highlight>
+                  <a:srgbClr val="FFFFFF"/>
+                </a:highlight>
+                <a:latin typeface="Consolas" panose="020B0609020204030204" pitchFamily="49" charset="0"/>
+              </a:rPr>
+              <a:t>int</a:t>
+            </a:r>
+            <a:r>
+              <a:rPr lang="en-US" dirty="0">
+                <a:solidFill>
+                  <a:srgbClr val="000000"/>
+                </a:solidFill>
+                <a:highlight>
+                  <a:srgbClr val="FFFFFF"/>
+                </a:highlight>
+                <a:latin typeface="Consolas" panose="020B0609020204030204" pitchFamily="49" charset="0"/>
+              </a:rPr>
+              <a:t> w = </a:t>
+            </a:r>
+            <a:r>
+              <a:rPr lang="en-US" dirty="0" err="1">
+                <a:solidFill>
+                  <a:srgbClr val="000000"/>
+                </a:solidFill>
+                <a:highlight>
+                  <a:srgbClr val="FFFFFF"/>
+                </a:highlight>
+                <a:latin typeface="Consolas" panose="020B0609020204030204" pitchFamily="49" charset="0"/>
+              </a:rPr>
+              <a:t>random.Next</a:t>
+            </a:r>
+            <a:r>
+              <a:rPr lang="en-US" dirty="0">
+                <a:solidFill>
+                  <a:srgbClr val="000000"/>
+                </a:solidFill>
+                <a:highlight>
+                  <a:srgbClr val="FFFFFF"/>
+                </a:highlight>
+                <a:latin typeface="Consolas" panose="020B0609020204030204" pitchFamily="49" charset="0"/>
+              </a:rPr>
+              <a:t>(</a:t>
+            </a:r>
+            <a:r>
+              <a:rPr lang="en-US" dirty="0" err="1">
+                <a:solidFill>
+                  <a:srgbClr val="0000FF"/>
+                </a:solidFill>
+                <a:highlight>
+                  <a:srgbClr val="FFFFFF"/>
+                </a:highlight>
+                <a:latin typeface="Consolas" panose="020B0609020204030204" pitchFamily="49" charset="0"/>
+              </a:rPr>
+              <a:t>this</a:t>
+            </a:r>
+            <a:r>
+              <a:rPr lang="en-US" dirty="0" err="1">
+                <a:solidFill>
+                  <a:srgbClr val="000000"/>
+                </a:solidFill>
+                <a:highlight>
+                  <a:srgbClr val="FFFFFF"/>
+                </a:highlight>
+                <a:latin typeface="Consolas" panose="020B0609020204030204" pitchFamily="49" charset="0"/>
+              </a:rPr>
+              <a:t>.Width</a:t>
+            </a:r>
+            <a:r>
+              <a:rPr lang="en-US" dirty="0">
+                <a:solidFill>
+                  <a:srgbClr val="000000"/>
+                </a:solidFill>
+                <a:highlight>
+                  <a:srgbClr val="FFFFFF"/>
+                </a:highlight>
+                <a:latin typeface="Consolas" panose="020B0609020204030204" pitchFamily="49" charset="0"/>
+              </a:rPr>
+              <a:t>);</a:t>
+            </a:r>
+          </a:p>
+          <a:p>
+            <a:r>
+              <a:rPr lang="en-US" dirty="0">
+                <a:solidFill>
+                  <a:srgbClr val="000000"/>
+                </a:solidFill>
+                <a:highlight>
+                  <a:srgbClr val="FFFFFF"/>
+                </a:highlight>
+                <a:latin typeface="Consolas" panose="020B0609020204030204" pitchFamily="49" charset="0"/>
+              </a:rPr>
+              <a:t>    </a:t>
+            </a:r>
+            <a:r>
+              <a:rPr lang="en-US" dirty="0" err="1">
+                <a:solidFill>
+                  <a:srgbClr val="0000FF"/>
+                </a:solidFill>
+                <a:highlight>
+                  <a:srgbClr val="FFFFFF"/>
+                </a:highlight>
+                <a:latin typeface="Consolas" panose="020B0609020204030204" pitchFamily="49" charset="0"/>
+              </a:rPr>
+              <a:t>int</a:t>
+            </a:r>
+            <a:r>
+              <a:rPr lang="en-US" dirty="0">
+                <a:solidFill>
+                  <a:srgbClr val="000000"/>
+                </a:solidFill>
+                <a:highlight>
+                  <a:srgbClr val="FFFFFF"/>
+                </a:highlight>
+                <a:latin typeface="Consolas" panose="020B0609020204030204" pitchFamily="49" charset="0"/>
+              </a:rPr>
+              <a:t> h = </a:t>
+            </a:r>
+            <a:r>
+              <a:rPr lang="en-US" dirty="0" err="1">
+                <a:solidFill>
+                  <a:srgbClr val="000000"/>
+                </a:solidFill>
+                <a:highlight>
+                  <a:srgbClr val="FFFFFF"/>
+                </a:highlight>
+                <a:latin typeface="Consolas" panose="020B0609020204030204" pitchFamily="49" charset="0"/>
+              </a:rPr>
+              <a:t>random.Next</a:t>
+            </a:r>
+            <a:r>
+              <a:rPr lang="en-US" dirty="0">
+                <a:solidFill>
+                  <a:srgbClr val="000000"/>
+                </a:solidFill>
+                <a:highlight>
+                  <a:srgbClr val="FFFFFF"/>
+                </a:highlight>
+                <a:latin typeface="Consolas" panose="020B0609020204030204" pitchFamily="49" charset="0"/>
+              </a:rPr>
+              <a:t>(</a:t>
+            </a:r>
+            <a:r>
+              <a:rPr lang="en-US" dirty="0" err="1">
+                <a:solidFill>
+                  <a:srgbClr val="0000FF"/>
+                </a:solidFill>
+                <a:highlight>
+                  <a:srgbClr val="FFFFFF"/>
+                </a:highlight>
+                <a:latin typeface="Consolas" panose="020B0609020204030204" pitchFamily="49" charset="0"/>
+              </a:rPr>
+              <a:t>this</a:t>
+            </a:r>
+            <a:r>
+              <a:rPr lang="en-US" dirty="0" err="1">
+                <a:solidFill>
+                  <a:srgbClr val="000000"/>
+                </a:solidFill>
+                <a:highlight>
+                  <a:srgbClr val="FFFFFF"/>
+                </a:highlight>
+                <a:latin typeface="Consolas" panose="020B0609020204030204" pitchFamily="49" charset="0"/>
+              </a:rPr>
+              <a:t>.Height</a:t>
+            </a:r>
+            <a:r>
+              <a:rPr lang="en-US" dirty="0">
+                <a:solidFill>
+                  <a:srgbClr val="000000"/>
+                </a:solidFill>
+                <a:highlight>
+                  <a:srgbClr val="FFFFFF"/>
+                </a:highlight>
+                <a:latin typeface="Consolas" panose="020B0609020204030204" pitchFamily="49" charset="0"/>
+              </a:rPr>
+              <a:t>);</a:t>
+            </a:r>
+          </a:p>
+          <a:p>
+            <a:r>
+              <a:rPr lang="en-US" dirty="0">
+                <a:solidFill>
+                  <a:srgbClr val="000000"/>
+                </a:solidFill>
+                <a:highlight>
+                  <a:srgbClr val="FFFFFF"/>
+                </a:highlight>
+                <a:latin typeface="Consolas" panose="020B0609020204030204" pitchFamily="49" charset="0"/>
+              </a:rPr>
+              <a:t>    </a:t>
+            </a:r>
+            <a:r>
+              <a:rPr lang="en-US" dirty="0" err="1">
+                <a:solidFill>
+                  <a:srgbClr val="0000FF"/>
+                </a:solidFill>
+                <a:highlight>
+                  <a:srgbClr val="FFFFFF"/>
+                </a:highlight>
+                <a:latin typeface="Consolas" panose="020B0609020204030204" pitchFamily="49" charset="0"/>
+              </a:rPr>
+              <a:t>var</a:t>
+            </a:r>
+            <a:r>
+              <a:rPr lang="en-US" dirty="0">
+                <a:solidFill>
+                  <a:srgbClr val="000000"/>
+                </a:solidFill>
+                <a:highlight>
+                  <a:srgbClr val="FFFFFF"/>
+                </a:highlight>
+                <a:latin typeface="Consolas" panose="020B0609020204030204" pitchFamily="49" charset="0"/>
+              </a:rPr>
+              <a:t> start = </a:t>
+            </a:r>
+            <a:r>
+              <a:rPr lang="en-US" dirty="0">
+                <a:solidFill>
+                  <a:srgbClr val="0000FF"/>
+                </a:solidFill>
+                <a:highlight>
+                  <a:srgbClr val="FFFFFF"/>
+                </a:highlight>
+                <a:latin typeface="Consolas" panose="020B0609020204030204" pitchFamily="49" charset="0"/>
+              </a:rPr>
+              <a:t>new</a:t>
+            </a:r>
+            <a:r>
+              <a:rPr lang="en-US" dirty="0">
+                <a:solidFill>
+                  <a:srgbClr val="000000"/>
+                </a:solidFill>
+                <a:highlight>
+                  <a:srgbClr val="FFFFFF"/>
+                </a:highlight>
+                <a:latin typeface="Consolas" panose="020B0609020204030204" pitchFamily="49" charset="0"/>
+              </a:rPr>
+              <a:t> </a:t>
+            </a:r>
+            <a:r>
+              <a:rPr lang="en-US" dirty="0">
+                <a:solidFill>
+                  <a:srgbClr val="2B91AF"/>
+                </a:solidFill>
+                <a:highlight>
+                  <a:srgbClr val="FFFFFF"/>
+                </a:highlight>
+                <a:latin typeface="Consolas" panose="020B0609020204030204" pitchFamily="49" charset="0"/>
+              </a:rPr>
+              <a:t>Point</a:t>
+            </a:r>
+            <a:r>
+              <a:rPr lang="en-US" dirty="0">
+                <a:solidFill>
+                  <a:srgbClr val="000000"/>
+                </a:solidFill>
+                <a:highlight>
+                  <a:srgbClr val="FFFFFF"/>
+                </a:highlight>
+                <a:latin typeface="Consolas" panose="020B0609020204030204" pitchFamily="49" charset="0"/>
+              </a:rPr>
+              <a:t>(0, 0);</a:t>
+            </a:r>
+          </a:p>
+          <a:p>
+            <a:r>
+              <a:rPr lang="en-US" dirty="0">
+                <a:solidFill>
+                  <a:srgbClr val="000000"/>
+                </a:solidFill>
+                <a:highlight>
+                  <a:srgbClr val="FFFFFF"/>
+                </a:highlight>
+                <a:latin typeface="Consolas" panose="020B0609020204030204" pitchFamily="49" charset="0"/>
+              </a:rPr>
+              <a:t>    </a:t>
+            </a:r>
+            <a:r>
+              <a:rPr lang="en-US" dirty="0" err="1">
+                <a:solidFill>
+                  <a:srgbClr val="0000FF"/>
+                </a:solidFill>
+                <a:highlight>
+                  <a:srgbClr val="FFFFFF"/>
+                </a:highlight>
+                <a:latin typeface="Consolas" panose="020B0609020204030204" pitchFamily="49" charset="0"/>
+              </a:rPr>
+              <a:t>var</a:t>
+            </a:r>
+            <a:r>
+              <a:rPr lang="en-US" dirty="0">
+                <a:solidFill>
+                  <a:srgbClr val="000000"/>
+                </a:solidFill>
+                <a:highlight>
+                  <a:srgbClr val="FFFFFF"/>
+                </a:highlight>
+                <a:latin typeface="Consolas" panose="020B0609020204030204" pitchFamily="49" charset="0"/>
+              </a:rPr>
+              <a:t> end = </a:t>
+            </a:r>
+            <a:r>
+              <a:rPr lang="en-US" dirty="0">
+                <a:solidFill>
+                  <a:srgbClr val="0000FF"/>
+                </a:solidFill>
+                <a:highlight>
+                  <a:srgbClr val="FFFFFF"/>
+                </a:highlight>
+                <a:latin typeface="Consolas" panose="020B0609020204030204" pitchFamily="49" charset="0"/>
+              </a:rPr>
+              <a:t>new</a:t>
+            </a:r>
+            <a:r>
+              <a:rPr lang="en-US" dirty="0">
+                <a:solidFill>
+                  <a:srgbClr val="000000"/>
+                </a:solidFill>
+                <a:highlight>
+                  <a:srgbClr val="FFFFFF"/>
+                </a:highlight>
+                <a:latin typeface="Consolas" panose="020B0609020204030204" pitchFamily="49" charset="0"/>
+              </a:rPr>
+              <a:t> </a:t>
+            </a:r>
+            <a:r>
+              <a:rPr lang="en-US" dirty="0">
+                <a:solidFill>
+                  <a:srgbClr val="2B91AF"/>
+                </a:solidFill>
+                <a:highlight>
+                  <a:srgbClr val="FFFFFF"/>
+                </a:highlight>
+                <a:latin typeface="Consolas" panose="020B0609020204030204" pitchFamily="49" charset="0"/>
+              </a:rPr>
+              <a:t>Point</a:t>
+            </a:r>
+            <a:r>
+              <a:rPr lang="en-US" dirty="0">
+                <a:solidFill>
+                  <a:srgbClr val="000000"/>
+                </a:solidFill>
+                <a:highlight>
+                  <a:srgbClr val="FFFFFF"/>
+                </a:highlight>
+                <a:latin typeface="Consolas" panose="020B0609020204030204" pitchFamily="49" charset="0"/>
+              </a:rPr>
+              <a:t>(w, h);</a:t>
+            </a:r>
+          </a:p>
+          <a:p>
+            <a:r>
+              <a:rPr lang="en-US" dirty="0">
+                <a:solidFill>
+                  <a:srgbClr val="000000"/>
+                </a:solidFill>
+                <a:highlight>
+                  <a:srgbClr val="FFFFFF"/>
+                </a:highlight>
+                <a:latin typeface="Consolas" panose="020B0609020204030204" pitchFamily="49" charset="0"/>
+              </a:rPr>
+              <a:t>    </a:t>
+            </a:r>
+            <a:r>
+              <a:rPr lang="en-US" dirty="0" err="1">
+                <a:solidFill>
+                  <a:srgbClr val="0000FF"/>
+                </a:solidFill>
+                <a:highlight>
+                  <a:srgbClr val="FFFFFF"/>
+                </a:highlight>
+                <a:latin typeface="Consolas" panose="020B0609020204030204" pitchFamily="49" charset="0"/>
+              </a:rPr>
+              <a:t>var</a:t>
+            </a:r>
+            <a:r>
+              <a:rPr lang="en-US" dirty="0">
+                <a:solidFill>
+                  <a:srgbClr val="000000"/>
+                </a:solidFill>
+                <a:highlight>
+                  <a:srgbClr val="FFFFFF"/>
+                </a:highlight>
+                <a:latin typeface="Consolas" panose="020B0609020204030204" pitchFamily="49" charset="0"/>
+              </a:rPr>
+              <a:t> b = </a:t>
+            </a:r>
+            <a:r>
+              <a:rPr lang="en-US" dirty="0">
+                <a:solidFill>
+                  <a:srgbClr val="0000FF"/>
+                </a:solidFill>
+                <a:highlight>
+                  <a:srgbClr val="FFFFFF"/>
+                </a:highlight>
+                <a:latin typeface="Consolas" panose="020B0609020204030204" pitchFamily="49" charset="0"/>
+              </a:rPr>
+              <a:t>new</a:t>
+            </a:r>
+            <a:r>
+              <a:rPr lang="en-US" dirty="0">
+                <a:solidFill>
+                  <a:srgbClr val="000000"/>
+                </a:solidFill>
+                <a:highlight>
+                  <a:srgbClr val="FFFFFF"/>
+                </a:highlight>
+                <a:latin typeface="Consolas" panose="020B0609020204030204" pitchFamily="49" charset="0"/>
+              </a:rPr>
+              <a:t> </a:t>
+            </a:r>
+            <a:r>
+              <a:rPr lang="en-US" dirty="0" err="1">
+                <a:solidFill>
+                  <a:srgbClr val="2B91AF"/>
+                </a:solidFill>
+                <a:highlight>
+                  <a:srgbClr val="FFFFFF"/>
+                </a:highlight>
+                <a:latin typeface="Consolas" panose="020B0609020204030204" pitchFamily="49" charset="0"/>
+              </a:rPr>
+              <a:t>LinearGradientBrush</a:t>
+            </a:r>
+            <a:r>
+              <a:rPr lang="en-US" dirty="0">
+                <a:solidFill>
+                  <a:srgbClr val="000000"/>
+                </a:solidFill>
+                <a:highlight>
+                  <a:srgbClr val="FFFFFF"/>
+                </a:highlight>
+                <a:latin typeface="Consolas" panose="020B0609020204030204" pitchFamily="49" charset="0"/>
+              </a:rPr>
+              <a:t>(start, end, </a:t>
+            </a:r>
+            <a:r>
+              <a:rPr lang="en-US" dirty="0" err="1">
+                <a:solidFill>
+                  <a:srgbClr val="2B91AF"/>
+                </a:solidFill>
+                <a:highlight>
+                  <a:srgbClr val="FFFFFF"/>
+                </a:highlight>
+                <a:latin typeface="Consolas" panose="020B0609020204030204" pitchFamily="49" charset="0"/>
+              </a:rPr>
+              <a:t>Color</a:t>
+            </a:r>
+            <a:r>
+              <a:rPr lang="en-US" dirty="0" err="1">
+                <a:solidFill>
+                  <a:srgbClr val="000000"/>
+                </a:solidFill>
+                <a:highlight>
+                  <a:srgbClr val="FFFFFF"/>
+                </a:highlight>
+                <a:latin typeface="Consolas" panose="020B0609020204030204" pitchFamily="49" charset="0"/>
+              </a:rPr>
+              <a:t>.Red</a:t>
+            </a:r>
+            <a:r>
+              <a:rPr lang="en-US" dirty="0">
+                <a:solidFill>
+                  <a:srgbClr val="000000"/>
+                </a:solidFill>
+                <a:highlight>
+                  <a:srgbClr val="FFFFFF"/>
+                </a:highlight>
+                <a:latin typeface="Consolas" panose="020B0609020204030204" pitchFamily="49" charset="0"/>
+              </a:rPr>
+              <a:t>, </a:t>
+            </a:r>
+            <a:r>
+              <a:rPr lang="en-US" dirty="0" err="1">
+                <a:solidFill>
+                  <a:srgbClr val="2B91AF"/>
+                </a:solidFill>
+                <a:highlight>
+                  <a:srgbClr val="FFFFFF"/>
+                </a:highlight>
+                <a:latin typeface="Consolas" panose="020B0609020204030204" pitchFamily="49" charset="0"/>
+              </a:rPr>
+              <a:t>Color</a:t>
+            </a:r>
+            <a:r>
+              <a:rPr lang="en-US" dirty="0" err="1">
+                <a:solidFill>
+                  <a:srgbClr val="000000"/>
+                </a:solidFill>
+                <a:highlight>
+                  <a:srgbClr val="FFFFFF"/>
+                </a:highlight>
+                <a:latin typeface="Consolas" panose="020B0609020204030204" pitchFamily="49" charset="0"/>
+              </a:rPr>
+              <a:t>.Blue</a:t>
+            </a:r>
+            <a:r>
+              <a:rPr lang="en-US" dirty="0">
+                <a:solidFill>
+                  <a:srgbClr val="000000"/>
+                </a:solidFill>
+                <a:highlight>
+                  <a:srgbClr val="FFFFFF"/>
+                </a:highlight>
+                <a:latin typeface="Consolas" panose="020B0609020204030204" pitchFamily="49" charset="0"/>
+              </a:rPr>
+              <a:t>);</a:t>
+            </a:r>
+          </a:p>
+          <a:p>
+            <a:r>
+              <a:rPr lang="en-US" dirty="0">
+                <a:solidFill>
+                  <a:srgbClr val="000000"/>
+                </a:solidFill>
+                <a:highlight>
+                  <a:srgbClr val="FFFFFF"/>
+                </a:highlight>
+                <a:latin typeface="Consolas" panose="020B0609020204030204" pitchFamily="49" charset="0"/>
+              </a:rPr>
+              <a:t>    </a:t>
+            </a:r>
+            <a:r>
+              <a:rPr lang="en-US" dirty="0" err="1">
+                <a:solidFill>
+                  <a:srgbClr val="0000FF"/>
+                </a:solidFill>
+                <a:highlight>
+                  <a:srgbClr val="FFFFFF"/>
+                </a:highlight>
+                <a:latin typeface="Consolas" panose="020B0609020204030204" pitchFamily="49" charset="0"/>
+              </a:rPr>
+              <a:t>var</a:t>
+            </a:r>
+            <a:r>
+              <a:rPr lang="en-US" dirty="0">
+                <a:solidFill>
+                  <a:srgbClr val="000000"/>
+                </a:solidFill>
+                <a:highlight>
+                  <a:srgbClr val="FFFFFF"/>
+                </a:highlight>
+                <a:latin typeface="Consolas" panose="020B0609020204030204" pitchFamily="49" charset="0"/>
+              </a:rPr>
+              <a:t> </a:t>
+            </a:r>
+            <a:r>
+              <a:rPr lang="en-US" dirty="0" err="1">
+                <a:solidFill>
+                  <a:srgbClr val="000000"/>
+                </a:solidFill>
+                <a:highlight>
+                  <a:srgbClr val="FFFFFF"/>
+                </a:highlight>
+                <a:latin typeface="Consolas" panose="020B0609020204030204" pitchFamily="49" charset="0"/>
+              </a:rPr>
+              <a:t>rect</a:t>
+            </a:r>
+            <a:r>
+              <a:rPr lang="en-US" dirty="0">
+                <a:solidFill>
+                  <a:srgbClr val="000000"/>
+                </a:solidFill>
+                <a:highlight>
+                  <a:srgbClr val="FFFFFF"/>
+                </a:highlight>
+                <a:latin typeface="Consolas" panose="020B0609020204030204" pitchFamily="49" charset="0"/>
+              </a:rPr>
+              <a:t> = </a:t>
+            </a:r>
+            <a:r>
+              <a:rPr lang="en-US" dirty="0">
+                <a:solidFill>
+                  <a:srgbClr val="0000FF"/>
+                </a:solidFill>
+                <a:highlight>
+                  <a:srgbClr val="FFFFFF"/>
+                </a:highlight>
+                <a:latin typeface="Consolas" panose="020B0609020204030204" pitchFamily="49" charset="0"/>
+              </a:rPr>
+              <a:t>new</a:t>
+            </a:r>
+            <a:r>
+              <a:rPr lang="en-US" dirty="0">
+                <a:solidFill>
+                  <a:srgbClr val="000000"/>
+                </a:solidFill>
+                <a:highlight>
+                  <a:srgbClr val="FFFFFF"/>
+                </a:highlight>
+                <a:latin typeface="Consolas" panose="020B0609020204030204" pitchFamily="49" charset="0"/>
+              </a:rPr>
+              <a:t> </a:t>
+            </a:r>
+            <a:r>
+              <a:rPr lang="en-US" dirty="0">
+                <a:solidFill>
+                  <a:srgbClr val="2B91AF"/>
+                </a:solidFill>
+                <a:highlight>
+                  <a:srgbClr val="FFFFFF"/>
+                </a:highlight>
+                <a:latin typeface="Consolas" panose="020B0609020204030204" pitchFamily="49" charset="0"/>
+              </a:rPr>
+              <a:t>Rectangle</a:t>
+            </a:r>
+            <a:r>
+              <a:rPr lang="en-US" dirty="0">
+                <a:solidFill>
+                  <a:srgbClr val="000000"/>
+                </a:solidFill>
+                <a:highlight>
+                  <a:srgbClr val="FFFFFF"/>
+                </a:highlight>
+                <a:latin typeface="Consolas" panose="020B0609020204030204" pitchFamily="49" charset="0"/>
+              </a:rPr>
+              <a:t>(</a:t>
+            </a:r>
+            <a:r>
+              <a:rPr lang="en-US" dirty="0" err="1">
+                <a:solidFill>
+                  <a:srgbClr val="000000"/>
+                </a:solidFill>
+                <a:highlight>
+                  <a:srgbClr val="FFFFFF"/>
+                </a:highlight>
+                <a:latin typeface="Consolas" panose="020B0609020204030204" pitchFamily="49" charset="0"/>
+              </a:rPr>
+              <a:t>random.Next</a:t>
+            </a:r>
+            <a:r>
+              <a:rPr lang="en-US" dirty="0">
+                <a:solidFill>
+                  <a:srgbClr val="000000"/>
+                </a:solidFill>
+                <a:highlight>
+                  <a:srgbClr val="FFFFFF"/>
+                </a:highlight>
+                <a:latin typeface="Consolas" panose="020B0609020204030204" pitchFamily="49" charset="0"/>
+              </a:rPr>
+              <a:t>(Width), </a:t>
+            </a:r>
+            <a:r>
+              <a:rPr lang="en-US" dirty="0" err="1">
+                <a:solidFill>
+                  <a:srgbClr val="000000"/>
+                </a:solidFill>
+                <a:highlight>
+                  <a:srgbClr val="FFFFFF"/>
+                </a:highlight>
+                <a:latin typeface="Consolas" panose="020B0609020204030204" pitchFamily="49" charset="0"/>
+              </a:rPr>
+              <a:t>random.Next</a:t>
+            </a:r>
+            <a:r>
+              <a:rPr lang="en-US" dirty="0">
+                <a:solidFill>
+                  <a:srgbClr val="000000"/>
+                </a:solidFill>
+                <a:highlight>
+                  <a:srgbClr val="FFFFFF"/>
+                </a:highlight>
+                <a:latin typeface="Consolas" panose="020B0609020204030204" pitchFamily="49" charset="0"/>
+              </a:rPr>
+              <a:t>(Height), w, h);</a:t>
+            </a:r>
+          </a:p>
+          <a:p>
+            <a:r>
+              <a:rPr lang="en-US" dirty="0">
+                <a:solidFill>
+                  <a:srgbClr val="000000"/>
+                </a:solidFill>
+                <a:highlight>
+                  <a:srgbClr val="FFFFFF"/>
+                </a:highlight>
+                <a:latin typeface="Consolas" panose="020B0609020204030204" pitchFamily="49" charset="0"/>
+              </a:rPr>
+              <a:t>    </a:t>
+            </a:r>
+            <a:r>
+              <a:rPr lang="en-US" dirty="0" err="1">
+                <a:solidFill>
+                  <a:srgbClr val="000000"/>
+                </a:solidFill>
+                <a:highlight>
+                  <a:srgbClr val="FFFFFF"/>
+                </a:highlight>
+                <a:latin typeface="Consolas" panose="020B0609020204030204" pitchFamily="49" charset="0"/>
+              </a:rPr>
+              <a:t>e.Graphics.FillRectangle</a:t>
+            </a:r>
+            <a:r>
+              <a:rPr lang="en-US" dirty="0">
+                <a:solidFill>
+                  <a:srgbClr val="000000"/>
+                </a:solidFill>
+                <a:highlight>
+                  <a:srgbClr val="FFFFFF"/>
+                </a:highlight>
+                <a:latin typeface="Consolas" panose="020B0609020204030204" pitchFamily="49" charset="0"/>
+              </a:rPr>
+              <a:t>(b, </a:t>
+            </a:r>
+            <a:r>
+              <a:rPr lang="en-US" dirty="0" err="1">
+                <a:solidFill>
+                  <a:srgbClr val="000000"/>
+                </a:solidFill>
+                <a:highlight>
+                  <a:srgbClr val="FFFFFF"/>
+                </a:highlight>
+                <a:latin typeface="Consolas" panose="020B0609020204030204" pitchFamily="49" charset="0"/>
+              </a:rPr>
+              <a:t>rect</a:t>
+            </a:r>
+            <a:r>
+              <a:rPr lang="en-US" dirty="0">
+                <a:solidFill>
+                  <a:srgbClr val="000000"/>
+                </a:solidFill>
+                <a:highlight>
+                  <a:srgbClr val="FFFFFF"/>
+                </a:highlight>
+                <a:latin typeface="Consolas" panose="020B0609020204030204" pitchFamily="49" charset="0"/>
+              </a:rPr>
+              <a:t>);</a:t>
+            </a:r>
+          </a:p>
+          <a:p>
+            <a:r>
+              <a:rPr lang="en-US" dirty="0">
+                <a:solidFill>
+                  <a:srgbClr val="000000"/>
+                </a:solidFill>
+                <a:highlight>
+                  <a:srgbClr val="FFFFFF"/>
+                </a:highlight>
+                <a:latin typeface="Consolas" panose="020B0609020204030204" pitchFamily="49" charset="0"/>
+              </a:rPr>
+              <a:t>}</a:t>
+            </a:r>
+            <a:endParaRPr lang="en-US" dirty="0"/>
           </a:p>
         </p:txBody>
       </p:sp>
     </p:spTree>
     <p:extLst>
       <p:ext uri="{BB962C8B-B14F-4D97-AF65-F5344CB8AC3E}">
-        <p14:creationId xmlns:p14="http://schemas.microsoft.com/office/powerpoint/2010/main" val="3834345920"/>
+        <p14:creationId xmlns:p14="http://schemas.microsoft.com/office/powerpoint/2010/main" val="3455937544"/>
       </p:ext>
     </p:extLst>
   </p:cSld>
@@ -6347,9 +8558,126 @@
   <p:timing>
     <p:tnLst>
       <p:par>
-        <p:cTn xmlns:p14="http://schemas.microsoft.com/office/powerpoint/2010/main" id="1" dur="indefinite" restart="never" nodeType="tmRoot"/>
+        <p:cTn id="1" dur="indefinite" restart="never" nodeType="tmRoot">
+          <p:childTnLst>
+            <p:seq concurrent="1" nextAc="seek">
+              <p:cTn id="2" dur="indefinite" nodeType="mainSeq">
+                <p:childTnLst>
+                  <p:par>
+                    <p:cTn id="3" fill="hold">
+                      <p:stCondLst>
+                        <p:cond delay="indefinite"/>
+                      </p:stCondLst>
+                      <p:childTnLst>
+                        <p:par>
+                          <p:cTn id="4" fill="hold">
+                            <p:stCondLst>
+                              <p:cond delay="0"/>
+                            </p:stCondLst>
+                            <p:childTnLst>
+                              <p:par>
+                                <p:cTn id="5" presetID="1" presetClass="entr" presetSubtype="0" fill="hold" grpId="0" nodeType="clickEffect">
+                                  <p:stCondLst>
+                                    <p:cond delay="0"/>
+                                  </p:stCondLst>
+                                  <p:childTnLst>
+                                    <p:set>
+                                      <p:cBhvr>
+                                        <p:cTn id="6" dur="1" fill="hold">
+                                          <p:stCondLst>
+                                            <p:cond delay="0"/>
+                                          </p:stCondLst>
+                                        </p:cTn>
+                                        <p:tgtEl>
+                                          <p:spTgt spid="5"/>
+                                        </p:tgtEl>
+                                        <p:attrNameLst>
+                                          <p:attrName>style.visibility</p:attrName>
+                                        </p:attrNameLst>
+                                      </p:cBhvr>
+                                      <p:to>
+                                        <p:strVal val="visible"/>
+                                      </p:to>
+                                    </p:set>
+                                  </p:childTnLst>
+                                </p:cTn>
+                              </p:par>
+                            </p:childTnLst>
+                          </p:cTn>
+                        </p:par>
+                      </p:childTnLst>
+                    </p:cTn>
+                  </p:par>
+                  <p:par>
+                    <p:cTn id="7" fill="hold">
+                      <p:stCondLst>
+                        <p:cond delay="indefinite"/>
+                      </p:stCondLst>
+                      <p:childTnLst>
+                        <p:par>
+                          <p:cTn id="8" fill="hold">
+                            <p:stCondLst>
+                              <p:cond delay="0"/>
+                            </p:stCondLst>
+                            <p:childTnLst>
+                              <p:par>
+                                <p:cTn id="9" presetID="1" presetClass="entr" presetSubtype="0" fill="hold" grpId="0" nodeType="clickEffect">
+                                  <p:stCondLst>
+                                    <p:cond delay="0"/>
+                                  </p:stCondLst>
+                                  <p:childTnLst>
+                                    <p:set>
+                                      <p:cBhvr>
+                                        <p:cTn id="10" dur="1" fill="hold">
+                                          <p:stCondLst>
+                                            <p:cond delay="0"/>
+                                          </p:stCondLst>
+                                        </p:cTn>
+                                        <p:tgtEl>
+                                          <p:spTgt spid="7"/>
+                                        </p:tgtEl>
+                                        <p:attrNameLst>
+                                          <p:attrName>style.visibility</p:attrName>
+                                        </p:attrNameLst>
+                                      </p:cBhvr>
+                                      <p:to>
+                                        <p:strVal val="visible"/>
+                                      </p:to>
+                                    </p:set>
+                                  </p:childTnLst>
+                                </p:cTn>
+                              </p:par>
+                            </p:childTnLst>
+                          </p:cTn>
+                        </p:par>
+                      </p:childTnLst>
+                    </p:cTn>
+                  </p:par>
+                </p:childTnLst>
+              </p:cTn>
+              <p:prevCondLst>
+                <p:cond evt="onPrev" delay="0">
+                  <p:tgtEl>
+                    <p:sldTgt/>
+                  </p:tgtEl>
+                </p:cond>
+              </p:prevCondLst>
+              <p:nextCondLst>
+                <p:cond evt="onNext" delay="0">
+                  <p:tgtEl>
+                    <p:sldTgt/>
+                  </p:tgtEl>
+                </p:cond>
+              </p:nextCondLst>
+            </p:seq>
+          </p:childTnLst>
+        </p:cTn>
       </p:par>
     </p:tnLst>
+    <p:bldLst>
+      <p:bldP spid="5" grpId="0" animBg="1"/>
+      <p:bldP spid="7" grpId="0" animBg="1"/>
+    </p:bldLst>
   </p:timing>
 </p:sld>
 </file>
@@ -6373,141 +8701,514 @@
       </p:grpSpPr>
       <p:sp>
         <p:nvSpPr>
-          <p:cNvPr id="2" name="Title 1"/>
-          <p:cNvSpPr>
-            <a:spLocks noGrp="1"/>
-          </p:cNvSpPr>
-          <p:nvPr>
-            <p:ph type="title" idx="4294967295"/>
-          </p:nvPr>
+          <p:cNvPr id="7" name="TextBox 6"/>
+          <p:cNvSpPr txBox="1"/>
+          <p:nvPr/>
         </p:nvSpPr>
         <p:spPr>
           <a:xfrm>
-            <a:off x="1097280" y="264188"/>
-            <a:ext cx="10058400" cy="1025525"/>
+            <a:off x="537668" y="2168939"/>
+            <a:ext cx="10973260" cy="1938992"/>
           </a:xfrm>
+          <a:prstGeom prst="rect">
+            <a:avLst/>
+          </a:prstGeom>
+          <a:noFill/>
+          <a:ln>
+            <a:solidFill>
+              <a:schemeClr val="accent1"/>
+            </a:solidFill>
+          </a:ln>
         </p:spPr>
         <p:txBody>
-          <a:bodyPr>
-            <a:normAutofit/>
+          <a:bodyPr wrap="none" rtlCol="0">
+            <a:spAutoFit/>
           </a:bodyPr>
           <a:lstStyle/>
           <a:p>
             <a:r>
-              <a:rPr lang="en-US" sz="3600" dirty="0" smtClean="0"/>
-              <a:t>This exception proves the rule…</a:t>
-            </a:r>
-            <a:endParaRPr lang="en-US" sz="3600" dirty="0"/>
+              <a:rPr lang="en-US" sz="2400" dirty="0" smtClean="0"/>
+              <a:t>Which error message would you prefer?</a:t>
+            </a:r>
+          </a:p>
+          <a:p>
+            <a:r>
+              <a:rPr lang="en-US" sz="2400" b="1" dirty="0" smtClean="0">
+                <a:solidFill>
+                  <a:srgbClr val="FF0000"/>
+                </a:solidFill>
+              </a:rPr>
+              <a:t>A) </a:t>
+            </a:r>
+            <a:r>
+              <a:rPr lang="en-US" sz="2400" dirty="0" smtClean="0"/>
+              <a:t>Out of Memory </a:t>
+            </a:r>
+            <a:endParaRPr lang="en-US" sz="2400" dirty="0" smtClean="0"/>
+          </a:p>
+          <a:p>
+            <a:r>
+              <a:rPr lang="en-US" sz="2400" b="1" dirty="0" smtClean="0">
+                <a:solidFill>
+                  <a:srgbClr val="FFC000"/>
+                </a:solidFill>
+              </a:rPr>
+              <a:t>B) </a:t>
+            </a:r>
+            <a:r>
+              <a:rPr lang="en-US" sz="2400" dirty="0" smtClean="0"/>
+              <a:t>Rectangle </a:t>
+            </a:r>
+            <a:r>
+              <a:rPr lang="en-US" sz="2400" dirty="0"/>
+              <a:t>'{X=0,Y=0,Width=189,Height=0}' cannot have a width or height equal to </a:t>
+            </a:r>
+            <a:r>
+              <a:rPr lang="en-US" sz="2400" dirty="0" smtClean="0"/>
+              <a:t>0.</a:t>
+            </a:r>
+          </a:p>
+          <a:p>
+            <a:r>
+              <a:rPr lang="en-US" sz="2400" b="1" dirty="0" smtClean="0">
+                <a:solidFill>
+                  <a:srgbClr val="00B050"/>
+                </a:solidFill>
+              </a:rPr>
+              <a:t>D</a:t>
+            </a:r>
+            <a:r>
+              <a:rPr lang="en-US" sz="2400" b="1" dirty="0" smtClean="0">
+                <a:solidFill>
+                  <a:srgbClr val="00B050"/>
+                </a:solidFill>
+              </a:rPr>
+              <a:t>) </a:t>
+            </a:r>
+            <a:r>
+              <a:rPr lang="en-US" sz="2400" dirty="0" smtClean="0"/>
+              <a:t>Other</a:t>
+            </a:r>
+          </a:p>
+          <a:p>
+            <a:endParaRPr lang="en-US" sz="2400" dirty="0"/>
           </a:p>
         </p:txBody>
       </p:sp>
       <p:sp>
         <p:nvSpPr>
-          <p:cNvPr id="3" name="Content Placeholder 2"/>
-          <p:cNvSpPr>
-            <a:spLocks noGrp="1"/>
-          </p:cNvSpPr>
-          <p:nvPr>
-            <p:ph idx="4294967295"/>
-          </p:nvPr>
+          <p:cNvPr id="2" name="Rectangle 1"/>
+          <p:cNvSpPr/>
+          <p:nvPr/>
         </p:nvSpPr>
         <p:spPr>
           <a:xfrm>
-            <a:off x="1097280" y="1414804"/>
-            <a:ext cx="10058400" cy="4024313"/>
-          </a:xfrm>
-        </p:spPr>
-        <p:txBody>
-          <a:bodyPr anchor="ctr">
-            <a:normAutofit/>
-          </a:bodyPr>
-          <a:lstStyle/>
-          <a:p>
-            <a:pPr algn="ctr"/>
-            <a:r>
-              <a:rPr lang="en-US" sz="4800" i="1" spc="-50" dirty="0" smtClean="0">
-                <a:latin typeface="+mj-lt"/>
-                <a:ea typeface="+mj-ea"/>
-                <a:cs typeface="+mj-cs"/>
-              </a:rPr>
-              <a:t>“Show examples if </a:t>
-            </a:r>
-          </a:p>
-          <a:p>
-            <a:pPr algn="ctr"/>
-            <a:r>
-              <a:rPr lang="en-US" sz="4800" i="1" spc="-50" dirty="0" smtClean="0">
-                <a:latin typeface="+mj-lt"/>
-                <a:ea typeface="+mj-ea"/>
-                <a:cs typeface="+mj-cs"/>
-              </a:rPr>
-              <a:t>particular formats are required”</a:t>
-            </a:r>
-            <a:endParaRPr lang="en-US" sz="4800" i="1" spc="-50" dirty="0">
-              <a:latin typeface="+mj-lt"/>
-              <a:ea typeface="+mj-ea"/>
-              <a:cs typeface="+mj-cs"/>
-            </a:endParaRPr>
-          </a:p>
-        </p:txBody>
-      </p:sp>
-      <p:sp>
-        <p:nvSpPr>
-          <p:cNvPr id="4" name="Title 1"/>
-          <p:cNvSpPr txBox="1">
-            <a:spLocks/>
-          </p:cNvSpPr>
-          <p:nvPr/>
-        </p:nvSpPr>
-        <p:spPr>
-          <a:xfrm>
-            <a:off x="1097280" y="5234030"/>
-            <a:ext cx="10058400" cy="1025730"/>
+            <a:off x="96818" y="173045"/>
+            <a:ext cx="11833413" cy="707886"/>
           </a:xfrm>
           <a:prstGeom prst="rect">
             <a:avLst/>
           </a:prstGeom>
         </p:spPr>
         <p:txBody>
-          <a:bodyPr vert="horz" lIns="91440" tIns="45720" rIns="91440" bIns="45720" rtlCol="0" anchor="b">
-            <a:normAutofit/>
+          <a:bodyPr wrap="square">
+            <a:spAutoFit/>
           </a:bodyPr>
-          <a:lstStyle>
-            <a:lvl1pPr algn="l" defTabSz="914400" rtl="0" eaLnBrk="1" latinLnBrk="0" hangingPunct="1">
-              <a:lnSpc>
-                <a:spcPct val="85000"/>
-              </a:lnSpc>
-              <a:spcBef>
-                <a:spcPct val="0"/>
-              </a:spcBef>
-              <a:buNone/>
-              <a:defRPr sz="4800" kern="1200" spc="-50" baseline="0">
-                <a:solidFill>
-                  <a:schemeClr val="tx1">
-                    <a:lumMod val="75000"/>
-                    <a:lumOff val="25000"/>
-                  </a:schemeClr>
-                </a:solidFill>
-                <a:latin typeface="+mj-lt"/>
-                <a:ea typeface="+mj-ea"/>
-                <a:cs typeface="+mj-cs"/>
-              </a:defRPr>
-            </a:lvl1pPr>
-          </a:lstStyle>
-          <a:p>
-            <a:pPr algn="r"/>
-            <a:r>
-              <a:rPr lang="en-US" sz="3600" dirty="0" smtClean="0"/>
-              <a:t>…to give the confused coder some guidance</a:t>
-            </a:r>
-            <a:endParaRPr lang="en-US" sz="3600" dirty="0"/>
+          <a:lstStyle/>
+          <a:p>
+            <a:r>
+              <a:rPr lang="en-US" sz="2000" dirty="0" smtClean="0">
+                <a:solidFill>
+                  <a:srgbClr val="0000FF"/>
+                </a:solidFill>
+                <a:highlight>
+                  <a:srgbClr val="FFFFFF"/>
+                </a:highlight>
+                <a:latin typeface="Consolas" panose="020B0609020204030204" pitchFamily="49" charset="0"/>
+              </a:rPr>
+              <a:t>new</a:t>
+            </a:r>
+            <a:r>
+              <a:rPr lang="en-US" sz="2000" dirty="0" smtClean="0">
+                <a:solidFill>
+                  <a:srgbClr val="000000"/>
+                </a:solidFill>
+                <a:highlight>
+                  <a:srgbClr val="FFFFFF"/>
+                </a:highlight>
+                <a:latin typeface="Consolas" panose="020B0609020204030204" pitchFamily="49" charset="0"/>
+              </a:rPr>
+              <a:t> </a:t>
+            </a:r>
+            <a:r>
+              <a:rPr lang="en-US" sz="2000" dirty="0" err="1">
+                <a:solidFill>
+                  <a:srgbClr val="2B91AF"/>
+                </a:solidFill>
+                <a:highlight>
+                  <a:srgbClr val="FFFFFF"/>
+                </a:highlight>
+                <a:latin typeface="Consolas" panose="020B0609020204030204" pitchFamily="49" charset="0"/>
+              </a:rPr>
+              <a:t>LinearGradientBrush</a:t>
+            </a:r>
+            <a:r>
+              <a:rPr lang="en-US" sz="2000" dirty="0">
+                <a:solidFill>
+                  <a:srgbClr val="000000"/>
+                </a:solidFill>
+                <a:highlight>
+                  <a:srgbClr val="FFFFFF"/>
+                </a:highlight>
+                <a:latin typeface="Consolas" panose="020B0609020204030204" pitchFamily="49" charset="0"/>
+              </a:rPr>
+              <a:t>(</a:t>
+            </a:r>
+            <a:r>
+              <a:rPr lang="en-US" sz="2000" dirty="0">
+                <a:solidFill>
+                  <a:srgbClr val="0000FF"/>
+                </a:solidFill>
+                <a:highlight>
+                  <a:srgbClr val="FFFFFF"/>
+                </a:highlight>
+                <a:latin typeface="Consolas" panose="020B0609020204030204" pitchFamily="49" charset="0"/>
+              </a:rPr>
+              <a:t>new</a:t>
+            </a:r>
+            <a:r>
+              <a:rPr lang="en-US" sz="2000" dirty="0">
+                <a:solidFill>
+                  <a:srgbClr val="000000"/>
+                </a:solidFill>
+                <a:highlight>
+                  <a:srgbClr val="FFFFFF"/>
+                </a:highlight>
+                <a:latin typeface="Consolas" panose="020B0609020204030204" pitchFamily="49" charset="0"/>
+              </a:rPr>
+              <a:t> </a:t>
+            </a:r>
+            <a:r>
+              <a:rPr lang="en-US" sz="2000" dirty="0">
+                <a:solidFill>
+                  <a:srgbClr val="2B91AF"/>
+                </a:solidFill>
+                <a:highlight>
+                  <a:srgbClr val="FFFFFF"/>
+                </a:highlight>
+                <a:latin typeface="Consolas" panose="020B0609020204030204" pitchFamily="49" charset="0"/>
+              </a:rPr>
+              <a:t>Point</a:t>
+            </a:r>
+            <a:r>
+              <a:rPr lang="en-US" sz="2000" dirty="0">
+                <a:solidFill>
+                  <a:srgbClr val="000000"/>
+                </a:solidFill>
+                <a:highlight>
+                  <a:srgbClr val="FFFFFF"/>
+                </a:highlight>
+                <a:latin typeface="Consolas" panose="020B0609020204030204" pitchFamily="49" charset="0"/>
+              </a:rPr>
+              <a:t>(0, 0), </a:t>
+            </a:r>
+            <a:r>
+              <a:rPr lang="en-US" sz="2000" dirty="0">
+                <a:solidFill>
+                  <a:srgbClr val="0000FF"/>
+                </a:solidFill>
+                <a:highlight>
+                  <a:srgbClr val="FFFFFF"/>
+                </a:highlight>
+                <a:latin typeface="Consolas" panose="020B0609020204030204" pitchFamily="49" charset="0"/>
+              </a:rPr>
+              <a:t>new</a:t>
+            </a:r>
+            <a:r>
+              <a:rPr lang="en-US" sz="2000" dirty="0">
+                <a:solidFill>
+                  <a:srgbClr val="000000"/>
+                </a:solidFill>
+                <a:highlight>
+                  <a:srgbClr val="FFFFFF"/>
+                </a:highlight>
+                <a:latin typeface="Consolas" panose="020B0609020204030204" pitchFamily="49" charset="0"/>
+              </a:rPr>
+              <a:t> </a:t>
+            </a:r>
+            <a:r>
+              <a:rPr lang="en-US" sz="2000" dirty="0">
+                <a:solidFill>
+                  <a:srgbClr val="2B91AF"/>
+                </a:solidFill>
+                <a:highlight>
+                  <a:srgbClr val="FFFFFF"/>
+                </a:highlight>
+                <a:latin typeface="Consolas" panose="020B0609020204030204" pitchFamily="49" charset="0"/>
+              </a:rPr>
+              <a:t>Point</a:t>
+            </a:r>
+            <a:r>
+              <a:rPr lang="en-US" sz="2000" dirty="0">
+                <a:solidFill>
+                  <a:srgbClr val="000000"/>
+                </a:solidFill>
+                <a:highlight>
+                  <a:srgbClr val="FFFFFF"/>
+                </a:highlight>
+                <a:latin typeface="Consolas" panose="020B0609020204030204" pitchFamily="49" charset="0"/>
+              </a:rPr>
+              <a:t>(w, h), </a:t>
+            </a:r>
+            <a:r>
+              <a:rPr lang="en-US" sz="2000" dirty="0" err="1">
+                <a:solidFill>
+                  <a:srgbClr val="2B91AF"/>
+                </a:solidFill>
+                <a:highlight>
+                  <a:srgbClr val="FFFFFF"/>
+                </a:highlight>
+                <a:latin typeface="Consolas" panose="020B0609020204030204" pitchFamily="49" charset="0"/>
+              </a:rPr>
+              <a:t>Color</a:t>
+            </a:r>
+            <a:r>
+              <a:rPr lang="en-US" sz="2000" dirty="0" err="1">
+                <a:solidFill>
+                  <a:srgbClr val="000000"/>
+                </a:solidFill>
+                <a:highlight>
+                  <a:srgbClr val="FFFFFF"/>
+                </a:highlight>
+                <a:latin typeface="Consolas" panose="020B0609020204030204" pitchFamily="49" charset="0"/>
+              </a:rPr>
+              <a:t>.Red</a:t>
+            </a:r>
+            <a:r>
+              <a:rPr lang="en-US" sz="2000" dirty="0">
+                <a:solidFill>
+                  <a:srgbClr val="000000"/>
+                </a:solidFill>
+                <a:highlight>
+                  <a:srgbClr val="FFFFFF"/>
+                </a:highlight>
+                <a:latin typeface="Consolas" panose="020B0609020204030204" pitchFamily="49" charset="0"/>
+              </a:rPr>
+              <a:t>, </a:t>
+            </a:r>
+            <a:r>
+              <a:rPr lang="en-US" sz="2000" dirty="0" err="1">
+                <a:solidFill>
+                  <a:srgbClr val="2B91AF"/>
+                </a:solidFill>
+                <a:highlight>
+                  <a:srgbClr val="FFFFFF"/>
+                </a:highlight>
+                <a:latin typeface="Consolas" panose="020B0609020204030204" pitchFamily="49" charset="0"/>
+              </a:rPr>
+              <a:t>Color</a:t>
+            </a:r>
+            <a:r>
+              <a:rPr lang="en-US" sz="2000" dirty="0" err="1">
+                <a:solidFill>
+                  <a:srgbClr val="000000"/>
+                </a:solidFill>
+                <a:highlight>
+                  <a:srgbClr val="FFFFFF"/>
+                </a:highlight>
+                <a:latin typeface="Consolas" panose="020B0609020204030204" pitchFamily="49" charset="0"/>
+              </a:rPr>
+              <a:t>.Blue</a:t>
+            </a:r>
+            <a:r>
+              <a:rPr lang="en-US" sz="2000" dirty="0">
+                <a:solidFill>
+                  <a:srgbClr val="000000"/>
+                </a:solidFill>
+                <a:highlight>
+                  <a:srgbClr val="FFFFFF"/>
+                </a:highlight>
+                <a:latin typeface="Consolas" panose="020B0609020204030204" pitchFamily="49" charset="0"/>
+              </a:rPr>
+              <a:t>);</a:t>
+            </a:r>
+          </a:p>
+          <a:p>
+            <a:r>
+              <a:rPr lang="en-US" sz="2000" dirty="0" smtClean="0">
+                <a:solidFill>
+                  <a:srgbClr val="0000FF"/>
+                </a:solidFill>
+                <a:highlight>
+                  <a:srgbClr val="FFFFFF"/>
+                </a:highlight>
+                <a:latin typeface="Consolas" panose="020B0609020204030204" pitchFamily="49" charset="0"/>
+              </a:rPr>
+              <a:t>new</a:t>
+            </a:r>
+            <a:r>
+              <a:rPr lang="en-US" sz="2000" dirty="0" smtClean="0">
+                <a:solidFill>
+                  <a:srgbClr val="000000"/>
+                </a:solidFill>
+                <a:highlight>
+                  <a:srgbClr val="FFFFFF"/>
+                </a:highlight>
+                <a:latin typeface="Consolas" panose="020B0609020204030204" pitchFamily="49" charset="0"/>
+              </a:rPr>
+              <a:t> </a:t>
+            </a:r>
+            <a:r>
+              <a:rPr lang="en-US" sz="2000" dirty="0" err="1">
+                <a:solidFill>
+                  <a:srgbClr val="2B91AF"/>
+                </a:solidFill>
+                <a:highlight>
+                  <a:srgbClr val="FFFFFF"/>
+                </a:highlight>
+                <a:latin typeface="Consolas" panose="020B0609020204030204" pitchFamily="49" charset="0"/>
+              </a:rPr>
+              <a:t>LinearGradientBrush</a:t>
+            </a:r>
+            <a:r>
+              <a:rPr lang="en-US" sz="2000" dirty="0">
+                <a:solidFill>
+                  <a:srgbClr val="000000"/>
+                </a:solidFill>
+                <a:highlight>
+                  <a:srgbClr val="FFFFFF"/>
+                </a:highlight>
+                <a:latin typeface="Consolas" panose="020B0609020204030204" pitchFamily="49" charset="0"/>
+              </a:rPr>
+              <a:t>(</a:t>
+            </a:r>
+            <a:r>
+              <a:rPr lang="en-US" sz="2000" dirty="0">
+                <a:solidFill>
+                  <a:srgbClr val="0000FF"/>
+                </a:solidFill>
+                <a:highlight>
+                  <a:srgbClr val="FFFFFF"/>
+                </a:highlight>
+                <a:latin typeface="Consolas" panose="020B0609020204030204" pitchFamily="49" charset="0"/>
+              </a:rPr>
+              <a:t>new</a:t>
+            </a:r>
+            <a:r>
+              <a:rPr lang="en-US" sz="2000" dirty="0">
+                <a:solidFill>
+                  <a:srgbClr val="000000"/>
+                </a:solidFill>
+                <a:highlight>
+                  <a:srgbClr val="FFFFFF"/>
+                </a:highlight>
+                <a:latin typeface="Consolas" panose="020B0609020204030204" pitchFamily="49" charset="0"/>
+              </a:rPr>
+              <a:t> </a:t>
+            </a:r>
+            <a:r>
+              <a:rPr lang="en-US" sz="2000" dirty="0">
+                <a:solidFill>
+                  <a:srgbClr val="2B91AF"/>
+                </a:solidFill>
+                <a:highlight>
+                  <a:srgbClr val="FFFFFF"/>
+                </a:highlight>
+                <a:latin typeface="Consolas" panose="020B0609020204030204" pitchFamily="49" charset="0"/>
+              </a:rPr>
+              <a:t>Rectangle</a:t>
+            </a:r>
+            <a:r>
+              <a:rPr lang="en-US" sz="2000" dirty="0">
+                <a:solidFill>
+                  <a:srgbClr val="000000"/>
+                </a:solidFill>
+                <a:highlight>
+                  <a:srgbClr val="FFFFFF"/>
+                </a:highlight>
+                <a:latin typeface="Consolas" panose="020B0609020204030204" pitchFamily="49" charset="0"/>
+              </a:rPr>
+              <a:t>(0, 0, w, h), </a:t>
+            </a:r>
+            <a:r>
+              <a:rPr lang="en-US" sz="2000" dirty="0" err="1">
+                <a:solidFill>
+                  <a:srgbClr val="2B91AF"/>
+                </a:solidFill>
+                <a:highlight>
+                  <a:srgbClr val="FFFFFF"/>
+                </a:highlight>
+                <a:latin typeface="Consolas" panose="020B0609020204030204" pitchFamily="49" charset="0"/>
+              </a:rPr>
+              <a:t>Color</a:t>
+            </a:r>
+            <a:r>
+              <a:rPr lang="en-US" sz="2000" dirty="0" err="1">
+                <a:solidFill>
+                  <a:srgbClr val="000000"/>
+                </a:solidFill>
+                <a:highlight>
+                  <a:srgbClr val="FFFFFF"/>
+                </a:highlight>
+                <a:latin typeface="Consolas" panose="020B0609020204030204" pitchFamily="49" charset="0"/>
+              </a:rPr>
+              <a:t>.Red</a:t>
+            </a:r>
+            <a:r>
+              <a:rPr lang="en-US" sz="2000" dirty="0">
+                <a:solidFill>
+                  <a:srgbClr val="000000"/>
+                </a:solidFill>
+                <a:highlight>
+                  <a:srgbClr val="FFFFFF"/>
+                </a:highlight>
+                <a:latin typeface="Consolas" panose="020B0609020204030204" pitchFamily="49" charset="0"/>
+              </a:rPr>
+              <a:t>, </a:t>
+            </a:r>
+            <a:r>
+              <a:rPr lang="en-US" sz="2000" dirty="0" err="1">
+                <a:solidFill>
+                  <a:srgbClr val="2B91AF"/>
+                </a:solidFill>
+                <a:highlight>
+                  <a:srgbClr val="FFFFFF"/>
+                </a:highlight>
+                <a:latin typeface="Consolas" panose="020B0609020204030204" pitchFamily="49" charset="0"/>
+              </a:rPr>
+              <a:t>Color</a:t>
+            </a:r>
+            <a:r>
+              <a:rPr lang="en-US" sz="2000" dirty="0" err="1">
+                <a:solidFill>
+                  <a:srgbClr val="000000"/>
+                </a:solidFill>
+                <a:highlight>
+                  <a:srgbClr val="FFFFFF"/>
+                </a:highlight>
+                <a:latin typeface="Consolas" panose="020B0609020204030204" pitchFamily="49" charset="0"/>
+              </a:rPr>
+              <a:t>.Blue</a:t>
+            </a:r>
+            <a:r>
+              <a:rPr lang="en-US" sz="2000" dirty="0">
+                <a:solidFill>
+                  <a:srgbClr val="000000"/>
+                </a:solidFill>
+                <a:highlight>
+                  <a:srgbClr val="FFFFFF"/>
+                </a:highlight>
+                <a:latin typeface="Consolas" panose="020B0609020204030204" pitchFamily="49" charset="0"/>
+              </a:rPr>
+              <a:t>, 1.0f);</a:t>
+            </a:r>
           </a:p>
         </p:txBody>
       </p:sp>
     </p:spTree>
     <p:extLst>
       <p:ext uri="{BB962C8B-B14F-4D97-AF65-F5344CB8AC3E}">
-        <p14:creationId xmlns:p14="http://schemas.microsoft.com/office/powerpoint/2010/main" val="309843548"/>
+        <p14:creationId xmlns:p14="http://schemas.microsoft.com/office/powerpoint/2010/main" val="1353851785"/>
       </p:ext>
     </p:extLst>
   </p:cSld>
@@ -6517,7 +9218,7 @@
   <p:timing>
     <p:tnLst>
       <p:par>
-        <p:cTn xmlns:p14="http://schemas.microsoft.com/office/powerpoint/2010/main" id="1" dur="indefinite" restart="never" nodeType="tmRoot"/>
+        <p:cTn id="1" dur="indefinite" restart="never" nodeType="tmRoot"/>
       </p:par>
     </p:tnLst>
   </p:timing>
@@ -6543,130 +9244,1603 @@
       </p:grpSpPr>
       <p:sp>
         <p:nvSpPr>
-          <p:cNvPr id="2" name="Title 1"/>
-          <p:cNvSpPr>
-            <a:spLocks noGrp="1"/>
-          </p:cNvSpPr>
-          <p:nvPr>
-            <p:ph type="title" idx="4294967295"/>
-          </p:nvPr>
+          <p:cNvPr id="3" name="Rectangle 2"/>
+          <p:cNvSpPr/>
+          <p:nvPr/>
         </p:nvSpPr>
         <p:spPr>
           <a:xfrm>
-            <a:off x="1097280" y="264188"/>
-            <a:ext cx="10058400" cy="1025525"/>
-          </a:xfrm>
-        </p:spPr>
-        <p:txBody>
-          <a:bodyPr>
-            <a:normAutofit/>
-          </a:bodyPr>
-          <a:lstStyle/>
-          <a:p>
-            <a:r>
-              <a:rPr lang="en-US" sz="3600" dirty="0" smtClean="0"/>
-              <a:t>This exception proves the rule…</a:t>
-            </a:r>
-            <a:endParaRPr lang="en-US" sz="3600" dirty="0"/>
-          </a:p>
-        </p:txBody>
-      </p:sp>
-      <p:sp>
-        <p:nvSpPr>
-          <p:cNvPr id="3" name="Content Placeholder 2"/>
-          <p:cNvSpPr>
-            <a:spLocks noGrp="1"/>
-          </p:cNvSpPr>
-          <p:nvPr>
-            <p:ph idx="4294967295"/>
-          </p:nvPr>
-        </p:nvSpPr>
-        <p:spPr>
-          <a:xfrm>
-            <a:off x="1097280" y="1414804"/>
-            <a:ext cx="10058400" cy="4024313"/>
-          </a:xfrm>
-        </p:spPr>
-        <p:txBody>
-          <a:bodyPr anchor="ctr">
-            <a:normAutofit/>
-          </a:bodyPr>
-          <a:lstStyle/>
-          <a:p>
-            <a:pPr algn="ctr"/>
-            <a:r>
-              <a:rPr lang="en-US" sz="4800" i="1" spc="-50" dirty="0" smtClean="0">
-                <a:latin typeface="+mj-lt"/>
-                <a:ea typeface="+mj-ea"/>
-                <a:cs typeface="+mj-cs"/>
-              </a:rPr>
-              <a:t>“Point to online documentation”</a:t>
-            </a:r>
-            <a:endParaRPr lang="en-US" sz="4800" i="1" spc="-50" dirty="0">
-              <a:latin typeface="+mj-lt"/>
-              <a:ea typeface="+mj-ea"/>
-              <a:cs typeface="+mj-cs"/>
-            </a:endParaRPr>
-          </a:p>
-        </p:txBody>
-      </p:sp>
-      <p:sp>
-        <p:nvSpPr>
-          <p:cNvPr id="4" name="Title 1"/>
-          <p:cNvSpPr txBox="1">
-            <a:spLocks/>
-          </p:cNvSpPr>
-          <p:nvPr/>
-        </p:nvSpPr>
-        <p:spPr>
-          <a:xfrm>
-            <a:off x="1097280" y="5234030"/>
-            <a:ext cx="10058400" cy="1025730"/>
+            <a:off x="6611" y="377047"/>
+            <a:ext cx="580770" cy="2862322"/>
           </a:xfrm>
           <a:prstGeom prst="rect">
             <a:avLst/>
           </a:prstGeom>
         </p:spPr>
         <p:txBody>
-          <a:bodyPr vert="horz" lIns="91440" tIns="45720" rIns="91440" bIns="45720" rtlCol="0" anchor="b">
-            <a:normAutofit/>
+          <a:bodyPr wrap="square">
+            <a:spAutoFit/>
           </a:bodyPr>
-          <a:lstStyle>
-            <a:lvl1pPr algn="l" defTabSz="914400" rtl="0" eaLnBrk="1" latinLnBrk="0" hangingPunct="1">
-              <a:lnSpc>
-                <a:spcPct val="85000"/>
-              </a:lnSpc>
-              <a:spcBef>
-                <a:spcPct val="0"/>
-              </a:spcBef>
-              <a:buNone/>
-              <a:defRPr sz="4800" kern="1200" spc="-50" baseline="0">
-                <a:solidFill>
-                  <a:schemeClr val="tx1">
-                    <a:lumMod val="75000"/>
-                    <a:lumOff val="25000"/>
-                  </a:schemeClr>
-                </a:solidFill>
-                <a:latin typeface="+mj-lt"/>
-                <a:ea typeface="+mj-ea"/>
-                <a:cs typeface="+mj-cs"/>
-              </a:defRPr>
-            </a:lvl1pPr>
-          </a:lstStyle>
-          <a:p>
-            <a:pPr algn="r"/>
-            <a:r>
-              <a:rPr lang="en-US" sz="3600" dirty="0" smtClean="0"/>
-              <a:t>…to give the confused coder some guidance</a:t>
-            </a:r>
-            <a:endParaRPr lang="en-US" sz="3600" dirty="0"/>
+          <a:lstStyle/>
+          <a:p>
+            <a:r>
+              <a:rPr lang="en-US" dirty="0" smtClean="0">
+                <a:solidFill>
+                  <a:srgbClr val="2B91AF"/>
+                </a:solidFill>
+                <a:highlight>
+                  <a:srgbClr val="FFFFFF"/>
+                </a:highlight>
+                <a:latin typeface="Consolas" panose="020B0609020204030204" pitchFamily="49" charset="0"/>
+              </a:rPr>
+              <a:t>58</a:t>
+            </a:r>
+            <a:r>
+              <a:rPr lang="en-US" dirty="0" smtClean="0">
+                <a:solidFill>
+                  <a:srgbClr val="2B91AF"/>
+                </a:solidFill>
+                <a:highlight>
+                  <a:srgbClr val="FFFFFF"/>
+                </a:highlight>
+                <a:latin typeface="Consolas" panose="020B0609020204030204" pitchFamily="49" charset="0"/>
+              </a:rPr>
+              <a:t> </a:t>
+            </a:r>
+          </a:p>
+          <a:p>
+            <a:r>
+              <a:rPr lang="en-US" dirty="0" smtClean="0">
+                <a:solidFill>
+                  <a:srgbClr val="2B91AF"/>
+                </a:solidFill>
+                <a:highlight>
+                  <a:srgbClr val="FFFFFF"/>
+                </a:highlight>
+                <a:latin typeface="Consolas" panose="020B0609020204030204" pitchFamily="49" charset="0"/>
+              </a:rPr>
+              <a:t>59</a:t>
+            </a:r>
+            <a:r>
+              <a:rPr lang="en-US" dirty="0" smtClean="0">
+                <a:solidFill>
+                  <a:srgbClr val="2B91AF"/>
+                </a:solidFill>
+                <a:highlight>
+                  <a:srgbClr val="FFFFFF"/>
+                </a:highlight>
+                <a:latin typeface="Consolas" panose="020B0609020204030204" pitchFamily="49" charset="0"/>
+              </a:rPr>
+              <a:t> </a:t>
+            </a:r>
+          </a:p>
+          <a:p>
+            <a:r>
+              <a:rPr lang="en-US" dirty="0" smtClean="0">
+                <a:solidFill>
+                  <a:srgbClr val="2B91AF"/>
+                </a:solidFill>
+                <a:highlight>
+                  <a:srgbClr val="FFFFFF"/>
+                </a:highlight>
+                <a:latin typeface="Consolas" panose="020B0609020204030204" pitchFamily="49" charset="0"/>
+              </a:rPr>
+              <a:t>60</a:t>
+            </a:r>
+            <a:r>
+              <a:rPr lang="en-US" dirty="0" smtClean="0">
+                <a:solidFill>
+                  <a:srgbClr val="2B91AF"/>
+                </a:solidFill>
+                <a:highlight>
+                  <a:srgbClr val="FFFFFF"/>
+                </a:highlight>
+                <a:latin typeface="Consolas" panose="020B0609020204030204" pitchFamily="49" charset="0"/>
+              </a:rPr>
+              <a:t> </a:t>
+            </a:r>
+          </a:p>
+          <a:p>
+            <a:r>
+              <a:rPr lang="en-US" dirty="0" smtClean="0">
+                <a:solidFill>
+                  <a:srgbClr val="2B91AF"/>
+                </a:solidFill>
+                <a:highlight>
+                  <a:srgbClr val="FFFFFF"/>
+                </a:highlight>
+                <a:latin typeface="Consolas" panose="020B0609020204030204" pitchFamily="49" charset="0"/>
+              </a:rPr>
+              <a:t>61</a:t>
+            </a:r>
+            <a:endParaRPr lang="en-US" dirty="0" smtClean="0">
+              <a:solidFill>
+                <a:srgbClr val="2B91AF"/>
+              </a:solidFill>
+              <a:highlight>
+                <a:srgbClr val="FFFFFF"/>
+              </a:highlight>
+              <a:latin typeface="Consolas" panose="020B0609020204030204" pitchFamily="49" charset="0"/>
+            </a:endParaRPr>
+          </a:p>
+          <a:p>
+            <a:r>
+              <a:rPr lang="en-US" dirty="0" smtClean="0">
+                <a:solidFill>
+                  <a:srgbClr val="2B91AF"/>
+                </a:solidFill>
+                <a:highlight>
+                  <a:srgbClr val="FFFFFF"/>
+                </a:highlight>
+                <a:latin typeface="Consolas" panose="020B0609020204030204" pitchFamily="49" charset="0"/>
+              </a:rPr>
+              <a:t>62</a:t>
+            </a:r>
+          </a:p>
+          <a:p>
+            <a:r>
+              <a:rPr lang="en-US" dirty="0" smtClean="0">
+                <a:solidFill>
+                  <a:srgbClr val="2B91AF"/>
+                </a:solidFill>
+                <a:highlight>
+                  <a:srgbClr val="FFFFFF"/>
+                </a:highlight>
+                <a:latin typeface="Consolas" panose="020B0609020204030204" pitchFamily="49" charset="0"/>
+              </a:rPr>
+              <a:t>63</a:t>
+            </a:r>
+            <a:endParaRPr lang="en-US" dirty="0" smtClean="0">
+              <a:solidFill>
+                <a:srgbClr val="2B91AF"/>
+              </a:solidFill>
+              <a:highlight>
+                <a:srgbClr val="FFFFFF"/>
+              </a:highlight>
+              <a:latin typeface="Consolas" panose="020B0609020204030204" pitchFamily="49" charset="0"/>
+            </a:endParaRPr>
+          </a:p>
+          <a:p>
+            <a:r>
+              <a:rPr lang="en-US" dirty="0" smtClean="0">
+                <a:solidFill>
+                  <a:srgbClr val="2B91AF"/>
+                </a:solidFill>
+                <a:highlight>
+                  <a:srgbClr val="FFFFFF"/>
+                </a:highlight>
+                <a:latin typeface="Consolas" panose="020B0609020204030204" pitchFamily="49" charset="0"/>
+              </a:rPr>
+              <a:t>64</a:t>
+            </a:r>
+          </a:p>
+          <a:p>
+            <a:r>
+              <a:rPr lang="en-US" dirty="0" smtClean="0">
+                <a:solidFill>
+                  <a:srgbClr val="2B91AF"/>
+                </a:solidFill>
+                <a:highlight>
+                  <a:srgbClr val="FFFFFF"/>
+                </a:highlight>
+                <a:latin typeface="Consolas" panose="020B0609020204030204" pitchFamily="49" charset="0"/>
+              </a:rPr>
+              <a:t>65</a:t>
+            </a:r>
+          </a:p>
+          <a:p>
+            <a:r>
+              <a:rPr lang="en-US" dirty="0" smtClean="0">
+                <a:solidFill>
+                  <a:srgbClr val="2B91AF"/>
+                </a:solidFill>
+                <a:highlight>
+                  <a:srgbClr val="FFFFFF"/>
+                </a:highlight>
+                <a:latin typeface="Consolas" panose="020B0609020204030204" pitchFamily="49" charset="0"/>
+              </a:rPr>
+              <a:t>66</a:t>
+            </a:r>
+            <a:endParaRPr lang="en-US" dirty="0">
+              <a:solidFill>
+                <a:srgbClr val="2B91AF"/>
+              </a:solidFill>
+              <a:highlight>
+                <a:srgbClr val="FFFFFF"/>
+              </a:highlight>
+              <a:latin typeface="Consolas" panose="020B0609020204030204" pitchFamily="49" charset="0"/>
+            </a:endParaRPr>
+          </a:p>
+          <a:p>
+            <a:r>
+              <a:rPr lang="en-US" dirty="0" smtClean="0">
+                <a:solidFill>
+                  <a:srgbClr val="2B91AF"/>
+                </a:solidFill>
+                <a:highlight>
+                  <a:srgbClr val="FFFFFF"/>
+                </a:highlight>
+                <a:latin typeface="Consolas" panose="020B0609020204030204" pitchFamily="49" charset="0"/>
+              </a:rPr>
+              <a:t>67</a:t>
+            </a:r>
+            <a:endParaRPr lang="en-US" dirty="0">
+              <a:solidFill>
+                <a:srgbClr val="2B91AF"/>
+              </a:solidFill>
+              <a:highlight>
+                <a:srgbClr val="FFFFFF"/>
+              </a:highlight>
+              <a:latin typeface="Consolas" panose="020B0609020204030204" pitchFamily="49" charset="0"/>
+            </a:endParaRPr>
+          </a:p>
+        </p:txBody>
+      </p:sp>
+      <p:sp>
+        <p:nvSpPr>
+          <p:cNvPr id="5" name="Rectangle 4"/>
+          <p:cNvSpPr/>
+          <p:nvPr/>
+        </p:nvSpPr>
+        <p:spPr>
+          <a:xfrm>
+            <a:off x="3018791" y="3718790"/>
+            <a:ext cx="9118164" cy="1754326"/>
+          </a:xfrm>
+          <a:prstGeom prst="rect">
+            <a:avLst/>
+          </a:prstGeom>
+          <a:ln w="57150">
+            <a:solidFill>
+              <a:srgbClr val="FF0000"/>
+            </a:solidFill>
+          </a:ln>
+        </p:spPr>
+        <p:txBody>
+          <a:bodyPr wrap="square">
+            <a:spAutoFit/>
+          </a:bodyPr>
+          <a:lstStyle/>
+          <a:p>
+            <a:r>
+              <a:rPr lang="en-US" dirty="0">
+                <a:solidFill>
+                  <a:srgbClr val="000000"/>
+                </a:solidFill>
+                <a:latin typeface="Consolas" panose="020B0609020204030204" pitchFamily="49" charset="0"/>
+              </a:rPr>
+              <a:t>Rectangle '{X=0,Y=0,Width=189,Height=0}' cannot have a width or height equal to 0</a:t>
+            </a:r>
+            <a:r>
+              <a:rPr lang="en-US" dirty="0">
+                <a:solidFill>
+                  <a:srgbClr val="000000"/>
+                </a:solidFill>
+                <a:latin typeface="Consolas" panose="020B0609020204030204" pitchFamily="49" charset="0"/>
+              </a:rPr>
+              <a:t>.</a:t>
+            </a:r>
+            <a:endParaRPr lang="en-US" dirty="0">
+              <a:solidFill>
+                <a:srgbClr val="000000"/>
+              </a:solidFill>
+              <a:latin typeface="Consolas" panose="020B0609020204030204" pitchFamily="49" charset="0"/>
+            </a:endParaRPr>
+          </a:p>
+          <a:p>
+            <a:r>
+              <a:rPr lang="en-US" dirty="0">
+                <a:solidFill>
+                  <a:srgbClr val="000000"/>
+                </a:solidFill>
+                <a:latin typeface="Consolas" panose="020B0609020204030204" pitchFamily="49" charset="0"/>
+              </a:rPr>
+              <a:t>   at </a:t>
+            </a:r>
+            <a:r>
+              <a:rPr lang="en-US" dirty="0" err="1" smtClean="0">
+                <a:solidFill>
+                  <a:srgbClr val="000000"/>
+                </a:solidFill>
+                <a:latin typeface="Consolas" panose="020B0609020204030204" pitchFamily="49" charset="0"/>
+              </a:rPr>
+              <a:t>LinearGradientBrush</a:t>
+            </a:r>
+            <a:r>
+              <a:rPr lang="en-US" dirty="0">
+                <a:solidFill>
+                  <a:srgbClr val="000000"/>
+                </a:solidFill>
+                <a:latin typeface="Consolas" panose="020B0609020204030204" pitchFamily="49" charset="0"/>
+              </a:rPr>
+              <a:t>..</a:t>
+            </a:r>
+            <a:r>
+              <a:rPr lang="en-US" dirty="0" err="1">
+                <a:solidFill>
+                  <a:srgbClr val="000000"/>
+                </a:solidFill>
+                <a:latin typeface="Consolas" panose="020B0609020204030204" pitchFamily="49" charset="0"/>
+              </a:rPr>
+              <a:t>ctor</a:t>
+            </a:r>
+            <a:r>
+              <a:rPr lang="en-US" dirty="0">
+                <a:solidFill>
+                  <a:srgbClr val="000000"/>
+                </a:solidFill>
+                <a:latin typeface="Consolas" panose="020B0609020204030204" pitchFamily="49" charset="0"/>
+              </a:rPr>
+              <a:t>(Point </a:t>
+            </a:r>
+            <a:r>
+              <a:rPr lang="en-US" dirty="0" smtClean="0">
+                <a:solidFill>
+                  <a:srgbClr val="000000"/>
+                </a:solidFill>
+                <a:latin typeface="Consolas" panose="020B0609020204030204" pitchFamily="49" charset="0"/>
+              </a:rPr>
+              <a:t>p1, </a:t>
+            </a:r>
+            <a:r>
+              <a:rPr lang="en-US" dirty="0">
+                <a:solidFill>
+                  <a:srgbClr val="000000"/>
+                </a:solidFill>
+                <a:latin typeface="Consolas" panose="020B0609020204030204" pitchFamily="49" charset="0"/>
+              </a:rPr>
+              <a:t>Point </a:t>
+            </a:r>
+            <a:r>
+              <a:rPr lang="en-US" dirty="0" smtClean="0">
+                <a:solidFill>
+                  <a:srgbClr val="000000"/>
+                </a:solidFill>
+                <a:latin typeface="Consolas" panose="020B0609020204030204" pitchFamily="49" charset="0"/>
+              </a:rPr>
+              <a:t>p2</a:t>
+            </a:r>
+            <a:r>
+              <a:rPr lang="en-US" dirty="0">
+                <a:solidFill>
+                  <a:srgbClr val="000000"/>
+                </a:solidFill>
+                <a:latin typeface="Consolas" panose="020B0609020204030204" pitchFamily="49" charset="0"/>
+              </a:rPr>
+              <a:t>, Color </a:t>
+            </a:r>
+            <a:r>
+              <a:rPr lang="en-US" dirty="0" smtClean="0">
+                <a:solidFill>
+                  <a:srgbClr val="000000"/>
+                </a:solidFill>
+                <a:latin typeface="Consolas" panose="020B0609020204030204" pitchFamily="49" charset="0"/>
+              </a:rPr>
+              <a:t>c1</a:t>
+            </a:r>
+            <a:r>
+              <a:rPr lang="en-US" dirty="0">
+                <a:solidFill>
+                  <a:srgbClr val="000000"/>
+                </a:solidFill>
+                <a:latin typeface="Consolas" panose="020B0609020204030204" pitchFamily="49" charset="0"/>
+              </a:rPr>
+              <a:t>, Color </a:t>
+            </a:r>
+            <a:r>
+              <a:rPr lang="en-US" dirty="0" smtClean="0">
+                <a:solidFill>
+                  <a:srgbClr val="000000"/>
+                </a:solidFill>
+                <a:latin typeface="Consolas" panose="020B0609020204030204" pitchFamily="49" charset="0"/>
+              </a:rPr>
+              <a:t>c2</a:t>
+            </a:r>
+            <a:r>
+              <a:rPr lang="en-US" dirty="0">
+                <a:solidFill>
+                  <a:srgbClr val="000000"/>
+                </a:solidFill>
+                <a:latin typeface="Consolas" panose="020B0609020204030204" pitchFamily="49" charset="0"/>
+              </a:rPr>
+              <a:t>)</a:t>
+            </a:r>
+          </a:p>
+          <a:p>
+            <a:r>
+              <a:rPr lang="en-US" dirty="0">
+                <a:solidFill>
+                  <a:srgbClr val="000000"/>
+                </a:solidFill>
+                <a:latin typeface="Consolas" panose="020B0609020204030204" pitchFamily="49" charset="0"/>
+              </a:rPr>
+              <a:t>   at </a:t>
+            </a:r>
+            <a:r>
+              <a:rPr lang="en-US" dirty="0" err="1" smtClean="0">
+                <a:solidFill>
+                  <a:srgbClr val="000000"/>
+                </a:solidFill>
+                <a:latin typeface="Consolas" panose="020B0609020204030204" pitchFamily="49" charset="0"/>
+              </a:rPr>
+              <a:t>MyForm.OnPaint</a:t>
+            </a:r>
+            <a:r>
+              <a:rPr lang="en-US" dirty="0" smtClean="0">
+                <a:solidFill>
+                  <a:srgbClr val="000000"/>
+                </a:solidFill>
+                <a:latin typeface="Consolas" panose="020B0609020204030204" pitchFamily="49" charset="0"/>
+              </a:rPr>
+              <a:t>(</a:t>
+            </a:r>
+            <a:r>
+              <a:rPr lang="en-US" dirty="0" err="1" smtClean="0">
+                <a:solidFill>
+                  <a:srgbClr val="000000"/>
+                </a:solidFill>
+                <a:latin typeface="Consolas" panose="020B0609020204030204" pitchFamily="49" charset="0"/>
+              </a:rPr>
+              <a:t>PaintEventArgs</a:t>
+            </a:r>
+            <a:r>
+              <a:rPr lang="en-US" dirty="0" smtClean="0">
+                <a:solidFill>
+                  <a:srgbClr val="000000"/>
+                </a:solidFill>
+                <a:latin typeface="Consolas" panose="020B0609020204030204" pitchFamily="49" charset="0"/>
+              </a:rPr>
+              <a:t> </a:t>
+            </a:r>
+            <a:r>
+              <a:rPr lang="en-US" dirty="0">
+                <a:solidFill>
+                  <a:srgbClr val="000000"/>
+                </a:solidFill>
+                <a:latin typeface="Consolas" panose="020B0609020204030204" pitchFamily="49" charset="0"/>
+              </a:rPr>
+              <a:t>e) in c</a:t>
+            </a:r>
+            <a:r>
+              <a:rPr lang="en-US" dirty="0" smtClean="0">
+                <a:solidFill>
+                  <a:srgbClr val="000000"/>
+                </a:solidFill>
+                <a:latin typeface="Consolas" panose="020B0609020204030204" pitchFamily="49" charset="0"/>
+              </a:rPr>
+              <a:t>:\...\</a:t>
+            </a:r>
+            <a:r>
+              <a:rPr lang="en-US" dirty="0">
+                <a:solidFill>
+                  <a:srgbClr val="000000"/>
+                </a:solidFill>
+                <a:latin typeface="Consolas" panose="020B0609020204030204" pitchFamily="49" charset="0"/>
+              </a:rPr>
+              <a:t>UnitTest1.cs:line 64</a:t>
+            </a:r>
+          </a:p>
+          <a:p>
+            <a:r>
+              <a:rPr lang="en-US" dirty="0">
+                <a:solidFill>
+                  <a:srgbClr val="000000"/>
+                </a:solidFill>
+                <a:latin typeface="Consolas" panose="020B0609020204030204" pitchFamily="49" charset="0"/>
+              </a:rPr>
+              <a:t>   at </a:t>
+            </a:r>
+            <a:r>
+              <a:rPr lang="en-US" dirty="0" err="1" smtClean="0">
+                <a:solidFill>
+                  <a:srgbClr val="000000"/>
+                </a:solidFill>
+                <a:latin typeface="Consolas" panose="020B0609020204030204" pitchFamily="49" charset="0"/>
+              </a:rPr>
+              <a:t>Control.PaintWithErrorHandling</a:t>
+            </a:r>
+            <a:r>
+              <a:rPr lang="en-US" dirty="0" smtClean="0">
+                <a:solidFill>
+                  <a:srgbClr val="000000"/>
+                </a:solidFill>
+                <a:latin typeface="Consolas" panose="020B0609020204030204" pitchFamily="49" charset="0"/>
+              </a:rPr>
+              <a:t>(</a:t>
+            </a:r>
+            <a:r>
+              <a:rPr lang="en-US" dirty="0" err="1" smtClean="0">
+                <a:solidFill>
+                  <a:srgbClr val="000000"/>
+                </a:solidFill>
+                <a:latin typeface="Consolas" panose="020B0609020204030204" pitchFamily="49" charset="0"/>
+              </a:rPr>
+              <a:t>PaintEventArgs</a:t>
+            </a:r>
+            <a:r>
+              <a:rPr lang="en-US" dirty="0" smtClean="0">
+                <a:solidFill>
+                  <a:srgbClr val="000000"/>
+                </a:solidFill>
+                <a:latin typeface="Consolas" panose="020B0609020204030204" pitchFamily="49" charset="0"/>
+              </a:rPr>
+              <a:t> </a:t>
+            </a:r>
+            <a:r>
+              <a:rPr lang="en-US" dirty="0">
+                <a:solidFill>
+                  <a:srgbClr val="000000"/>
+                </a:solidFill>
+                <a:latin typeface="Consolas" panose="020B0609020204030204" pitchFamily="49" charset="0"/>
+              </a:rPr>
+              <a:t>e, Int16 layer)</a:t>
+            </a:r>
+          </a:p>
+          <a:p>
+            <a:r>
+              <a:rPr lang="en-US" dirty="0">
+                <a:solidFill>
+                  <a:srgbClr val="000000"/>
+                </a:solidFill>
+                <a:latin typeface="Consolas" panose="020B0609020204030204" pitchFamily="49" charset="0"/>
+              </a:rPr>
+              <a:t>   at </a:t>
+            </a:r>
+            <a:r>
+              <a:rPr lang="en-US" dirty="0" err="1" smtClean="0">
+                <a:solidFill>
+                  <a:srgbClr val="000000"/>
+                </a:solidFill>
+                <a:latin typeface="Consolas" panose="020B0609020204030204" pitchFamily="49" charset="0"/>
+              </a:rPr>
+              <a:t>Control.OnPrint</a:t>
+            </a:r>
+            <a:r>
+              <a:rPr lang="en-US" dirty="0" smtClean="0">
+                <a:solidFill>
+                  <a:srgbClr val="000000"/>
+                </a:solidFill>
+                <a:latin typeface="Consolas" panose="020B0609020204030204" pitchFamily="49" charset="0"/>
+              </a:rPr>
+              <a:t>(</a:t>
+            </a:r>
+            <a:r>
+              <a:rPr lang="en-US" dirty="0" err="1" smtClean="0">
+                <a:solidFill>
+                  <a:srgbClr val="000000"/>
+                </a:solidFill>
+                <a:latin typeface="Consolas" panose="020B0609020204030204" pitchFamily="49" charset="0"/>
+              </a:rPr>
+              <a:t>PaintEventArgs</a:t>
+            </a:r>
+            <a:r>
+              <a:rPr lang="en-US" dirty="0" smtClean="0">
+                <a:solidFill>
+                  <a:srgbClr val="000000"/>
+                </a:solidFill>
+                <a:latin typeface="Consolas" panose="020B0609020204030204" pitchFamily="49" charset="0"/>
+              </a:rPr>
+              <a:t> </a:t>
+            </a:r>
+            <a:r>
+              <a:rPr lang="en-US" dirty="0">
+                <a:solidFill>
+                  <a:srgbClr val="000000"/>
+                </a:solidFill>
+                <a:latin typeface="Consolas" panose="020B0609020204030204" pitchFamily="49" charset="0"/>
+              </a:rPr>
+              <a:t>e)</a:t>
+            </a:r>
+            <a:endParaRPr lang="en-US" dirty="0">
+              <a:solidFill>
+                <a:srgbClr val="000000"/>
+              </a:solidFill>
+              <a:latin typeface="Calibri" panose="020F0502020204030204" pitchFamily="34" charset="0"/>
+            </a:endParaRPr>
+          </a:p>
+        </p:txBody>
+      </p:sp>
+      <p:sp>
+        <p:nvSpPr>
+          <p:cNvPr id="7" name="TextBox 6"/>
+          <p:cNvSpPr txBox="1"/>
+          <p:nvPr/>
+        </p:nvSpPr>
+        <p:spPr>
+          <a:xfrm>
+            <a:off x="146387" y="3644804"/>
+            <a:ext cx="2657331" cy="2154436"/>
+          </a:xfrm>
+          <a:prstGeom prst="rect">
+            <a:avLst/>
+          </a:prstGeom>
+          <a:noFill/>
+          <a:ln>
+            <a:solidFill>
+              <a:schemeClr val="accent1"/>
+            </a:solidFill>
+          </a:ln>
+        </p:spPr>
+        <p:txBody>
+          <a:bodyPr wrap="none" rtlCol="0">
+            <a:spAutoFit/>
+          </a:bodyPr>
+          <a:lstStyle/>
+          <a:p>
+            <a:r>
+              <a:rPr lang="en-US" sz="2200" dirty="0" smtClean="0"/>
+              <a:t>What </a:t>
+            </a:r>
+            <a:r>
+              <a:rPr lang="en-US" sz="2200" dirty="0" smtClean="0"/>
+              <a:t>went wrong?</a:t>
+            </a:r>
+            <a:endParaRPr lang="en-US" sz="2200" dirty="0" smtClean="0"/>
+          </a:p>
+          <a:p>
+            <a:r>
+              <a:rPr lang="en-US" sz="2200" b="1" dirty="0" smtClean="0">
+                <a:solidFill>
+                  <a:srgbClr val="FF0000"/>
+                </a:solidFill>
+              </a:rPr>
+              <a:t>A) </a:t>
+            </a:r>
+            <a:r>
+              <a:rPr lang="en-US" sz="2200" dirty="0" smtClean="0"/>
+              <a:t>10,000 rectangles</a:t>
+            </a:r>
+            <a:endParaRPr lang="en-US" sz="2200" dirty="0" smtClean="0"/>
+          </a:p>
+          <a:p>
+            <a:r>
+              <a:rPr lang="en-US" sz="2200" b="1" dirty="0" smtClean="0">
+                <a:solidFill>
+                  <a:srgbClr val="FFC000"/>
+                </a:solidFill>
+              </a:rPr>
+              <a:t>B) </a:t>
+            </a:r>
+            <a:r>
+              <a:rPr lang="en-US" sz="2200" dirty="0" smtClean="0"/>
+              <a:t>Brush too big</a:t>
+            </a:r>
+          </a:p>
+          <a:p>
+            <a:r>
+              <a:rPr lang="en-US" sz="2200" b="1" dirty="0" smtClean="0">
+                <a:solidFill>
+                  <a:schemeClr val="accent2"/>
+                </a:solidFill>
+              </a:rPr>
+              <a:t>C)</a:t>
+            </a:r>
+            <a:r>
+              <a:rPr lang="en-US" sz="2200" dirty="0" smtClean="0">
+                <a:solidFill>
+                  <a:schemeClr val="accent2"/>
+                </a:solidFill>
+              </a:rPr>
+              <a:t> </a:t>
+            </a:r>
+            <a:r>
+              <a:rPr lang="en-US" sz="2200" dirty="0" smtClean="0"/>
+              <a:t>Garbage Collection</a:t>
+            </a:r>
+            <a:endParaRPr lang="en-US" sz="2200" dirty="0" smtClean="0"/>
+          </a:p>
+          <a:p>
+            <a:r>
+              <a:rPr lang="en-US" sz="2200" b="1" dirty="0" smtClean="0">
+                <a:solidFill>
+                  <a:srgbClr val="00B050"/>
+                </a:solidFill>
+              </a:rPr>
+              <a:t>D</a:t>
+            </a:r>
+            <a:r>
+              <a:rPr lang="en-US" sz="2200" b="1" dirty="0" smtClean="0">
+                <a:solidFill>
+                  <a:srgbClr val="00B050"/>
+                </a:solidFill>
+              </a:rPr>
+              <a:t>) </a:t>
+            </a:r>
+            <a:r>
+              <a:rPr lang="en-US" sz="2200" dirty="0" smtClean="0"/>
+              <a:t>Other</a:t>
+            </a:r>
+            <a:endParaRPr lang="en-US" sz="2200" dirty="0" smtClean="0"/>
+          </a:p>
+          <a:p>
+            <a:endParaRPr lang="en-US" sz="2400" dirty="0"/>
+          </a:p>
+        </p:txBody>
+      </p:sp>
+      <p:sp>
+        <p:nvSpPr>
+          <p:cNvPr id="8" name="Rectangle 7"/>
+          <p:cNvSpPr/>
+          <p:nvPr/>
+        </p:nvSpPr>
+        <p:spPr>
+          <a:xfrm>
+            <a:off x="479520" y="377047"/>
+            <a:ext cx="11712479" cy="2862322"/>
+          </a:xfrm>
+          <a:prstGeom prst="rect">
+            <a:avLst/>
+          </a:prstGeom>
+        </p:spPr>
+        <p:txBody>
+          <a:bodyPr wrap="square">
+            <a:spAutoFit/>
+          </a:bodyPr>
+          <a:lstStyle/>
+          <a:p>
+            <a:r>
+              <a:rPr lang="nn-NO" dirty="0">
+                <a:solidFill>
+                  <a:srgbClr val="0000FF"/>
+                </a:solidFill>
+                <a:highlight>
+                  <a:srgbClr val="FFFFFF"/>
+                </a:highlight>
+                <a:latin typeface="Consolas" panose="020B0609020204030204" pitchFamily="49" charset="0"/>
+              </a:rPr>
+              <a:t>for</a:t>
+            </a:r>
+            <a:r>
+              <a:rPr lang="nn-NO" dirty="0">
+                <a:solidFill>
+                  <a:srgbClr val="000000"/>
+                </a:solidFill>
+                <a:highlight>
+                  <a:srgbClr val="FFFFFF"/>
+                </a:highlight>
+                <a:latin typeface="Consolas" panose="020B0609020204030204" pitchFamily="49" charset="0"/>
+              </a:rPr>
+              <a:t> (</a:t>
+            </a:r>
+            <a:r>
+              <a:rPr lang="nn-NO" dirty="0">
+                <a:solidFill>
+                  <a:srgbClr val="0000FF"/>
+                </a:solidFill>
+                <a:highlight>
+                  <a:srgbClr val="FFFFFF"/>
+                </a:highlight>
+                <a:latin typeface="Consolas" panose="020B0609020204030204" pitchFamily="49" charset="0"/>
+              </a:rPr>
+              <a:t>var</a:t>
+            </a:r>
+            <a:r>
+              <a:rPr lang="nn-NO" dirty="0">
+                <a:solidFill>
+                  <a:srgbClr val="000000"/>
+                </a:solidFill>
+                <a:highlight>
+                  <a:srgbClr val="FFFFFF"/>
+                </a:highlight>
+                <a:latin typeface="Consolas" panose="020B0609020204030204" pitchFamily="49" charset="0"/>
+              </a:rPr>
+              <a:t> i = 0; i &lt; 10000; i++)</a:t>
+            </a:r>
+          </a:p>
+          <a:p>
+            <a:r>
+              <a:rPr lang="en-US" dirty="0">
+                <a:solidFill>
+                  <a:srgbClr val="000000"/>
+                </a:solidFill>
+                <a:highlight>
+                  <a:srgbClr val="FFFFFF"/>
+                </a:highlight>
+                <a:latin typeface="Consolas" panose="020B0609020204030204" pitchFamily="49" charset="0"/>
+              </a:rPr>
+              <a:t>{</a:t>
+            </a:r>
+          </a:p>
+          <a:p>
+            <a:r>
+              <a:rPr lang="en-US" dirty="0">
+                <a:solidFill>
+                  <a:srgbClr val="000000"/>
+                </a:solidFill>
+                <a:highlight>
+                  <a:srgbClr val="FFFFFF"/>
+                </a:highlight>
+                <a:latin typeface="Consolas" panose="020B0609020204030204" pitchFamily="49" charset="0"/>
+              </a:rPr>
+              <a:t>    </a:t>
+            </a:r>
+            <a:r>
+              <a:rPr lang="en-US" dirty="0" err="1">
+                <a:solidFill>
+                  <a:srgbClr val="0000FF"/>
+                </a:solidFill>
+                <a:highlight>
+                  <a:srgbClr val="FFFFFF"/>
+                </a:highlight>
+                <a:latin typeface="Consolas" panose="020B0609020204030204" pitchFamily="49" charset="0"/>
+              </a:rPr>
+              <a:t>int</a:t>
+            </a:r>
+            <a:r>
+              <a:rPr lang="en-US" dirty="0">
+                <a:solidFill>
+                  <a:srgbClr val="000000"/>
+                </a:solidFill>
+                <a:highlight>
+                  <a:srgbClr val="FFFFFF"/>
+                </a:highlight>
+                <a:latin typeface="Consolas" panose="020B0609020204030204" pitchFamily="49" charset="0"/>
+              </a:rPr>
+              <a:t> w = </a:t>
+            </a:r>
+            <a:r>
+              <a:rPr lang="en-US" dirty="0" err="1">
+                <a:solidFill>
+                  <a:srgbClr val="000000"/>
+                </a:solidFill>
+                <a:highlight>
+                  <a:srgbClr val="FFFFFF"/>
+                </a:highlight>
+                <a:latin typeface="Consolas" panose="020B0609020204030204" pitchFamily="49" charset="0"/>
+              </a:rPr>
+              <a:t>random.Next</a:t>
+            </a:r>
+            <a:r>
+              <a:rPr lang="en-US" dirty="0">
+                <a:solidFill>
+                  <a:srgbClr val="000000"/>
+                </a:solidFill>
+                <a:highlight>
+                  <a:srgbClr val="FFFFFF"/>
+                </a:highlight>
+                <a:latin typeface="Consolas" panose="020B0609020204030204" pitchFamily="49" charset="0"/>
+              </a:rPr>
+              <a:t>(</a:t>
+            </a:r>
+            <a:r>
+              <a:rPr lang="en-US" dirty="0" err="1">
+                <a:solidFill>
+                  <a:srgbClr val="0000FF"/>
+                </a:solidFill>
+                <a:highlight>
+                  <a:srgbClr val="FFFFFF"/>
+                </a:highlight>
+                <a:latin typeface="Consolas" panose="020B0609020204030204" pitchFamily="49" charset="0"/>
+              </a:rPr>
+              <a:t>this</a:t>
+            </a:r>
+            <a:r>
+              <a:rPr lang="en-US" dirty="0" err="1">
+                <a:solidFill>
+                  <a:srgbClr val="000000"/>
+                </a:solidFill>
+                <a:highlight>
+                  <a:srgbClr val="FFFFFF"/>
+                </a:highlight>
+                <a:latin typeface="Consolas" panose="020B0609020204030204" pitchFamily="49" charset="0"/>
+              </a:rPr>
+              <a:t>.Width</a:t>
+            </a:r>
+            <a:r>
+              <a:rPr lang="en-US" dirty="0">
+                <a:solidFill>
+                  <a:srgbClr val="000000"/>
+                </a:solidFill>
+                <a:highlight>
+                  <a:srgbClr val="FFFFFF"/>
+                </a:highlight>
+                <a:latin typeface="Consolas" panose="020B0609020204030204" pitchFamily="49" charset="0"/>
+              </a:rPr>
+              <a:t>);</a:t>
+            </a:r>
+          </a:p>
+          <a:p>
+            <a:r>
+              <a:rPr lang="en-US" dirty="0">
+                <a:solidFill>
+                  <a:srgbClr val="000000"/>
+                </a:solidFill>
+                <a:highlight>
+                  <a:srgbClr val="FFFFFF"/>
+                </a:highlight>
+                <a:latin typeface="Consolas" panose="020B0609020204030204" pitchFamily="49" charset="0"/>
+              </a:rPr>
+              <a:t>    </a:t>
+            </a:r>
+            <a:r>
+              <a:rPr lang="en-US" dirty="0" err="1">
+                <a:solidFill>
+                  <a:srgbClr val="0000FF"/>
+                </a:solidFill>
+                <a:highlight>
+                  <a:srgbClr val="FFFFFF"/>
+                </a:highlight>
+                <a:latin typeface="Consolas" panose="020B0609020204030204" pitchFamily="49" charset="0"/>
+              </a:rPr>
+              <a:t>int</a:t>
+            </a:r>
+            <a:r>
+              <a:rPr lang="en-US" dirty="0">
+                <a:solidFill>
+                  <a:srgbClr val="000000"/>
+                </a:solidFill>
+                <a:highlight>
+                  <a:srgbClr val="FFFFFF"/>
+                </a:highlight>
+                <a:latin typeface="Consolas" panose="020B0609020204030204" pitchFamily="49" charset="0"/>
+              </a:rPr>
+              <a:t> h = </a:t>
+            </a:r>
+            <a:r>
+              <a:rPr lang="en-US" dirty="0" err="1">
+                <a:solidFill>
+                  <a:srgbClr val="000000"/>
+                </a:solidFill>
+                <a:highlight>
+                  <a:srgbClr val="FFFFFF"/>
+                </a:highlight>
+                <a:latin typeface="Consolas" panose="020B0609020204030204" pitchFamily="49" charset="0"/>
+              </a:rPr>
+              <a:t>random.Next</a:t>
+            </a:r>
+            <a:r>
+              <a:rPr lang="en-US" dirty="0">
+                <a:solidFill>
+                  <a:srgbClr val="000000"/>
+                </a:solidFill>
+                <a:highlight>
+                  <a:srgbClr val="FFFFFF"/>
+                </a:highlight>
+                <a:latin typeface="Consolas" panose="020B0609020204030204" pitchFamily="49" charset="0"/>
+              </a:rPr>
+              <a:t>(</a:t>
+            </a:r>
+            <a:r>
+              <a:rPr lang="en-US" dirty="0" err="1">
+                <a:solidFill>
+                  <a:srgbClr val="0000FF"/>
+                </a:solidFill>
+                <a:highlight>
+                  <a:srgbClr val="FFFFFF"/>
+                </a:highlight>
+                <a:latin typeface="Consolas" panose="020B0609020204030204" pitchFamily="49" charset="0"/>
+              </a:rPr>
+              <a:t>this</a:t>
+            </a:r>
+            <a:r>
+              <a:rPr lang="en-US" dirty="0" err="1">
+                <a:solidFill>
+                  <a:srgbClr val="000000"/>
+                </a:solidFill>
+                <a:highlight>
+                  <a:srgbClr val="FFFFFF"/>
+                </a:highlight>
+                <a:latin typeface="Consolas" panose="020B0609020204030204" pitchFamily="49" charset="0"/>
+              </a:rPr>
+              <a:t>.Height</a:t>
+            </a:r>
+            <a:r>
+              <a:rPr lang="en-US" dirty="0">
+                <a:solidFill>
+                  <a:srgbClr val="000000"/>
+                </a:solidFill>
+                <a:highlight>
+                  <a:srgbClr val="FFFFFF"/>
+                </a:highlight>
+                <a:latin typeface="Consolas" panose="020B0609020204030204" pitchFamily="49" charset="0"/>
+              </a:rPr>
+              <a:t>);</a:t>
+            </a:r>
+          </a:p>
+          <a:p>
+            <a:r>
+              <a:rPr lang="en-US" dirty="0">
+                <a:solidFill>
+                  <a:srgbClr val="000000"/>
+                </a:solidFill>
+                <a:highlight>
+                  <a:srgbClr val="FFFFFF"/>
+                </a:highlight>
+                <a:latin typeface="Consolas" panose="020B0609020204030204" pitchFamily="49" charset="0"/>
+              </a:rPr>
+              <a:t>    </a:t>
+            </a:r>
+            <a:r>
+              <a:rPr lang="en-US" dirty="0" err="1">
+                <a:solidFill>
+                  <a:srgbClr val="0000FF"/>
+                </a:solidFill>
+                <a:highlight>
+                  <a:srgbClr val="FFFFFF"/>
+                </a:highlight>
+                <a:latin typeface="Consolas" panose="020B0609020204030204" pitchFamily="49" charset="0"/>
+              </a:rPr>
+              <a:t>var</a:t>
+            </a:r>
+            <a:r>
+              <a:rPr lang="en-US" dirty="0">
+                <a:solidFill>
+                  <a:srgbClr val="000000"/>
+                </a:solidFill>
+                <a:highlight>
+                  <a:srgbClr val="FFFFFF"/>
+                </a:highlight>
+                <a:latin typeface="Consolas" panose="020B0609020204030204" pitchFamily="49" charset="0"/>
+              </a:rPr>
+              <a:t> start = </a:t>
+            </a:r>
+            <a:r>
+              <a:rPr lang="en-US" dirty="0">
+                <a:solidFill>
+                  <a:srgbClr val="0000FF"/>
+                </a:solidFill>
+                <a:highlight>
+                  <a:srgbClr val="FFFFFF"/>
+                </a:highlight>
+                <a:latin typeface="Consolas" panose="020B0609020204030204" pitchFamily="49" charset="0"/>
+              </a:rPr>
+              <a:t>new</a:t>
+            </a:r>
+            <a:r>
+              <a:rPr lang="en-US" dirty="0">
+                <a:solidFill>
+                  <a:srgbClr val="000000"/>
+                </a:solidFill>
+                <a:highlight>
+                  <a:srgbClr val="FFFFFF"/>
+                </a:highlight>
+                <a:latin typeface="Consolas" panose="020B0609020204030204" pitchFamily="49" charset="0"/>
+              </a:rPr>
+              <a:t> </a:t>
+            </a:r>
+            <a:r>
+              <a:rPr lang="en-US" dirty="0">
+                <a:solidFill>
+                  <a:srgbClr val="2B91AF"/>
+                </a:solidFill>
+                <a:highlight>
+                  <a:srgbClr val="FFFFFF"/>
+                </a:highlight>
+                <a:latin typeface="Consolas" panose="020B0609020204030204" pitchFamily="49" charset="0"/>
+              </a:rPr>
+              <a:t>Point</a:t>
+            </a:r>
+            <a:r>
+              <a:rPr lang="en-US" dirty="0">
+                <a:solidFill>
+                  <a:srgbClr val="000000"/>
+                </a:solidFill>
+                <a:highlight>
+                  <a:srgbClr val="FFFFFF"/>
+                </a:highlight>
+                <a:latin typeface="Consolas" panose="020B0609020204030204" pitchFamily="49" charset="0"/>
+              </a:rPr>
+              <a:t>(0, 0);</a:t>
+            </a:r>
+          </a:p>
+          <a:p>
+            <a:r>
+              <a:rPr lang="en-US" dirty="0">
+                <a:solidFill>
+                  <a:srgbClr val="000000"/>
+                </a:solidFill>
+                <a:highlight>
+                  <a:srgbClr val="FFFFFF"/>
+                </a:highlight>
+                <a:latin typeface="Consolas" panose="020B0609020204030204" pitchFamily="49" charset="0"/>
+              </a:rPr>
+              <a:t>    </a:t>
+            </a:r>
+            <a:r>
+              <a:rPr lang="en-US" dirty="0" err="1">
+                <a:solidFill>
+                  <a:srgbClr val="0000FF"/>
+                </a:solidFill>
+                <a:highlight>
+                  <a:srgbClr val="FFFFFF"/>
+                </a:highlight>
+                <a:latin typeface="Consolas" panose="020B0609020204030204" pitchFamily="49" charset="0"/>
+              </a:rPr>
+              <a:t>var</a:t>
+            </a:r>
+            <a:r>
+              <a:rPr lang="en-US" dirty="0">
+                <a:solidFill>
+                  <a:srgbClr val="000000"/>
+                </a:solidFill>
+                <a:highlight>
+                  <a:srgbClr val="FFFFFF"/>
+                </a:highlight>
+                <a:latin typeface="Consolas" panose="020B0609020204030204" pitchFamily="49" charset="0"/>
+              </a:rPr>
+              <a:t> end = </a:t>
+            </a:r>
+            <a:r>
+              <a:rPr lang="en-US" dirty="0">
+                <a:solidFill>
+                  <a:srgbClr val="0000FF"/>
+                </a:solidFill>
+                <a:highlight>
+                  <a:srgbClr val="FFFFFF"/>
+                </a:highlight>
+                <a:latin typeface="Consolas" panose="020B0609020204030204" pitchFamily="49" charset="0"/>
+              </a:rPr>
+              <a:t>new</a:t>
+            </a:r>
+            <a:r>
+              <a:rPr lang="en-US" dirty="0">
+                <a:solidFill>
+                  <a:srgbClr val="000000"/>
+                </a:solidFill>
+                <a:highlight>
+                  <a:srgbClr val="FFFFFF"/>
+                </a:highlight>
+                <a:latin typeface="Consolas" panose="020B0609020204030204" pitchFamily="49" charset="0"/>
+              </a:rPr>
+              <a:t> </a:t>
+            </a:r>
+            <a:r>
+              <a:rPr lang="en-US" dirty="0">
+                <a:solidFill>
+                  <a:srgbClr val="2B91AF"/>
+                </a:solidFill>
+                <a:highlight>
+                  <a:srgbClr val="FFFFFF"/>
+                </a:highlight>
+                <a:latin typeface="Consolas" panose="020B0609020204030204" pitchFamily="49" charset="0"/>
+              </a:rPr>
+              <a:t>Point</a:t>
+            </a:r>
+            <a:r>
+              <a:rPr lang="en-US" dirty="0">
+                <a:solidFill>
+                  <a:srgbClr val="000000"/>
+                </a:solidFill>
+                <a:highlight>
+                  <a:srgbClr val="FFFFFF"/>
+                </a:highlight>
+                <a:latin typeface="Consolas" panose="020B0609020204030204" pitchFamily="49" charset="0"/>
+              </a:rPr>
+              <a:t>(w, h);</a:t>
+            </a:r>
+          </a:p>
+          <a:p>
+            <a:r>
+              <a:rPr lang="en-US" dirty="0">
+                <a:solidFill>
+                  <a:srgbClr val="000000"/>
+                </a:solidFill>
+                <a:highlight>
+                  <a:srgbClr val="FFFFFF"/>
+                </a:highlight>
+                <a:latin typeface="Consolas" panose="020B0609020204030204" pitchFamily="49" charset="0"/>
+              </a:rPr>
+              <a:t>    </a:t>
+            </a:r>
+            <a:r>
+              <a:rPr lang="en-US" dirty="0" err="1">
+                <a:solidFill>
+                  <a:srgbClr val="0000FF"/>
+                </a:solidFill>
+                <a:highlight>
+                  <a:srgbClr val="FFFFFF"/>
+                </a:highlight>
+                <a:latin typeface="Consolas" panose="020B0609020204030204" pitchFamily="49" charset="0"/>
+              </a:rPr>
+              <a:t>var</a:t>
+            </a:r>
+            <a:r>
+              <a:rPr lang="en-US" dirty="0">
+                <a:solidFill>
+                  <a:srgbClr val="000000"/>
+                </a:solidFill>
+                <a:highlight>
+                  <a:srgbClr val="FFFFFF"/>
+                </a:highlight>
+                <a:latin typeface="Consolas" panose="020B0609020204030204" pitchFamily="49" charset="0"/>
+              </a:rPr>
+              <a:t> b = </a:t>
+            </a:r>
+            <a:r>
+              <a:rPr lang="en-US" dirty="0">
+                <a:solidFill>
+                  <a:srgbClr val="0000FF"/>
+                </a:solidFill>
+                <a:highlight>
+                  <a:srgbClr val="FFFFFF"/>
+                </a:highlight>
+                <a:latin typeface="Consolas" panose="020B0609020204030204" pitchFamily="49" charset="0"/>
+              </a:rPr>
+              <a:t>new</a:t>
+            </a:r>
+            <a:r>
+              <a:rPr lang="en-US" dirty="0">
+                <a:solidFill>
+                  <a:srgbClr val="000000"/>
+                </a:solidFill>
+                <a:highlight>
+                  <a:srgbClr val="FFFFFF"/>
+                </a:highlight>
+                <a:latin typeface="Consolas" panose="020B0609020204030204" pitchFamily="49" charset="0"/>
+              </a:rPr>
+              <a:t> </a:t>
+            </a:r>
+            <a:r>
+              <a:rPr lang="en-US" dirty="0" err="1">
+                <a:solidFill>
+                  <a:srgbClr val="2B91AF"/>
+                </a:solidFill>
+                <a:highlight>
+                  <a:srgbClr val="FFFFFF"/>
+                </a:highlight>
+                <a:latin typeface="Consolas" panose="020B0609020204030204" pitchFamily="49" charset="0"/>
+              </a:rPr>
+              <a:t>LinearGradientBrush</a:t>
+            </a:r>
+            <a:r>
+              <a:rPr lang="en-US" dirty="0">
+                <a:solidFill>
+                  <a:srgbClr val="000000"/>
+                </a:solidFill>
+                <a:highlight>
+                  <a:srgbClr val="FFFFFF"/>
+                </a:highlight>
+                <a:latin typeface="Consolas" panose="020B0609020204030204" pitchFamily="49" charset="0"/>
+              </a:rPr>
+              <a:t>(start, end, </a:t>
+            </a:r>
+            <a:r>
+              <a:rPr lang="en-US" dirty="0" err="1">
+                <a:solidFill>
+                  <a:srgbClr val="2B91AF"/>
+                </a:solidFill>
+                <a:highlight>
+                  <a:srgbClr val="FFFFFF"/>
+                </a:highlight>
+                <a:latin typeface="Consolas" panose="020B0609020204030204" pitchFamily="49" charset="0"/>
+              </a:rPr>
+              <a:t>Color</a:t>
+            </a:r>
+            <a:r>
+              <a:rPr lang="en-US" dirty="0" err="1">
+                <a:solidFill>
+                  <a:srgbClr val="000000"/>
+                </a:solidFill>
+                <a:highlight>
+                  <a:srgbClr val="FFFFFF"/>
+                </a:highlight>
+                <a:latin typeface="Consolas" panose="020B0609020204030204" pitchFamily="49" charset="0"/>
+              </a:rPr>
+              <a:t>.Red</a:t>
+            </a:r>
+            <a:r>
+              <a:rPr lang="en-US" dirty="0">
+                <a:solidFill>
+                  <a:srgbClr val="000000"/>
+                </a:solidFill>
+                <a:highlight>
+                  <a:srgbClr val="FFFFFF"/>
+                </a:highlight>
+                <a:latin typeface="Consolas" panose="020B0609020204030204" pitchFamily="49" charset="0"/>
+              </a:rPr>
+              <a:t>, </a:t>
+            </a:r>
+            <a:r>
+              <a:rPr lang="en-US" dirty="0" err="1">
+                <a:solidFill>
+                  <a:srgbClr val="2B91AF"/>
+                </a:solidFill>
+                <a:highlight>
+                  <a:srgbClr val="FFFFFF"/>
+                </a:highlight>
+                <a:latin typeface="Consolas" panose="020B0609020204030204" pitchFamily="49" charset="0"/>
+              </a:rPr>
+              <a:t>Color</a:t>
+            </a:r>
+            <a:r>
+              <a:rPr lang="en-US" dirty="0" err="1">
+                <a:solidFill>
+                  <a:srgbClr val="000000"/>
+                </a:solidFill>
+                <a:highlight>
+                  <a:srgbClr val="FFFFFF"/>
+                </a:highlight>
+                <a:latin typeface="Consolas" panose="020B0609020204030204" pitchFamily="49" charset="0"/>
+              </a:rPr>
+              <a:t>.Blue</a:t>
+            </a:r>
+            <a:r>
+              <a:rPr lang="en-US" dirty="0">
+                <a:solidFill>
+                  <a:srgbClr val="000000"/>
+                </a:solidFill>
+                <a:highlight>
+                  <a:srgbClr val="FFFFFF"/>
+                </a:highlight>
+                <a:latin typeface="Consolas" panose="020B0609020204030204" pitchFamily="49" charset="0"/>
+              </a:rPr>
+              <a:t>);</a:t>
+            </a:r>
+          </a:p>
+          <a:p>
+            <a:r>
+              <a:rPr lang="en-US" dirty="0">
+                <a:solidFill>
+                  <a:srgbClr val="000000"/>
+                </a:solidFill>
+                <a:highlight>
+                  <a:srgbClr val="FFFFFF"/>
+                </a:highlight>
+                <a:latin typeface="Consolas" panose="020B0609020204030204" pitchFamily="49" charset="0"/>
+              </a:rPr>
+              <a:t>    </a:t>
+            </a:r>
+            <a:r>
+              <a:rPr lang="en-US" dirty="0" err="1">
+                <a:solidFill>
+                  <a:srgbClr val="0000FF"/>
+                </a:solidFill>
+                <a:highlight>
+                  <a:srgbClr val="FFFFFF"/>
+                </a:highlight>
+                <a:latin typeface="Consolas" panose="020B0609020204030204" pitchFamily="49" charset="0"/>
+              </a:rPr>
+              <a:t>var</a:t>
+            </a:r>
+            <a:r>
+              <a:rPr lang="en-US" dirty="0">
+                <a:solidFill>
+                  <a:srgbClr val="000000"/>
+                </a:solidFill>
+                <a:highlight>
+                  <a:srgbClr val="FFFFFF"/>
+                </a:highlight>
+                <a:latin typeface="Consolas" panose="020B0609020204030204" pitchFamily="49" charset="0"/>
+              </a:rPr>
+              <a:t> </a:t>
+            </a:r>
+            <a:r>
+              <a:rPr lang="en-US" dirty="0" err="1">
+                <a:solidFill>
+                  <a:srgbClr val="000000"/>
+                </a:solidFill>
+                <a:highlight>
+                  <a:srgbClr val="FFFFFF"/>
+                </a:highlight>
+                <a:latin typeface="Consolas" panose="020B0609020204030204" pitchFamily="49" charset="0"/>
+              </a:rPr>
+              <a:t>rect</a:t>
+            </a:r>
+            <a:r>
+              <a:rPr lang="en-US" dirty="0">
+                <a:solidFill>
+                  <a:srgbClr val="000000"/>
+                </a:solidFill>
+                <a:highlight>
+                  <a:srgbClr val="FFFFFF"/>
+                </a:highlight>
+                <a:latin typeface="Consolas" panose="020B0609020204030204" pitchFamily="49" charset="0"/>
+              </a:rPr>
+              <a:t> = </a:t>
+            </a:r>
+            <a:r>
+              <a:rPr lang="en-US" dirty="0">
+                <a:solidFill>
+                  <a:srgbClr val="0000FF"/>
+                </a:solidFill>
+                <a:highlight>
+                  <a:srgbClr val="FFFFFF"/>
+                </a:highlight>
+                <a:latin typeface="Consolas" panose="020B0609020204030204" pitchFamily="49" charset="0"/>
+              </a:rPr>
+              <a:t>new</a:t>
+            </a:r>
+            <a:r>
+              <a:rPr lang="en-US" dirty="0">
+                <a:solidFill>
+                  <a:srgbClr val="000000"/>
+                </a:solidFill>
+                <a:highlight>
+                  <a:srgbClr val="FFFFFF"/>
+                </a:highlight>
+                <a:latin typeface="Consolas" panose="020B0609020204030204" pitchFamily="49" charset="0"/>
+              </a:rPr>
+              <a:t> </a:t>
+            </a:r>
+            <a:r>
+              <a:rPr lang="en-US" dirty="0">
+                <a:solidFill>
+                  <a:srgbClr val="2B91AF"/>
+                </a:solidFill>
+                <a:highlight>
+                  <a:srgbClr val="FFFFFF"/>
+                </a:highlight>
+                <a:latin typeface="Consolas" panose="020B0609020204030204" pitchFamily="49" charset="0"/>
+              </a:rPr>
+              <a:t>Rectangle</a:t>
+            </a:r>
+            <a:r>
+              <a:rPr lang="en-US" dirty="0">
+                <a:solidFill>
+                  <a:srgbClr val="000000"/>
+                </a:solidFill>
+                <a:highlight>
+                  <a:srgbClr val="FFFFFF"/>
+                </a:highlight>
+                <a:latin typeface="Consolas" panose="020B0609020204030204" pitchFamily="49" charset="0"/>
+              </a:rPr>
+              <a:t>(</a:t>
+            </a:r>
+            <a:r>
+              <a:rPr lang="en-US" dirty="0" err="1">
+                <a:solidFill>
+                  <a:srgbClr val="000000"/>
+                </a:solidFill>
+                <a:highlight>
+                  <a:srgbClr val="FFFFFF"/>
+                </a:highlight>
+                <a:latin typeface="Consolas" panose="020B0609020204030204" pitchFamily="49" charset="0"/>
+              </a:rPr>
+              <a:t>random.Next</a:t>
+            </a:r>
+            <a:r>
+              <a:rPr lang="en-US" dirty="0">
+                <a:solidFill>
+                  <a:srgbClr val="000000"/>
+                </a:solidFill>
+                <a:highlight>
+                  <a:srgbClr val="FFFFFF"/>
+                </a:highlight>
+                <a:latin typeface="Consolas" panose="020B0609020204030204" pitchFamily="49" charset="0"/>
+              </a:rPr>
+              <a:t>(Width), </a:t>
+            </a:r>
+            <a:r>
+              <a:rPr lang="en-US" dirty="0" err="1">
+                <a:solidFill>
+                  <a:srgbClr val="000000"/>
+                </a:solidFill>
+                <a:highlight>
+                  <a:srgbClr val="FFFFFF"/>
+                </a:highlight>
+                <a:latin typeface="Consolas" panose="020B0609020204030204" pitchFamily="49" charset="0"/>
+              </a:rPr>
+              <a:t>random.Next</a:t>
+            </a:r>
+            <a:r>
+              <a:rPr lang="en-US" dirty="0">
+                <a:solidFill>
+                  <a:srgbClr val="000000"/>
+                </a:solidFill>
+                <a:highlight>
+                  <a:srgbClr val="FFFFFF"/>
+                </a:highlight>
+                <a:latin typeface="Consolas" panose="020B0609020204030204" pitchFamily="49" charset="0"/>
+              </a:rPr>
+              <a:t>(Height), w, h);</a:t>
+            </a:r>
+          </a:p>
+          <a:p>
+            <a:r>
+              <a:rPr lang="en-US" dirty="0">
+                <a:solidFill>
+                  <a:srgbClr val="000000"/>
+                </a:solidFill>
+                <a:highlight>
+                  <a:srgbClr val="FFFFFF"/>
+                </a:highlight>
+                <a:latin typeface="Consolas" panose="020B0609020204030204" pitchFamily="49" charset="0"/>
+              </a:rPr>
+              <a:t>    </a:t>
+            </a:r>
+            <a:r>
+              <a:rPr lang="en-US" dirty="0" err="1">
+                <a:solidFill>
+                  <a:srgbClr val="000000"/>
+                </a:solidFill>
+                <a:highlight>
+                  <a:srgbClr val="FFFFFF"/>
+                </a:highlight>
+                <a:latin typeface="Consolas" panose="020B0609020204030204" pitchFamily="49" charset="0"/>
+              </a:rPr>
+              <a:t>e.Graphics.FillRectangle</a:t>
+            </a:r>
+            <a:r>
+              <a:rPr lang="en-US" dirty="0">
+                <a:solidFill>
+                  <a:srgbClr val="000000"/>
+                </a:solidFill>
+                <a:highlight>
+                  <a:srgbClr val="FFFFFF"/>
+                </a:highlight>
+                <a:latin typeface="Consolas" panose="020B0609020204030204" pitchFamily="49" charset="0"/>
+              </a:rPr>
+              <a:t>(b, </a:t>
+            </a:r>
+            <a:r>
+              <a:rPr lang="en-US" dirty="0" err="1">
+                <a:solidFill>
+                  <a:srgbClr val="000000"/>
+                </a:solidFill>
+                <a:highlight>
+                  <a:srgbClr val="FFFFFF"/>
+                </a:highlight>
+                <a:latin typeface="Consolas" panose="020B0609020204030204" pitchFamily="49" charset="0"/>
+              </a:rPr>
+              <a:t>rect</a:t>
+            </a:r>
+            <a:r>
+              <a:rPr lang="en-US" dirty="0">
+                <a:solidFill>
+                  <a:srgbClr val="000000"/>
+                </a:solidFill>
+                <a:highlight>
+                  <a:srgbClr val="FFFFFF"/>
+                </a:highlight>
+                <a:latin typeface="Consolas" panose="020B0609020204030204" pitchFamily="49" charset="0"/>
+              </a:rPr>
+              <a:t>);</a:t>
+            </a:r>
+          </a:p>
+          <a:p>
+            <a:r>
+              <a:rPr lang="en-US" dirty="0">
+                <a:solidFill>
+                  <a:srgbClr val="000000"/>
+                </a:solidFill>
+                <a:highlight>
+                  <a:srgbClr val="FFFFFF"/>
+                </a:highlight>
+                <a:latin typeface="Consolas" panose="020B0609020204030204" pitchFamily="49" charset="0"/>
+              </a:rPr>
+              <a:t>}</a:t>
+            </a:r>
+            <a:endParaRPr lang="en-US" dirty="0"/>
+          </a:p>
+        </p:txBody>
+      </p:sp>
+      <p:sp>
+        <p:nvSpPr>
+          <p:cNvPr id="2" name="TextBox 1"/>
+          <p:cNvSpPr txBox="1"/>
+          <p:nvPr/>
+        </p:nvSpPr>
+        <p:spPr>
+          <a:xfrm>
+            <a:off x="587381" y="5242283"/>
+            <a:ext cx="1422762" cy="461665"/>
+          </a:xfrm>
+          <a:prstGeom prst="rect">
+            <a:avLst/>
+          </a:prstGeom>
+          <a:noFill/>
+        </p:spPr>
+        <p:txBody>
+          <a:bodyPr wrap="none" rtlCol="0">
+            <a:spAutoFit/>
+          </a:bodyPr>
+          <a:lstStyle/>
+          <a:p>
+            <a:r>
+              <a:rPr lang="en-US" sz="2200" dirty="0" smtClean="0"/>
+              <a:t>Height</a:t>
+            </a:r>
+            <a:r>
+              <a:rPr lang="en-US" sz="2400" dirty="0" smtClean="0"/>
+              <a:t> is 0</a:t>
+            </a:r>
           </a:p>
         </p:txBody>
       </p:sp>
     </p:spTree>
     <p:extLst>
       <p:ext uri="{BB962C8B-B14F-4D97-AF65-F5344CB8AC3E}">
-        <p14:creationId xmlns:p14="http://schemas.microsoft.com/office/powerpoint/2010/main" val="1162058314"/>
+        <p14:creationId xmlns:p14="http://schemas.microsoft.com/office/powerpoint/2010/main" val="2380890572"/>
       </p:ext>
     </p:extLst>
   </p:cSld>
@@ -6676,9 +10850,80 @@
   <p:timing>
     <p:tnLst>
       <p:par>
-        <p:cTn xmlns:p14="http://schemas.microsoft.com/office/powerpoint/2010/main" id="1" dur="indefinite" restart="never" nodeType="tmRoot"/>
+        <p:cTn id="1" dur="indefinite" restart="never" nodeType="tmRoot">
+          <p:childTnLst>
+            <p:seq concurrent="1" nextAc="seek">
+              <p:cTn id="2" dur="indefinite" nodeType="mainSeq">
+                <p:childTnLst>
+                  <p:par>
+                    <p:cTn id="3" fill="hold">
+                      <p:stCondLst>
+                        <p:cond delay="indefinite"/>
+                      </p:stCondLst>
+                      <p:childTnLst>
+                        <p:par>
+                          <p:cTn id="4" fill="hold">
+                            <p:stCondLst>
+                              <p:cond delay="0"/>
+                            </p:stCondLst>
+                            <p:childTnLst>
+                              <p:par>
+                                <p:cTn id="5" presetID="1" presetClass="entr" presetSubtype="0" fill="hold" grpId="0" nodeType="clickEffect">
+                                  <p:stCondLst>
+                                    <p:cond delay="0"/>
+                                  </p:stCondLst>
+                                  <p:childTnLst>
+                                    <p:set>
+                                      <p:cBhvr>
+                                        <p:cTn id="6" dur="1" fill="hold">
+                                          <p:stCondLst>
+                                            <p:cond delay="0"/>
+                                          </p:stCondLst>
+                                        </p:cTn>
+                                        <p:tgtEl>
+                                          <p:spTgt spid="2"/>
+                                        </p:tgtEl>
+                                        <p:attrNameLst>
+                                          <p:attrName>style.visibility</p:attrName>
+                                        </p:attrNameLst>
+                                      </p:cBhvr>
+                                      <p:to>
+                                        <p:strVal val="visible"/>
+                                      </p:to>
+                                    </p:set>
+                                  </p:childTnLst>
+                                </p:cTn>
+                              </p:par>
+                            </p:childTnLst>
+                          </p:cTn>
+                        </p:par>
+                      </p:childTnLst>
+                    </p:cTn>
+                  </p:par>
+                </p:childTnLst>
+              </p:cTn>
+              <p:prevCondLst>
+                <p:cond evt="onPrev" delay="0">
+                  <p:tgtEl>
+                    <p:sldTgt/>
+                  </p:tgtEl>
+                </p:cond>
+              </p:prevCondLst>
+              <p:nextCondLst>
+                <p:cond evt="onNext" delay="0">
+                  <p:tgtEl>
+                    <p:sldTgt/>
+                  </p:tgtEl>
+                </p:cond>
+              </p:nextCondLst>
+            </p:seq>
+          </p:childTnLst>
+        </p:cTn>
       </p:par>
     </p:tnLst>
+    <p:bldLst>
+      <p:bldP spid="2" grpId="0"/>
+    </p:bldLst>
   </p:timing>
 </p:sld>
 </file>
@@ -6960,7 +11205,7 @@
   <a:extraClrSchemeLst/>
   <a:extLst>
     <a:ext uri="{05A4C25C-085E-4340-85A3-A5531E510DB2}">
-      <thm15:themeFamily xmlns:thm15="http://schemas.microsoft.com/office/thememl/2012/main" xmlns="" name="Retrospect" id="{5F128B03-DCCA-4EEB-AB3B-CF2899314A46}" vid="{9CC26709-368C-4D72-9060-94E5B3FF3CD6}"/>
+      <thm15:themeFamily xmlns:thm15="http://schemas.microsoft.com/office/thememl/2012/main" name="Retrospect" id="{5F128B03-DCCA-4EEB-AB3B-CF2899314A46}" vid="{9CC26709-368C-4D72-9060-94E5B3FF3CD6}"/>
     </a:ext>
   </a:extLst>
 </a:theme>

--- a/Talk.pptx
+++ b/Talk.pptx
@@ -119,7 +119,7 @@
   </p:defaultTextStyle>
   <p:extLst>
     <p:ext uri="{EFAFB233-063F-42B5-8137-9DF3F51BA10A}">
-      <p15:sldGuideLst xmlns:p15="http://schemas.microsoft.com/office/powerpoint/2012/main">
+      <p15:sldGuideLst xmlns:p15="http://schemas.microsoft.com/office/powerpoint/2012/main" xmlns="">
         <p15:guide id="1" orient="horz" pos="2160">
           <p15:clr>
             <a:srgbClr val="A4A3A4"/>
@@ -362,7 +362,7 @@
           <a:p>
             <a:fld id="{96DFF08F-DC6B-4601-B491-B0F83F6DD2DA}" type="datetimeFigureOut">
               <a:rPr lang="en-US" dirty="0"/>
-              <a:t>6/15/2014</a:t>
+              <a:t>6/16/14</a:t>
             </a:fld>
             <a:endParaRPr lang="en-US" dirty="0"/>
           </a:p>
@@ -565,7 +565,7 @@
           <a:p>
             <a:fld id="{96DFF08F-DC6B-4601-B491-B0F83F6DD2DA}" type="datetimeFigureOut">
               <a:rPr lang="en-US" dirty="0"/>
-              <a:t>6/15/2014</a:t>
+              <a:t>6/16/14</a:t>
             </a:fld>
             <a:endParaRPr lang="en-US" dirty="0"/>
           </a:p>
@@ -816,7 +816,7 @@
           <a:p>
             <a:fld id="{96DFF08F-DC6B-4601-B491-B0F83F6DD2DA}" type="datetimeFigureOut">
               <a:rPr lang="en-US" dirty="0"/>
-              <a:t>6/15/2014</a:t>
+              <a:t>6/16/14</a:t>
             </a:fld>
             <a:endParaRPr lang="en-US" dirty="0"/>
           </a:p>
@@ -981,7 +981,7 @@
           <a:p>
             <a:fld id="{D62CEF3B-A037-46D0-B02C-1428F07E9383}" type="datetimeFigureOut">
               <a:rPr lang="en-US" dirty="0"/>
-              <a:t>6/15/2014</a:t>
+              <a:t>6/16/14</a:t>
             </a:fld>
             <a:endParaRPr lang="en-US" dirty="0"/>
           </a:p>
@@ -1319,7 +1319,7 @@
           <a:p>
             <a:fld id="{96DFF08F-DC6B-4601-B491-B0F83F6DD2DA}" type="datetimeFigureOut">
               <a:rPr lang="en-US" dirty="0"/>
-              <a:t>6/15/2014</a:t>
+              <a:t>6/16/14</a:t>
             </a:fld>
             <a:endParaRPr lang="en-US" dirty="0"/>
           </a:p>
@@ -1589,7 +1589,7 @@
           <a:p>
             <a:fld id="{96DFF08F-DC6B-4601-B491-B0F83F6DD2DA}" type="datetimeFigureOut">
               <a:rPr lang="en-US" dirty="0"/>
-              <a:t>6/15/2014</a:t>
+              <a:t>6/16/14</a:t>
             </a:fld>
             <a:endParaRPr lang="en-US" dirty="0"/>
           </a:p>
@@ -1963,7 +1963,7 @@
           <a:p>
             <a:fld id="{96DFF08F-DC6B-4601-B491-B0F83F6DD2DA}" type="datetimeFigureOut">
               <a:rPr lang="en-US" dirty="0"/>
-              <a:t>6/15/2014</a:t>
+              <a:t>6/16/14</a:t>
             </a:fld>
             <a:endParaRPr lang="en-US" dirty="0"/>
           </a:p>
@@ -2076,7 +2076,7 @@
           <a:p>
             <a:fld id="{96DFF08F-DC6B-4601-B491-B0F83F6DD2DA}" type="datetimeFigureOut">
               <a:rPr lang="en-US" dirty="0"/>
-              <a:t>6/15/2014</a:t>
+              <a:t>6/16/14</a:t>
             </a:fld>
             <a:endParaRPr lang="en-US" dirty="0"/>
           </a:p>
@@ -2243,7 +2243,7 @@
             <a:fld id="{96DFF08F-DC6B-4601-B491-B0F83F6DD2DA}" type="datetimeFigureOut">
               <a:rPr lang="en-US" dirty="0"/>
               <a:pPr/>
-              <a:t>6/15/2014</a:t>
+              <a:t>6/16/14</a:t>
             </a:fld>
             <a:endParaRPr lang="en-US" dirty="0"/>
           </a:p>
@@ -2594,7 +2594,7 @@
             <a:fld id="{96DFF08F-DC6B-4601-B491-B0F83F6DD2DA}" type="datetimeFigureOut">
               <a:rPr lang="en-US" dirty="0"/>
               <a:pPr/>
-              <a:t>6/15/2014</a:t>
+              <a:t>6/16/14</a:t>
             </a:fld>
             <a:endParaRPr lang="en-US" dirty="0"/>
           </a:p>
@@ -2967,7 +2967,7 @@
           <a:p>
             <a:fld id="{96DFF08F-DC6B-4601-B491-B0F83F6DD2DA}" type="datetimeFigureOut">
               <a:rPr lang="en-US" dirty="0"/>
-              <a:t>6/15/2014</a:t>
+              <a:t>6/16/14</a:t>
             </a:fld>
             <a:endParaRPr lang="en-US" dirty="0"/>
           </a:p>
@@ -3250,7 +3250,7 @@
             <a:fld id="{96DFF08F-DC6B-4601-B491-B0F83F6DD2DA}" type="datetimeFigureOut">
               <a:rPr lang="en-US" dirty="0"/>
               <a:pPr/>
-              <a:t>6/15/2014</a:t>
+              <a:t>6/16/14</a:t>
             </a:fld>
             <a:endParaRPr lang="en-US" dirty="0"/>
           </a:p>
@@ -3821,7 +3821,7 @@
   <p:timing>
     <p:tnLst>
       <p:par>
-        <p:cTn id="1" dur="indefinite" restart="never" nodeType="tmRoot"/>
+        <p:cTn xmlns:p14="http://schemas.microsoft.com/office/powerpoint/2010/main" id="1" dur="indefinite" restart="never" nodeType="tmRoot"/>
       </p:par>
     </p:tnLst>
   </p:timing>
@@ -3980,7 +3980,7 @@
   <p:timing>
     <p:tnLst>
       <p:par>
-        <p:cTn id="1" dur="indefinite" restart="never" nodeType="tmRoot"/>
+        <p:cTn xmlns:p14="http://schemas.microsoft.com/office/powerpoint/2010/main" id="1" dur="indefinite" restart="never" nodeType="tmRoot"/>
       </p:par>
     </p:tnLst>
   </p:timing>
@@ -4181,7 +4181,7 @@
   <p:timing>
     <p:tnLst>
       <p:par>
-        <p:cTn id="1" dur="indefinite" restart="never" nodeType="tmRoot"/>
+        <p:cTn xmlns:p14="http://schemas.microsoft.com/office/powerpoint/2010/main" id="1" dur="indefinite" restart="never" nodeType="tmRoot"/>
       </p:par>
     </p:tnLst>
   </p:timing>
@@ -4372,7 +4372,7 @@
   <p:timing>
     <p:tnLst>
       <p:par>
-        <p:cTn id="1" dur="indefinite" restart="never" nodeType="tmRoot"/>
+        <p:cTn xmlns:p14="http://schemas.microsoft.com/office/powerpoint/2010/main" id="1" dur="indefinite" restart="never" nodeType="tmRoot"/>
       </p:par>
     </p:tnLst>
   </p:timing>
@@ -4542,7 +4542,7 @@
   <p:timing>
     <p:tnLst>
       <p:par>
-        <p:cTn id="1" dur="indefinite" restart="never" nodeType="tmRoot"/>
+        <p:cTn xmlns:p14="http://schemas.microsoft.com/office/powerpoint/2010/main" id="1" dur="indefinite" restart="never" nodeType="tmRoot"/>
       </p:par>
     </p:tnLst>
   </p:timing>
@@ -4701,7 +4701,7 @@
   <p:timing>
     <p:tnLst>
       <p:par>
-        <p:cTn id="1" dur="indefinite" restart="never" nodeType="tmRoot"/>
+        <p:cTn xmlns:p14="http://schemas.microsoft.com/office/powerpoint/2010/main" id="1" dur="indefinite" restart="never" nodeType="tmRoot"/>
       </p:par>
     </p:tnLst>
   </p:timing>
@@ -5541,7 +5541,7 @@
   <p:timing>
     <p:tnLst>
       <p:par>
-        <p:cTn id="1" dur="indefinite" restart="never" nodeType="tmRoot">
+        <p:cTn xmlns:p14="http://schemas.microsoft.com/office/powerpoint/2010/main" id="1" dur="indefinite" restart="never" nodeType="tmRoot">
           <p:childTnLst>
             <p:seq concurrent="1" nextAc="seek">
               <p:cTn id="2" dur="indefinite" nodeType="mainSeq">
@@ -5968,7 +5968,7 @@
   <p:timing>
     <p:tnLst>
       <p:par>
-        <p:cTn id="1" dur="indefinite" restart="never" nodeType="tmRoot"/>
+        <p:cTn xmlns:p14="http://schemas.microsoft.com/office/powerpoint/2010/main" id="1" dur="indefinite" restart="never" nodeType="tmRoot"/>
       </p:par>
     </p:tnLst>
   </p:timing>
@@ -6779,7 +6779,7 @@
   <p:timing>
     <p:tnLst>
       <p:par>
-        <p:cTn id="1" dur="indefinite" restart="never" nodeType="tmRoot"/>
+        <p:cTn xmlns:p14="http://schemas.microsoft.com/office/powerpoint/2010/main" id="1" dur="indefinite" restart="never" nodeType="tmRoot"/>
       </p:par>
     </p:tnLst>
   </p:timing>
@@ -6965,7 +6965,7 @@
   <p:timing>
     <p:tnLst>
       <p:par>
-        <p:cTn id="1" dur="indefinite" restart="never" nodeType="tmRoot"/>
+        <p:cTn xmlns:p14="http://schemas.microsoft.com/office/powerpoint/2010/main" id="1" dur="indefinite" restart="never" nodeType="tmRoot"/>
       </p:par>
     </p:tnLst>
   </p:timing>
@@ -7020,8 +7020,10 @@
                 </a:highlight>
                 <a:latin typeface="Consolas" panose="020B0609020204030204" pitchFamily="49" charset="0"/>
               </a:rPr>
-              <a:t>58</a:t>
-            </a:r>
+              <a:t>58 </a:t>
+            </a:r>
+          </a:p>
+          <a:p>
             <a:r>
               <a:rPr lang="en-US" dirty="0" smtClean="0">
                 <a:solidFill>
@@ -7032,7 +7034,7 @@
                 </a:highlight>
                 <a:latin typeface="Consolas" panose="020B0609020204030204" pitchFamily="49" charset="0"/>
               </a:rPr>
-              <a:t> </a:t>
+              <a:t>59 </a:t>
             </a:r>
           </a:p>
           <a:p>
@@ -7046,8 +7048,10 @@
                 </a:highlight>
                 <a:latin typeface="Consolas" panose="020B0609020204030204" pitchFamily="49" charset="0"/>
               </a:rPr>
-              <a:t>59</a:t>
-            </a:r>
+              <a:t>60 </a:t>
+            </a:r>
+          </a:p>
+          <a:p>
             <a:r>
               <a:rPr lang="en-US" dirty="0" smtClean="0">
                 <a:solidFill>
@@ -7058,7 +7062,7 @@
                 </a:highlight>
                 <a:latin typeface="Consolas" panose="020B0609020204030204" pitchFamily="49" charset="0"/>
               </a:rPr>
-              <a:t> </a:t>
+              <a:t>61</a:t>
             </a:r>
           </a:p>
           <a:p>
@@ -7072,8 +7076,10 @@
                 </a:highlight>
                 <a:latin typeface="Consolas" panose="020B0609020204030204" pitchFamily="49" charset="0"/>
               </a:rPr>
-              <a:t>60</a:t>
-            </a:r>
+              <a:t>62</a:t>
+            </a:r>
+          </a:p>
+          <a:p>
             <a:r>
               <a:rPr lang="en-US" dirty="0" smtClean="0">
                 <a:solidFill>
@@ -7084,68 +7090,8 @@
                 </a:highlight>
                 <a:latin typeface="Consolas" panose="020B0609020204030204" pitchFamily="49" charset="0"/>
               </a:rPr>
-              <a:t> </a:t>
-            </a:r>
-          </a:p>
-          <a:p>
-            <a:r>
-              <a:rPr lang="en-US" dirty="0" smtClean="0">
-                <a:solidFill>
-                  <a:srgbClr val="2B91AF"/>
-                </a:solidFill>
-                <a:highlight>
-                  <a:srgbClr val="FFFFFF"/>
-                </a:highlight>
-                <a:latin typeface="Consolas" panose="020B0609020204030204" pitchFamily="49" charset="0"/>
-              </a:rPr>
-              <a:t>61</a:t>
-            </a:r>
-            <a:endParaRPr lang="en-US" dirty="0" smtClean="0">
-              <a:solidFill>
-                <a:srgbClr val="2B91AF"/>
-              </a:solidFill>
-              <a:highlight>
-                <a:srgbClr val="FFFFFF"/>
-              </a:highlight>
-              <a:latin typeface="Consolas" panose="020B0609020204030204" pitchFamily="49" charset="0"/>
-            </a:endParaRPr>
-          </a:p>
-          <a:p>
-            <a:r>
-              <a:rPr lang="en-US" dirty="0" smtClean="0">
-                <a:solidFill>
-                  <a:srgbClr val="2B91AF"/>
-                </a:solidFill>
-                <a:highlight>
-                  <a:srgbClr val="FFFFFF"/>
-                </a:highlight>
-                <a:latin typeface="Consolas" panose="020B0609020204030204" pitchFamily="49" charset="0"/>
-              </a:rPr>
-              <a:t>62</a:t>
-            </a:r>
-          </a:p>
-          <a:p>
-            <a:r>
-              <a:rPr lang="en-US" dirty="0" smtClean="0">
-                <a:solidFill>
-                  <a:srgbClr val="2B91AF"/>
-                </a:solidFill>
-                <a:highlight>
-                  <a:srgbClr val="FFFFFF"/>
-                </a:highlight>
-                <a:latin typeface="Consolas" panose="020B0609020204030204" pitchFamily="49" charset="0"/>
-              </a:rPr>
               <a:t>63</a:t>
             </a:r>
-            <a:endParaRPr lang="en-US" dirty="0" smtClean="0">
-              <a:solidFill>
-                <a:srgbClr val="2B91AF"/>
-              </a:solidFill>
-              <a:highlight>
-                <a:srgbClr val="FFFFFF"/>
-              </a:highlight>
-              <a:latin typeface="Consolas" panose="020B0609020204030204" pitchFamily="49" charset="0"/>
-            </a:endParaRPr>
           </a:p>
           <a:p>
             <a:r>
@@ -7610,13 +7556,8 @@
           <a:p>
             <a:r>
               <a:rPr lang="en-US" sz="2200" dirty="0" smtClean="0"/>
-              <a:t>What </a:t>
-            </a:r>
-            <a:r>
-              <a:rPr lang="en-US" sz="2200" dirty="0" smtClean="0"/>
-              <a:t>went wrong?</a:t>
-            </a:r>
-            <a:endParaRPr lang="en-US" sz="2200" dirty="0" smtClean="0"/>
+              <a:t>What went wrong?</a:t>
+            </a:r>
           </a:p>
           <a:p>
             <a:r>
@@ -7631,7 +7572,6 @@
               <a:rPr lang="en-US" sz="2200" dirty="0" smtClean="0"/>
               <a:t>10,000 rectangles</a:t>
             </a:r>
-            <a:endParaRPr lang="en-US" sz="2200" dirty="0" smtClean="0"/>
           </a:p>
           <a:p>
             <a:r>
@@ -7668,7 +7608,6 @@
               <a:rPr lang="en-US" sz="2200" dirty="0" smtClean="0"/>
               <a:t>Garbage Collection</a:t>
             </a:r>
-            <a:endParaRPr lang="en-US" sz="2200" dirty="0" smtClean="0"/>
           </a:p>
           <a:p>
             <a:r>
@@ -7677,21 +7616,12 @@
                   <a:srgbClr val="00B050"/>
                 </a:solidFill>
               </a:rPr>
-              <a:t>D</a:t>
-            </a:r>
-            <a:r>
-              <a:rPr lang="en-US" sz="2200" b="1" dirty="0" smtClean="0">
-                <a:solidFill>
-                  <a:srgbClr val="00B050"/>
-                </a:solidFill>
-              </a:rPr>
-              <a:t>) </a:t>
+              <a:t>D) </a:t>
             </a:r>
             <a:r>
               <a:rPr lang="en-US" sz="2200" dirty="0" smtClean="0"/>
               <a:t>Other</a:t>
             </a:r>
-            <a:endParaRPr lang="en-US" sz="2200" dirty="0" smtClean="0"/>
           </a:p>
           <a:p>
             <a:endParaRPr lang="en-US" sz="2400" dirty="0"/>
@@ -8558,7 +8488,7 @@
   <p:timing>
     <p:tnLst>
       <p:par>
-        <p:cTn id="1" dur="indefinite" restart="never" nodeType="tmRoot">
+        <p:cTn xmlns:p14="http://schemas.microsoft.com/office/powerpoint/2010/main" id="1" dur="indefinite" restart="never" nodeType="tmRoot">
           <p:childTnLst>
             <p:seq concurrent="1" nextAc="seek">
               <p:cTn id="2" dur="indefinite" nodeType="mainSeq">
@@ -8744,7 +8674,6 @@
               <a:rPr lang="en-US" sz="2400" dirty="0" smtClean="0"/>
               <a:t>Out of Memory </a:t>
             </a:r>
-            <a:endParaRPr lang="en-US" sz="2400" dirty="0" smtClean="0"/>
           </a:p>
           <a:p>
             <a:r>
@@ -8775,15 +8704,7 @@
                   <a:srgbClr val="00B050"/>
                 </a:solidFill>
               </a:rPr>
-              <a:t>D</a:t>
-            </a:r>
-            <a:r>
-              <a:rPr lang="en-US" sz="2400" b="1" dirty="0" smtClean="0">
-                <a:solidFill>
-                  <a:srgbClr val="00B050"/>
-                </a:solidFill>
-              </a:rPr>
-              <a:t>) </a:t>
+              <a:t>D) </a:t>
             </a:r>
             <a:r>
               <a:rPr lang="en-US" sz="2400" dirty="0" smtClean="0"/>
@@ -8817,6 +8738,14 @@
           <a:lstStyle/>
           <a:p>
             <a:r>
+              <a:rPr lang="en-US" sz="2000" b="1" dirty="0">
+                <a:solidFill>
+                  <a:srgbClr val="FF0000"/>
+                </a:solidFill>
+              </a:rPr>
+              <a:t>A) </a:t>
+            </a:r>
+            <a:r>
               <a:rPr lang="en-US" sz="2000" dirty="0" smtClean="0">
                 <a:solidFill>
                   <a:srgbClr val="0000FF"/>
@@ -9034,6 +8963,14 @@
             </a:r>
           </a:p>
           <a:p>
+            <a:r>
+              <a:rPr lang="en-US" sz="2000" b="1" dirty="0">
+                <a:solidFill>
+                  <a:srgbClr val="FFC000"/>
+                </a:solidFill>
+              </a:rPr>
+              <a:t>B) </a:t>
+            </a:r>
             <a:r>
               <a:rPr lang="en-US" sz="2000" dirty="0" smtClean="0">
                 <a:solidFill>
@@ -9218,7 +9155,7 @@
   <p:timing>
     <p:tnLst>
       <p:par>
-        <p:cTn id="1" dur="indefinite" restart="never" nodeType="tmRoot"/>
+        <p:cTn xmlns:p14="http://schemas.microsoft.com/office/powerpoint/2010/main" id="1" dur="indefinite" restart="never" nodeType="tmRoot"/>
       </p:par>
     </p:tnLst>
   </p:timing>
@@ -9273,8 +9210,10 @@
                 </a:highlight>
                 <a:latin typeface="Consolas" panose="020B0609020204030204" pitchFamily="49" charset="0"/>
               </a:rPr>
-              <a:t>58</a:t>
-            </a:r>
+              <a:t>58 </a:t>
+            </a:r>
+          </a:p>
+          <a:p>
             <a:r>
               <a:rPr lang="en-US" dirty="0" smtClean="0">
                 <a:solidFill>
@@ -9285,7 +9224,7 @@
                 </a:highlight>
                 <a:latin typeface="Consolas" panose="020B0609020204030204" pitchFamily="49" charset="0"/>
               </a:rPr>
-              <a:t> </a:t>
+              <a:t>59 </a:t>
             </a:r>
           </a:p>
           <a:p>
@@ -9299,8 +9238,10 @@
                 </a:highlight>
                 <a:latin typeface="Consolas" panose="020B0609020204030204" pitchFamily="49" charset="0"/>
               </a:rPr>
-              <a:t>59</a:t>
-            </a:r>
+              <a:t>60 </a:t>
+            </a:r>
+          </a:p>
+          <a:p>
             <a:r>
               <a:rPr lang="en-US" dirty="0" smtClean="0">
                 <a:solidFill>
@@ -9311,7 +9252,7 @@
                 </a:highlight>
                 <a:latin typeface="Consolas" panose="020B0609020204030204" pitchFamily="49" charset="0"/>
               </a:rPr>
-              <a:t> </a:t>
+              <a:t>61</a:t>
             </a:r>
           </a:p>
           <a:p>
@@ -9325,8 +9266,10 @@
                 </a:highlight>
                 <a:latin typeface="Consolas" panose="020B0609020204030204" pitchFamily="49" charset="0"/>
               </a:rPr>
-              <a:t>60</a:t>
-            </a:r>
+              <a:t>62</a:t>
+            </a:r>
+          </a:p>
+          <a:p>
             <a:r>
               <a:rPr lang="en-US" dirty="0" smtClean="0">
                 <a:solidFill>
@@ -9337,68 +9280,8 @@
                 </a:highlight>
                 <a:latin typeface="Consolas" panose="020B0609020204030204" pitchFamily="49" charset="0"/>
               </a:rPr>
-              <a:t> </a:t>
-            </a:r>
-          </a:p>
-          <a:p>
-            <a:r>
-              <a:rPr lang="en-US" dirty="0" smtClean="0">
-                <a:solidFill>
-                  <a:srgbClr val="2B91AF"/>
-                </a:solidFill>
-                <a:highlight>
-                  <a:srgbClr val="FFFFFF"/>
-                </a:highlight>
-                <a:latin typeface="Consolas" panose="020B0609020204030204" pitchFamily="49" charset="0"/>
-              </a:rPr>
-              <a:t>61</a:t>
-            </a:r>
-            <a:endParaRPr lang="en-US" dirty="0" smtClean="0">
-              <a:solidFill>
-                <a:srgbClr val="2B91AF"/>
-              </a:solidFill>
-              <a:highlight>
-                <a:srgbClr val="FFFFFF"/>
-              </a:highlight>
-              <a:latin typeface="Consolas" panose="020B0609020204030204" pitchFamily="49" charset="0"/>
-            </a:endParaRPr>
-          </a:p>
-          <a:p>
-            <a:r>
-              <a:rPr lang="en-US" dirty="0" smtClean="0">
-                <a:solidFill>
-                  <a:srgbClr val="2B91AF"/>
-                </a:solidFill>
-                <a:highlight>
-                  <a:srgbClr val="FFFFFF"/>
-                </a:highlight>
-                <a:latin typeface="Consolas" panose="020B0609020204030204" pitchFamily="49" charset="0"/>
-              </a:rPr>
-              <a:t>62</a:t>
-            </a:r>
-          </a:p>
-          <a:p>
-            <a:r>
-              <a:rPr lang="en-US" dirty="0" smtClean="0">
-                <a:solidFill>
-                  <a:srgbClr val="2B91AF"/>
-                </a:solidFill>
-                <a:highlight>
-                  <a:srgbClr val="FFFFFF"/>
-                </a:highlight>
-                <a:latin typeface="Consolas" panose="020B0609020204030204" pitchFamily="49" charset="0"/>
-              </a:rPr>
               <a:t>63</a:t>
             </a:r>
-            <a:endParaRPr lang="en-US" dirty="0" smtClean="0">
-              <a:solidFill>
-                <a:srgbClr val="2B91AF"/>
-              </a:solidFill>
-              <a:highlight>
-                <a:srgbClr val="FFFFFF"/>
-              </a:highlight>
-              <a:latin typeface="Consolas" panose="020B0609020204030204" pitchFamily="49" charset="0"/>
-            </a:endParaRPr>
           </a:p>
           <a:p>
             <a:r>
@@ -9509,23 +9392,8 @@
                 </a:solidFill>
                 <a:latin typeface="Consolas" panose="020B0609020204030204" pitchFamily="49" charset="0"/>
               </a:rPr>
-              <a:t>Rectangle '{X=0,Y=0,Width=189,Height=0}' cannot have a width or height equal to 0</a:t>
-            </a:r>
-            <a:r>
-              <a:rPr lang="en-US" dirty="0">
-                <a:solidFill>
-                  <a:srgbClr val="000000"/>
-                </a:solidFill>
-                <a:latin typeface="Consolas" panose="020B0609020204030204" pitchFamily="49" charset="0"/>
-              </a:rPr>
-              <a:t>.</a:t>
-            </a:r>
-            <a:endParaRPr lang="en-US" dirty="0">
-              <a:solidFill>
-                <a:srgbClr val="000000"/>
-              </a:solidFill>
-              <a:latin typeface="Consolas" panose="020B0609020204030204" pitchFamily="49" charset="0"/>
-            </a:endParaRPr>
+              <a:t>Rectangle '{X=0,Y=0,Width=189,Height=0}' cannot have a width or height equal to 0.</a:t>
+            </a:r>
           </a:p>
           <a:p>
             <a:r>
@@ -9869,13 +9737,8 @@
           <a:p>
             <a:r>
               <a:rPr lang="en-US" sz="2200" dirty="0" smtClean="0"/>
-              <a:t>What </a:t>
-            </a:r>
-            <a:r>
-              <a:rPr lang="en-US" sz="2200" dirty="0" smtClean="0"/>
-              <a:t>went wrong?</a:t>
-            </a:r>
-            <a:endParaRPr lang="en-US" sz="2200" dirty="0" smtClean="0"/>
+              <a:t>What went wrong?</a:t>
+            </a:r>
           </a:p>
           <a:p>
             <a:r>
@@ -9890,7 +9753,6 @@
               <a:rPr lang="en-US" sz="2200" dirty="0" smtClean="0"/>
               <a:t>10,000 rectangles</a:t>
             </a:r>
-            <a:endParaRPr lang="en-US" sz="2200" dirty="0" smtClean="0"/>
           </a:p>
           <a:p>
             <a:r>
@@ -9927,7 +9789,6 @@
               <a:rPr lang="en-US" sz="2200" dirty="0" smtClean="0"/>
               <a:t>Garbage Collection</a:t>
             </a:r>
-            <a:endParaRPr lang="en-US" sz="2200" dirty="0" smtClean="0"/>
           </a:p>
           <a:p>
             <a:r>
@@ -9936,21 +9797,12 @@
                   <a:srgbClr val="00B050"/>
                 </a:solidFill>
               </a:rPr>
-              <a:t>D</a:t>
-            </a:r>
-            <a:r>
-              <a:rPr lang="en-US" sz="2200" b="1" dirty="0" smtClean="0">
-                <a:solidFill>
-                  <a:srgbClr val="00B050"/>
-                </a:solidFill>
-              </a:rPr>
-              <a:t>) </a:t>
+              <a:t>D) </a:t>
             </a:r>
             <a:r>
               <a:rPr lang="en-US" sz="2200" dirty="0" smtClean="0"/>
               <a:t>Other</a:t>
             </a:r>
-            <a:endParaRPr lang="en-US" sz="2200" dirty="0" smtClean="0"/>
           </a:p>
           <a:p>
             <a:endParaRPr lang="en-US" sz="2400" dirty="0"/>
@@ -10850,7 +10702,7 @@
   <p:timing>
     <p:tnLst>
       <p:par>
-        <p:cTn id="1" dur="indefinite" restart="never" nodeType="tmRoot">
+        <p:cTn xmlns:p14="http://schemas.microsoft.com/office/powerpoint/2010/main" id="1" dur="indefinite" restart="never" nodeType="tmRoot">
           <p:childTnLst>
             <p:seq concurrent="1" nextAc="seek">
               <p:cTn id="2" dur="indefinite" nodeType="mainSeq">
@@ -11205,7 +11057,7 @@
   <a:extraClrSchemeLst/>
   <a:extLst>
     <a:ext uri="{05A4C25C-085E-4340-85A3-A5531E510DB2}">
-      <thm15:themeFamily xmlns:thm15="http://schemas.microsoft.com/office/thememl/2012/main" name="Retrospect" id="{5F128B03-DCCA-4EEB-AB3B-CF2899314A46}" vid="{9CC26709-368C-4D72-9060-94E5B3FF3CD6}"/>
+      <thm15:themeFamily xmlns:thm15="http://schemas.microsoft.com/office/thememl/2012/main" xmlns="" name="Retrospect" id="{5F128B03-DCCA-4EEB-AB3B-CF2899314A46}" vid="{9CC26709-368C-4D72-9060-94E5B3FF3CD6}"/>
     </a:ext>
   </a:extLst>
 </a:theme>

--- a/Talk.pptx
+++ b/Talk.pptx
@@ -16,9 +16,17 @@
     <p:sldId id="270" r:id="rId10"/>
     <p:sldId id="263" r:id="rId11"/>
     <p:sldId id="271" r:id="rId12"/>
-    <p:sldId id="262" r:id="rId13"/>
-    <p:sldId id="264" r:id="rId14"/>
-    <p:sldId id="265" r:id="rId15"/>
+    <p:sldId id="272" r:id="rId13"/>
+    <p:sldId id="273" r:id="rId14"/>
+    <p:sldId id="275" r:id="rId15"/>
+    <p:sldId id="276" r:id="rId16"/>
+    <p:sldId id="277" r:id="rId17"/>
+    <p:sldId id="278" r:id="rId18"/>
+    <p:sldId id="279" r:id="rId19"/>
+    <p:sldId id="264" r:id="rId20"/>
+    <p:sldId id="262" r:id="rId21"/>
+    <p:sldId id="280" r:id="rId22"/>
+    <p:sldId id="265" r:id="rId23"/>
   </p:sldIdLst>
   <p:sldSz cx="12192000" cy="6858000"/>
   <p:notesSz cx="6858000" cy="9144000"/>
@@ -119,7 +127,7 @@
   </p:defaultTextStyle>
   <p:extLst>
     <p:ext uri="{EFAFB233-063F-42B5-8137-9DF3F51BA10A}">
-      <p15:sldGuideLst xmlns:p15="http://schemas.microsoft.com/office/powerpoint/2012/main" xmlns="">
+      <p15:sldGuideLst xmlns:p15="http://schemas.microsoft.com/office/powerpoint/2012/main">
         <p15:guide id="1" orient="horz" pos="2160">
           <p15:clr>
             <a:srgbClr val="A4A3A4"/>
@@ -362,7 +370,7 @@
           <a:p>
             <a:fld id="{96DFF08F-DC6B-4601-B491-B0F83F6DD2DA}" type="datetimeFigureOut">
               <a:rPr lang="en-US" dirty="0"/>
-              <a:t>6/16/14</a:t>
+              <a:t>6/17/2014</a:t>
             </a:fld>
             <a:endParaRPr lang="en-US" dirty="0"/>
           </a:p>
@@ -565,7 +573,7 @@
           <a:p>
             <a:fld id="{96DFF08F-DC6B-4601-B491-B0F83F6DD2DA}" type="datetimeFigureOut">
               <a:rPr lang="en-US" dirty="0"/>
-              <a:t>6/16/14</a:t>
+              <a:t>6/17/2014</a:t>
             </a:fld>
             <a:endParaRPr lang="en-US" dirty="0"/>
           </a:p>
@@ -816,7 +824,7 @@
           <a:p>
             <a:fld id="{96DFF08F-DC6B-4601-B491-B0F83F6DD2DA}" type="datetimeFigureOut">
               <a:rPr lang="en-US" dirty="0"/>
-              <a:t>6/16/14</a:t>
+              <a:t>6/17/2014</a:t>
             </a:fld>
             <a:endParaRPr lang="en-US" dirty="0"/>
           </a:p>
@@ -981,7 +989,7 @@
           <a:p>
             <a:fld id="{D62CEF3B-A037-46D0-B02C-1428F07E9383}" type="datetimeFigureOut">
               <a:rPr lang="en-US" dirty="0"/>
-              <a:t>6/16/14</a:t>
+              <a:t>6/17/2014</a:t>
             </a:fld>
             <a:endParaRPr lang="en-US" dirty="0"/>
           </a:p>
@@ -1319,7 +1327,7 @@
           <a:p>
             <a:fld id="{96DFF08F-DC6B-4601-B491-B0F83F6DD2DA}" type="datetimeFigureOut">
               <a:rPr lang="en-US" dirty="0"/>
-              <a:t>6/16/14</a:t>
+              <a:t>6/17/2014</a:t>
             </a:fld>
             <a:endParaRPr lang="en-US" dirty="0"/>
           </a:p>
@@ -1589,7 +1597,7 @@
           <a:p>
             <a:fld id="{96DFF08F-DC6B-4601-B491-B0F83F6DD2DA}" type="datetimeFigureOut">
               <a:rPr lang="en-US" dirty="0"/>
-              <a:t>6/16/14</a:t>
+              <a:t>6/17/2014</a:t>
             </a:fld>
             <a:endParaRPr lang="en-US" dirty="0"/>
           </a:p>
@@ -1963,7 +1971,7 @@
           <a:p>
             <a:fld id="{96DFF08F-DC6B-4601-B491-B0F83F6DD2DA}" type="datetimeFigureOut">
               <a:rPr lang="en-US" dirty="0"/>
-              <a:t>6/16/14</a:t>
+              <a:t>6/17/2014</a:t>
             </a:fld>
             <a:endParaRPr lang="en-US" dirty="0"/>
           </a:p>
@@ -2076,7 +2084,7 @@
           <a:p>
             <a:fld id="{96DFF08F-DC6B-4601-B491-B0F83F6DD2DA}" type="datetimeFigureOut">
               <a:rPr lang="en-US" dirty="0"/>
-              <a:t>6/16/14</a:t>
+              <a:t>6/17/2014</a:t>
             </a:fld>
             <a:endParaRPr lang="en-US" dirty="0"/>
           </a:p>
@@ -2243,7 +2251,7 @@
             <a:fld id="{96DFF08F-DC6B-4601-B491-B0F83F6DD2DA}" type="datetimeFigureOut">
               <a:rPr lang="en-US" dirty="0"/>
               <a:pPr/>
-              <a:t>6/16/14</a:t>
+              <a:t>6/17/2014</a:t>
             </a:fld>
             <a:endParaRPr lang="en-US" dirty="0"/>
           </a:p>
@@ -2594,7 +2602,7 @@
             <a:fld id="{96DFF08F-DC6B-4601-B491-B0F83F6DD2DA}" type="datetimeFigureOut">
               <a:rPr lang="en-US" dirty="0"/>
               <a:pPr/>
-              <a:t>6/16/14</a:t>
+              <a:t>6/17/2014</a:t>
             </a:fld>
             <a:endParaRPr lang="en-US" dirty="0"/>
           </a:p>
@@ -2967,7 +2975,7 @@
           <a:p>
             <a:fld id="{96DFF08F-DC6B-4601-B491-B0F83F6DD2DA}" type="datetimeFigureOut">
               <a:rPr lang="en-US" dirty="0"/>
-              <a:t>6/16/14</a:t>
+              <a:t>6/17/2014</a:t>
             </a:fld>
             <a:endParaRPr lang="en-US" dirty="0"/>
           </a:p>
@@ -3250,7 +3258,7 @@
             <a:fld id="{96DFF08F-DC6B-4601-B491-B0F83F6DD2DA}" type="datetimeFigureOut">
               <a:rPr lang="en-US" dirty="0"/>
               <a:pPr/>
-              <a:t>6/16/14</a:t>
+              <a:t>6/17/2014</a:t>
             </a:fld>
             <a:endParaRPr lang="en-US" dirty="0"/>
           </a:p>
@@ -3821,7 +3829,7 @@
   <p:timing>
     <p:tnLst>
       <p:par>
-        <p:cTn xmlns:p14="http://schemas.microsoft.com/office/powerpoint/2010/main" id="1" dur="indefinite" restart="never" nodeType="tmRoot"/>
+        <p:cTn id="1" dur="indefinite" restart="never" nodeType="tmRoot"/>
       </p:par>
     </p:tnLst>
   </p:timing>
@@ -3980,7 +3988,7 @@
   <p:timing>
     <p:tnLst>
       <p:par>
-        <p:cTn xmlns:p14="http://schemas.microsoft.com/office/powerpoint/2010/main" id="1" dur="indefinite" restart="never" nodeType="tmRoot"/>
+        <p:cTn id="1" dur="indefinite" restart="never" nodeType="tmRoot"/>
       </p:par>
     </p:tnLst>
   </p:timing>
@@ -4181,7 +4189,7 @@
   <p:timing>
     <p:tnLst>
       <p:par>
-        <p:cTn xmlns:p14="http://schemas.microsoft.com/office/powerpoint/2010/main" id="1" dur="indefinite" restart="never" nodeType="tmRoot"/>
+        <p:cTn id="1" dur="indefinite" restart="never" nodeType="tmRoot"/>
       </p:par>
     </p:tnLst>
   </p:timing>
@@ -4189,6 +4197,1951 @@
 </file>
 
 <file path=ppt/slides/slide12.xml><?xml version="1.0" encoding="utf-8"?>
+<p:sld xmlns:a="http://schemas.openxmlformats.org/drawingml/2006/main" xmlns:r="http://schemas.openxmlformats.org/officeDocument/2006/relationships" xmlns:p="http://schemas.openxmlformats.org/presentationml/2006/main">
+  <p:cSld>
+    <p:spTree>
+      <p:nvGrpSpPr>
+        <p:cNvPr id="1" name=""/>
+        <p:cNvGrpSpPr/>
+        <p:nvPr/>
+      </p:nvGrpSpPr>
+      <p:grpSpPr>
+        <a:xfrm>
+          <a:off x="0" y="0"/>
+          <a:ext cx="0" cy="0"/>
+          <a:chOff x="0" y="0"/>
+          <a:chExt cx="0" cy="0"/>
+        </a:xfrm>
+      </p:grpSpPr>
+      <p:sp>
+        <p:nvSpPr>
+          <p:cNvPr id="3" name="Rectangle 2"/>
+          <p:cNvSpPr/>
+          <p:nvPr/>
+        </p:nvSpPr>
+        <p:spPr>
+          <a:xfrm>
+            <a:off x="6611" y="377047"/>
+            <a:ext cx="580770" cy="1200329"/>
+          </a:xfrm>
+          <a:prstGeom prst="rect">
+            <a:avLst/>
+          </a:prstGeom>
+        </p:spPr>
+        <p:txBody>
+          <a:bodyPr wrap="square">
+            <a:spAutoFit/>
+          </a:bodyPr>
+          <a:lstStyle/>
+          <a:p>
+            <a:r>
+              <a:rPr lang="en-US" sz="2400" dirty="0">
+                <a:solidFill>
+                  <a:srgbClr val="2B91AF"/>
+                </a:solidFill>
+                <a:highlight>
+                  <a:srgbClr val="FFFFFF"/>
+                </a:highlight>
+                <a:latin typeface="Consolas" panose="020B0609020204030204" pitchFamily="49" charset="0"/>
+              </a:rPr>
+              <a:t>11 </a:t>
+            </a:r>
+          </a:p>
+          <a:p>
+            <a:r>
+              <a:rPr lang="en-US" sz="2400" dirty="0">
+                <a:solidFill>
+                  <a:srgbClr val="2B91AF"/>
+                </a:solidFill>
+                <a:highlight>
+                  <a:srgbClr val="FFFFFF"/>
+                </a:highlight>
+                <a:latin typeface="Consolas" panose="020B0609020204030204" pitchFamily="49" charset="0"/>
+              </a:rPr>
+              <a:t>12 </a:t>
+            </a:r>
+          </a:p>
+          <a:p>
+            <a:r>
+              <a:rPr lang="en-US" sz="2400" dirty="0">
+                <a:solidFill>
+                  <a:srgbClr val="2B91AF"/>
+                </a:solidFill>
+                <a:highlight>
+                  <a:srgbClr val="FFFFFF"/>
+                </a:highlight>
+                <a:latin typeface="Consolas" panose="020B0609020204030204" pitchFamily="49" charset="0"/>
+              </a:rPr>
+              <a:t>13 </a:t>
+            </a:r>
+          </a:p>
+        </p:txBody>
+      </p:sp>
+      <p:sp>
+        <p:nvSpPr>
+          <p:cNvPr id="5" name="Rectangle 4"/>
+          <p:cNvSpPr/>
+          <p:nvPr/>
+        </p:nvSpPr>
+        <p:spPr>
+          <a:xfrm>
+            <a:off x="98762" y="1678587"/>
+            <a:ext cx="11976281" cy="1569660"/>
+          </a:xfrm>
+          <a:prstGeom prst="rect">
+            <a:avLst/>
+          </a:prstGeom>
+          <a:ln w="57150">
+            <a:solidFill>
+              <a:srgbClr val="FF0000"/>
+            </a:solidFill>
+          </a:ln>
+        </p:spPr>
+        <p:txBody>
+          <a:bodyPr wrap="square">
+            <a:spAutoFit/>
+          </a:bodyPr>
+          <a:lstStyle/>
+          <a:p>
+            <a:r>
+              <a:rPr lang="en-US" sz="2400" dirty="0" err="1" smtClean="0"/>
+              <a:t>System.InvalidCastException</a:t>
+            </a:r>
+            <a:r>
+              <a:rPr lang="en-US" sz="2400" dirty="0"/>
+              <a:t>: At least one element in the source array could not be cast down to the destination array type.</a:t>
+            </a:r>
+          </a:p>
+          <a:p>
+            <a:r>
+              <a:rPr lang="en-US" sz="2400" dirty="0"/>
+              <a:t>    at </a:t>
+            </a:r>
+            <a:r>
+              <a:rPr lang="en-US" sz="2400" u="sng" dirty="0" err="1" smtClean="0"/>
+              <a:t>System.Array</a:t>
+            </a:r>
+            <a:r>
+              <a:rPr lang="en-US" sz="2400" dirty="0" err="1" smtClean="0"/>
+              <a:t>.</a:t>
+            </a:r>
+            <a:r>
+              <a:rPr lang="en-US" sz="2400" u="sng" dirty="0" err="1" smtClean="0"/>
+              <a:t>Copy</a:t>
+            </a:r>
+            <a:r>
+              <a:rPr lang="en-US" sz="2400" dirty="0" smtClean="0"/>
+              <a:t>(Array</a:t>
+            </a:r>
+            <a:r>
+              <a:rPr lang="en-US" sz="2400" dirty="0"/>
+              <a:t> </a:t>
+            </a:r>
+            <a:r>
+              <a:rPr lang="en-US" sz="2400" dirty="0" smtClean="0"/>
+              <a:t>s,</a:t>
+            </a:r>
+            <a:r>
+              <a:rPr lang="en-US" sz="2400" dirty="0"/>
+              <a:t> Array </a:t>
+            </a:r>
+            <a:r>
+              <a:rPr lang="en-US" sz="2400" dirty="0" smtClean="0"/>
+              <a:t>d,</a:t>
+            </a:r>
+            <a:r>
+              <a:rPr lang="en-US" sz="2400" dirty="0"/>
+              <a:t> Int32 </a:t>
+            </a:r>
+            <a:r>
+              <a:rPr lang="en-US" sz="2400" dirty="0" smtClean="0"/>
+              <a:t>l) </a:t>
+            </a:r>
+          </a:p>
+          <a:p>
+            <a:r>
+              <a:rPr lang="en-US" sz="2400" dirty="0"/>
+              <a:t> </a:t>
+            </a:r>
+            <a:r>
+              <a:rPr lang="en-US" sz="2400" dirty="0" smtClean="0"/>
+              <a:t>   at </a:t>
+            </a:r>
+            <a:r>
+              <a:rPr lang="en-US" sz="2400" u="sng" dirty="0" err="1" smtClean="0"/>
+              <a:t>UnitTests</a:t>
+            </a:r>
+            <a:r>
+              <a:rPr lang="en-US" sz="2400" dirty="0" err="1" smtClean="0"/>
+              <a:t>.</a:t>
+            </a:r>
+            <a:r>
+              <a:rPr lang="en-US" sz="2400" u="sng" dirty="0" err="1" smtClean="0"/>
+              <a:t>ArrayCopy</a:t>
+            </a:r>
+            <a:r>
+              <a:rPr lang="en-US" sz="2400" dirty="0" smtClean="0"/>
+              <a:t>() </a:t>
+            </a:r>
+            <a:r>
+              <a:rPr lang="en-US" sz="2400" dirty="0"/>
+              <a:t>in </a:t>
+            </a:r>
+            <a:r>
+              <a:rPr lang="en-US" sz="2400" u="sng" dirty="0"/>
+              <a:t>UnitTest1.cs: line </a:t>
+            </a:r>
+            <a:r>
+              <a:rPr lang="en-US" sz="2400" u="sng" dirty="0" smtClean="0"/>
+              <a:t>13</a:t>
+            </a:r>
+          </a:p>
+        </p:txBody>
+      </p:sp>
+      <p:sp>
+        <p:nvSpPr>
+          <p:cNvPr id="7" name="TextBox 6"/>
+          <p:cNvSpPr txBox="1"/>
+          <p:nvPr/>
+        </p:nvSpPr>
+        <p:spPr>
+          <a:xfrm>
+            <a:off x="296996" y="3718790"/>
+            <a:ext cx="2355453" cy="2308324"/>
+          </a:xfrm>
+          <a:prstGeom prst="rect">
+            <a:avLst/>
+          </a:prstGeom>
+          <a:noFill/>
+          <a:ln>
+            <a:solidFill>
+              <a:schemeClr val="accent1"/>
+            </a:solidFill>
+          </a:ln>
+        </p:spPr>
+        <p:txBody>
+          <a:bodyPr wrap="none" rtlCol="0">
+            <a:spAutoFit/>
+          </a:bodyPr>
+          <a:lstStyle/>
+          <a:p>
+            <a:r>
+              <a:rPr lang="en-US" sz="2400" dirty="0" smtClean="0"/>
+              <a:t>What </a:t>
+            </a:r>
+            <a:r>
+              <a:rPr lang="en-US" sz="2400" dirty="0" smtClean="0"/>
+              <a:t>doesn’t fit</a:t>
+            </a:r>
+            <a:r>
+              <a:rPr lang="en-US" sz="2400" dirty="0" smtClean="0"/>
+              <a:t>?</a:t>
+            </a:r>
+            <a:endParaRPr lang="en-US" sz="2400" dirty="0" smtClean="0"/>
+          </a:p>
+          <a:p>
+            <a:r>
+              <a:rPr lang="en-US" sz="2400" b="1" dirty="0" smtClean="0">
+                <a:solidFill>
+                  <a:srgbClr val="FF0000"/>
+                </a:solidFill>
+              </a:rPr>
+              <a:t>A) </a:t>
+            </a:r>
+            <a:r>
+              <a:rPr lang="en-US" sz="2400" dirty="0" smtClean="0"/>
+              <a:t>Button</a:t>
+            </a:r>
+            <a:endParaRPr lang="en-US" sz="2400" dirty="0" smtClean="0"/>
+          </a:p>
+          <a:p>
+            <a:r>
+              <a:rPr lang="en-US" sz="2400" b="1" dirty="0" smtClean="0">
+                <a:solidFill>
+                  <a:srgbClr val="FFC000"/>
+                </a:solidFill>
+              </a:rPr>
+              <a:t>B) </a:t>
+            </a:r>
+            <a:r>
+              <a:rPr lang="en-US" sz="2400" dirty="0" smtClean="0"/>
+              <a:t>Form</a:t>
+            </a:r>
+            <a:endParaRPr lang="en-US" sz="2400" dirty="0" smtClean="0"/>
+          </a:p>
+          <a:p>
+            <a:r>
+              <a:rPr lang="en-US" sz="2400" b="1" dirty="0" smtClean="0">
+                <a:solidFill>
+                  <a:schemeClr val="accent2"/>
+                </a:solidFill>
+              </a:rPr>
+              <a:t>C)</a:t>
+            </a:r>
+            <a:r>
+              <a:rPr lang="en-US" sz="2400" dirty="0" smtClean="0">
+                <a:solidFill>
+                  <a:schemeClr val="accent2"/>
+                </a:solidFill>
+              </a:rPr>
+              <a:t> </a:t>
+            </a:r>
+            <a:r>
+              <a:rPr lang="en-US" sz="2400" dirty="0" smtClean="0"/>
+              <a:t>ToolTip</a:t>
+            </a:r>
+            <a:endParaRPr lang="en-US" sz="2400" dirty="0" smtClean="0"/>
+          </a:p>
+          <a:p>
+            <a:r>
+              <a:rPr lang="en-US" sz="2400" b="1" dirty="0" smtClean="0">
+                <a:solidFill>
+                  <a:srgbClr val="00B050"/>
+                </a:solidFill>
+              </a:rPr>
+              <a:t>D) </a:t>
+            </a:r>
+            <a:r>
+              <a:rPr lang="en-US" sz="2400" dirty="0" smtClean="0"/>
+              <a:t>I don’t know</a:t>
+            </a:r>
+          </a:p>
+          <a:p>
+            <a:endParaRPr lang="en-US" sz="2400" dirty="0"/>
+          </a:p>
+        </p:txBody>
+      </p:sp>
+      <p:sp>
+        <p:nvSpPr>
+          <p:cNvPr id="6" name="Rectangle 5"/>
+          <p:cNvSpPr/>
+          <p:nvPr/>
+        </p:nvSpPr>
+        <p:spPr>
+          <a:xfrm>
+            <a:off x="587381" y="377047"/>
+            <a:ext cx="11487662" cy="1200329"/>
+          </a:xfrm>
+          <a:prstGeom prst="rect">
+            <a:avLst/>
+          </a:prstGeom>
+        </p:spPr>
+        <p:txBody>
+          <a:bodyPr wrap="square">
+            <a:spAutoFit/>
+          </a:bodyPr>
+          <a:lstStyle/>
+          <a:p>
+            <a:r>
+              <a:rPr lang="en-US" sz="2400" dirty="0">
+                <a:solidFill>
+                  <a:srgbClr val="2B91AF"/>
+                </a:solidFill>
+                <a:highlight>
+                  <a:srgbClr val="FFFFFF"/>
+                </a:highlight>
+                <a:latin typeface="Consolas" panose="020B0609020204030204" pitchFamily="49" charset="0"/>
+              </a:rPr>
+              <a:t>Component</a:t>
+            </a:r>
+            <a:r>
+              <a:rPr lang="en-US" sz="2400" dirty="0">
+                <a:solidFill>
+                  <a:srgbClr val="000000"/>
+                </a:solidFill>
+                <a:highlight>
+                  <a:srgbClr val="FFFFFF"/>
+                </a:highlight>
+                <a:latin typeface="Consolas" panose="020B0609020204030204" pitchFamily="49" charset="0"/>
+              </a:rPr>
+              <a:t>[] from = { </a:t>
+            </a:r>
+            <a:r>
+              <a:rPr lang="en-US" sz="2400" dirty="0">
+                <a:solidFill>
+                  <a:srgbClr val="0000FF"/>
+                </a:solidFill>
+                <a:highlight>
+                  <a:srgbClr val="FFFFFF"/>
+                </a:highlight>
+                <a:latin typeface="Consolas" panose="020B0609020204030204" pitchFamily="49" charset="0"/>
+              </a:rPr>
+              <a:t>new</a:t>
+            </a:r>
+            <a:r>
+              <a:rPr lang="en-US" sz="2400" dirty="0">
+                <a:solidFill>
+                  <a:srgbClr val="000000"/>
+                </a:solidFill>
+                <a:highlight>
+                  <a:srgbClr val="FFFFFF"/>
+                </a:highlight>
+                <a:latin typeface="Consolas" panose="020B0609020204030204" pitchFamily="49" charset="0"/>
+              </a:rPr>
+              <a:t> </a:t>
+            </a:r>
+            <a:r>
+              <a:rPr lang="en-US" sz="2400" dirty="0">
+                <a:solidFill>
+                  <a:srgbClr val="2B91AF"/>
+                </a:solidFill>
+                <a:highlight>
+                  <a:srgbClr val="FFFFFF"/>
+                </a:highlight>
+                <a:latin typeface="Consolas" panose="020B0609020204030204" pitchFamily="49" charset="0"/>
+              </a:rPr>
+              <a:t>Button</a:t>
+            </a:r>
+            <a:r>
+              <a:rPr lang="en-US" sz="2400" dirty="0">
+                <a:solidFill>
+                  <a:srgbClr val="000000"/>
+                </a:solidFill>
+                <a:highlight>
+                  <a:srgbClr val="FFFFFF"/>
+                </a:highlight>
+                <a:latin typeface="Consolas" panose="020B0609020204030204" pitchFamily="49" charset="0"/>
+              </a:rPr>
+              <a:t>(), </a:t>
+            </a:r>
+            <a:r>
+              <a:rPr lang="en-US" sz="2400" dirty="0">
+                <a:solidFill>
+                  <a:srgbClr val="0000FF"/>
+                </a:solidFill>
+                <a:highlight>
+                  <a:srgbClr val="FFFFFF"/>
+                </a:highlight>
+                <a:latin typeface="Consolas" panose="020B0609020204030204" pitchFamily="49" charset="0"/>
+              </a:rPr>
+              <a:t>new</a:t>
+            </a:r>
+            <a:r>
+              <a:rPr lang="en-US" sz="2400" dirty="0">
+                <a:solidFill>
+                  <a:srgbClr val="000000"/>
+                </a:solidFill>
+                <a:highlight>
+                  <a:srgbClr val="FFFFFF"/>
+                </a:highlight>
+                <a:latin typeface="Consolas" panose="020B0609020204030204" pitchFamily="49" charset="0"/>
+              </a:rPr>
+              <a:t> </a:t>
+            </a:r>
+            <a:r>
+              <a:rPr lang="en-US" sz="2400" dirty="0">
+                <a:solidFill>
+                  <a:srgbClr val="2B91AF"/>
+                </a:solidFill>
+                <a:highlight>
+                  <a:srgbClr val="FFFFFF"/>
+                </a:highlight>
+                <a:latin typeface="Consolas" panose="020B0609020204030204" pitchFamily="49" charset="0"/>
+              </a:rPr>
+              <a:t>Form</a:t>
+            </a:r>
+            <a:r>
+              <a:rPr lang="en-US" sz="2400" dirty="0">
+                <a:solidFill>
+                  <a:srgbClr val="000000"/>
+                </a:solidFill>
+                <a:highlight>
+                  <a:srgbClr val="FFFFFF"/>
+                </a:highlight>
+                <a:latin typeface="Consolas" panose="020B0609020204030204" pitchFamily="49" charset="0"/>
+              </a:rPr>
+              <a:t>(), </a:t>
+            </a:r>
+            <a:r>
+              <a:rPr lang="en-US" sz="2400" dirty="0">
+                <a:solidFill>
+                  <a:srgbClr val="0000FF"/>
+                </a:solidFill>
+                <a:highlight>
+                  <a:srgbClr val="FFFFFF"/>
+                </a:highlight>
+                <a:latin typeface="Consolas" panose="020B0609020204030204" pitchFamily="49" charset="0"/>
+              </a:rPr>
+              <a:t>new</a:t>
+            </a:r>
+            <a:r>
+              <a:rPr lang="en-US" sz="2400" dirty="0">
+                <a:solidFill>
+                  <a:srgbClr val="000000"/>
+                </a:solidFill>
+                <a:highlight>
+                  <a:srgbClr val="FFFFFF"/>
+                </a:highlight>
+                <a:latin typeface="Consolas" panose="020B0609020204030204" pitchFamily="49" charset="0"/>
+              </a:rPr>
+              <a:t> </a:t>
+            </a:r>
+            <a:r>
+              <a:rPr lang="en-US" sz="2400" dirty="0">
+                <a:solidFill>
+                  <a:srgbClr val="2B91AF"/>
+                </a:solidFill>
+                <a:highlight>
+                  <a:srgbClr val="FFFFFF"/>
+                </a:highlight>
+                <a:latin typeface="Consolas" panose="020B0609020204030204" pitchFamily="49" charset="0"/>
+              </a:rPr>
+              <a:t>ToolTip</a:t>
+            </a:r>
+            <a:r>
+              <a:rPr lang="en-US" sz="2400" dirty="0">
+                <a:solidFill>
+                  <a:srgbClr val="000000"/>
+                </a:solidFill>
+                <a:highlight>
+                  <a:srgbClr val="FFFFFF"/>
+                </a:highlight>
+                <a:latin typeface="Consolas" panose="020B0609020204030204" pitchFamily="49" charset="0"/>
+              </a:rPr>
+              <a:t>(), };</a:t>
+            </a:r>
+          </a:p>
+          <a:p>
+            <a:r>
+              <a:rPr lang="en-US" sz="2400" dirty="0">
+                <a:solidFill>
+                  <a:srgbClr val="2B91AF"/>
+                </a:solidFill>
+                <a:highlight>
+                  <a:srgbClr val="FFFFFF"/>
+                </a:highlight>
+                <a:latin typeface="Consolas" panose="020B0609020204030204" pitchFamily="49" charset="0"/>
+              </a:rPr>
+              <a:t>Component</a:t>
+            </a:r>
+            <a:r>
+              <a:rPr lang="en-US" sz="2400" dirty="0">
+                <a:solidFill>
+                  <a:srgbClr val="000000"/>
+                </a:solidFill>
+                <a:highlight>
+                  <a:srgbClr val="FFFFFF"/>
+                </a:highlight>
+                <a:latin typeface="Consolas" panose="020B0609020204030204" pitchFamily="49" charset="0"/>
+              </a:rPr>
+              <a:t>[] to = </a:t>
+            </a:r>
+            <a:r>
+              <a:rPr lang="en-US" sz="2400" dirty="0">
+                <a:solidFill>
+                  <a:srgbClr val="0000FF"/>
+                </a:solidFill>
+                <a:highlight>
+                  <a:srgbClr val="FFFFFF"/>
+                </a:highlight>
+                <a:latin typeface="Consolas" panose="020B0609020204030204" pitchFamily="49" charset="0"/>
+              </a:rPr>
+              <a:t>new</a:t>
+            </a:r>
+            <a:r>
+              <a:rPr lang="en-US" sz="2400" dirty="0">
+                <a:solidFill>
+                  <a:srgbClr val="000000"/>
+                </a:solidFill>
+                <a:highlight>
+                  <a:srgbClr val="FFFFFF"/>
+                </a:highlight>
+                <a:latin typeface="Consolas" panose="020B0609020204030204" pitchFamily="49" charset="0"/>
+              </a:rPr>
+              <a:t> </a:t>
+            </a:r>
+            <a:r>
+              <a:rPr lang="en-US" sz="2400" dirty="0">
+                <a:solidFill>
+                  <a:srgbClr val="2B91AF"/>
+                </a:solidFill>
+                <a:highlight>
+                  <a:srgbClr val="FFFFFF"/>
+                </a:highlight>
+                <a:latin typeface="Consolas" panose="020B0609020204030204" pitchFamily="49" charset="0"/>
+              </a:rPr>
+              <a:t>Collage</a:t>
+            </a:r>
+            <a:r>
+              <a:rPr lang="en-US" sz="2400" dirty="0">
+                <a:solidFill>
+                  <a:srgbClr val="000000"/>
+                </a:solidFill>
+                <a:highlight>
+                  <a:srgbClr val="FFFFFF"/>
+                </a:highlight>
+                <a:latin typeface="Consolas" panose="020B0609020204030204" pitchFamily="49" charset="0"/>
+              </a:rPr>
+              <a:t>().</a:t>
+            </a:r>
+            <a:r>
+              <a:rPr lang="en-US" sz="2400" dirty="0" err="1">
+                <a:solidFill>
+                  <a:srgbClr val="000000"/>
+                </a:solidFill>
+                <a:highlight>
+                  <a:srgbClr val="FFFFFF"/>
+                </a:highlight>
+                <a:latin typeface="Consolas" panose="020B0609020204030204" pitchFamily="49" charset="0"/>
+              </a:rPr>
+              <a:t>GetMemories</a:t>
+            </a:r>
+            <a:r>
+              <a:rPr lang="en-US" sz="2400" dirty="0">
+                <a:solidFill>
+                  <a:srgbClr val="000000"/>
+                </a:solidFill>
+                <a:highlight>
+                  <a:srgbClr val="FFFFFF"/>
+                </a:highlight>
+                <a:latin typeface="Consolas" panose="020B0609020204030204" pitchFamily="49" charset="0"/>
+              </a:rPr>
+              <a:t>();</a:t>
+            </a:r>
+          </a:p>
+          <a:p>
+            <a:r>
+              <a:rPr lang="en-US" sz="2400" dirty="0" err="1">
+                <a:solidFill>
+                  <a:srgbClr val="2B91AF"/>
+                </a:solidFill>
+                <a:highlight>
+                  <a:srgbClr val="FFFFFF"/>
+                </a:highlight>
+                <a:latin typeface="Consolas" panose="020B0609020204030204" pitchFamily="49" charset="0"/>
+              </a:rPr>
+              <a:t>Array</a:t>
+            </a:r>
+            <a:r>
+              <a:rPr lang="en-US" sz="2400" dirty="0" err="1">
+                <a:solidFill>
+                  <a:srgbClr val="000000"/>
+                </a:solidFill>
+                <a:highlight>
+                  <a:srgbClr val="FFFFFF"/>
+                </a:highlight>
+                <a:latin typeface="Consolas" panose="020B0609020204030204" pitchFamily="49" charset="0"/>
+              </a:rPr>
+              <a:t>.Copy</a:t>
+            </a:r>
+            <a:r>
+              <a:rPr lang="en-US" sz="2400" dirty="0">
+                <a:solidFill>
+                  <a:srgbClr val="000000"/>
+                </a:solidFill>
+                <a:highlight>
+                  <a:srgbClr val="FFFFFF"/>
+                </a:highlight>
+                <a:latin typeface="Consolas" panose="020B0609020204030204" pitchFamily="49" charset="0"/>
+              </a:rPr>
+              <a:t>(from, to, </a:t>
+            </a:r>
+            <a:r>
+              <a:rPr lang="en-US" sz="2400" dirty="0" err="1">
+                <a:solidFill>
+                  <a:srgbClr val="000000"/>
+                </a:solidFill>
+                <a:highlight>
+                  <a:srgbClr val="FFFFFF"/>
+                </a:highlight>
+                <a:latin typeface="Consolas" panose="020B0609020204030204" pitchFamily="49" charset="0"/>
+              </a:rPr>
+              <a:t>from.Length</a:t>
+            </a:r>
+            <a:r>
+              <a:rPr lang="en-US" sz="2400" dirty="0">
+                <a:solidFill>
+                  <a:srgbClr val="000000"/>
+                </a:solidFill>
+                <a:highlight>
+                  <a:srgbClr val="FFFFFF"/>
+                </a:highlight>
+                <a:latin typeface="Consolas" panose="020B0609020204030204" pitchFamily="49" charset="0"/>
+              </a:rPr>
+              <a:t>);</a:t>
+            </a:r>
+            <a:endParaRPr lang="en-US" sz="2400" dirty="0"/>
+          </a:p>
+        </p:txBody>
+      </p:sp>
+    </p:spTree>
+    <p:extLst>
+      <p:ext uri="{BB962C8B-B14F-4D97-AF65-F5344CB8AC3E}">
+        <p14:creationId xmlns:p14="http://schemas.microsoft.com/office/powerpoint/2010/main" val="1218988702"/>
+      </p:ext>
+    </p:extLst>
+  </p:cSld>
+  <p:clrMapOvr>
+    <a:masterClrMapping/>
+  </p:clrMapOvr>
+  <p:timing>
+    <p:tnLst>
+      <p:par>
+        <p:cTn id="1" dur="indefinite" restart="never" nodeType="tmRoot">
+          <p:childTnLst>
+            <p:seq concurrent="1" nextAc="seek">
+              <p:cTn id="2" dur="indefinite" nodeType="mainSeq">
+                <p:childTnLst>
+                  <p:par>
+                    <p:cTn id="3" fill="hold">
+                      <p:stCondLst>
+                        <p:cond delay="indefinite"/>
+                      </p:stCondLst>
+                      <p:childTnLst>
+                        <p:par>
+                          <p:cTn id="4" fill="hold">
+                            <p:stCondLst>
+                              <p:cond delay="0"/>
+                            </p:stCondLst>
+                            <p:childTnLst>
+                              <p:par>
+                                <p:cTn id="5" presetID="1" presetClass="entr" presetSubtype="0" fill="hold" grpId="0" nodeType="clickEffect">
+                                  <p:stCondLst>
+                                    <p:cond delay="0"/>
+                                  </p:stCondLst>
+                                  <p:childTnLst>
+                                    <p:set>
+                                      <p:cBhvr>
+                                        <p:cTn id="6" dur="1" fill="hold">
+                                          <p:stCondLst>
+                                            <p:cond delay="0"/>
+                                          </p:stCondLst>
+                                        </p:cTn>
+                                        <p:tgtEl>
+                                          <p:spTgt spid="5"/>
+                                        </p:tgtEl>
+                                        <p:attrNameLst>
+                                          <p:attrName>style.visibility</p:attrName>
+                                        </p:attrNameLst>
+                                      </p:cBhvr>
+                                      <p:to>
+                                        <p:strVal val="visible"/>
+                                      </p:to>
+                                    </p:set>
+                                  </p:childTnLst>
+                                </p:cTn>
+                              </p:par>
+                            </p:childTnLst>
+                          </p:cTn>
+                        </p:par>
+                      </p:childTnLst>
+                    </p:cTn>
+                  </p:par>
+                  <p:par>
+                    <p:cTn id="7" fill="hold">
+                      <p:stCondLst>
+                        <p:cond delay="indefinite"/>
+                      </p:stCondLst>
+                      <p:childTnLst>
+                        <p:par>
+                          <p:cTn id="8" fill="hold">
+                            <p:stCondLst>
+                              <p:cond delay="0"/>
+                            </p:stCondLst>
+                            <p:childTnLst>
+                              <p:par>
+                                <p:cTn id="9" presetID="1" presetClass="entr" presetSubtype="0" fill="hold" grpId="0" nodeType="clickEffect">
+                                  <p:stCondLst>
+                                    <p:cond delay="0"/>
+                                  </p:stCondLst>
+                                  <p:childTnLst>
+                                    <p:set>
+                                      <p:cBhvr>
+                                        <p:cTn id="10" dur="1" fill="hold">
+                                          <p:stCondLst>
+                                            <p:cond delay="0"/>
+                                          </p:stCondLst>
+                                        </p:cTn>
+                                        <p:tgtEl>
+                                          <p:spTgt spid="7"/>
+                                        </p:tgtEl>
+                                        <p:attrNameLst>
+                                          <p:attrName>style.visibility</p:attrName>
+                                        </p:attrNameLst>
+                                      </p:cBhvr>
+                                      <p:to>
+                                        <p:strVal val="visible"/>
+                                      </p:to>
+                                    </p:set>
+                                  </p:childTnLst>
+                                </p:cTn>
+                              </p:par>
+                            </p:childTnLst>
+                          </p:cTn>
+                        </p:par>
+                      </p:childTnLst>
+                    </p:cTn>
+                  </p:par>
+                </p:childTnLst>
+              </p:cTn>
+              <p:prevCondLst>
+                <p:cond evt="onPrev" delay="0">
+                  <p:tgtEl>
+                    <p:sldTgt/>
+                  </p:tgtEl>
+                </p:cond>
+              </p:prevCondLst>
+              <p:nextCondLst>
+                <p:cond evt="onNext" delay="0">
+                  <p:tgtEl>
+                    <p:sldTgt/>
+                  </p:tgtEl>
+                </p:cond>
+              </p:nextCondLst>
+            </p:seq>
+          </p:childTnLst>
+        </p:cTn>
+      </p:par>
+    </p:tnLst>
+    <p:bldLst>
+      <p:bldP spid="5" grpId="0" animBg="1"/>
+      <p:bldP spid="7" grpId="0" animBg="1"/>
+    </p:bldLst>
+  </p:timing>
+</p:sld>
+</file>
+
+<file path=ppt/slides/slide13.xml><?xml version="1.0" encoding="utf-8"?>
+<p:sld xmlns:a="http://schemas.openxmlformats.org/drawingml/2006/main" xmlns:r="http://schemas.openxmlformats.org/officeDocument/2006/relationships" xmlns:p="http://schemas.openxmlformats.org/presentationml/2006/main">
+  <p:cSld>
+    <p:spTree>
+      <p:nvGrpSpPr>
+        <p:cNvPr id="1" name=""/>
+        <p:cNvGrpSpPr/>
+        <p:nvPr/>
+      </p:nvGrpSpPr>
+      <p:grpSpPr>
+        <a:xfrm>
+          <a:off x="0" y="0"/>
+          <a:ext cx="0" cy="0"/>
+          <a:chOff x="0" y="0"/>
+          <a:chExt cx="0" cy="0"/>
+        </a:xfrm>
+      </p:grpSpPr>
+      <p:sp>
+        <p:nvSpPr>
+          <p:cNvPr id="7" name="TextBox 6"/>
+          <p:cNvSpPr txBox="1"/>
+          <p:nvPr/>
+        </p:nvSpPr>
+        <p:spPr>
+          <a:xfrm>
+            <a:off x="1785555" y="1953786"/>
+            <a:ext cx="8039060" cy="2308324"/>
+          </a:xfrm>
+          <a:prstGeom prst="rect">
+            <a:avLst/>
+          </a:prstGeom>
+          <a:noFill/>
+          <a:ln>
+            <a:solidFill>
+              <a:schemeClr val="accent1"/>
+            </a:solidFill>
+          </a:ln>
+        </p:spPr>
+        <p:txBody>
+          <a:bodyPr wrap="none" rtlCol="0">
+            <a:spAutoFit/>
+          </a:bodyPr>
+          <a:lstStyle/>
+          <a:p>
+            <a:r>
+              <a:rPr lang="en-US" sz="2400" dirty="0" smtClean="0"/>
+              <a:t>Which error message would you prefer?</a:t>
+            </a:r>
+          </a:p>
+          <a:p>
+            <a:r>
+              <a:rPr lang="en-US" sz="2400" b="1" dirty="0" smtClean="0">
+                <a:solidFill>
+                  <a:srgbClr val="FF0000"/>
+                </a:solidFill>
+              </a:rPr>
+              <a:t>A) </a:t>
+            </a:r>
+            <a:r>
+              <a:rPr lang="en-US" sz="2400" dirty="0"/>
+              <a:t>1</a:t>
+            </a:r>
+            <a:r>
+              <a:rPr lang="en-US" sz="2400" dirty="0" smtClean="0"/>
+              <a:t> </a:t>
+            </a:r>
+            <a:r>
+              <a:rPr lang="en-US" sz="2400" dirty="0"/>
+              <a:t>element </a:t>
+            </a:r>
+            <a:r>
+              <a:rPr lang="en-US" sz="2400" dirty="0" smtClean="0"/>
+              <a:t>could </a:t>
+            </a:r>
+            <a:r>
+              <a:rPr lang="en-US" sz="2400" dirty="0"/>
+              <a:t>not be </a:t>
+            </a:r>
+            <a:r>
+              <a:rPr lang="en-US" sz="2400" dirty="0" smtClean="0"/>
+              <a:t>cast to </a:t>
+            </a:r>
+            <a:r>
+              <a:rPr lang="en-US" sz="2400" dirty="0"/>
+              <a:t>the destination array type</a:t>
+            </a:r>
+            <a:r>
+              <a:rPr lang="en-US" sz="2400" dirty="0" smtClean="0"/>
+              <a:t>.</a:t>
+            </a:r>
+            <a:endParaRPr lang="en-US" sz="2400" dirty="0" smtClean="0"/>
+          </a:p>
+          <a:p>
+            <a:r>
+              <a:rPr lang="en-US" sz="2400" b="1" dirty="0" smtClean="0">
+                <a:solidFill>
+                  <a:srgbClr val="FFC000"/>
+                </a:solidFill>
+              </a:rPr>
+              <a:t>B) </a:t>
+            </a:r>
+            <a:r>
+              <a:rPr lang="en-US" sz="2400" dirty="0"/>
+              <a:t>Element could not be cast to </a:t>
+            </a:r>
+            <a:r>
+              <a:rPr lang="en-US" sz="2400" dirty="0" smtClean="0"/>
+              <a:t>&lt;Control&gt;</a:t>
+            </a:r>
+            <a:endParaRPr lang="en-US" sz="2400" dirty="0"/>
+          </a:p>
+          <a:p>
+            <a:r>
+              <a:rPr lang="en-US" sz="2400" b="1" dirty="0" smtClean="0">
+                <a:solidFill>
+                  <a:schemeClr val="accent2"/>
+                </a:solidFill>
+              </a:rPr>
+              <a:t>C)</a:t>
+            </a:r>
+            <a:r>
+              <a:rPr lang="en-US" sz="2400" dirty="0" smtClean="0">
+                <a:solidFill>
+                  <a:schemeClr val="accent2"/>
+                </a:solidFill>
+              </a:rPr>
+              <a:t> </a:t>
+            </a:r>
+            <a:r>
+              <a:rPr lang="en-US" sz="2400" dirty="0" smtClean="0"/>
+              <a:t>&lt;Form&gt; could not be cast to destination array type &lt;Control&gt;</a:t>
+            </a:r>
+            <a:endParaRPr lang="en-US" sz="2400" dirty="0" smtClean="0"/>
+          </a:p>
+          <a:p>
+            <a:r>
+              <a:rPr lang="en-US" sz="2400" b="1" dirty="0" smtClean="0">
+                <a:solidFill>
+                  <a:srgbClr val="00B050"/>
+                </a:solidFill>
+              </a:rPr>
+              <a:t>D) </a:t>
+            </a:r>
+            <a:r>
+              <a:rPr lang="en-US" sz="2400" dirty="0" smtClean="0"/>
+              <a:t>Other</a:t>
+            </a:r>
+          </a:p>
+          <a:p>
+            <a:endParaRPr lang="en-US" sz="2400" dirty="0"/>
+          </a:p>
+        </p:txBody>
+      </p:sp>
+      <p:sp>
+        <p:nvSpPr>
+          <p:cNvPr id="4" name="Rectangle 3"/>
+          <p:cNvSpPr/>
+          <p:nvPr/>
+        </p:nvSpPr>
+        <p:spPr>
+          <a:xfrm>
+            <a:off x="850992" y="253937"/>
+            <a:ext cx="11027970" cy="523220"/>
+          </a:xfrm>
+          <a:prstGeom prst="rect">
+            <a:avLst/>
+          </a:prstGeom>
+        </p:spPr>
+        <p:txBody>
+          <a:bodyPr wrap="square">
+            <a:spAutoFit/>
+          </a:bodyPr>
+          <a:lstStyle/>
+          <a:p>
+            <a:r>
+              <a:rPr lang="en-US" sz="2800" dirty="0" err="1" smtClean="0">
+                <a:solidFill>
+                  <a:srgbClr val="2B91AF"/>
+                </a:solidFill>
+                <a:highlight>
+                  <a:srgbClr val="FFFFFF"/>
+                </a:highlight>
+                <a:latin typeface="Consolas" panose="020B0609020204030204" pitchFamily="49" charset="0"/>
+              </a:rPr>
+              <a:t>Array</a:t>
+            </a:r>
+            <a:r>
+              <a:rPr lang="en-US" sz="2800" dirty="0" err="1" smtClean="0">
+                <a:solidFill>
+                  <a:srgbClr val="000000"/>
+                </a:solidFill>
+                <a:highlight>
+                  <a:srgbClr val="FFFFFF"/>
+                </a:highlight>
+                <a:latin typeface="Consolas" panose="020B0609020204030204" pitchFamily="49" charset="0"/>
+              </a:rPr>
+              <a:t>.Copy</a:t>
+            </a:r>
+            <a:r>
+              <a:rPr lang="en-US" sz="2800" dirty="0" smtClean="0">
+                <a:solidFill>
+                  <a:srgbClr val="000000"/>
+                </a:solidFill>
+                <a:highlight>
+                  <a:srgbClr val="FFFFFF"/>
+                </a:highlight>
+                <a:latin typeface="Consolas" panose="020B0609020204030204" pitchFamily="49" charset="0"/>
+              </a:rPr>
+              <a:t>(from</a:t>
+            </a:r>
+            <a:r>
+              <a:rPr lang="en-US" sz="2800" dirty="0">
+                <a:solidFill>
+                  <a:srgbClr val="000000"/>
+                </a:solidFill>
+                <a:highlight>
+                  <a:srgbClr val="FFFFFF"/>
+                </a:highlight>
+                <a:latin typeface="Consolas" panose="020B0609020204030204" pitchFamily="49" charset="0"/>
+              </a:rPr>
+              <a:t>, to, </a:t>
+            </a:r>
+            <a:r>
+              <a:rPr lang="en-US" sz="2800" dirty="0" err="1">
+                <a:solidFill>
+                  <a:srgbClr val="000000"/>
+                </a:solidFill>
+                <a:highlight>
+                  <a:srgbClr val="FFFFFF"/>
+                </a:highlight>
+                <a:latin typeface="Consolas" panose="020B0609020204030204" pitchFamily="49" charset="0"/>
+              </a:rPr>
+              <a:t>from.Length</a:t>
+            </a:r>
+            <a:r>
+              <a:rPr lang="en-US" sz="2800" dirty="0">
+                <a:solidFill>
+                  <a:srgbClr val="000000"/>
+                </a:solidFill>
+                <a:highlight>
+                  <a:srgbClr val="FFFFFF"/>
+                </a:highlight>
+                <a:latin typeface="Consolas" panose="020B0609020204030204" pitchFamily="49" charset="0"/>
+              </a:rPr>
+              <a:t>);</a:t>
+            </a:r>
+            <a:endParaRPr lang="en-US" sz="2800" dirty="0"/>
+          </a:p>
+        </p:txBody>
+      </p:sp>
+      <p:sp>
+        <p:nvSpPr>
+          <p:cNvPr id="5" name="Rectangle 4"/>
+          <p:cNvSpPr/>
+          <p:nvPr/>
+        </p:nvSpPr>
+        <p:spPr>
+          <a:xfrm>
+            <a:off x="121941" y="253937"/>
+            <a:ext cx="580770" cy="523220"/>
+          </a:xfrm>
+          <a:prstGeom prst="rect">
+            <a:avLst/>
+          </a:prstGeom>
+        </p:spPr>
+        <p:txBody>
+          <a:bodyPr wrap="square">
+            <a:spAutoFit/>
+          </a:bodyPr>
+          <a:lstStyle/>
+          <a:p>
+            <a:r>
+              <a:rPr lang="en-US" sz="2800" dirty="0" smtClean="0">
+                <a:solidFill>
+                  <a:srgbClr val="2B91AF"/>
+                </a:solidFill>
+                <a:highlight>
+                  <a:srgbClr val="FFFFFF"/>
+                </a:highlight>
+                <a:latin typeface="Consolas" panose="020B0609020204030204" pitchFamily="49" charset="0"/>
+              </a:rPr>
+              <a:t>13</a:t>
+            </a:r>
+            <a:r>
+              <a:rPr lang="en-US" sz="2400" dirty="0" smtClean="0">
+                <a:solidFill>
+                  <a:srgbClr val="2B91AF"/>
+                </a:solidFill>
+                <a:highlight>
+                  <a:srgbClr val="FFFFFF"/>
+                </a:highlight>
+                <a:latin typeface="Consolas" panose="020B0609020204030204" pitchFamily="49" charset="0"/>
+              </a:rPr>
+              <a:t> </a:t>
+            </a:r>
+            <a:endParaRPr lang="en-US" sz="2400" dirty="0">
+              <a:solidFill>
+                <a:srgbClr val="2B91AF"/>
+              </a:solidFill>
+              <a:highlight>
+                <a:srgbClr val="FFFFFF"/>
+              </a:highlight>
+              <a:latin typeface="Consolas" panose="020B0609020204030204" pitchFamily="49" charset="0"/>
+            </a:endParaRPr>
+          </a:p>
+        </p:txBody>
+      </p:sp>
+    </p:spTree>
+    <p:extLst>
+      <p:ext uri="{BB962C8B-B14F-4D97-AF65-F5344CB8AC3E}">
+        <p14:creationId xmlns:p14="http://schemas.microsoft.com/office/powerpoint/2010/main" val="3931629971"/>
+      </p:ext>
+    </p:extLst>
+  </p:cSld>
+  <p:clrMapOvr>
+    <a:masterClrMapping/>
+  </p:clrMapOvr>
+  <p:timing>
+    <p:tnLst>
+      <p:par>
+        <p:cTn id="1" dur="indefinite" restart="never" nodeType="tmRoot"/>
+      </p:par>
+    </p:tnLst>
+  </p:timing>
+</p:sld>
+</file>
+
+<file path=ppt/slides/slide14.xml><?xml version="1.0" encoding="utf-8"?>
+<p:sld xmlns:a="http://schemas.openxmlformats.org/drawingml/2006/main" xmlns:r="http://schemas.openxmlformats.org/officeDocument/2006/relationships" xmlns:p="http://schemas.openxmlformats.org/presentationml/2006/main">
+  <p:cSld>
+    <p:spTree>
+      <p:nvGrpSpPr>
+        <p:cNvPr id="1" name=""/>
+        <p:cNvGrpSpPr/>
+        <p:nvPr/>
+      </p:nvGrpSpPr>
+      <p:grpSpPr>
+        <a:xfrm>
+          <a:off x="0" y="0"/>
+          <a:ext cx="0" cy="0"/>
+          <a:chOff x="0" y="0"/>
+          <a:chExt cx="0" cy="0"/>
+        </a:xfrm>
+      </p:grpSpPr>
+      <p:sp>
+        <p:nvSpPr>
+          <p:cNvPr id="3" name="Rectangle 2"/>
+          <p:cNvSpPr/>
+          <p:nvPr/>
+        </p:nvSpPr>
+        <p:spPr>
+          <a:xfrm>
+            <a:off x="6611" y="377047"/>
+            <a:ext cx="580770" cy="1200329"/>
+          </a:xfrm>
+          <a:prstGeom prst="rect">
+            <a:avLst/>
+          </a:prstGeom>
+        </p:spPr>
+        <p:txBody>
+          <a:bodyPr wrap="square">
+            <a:spAutoFit/>
+          </a:bodyPr>
+          <a:lstStyle/>
+          <a:p>
+            <a:r>
+              <a:rPr lang="en-US" sz="2400" dirty="0">
+                <a:solidFill>
+                  <a:srgbClr val="2B91AF"/>
+                </a:solidFill>
+                <a:highlight>
+                  <a:srgbClr val="FFFFFF"/>
+                </a:highlight>
+                <a:latin typeface="Consolas" panose="020B0609020204030204" pitchFamily="49" charset="0"/>
+              </a:rPr>
+              <a:t>11 </a:t>
+            </a:r>
+          </a:p>
+          <a:p>
+            <a:r>
+              <a:rPr lang="en-US" sz="2400" dirty="0">
+                <a:solidFill>
+                  <a:srgbClr val="2B91AF"/>
+                </a:solidFill>
+                <a:highlight>
+                  <a:srgbClr val="FFFFFF"/>
+                </a:highlight>
+                <a:latin typeface="Consolas" panose="020B0609020204030204" pitchFamily="49" charset="0"/>
+              </a:rPr>
+              <a:t>12 </a:t>
+            </a:r>
+          </a:p>
+          <a:p>
+            <a:r>
+              <a:rPr lang="en-US" sz="2400" dirty="0">
+                <a:solidFill>
+                  <a:srgbClr val="2B91AF"/>
+                </a:solidFill>
+                <a:highlight>
+                  <a:srgbClr val="FFFFFF"/>
+                </a:highlight>
+                <a:latin typeface="Consolas" panose="020B0609020204030204" pitchFamily="49" charset="0"/>
+              </a:rPr>
+              <a:t>13 </a:t>
+            </a:r>
+          </a:p>
+        </p:txBody>
+      </p:sp>
+      <p:sp>
+        <p:nvSpPr>
+          <p:cNvPr id="5" name="Rectangle 4"/>
+          <p:cNvSpPr/>
+          <p:nvPr/>
+        </p:nvSpPr>
+        <p:spPr>
+          <a:xfrm>
+            <a:off x="98762" y="1678587"/>
+            <a:ext cx="11976281" cy="1200329"/>
+          </a:xfrm>
+          <a:prstGeom prst="rect">
+            <a:avLst/>
+          </a:prstGeom>
+          <a:ln w="57150">
+            <a:solidFill>
+              <a:srgbClr val="FF0000"/>
+            </a:solidFill>
+          </a:ln>
+        </p:spPr>
+        <p:txBody>
+          <a:bodyPr wrap="square">
+            <a:spAutoFit/>
+          </a:bodyPr>
+          <a:lstStyle/>
+          <a:p>
+            <a:r>
+              <a:rPr lang="en-US" sz="2400" dirty="0" err="1" smtClean="0"/>
+              <a:t>System.InvalidCastException</a:t>
+            </a:r>
+            <a:r>
+              <a:rPr lang="en-US" sz="2400" dirty="0"/>
+              <a:t>: </a:t>
+            </a:r>
+            <a:r>
+              <a:rPr lang="en-US" sz="2400" dirty="0"/>
+              <a:t>&lt;Form&gt; could not be cast to destination array type &lt;Control&gt;</a:t>
+            </a:r>
+          </a:p>
+          <a:p>
+            <a:r>
+              <a:rPr lang="en-US" sz="2400" dirty="0" smtClean="0"/>
+              <a:t>    </a:t>
+            </a:r>
+            <a:r>
+              <a:rPr lang="en-US" sz="2400" dirty="0"/>
+              <a:t>at </a:t>
+            </a:r>
+            <a:r>
+              <a:rPr lang="en-US" sz="2400" u="sng" dirty="0" err="1" smtClean="0"/>
+              <a:t>System.Array</a:t>
+            </a:r>
+            <a:r>
+              <a:rPr lang="en-US" sz="2400" dirty="0" err="1" smtClean="0"/>
+              <a:t>.</a:t>
+            </a:r>
+            <a:r>
+              <a:rPr lang="en-US" sz="2400" u="sng" dirty="0" err="1" smtClean="0"/>
+              <a:t>Copy</a:t>
+            </a:r>
+            <a:r>
+              <a:rPr lang="en-US" sz="2400" dirty="0" smtClean="0"/>
+              <a:t>(Array</a:t>
+            </a:r>
+            <a:r>
+              <a:rPr lang="en-US" sz="2400" dirty="0"/>
+              <a:t> </a:t>
+            </a:r>
+            <a:r>
+              <a:rPr lang="en-US" sz="2400" dirty="0" smtClean="0"/>
+              <a:t>s,</a:t>
+            </a:r>
+            <a:r>
+              <a:rPr lang="en-US" sz="2400" dirty="0"/>
+              <a:t> Array </a:t>
+            </a:r>
+            <a:r>
+              <a:rPr lang="en-US" sz="2400" dirty="0" smtClean="0"/>
+              <a:t>d,</a:t>
+            </a:r>
+            <a:r>
+              <a:rPr lang="en-US" sz="2400" dirty="0"/>
+              <a:t> Int32 </a:t>
+            </a:r>
+            <a:r>
+              <a:rPr lang="en-US" sz="2400" dirty="0" smtClean="0"/>
+              <a:t>l) </a:t>
+            </a:r>
+          </a:p>
+          <a:p>
+            <a:r>
+              <a:rPr lang="en-US" sz="2400" dirty="0"/>
+              <a:t> </a:t>
+            </a:r>
+            <a:r>
+              <a:rPr lang="en-US" sz="2400" dirty="0" smtClean="0"/>
+              <a:t>   at </a:t>
+            </a:r>
+            <a:r>
+              <a:rPr lang="en-US" sz="2400" u="sng" dirty="0" err="1" smtClean="0"/>
+              <a:t>UnitTests</a:t>
+            </a:r>
+            <a:r>
+              <a:rPr lang="en-US" sz="2400" dirty="0" err="1" smtClean="0"/>
+              <a:t>.</a:t>
+            </a:r>
+            <a:r>
+              <a:rPr lang="en-US" sz="2400" u="sng" dirty="0" err="1" smtClean="0"/>
+              <a:t>ArrayCopy</a:t>
+            </a:r>
+            <a:r>
+              <a:rPr lang="en-US" sz="2400" dirty="0" smtClean="0"/>
+              <a:t>() </a:t>
+            </a:r>
+            <a:r>
+              <a:rPr lang="en-US" sz="2400" dirty="0"/>
+              <a:t>in </a:t>
+            </a:r>
+            <a:r>
+              <a:rPr lang="en-US" sz="2400" u="sng" dirty="0"/>
+              <a:t>UnitTest1.cs: line </a:t>
+            </a:r>
+            <a:r>
+              <a:rPr lang="en-US" sz="2400" u="sng" dirty="0" smtClean="0"/>
+              <a:t>13</a:t>
+            </a:r>
+          </a:p>
+        </p:txBody>
+      </p:sp>
+      <p:sp>
+        <p:nvSpPr>
+          <p:cNvPr id="7" name="TextBox 6"/>
+          <p:cNvSpPr txBox="1"/>
+          <p:nvPr/>
+        </p:nvSpPr>
+        <p:spPr>
+          <a:xfrm>
+            <a:off x="296996" y="3718790"/>
+            <a:ext cx="2355453" cy="2308324"/>
+          </a:xfrm>
+          <a:prstGeom prst="rect">
+            <a:avLst/>
+          </a:prstGeom>
+          <a:noFill/>
+          <a:ln>
+            <a:solidFill>
+              <a:schemeClr val="accent1"/>
+            </a:solidFill>
+          </a:ln>
+        </p:spPr>
+        <p:txBody>
+          <a:bodyPr wrap="none" rtlCol="0">
+            <a:spAutoFit/>
+          </a:bodyPr>
+          <a:lstStyle/>
+          <a:p>
+            <a:r>
+              <a:rPr lang="en-US" sz="2400" dirty="0" smtClean="0"/>
+              <a:t>What </a:t>
+            </a:r>
+            <a:r>
+              <a:rPr lang="en-US" sz="2400" dirty="0" smtClean="0"/>
+              <a:t>doesn’t fit</a:t>
+            </a:r>
+            <a:r>
+              <a:rPr lang="en-US" sz="2400" dirty="0" smtClean="0"/>
+              <a:t>?</a:t>
+            </a:r>
+            <a:endParaRPr lang="en-US" sz="2400" dirty="0" smtClean="0"/>
+          </a:p>
+          <a:p>
+            <a:r>
+              <a:rPr lang="en-US" sz="2400" b="1" dirty="0" smtClean="0">
+                <a:solidFill>
+                  <a:srgbClr val="FF0000"/>
+                </a:solidFill>
+              </a:rPr>
+              <a:t>A) </a:t>
+            </a:r>
+            <a:r>
+              <a:rPr lang="en-US" sz="2400" dirty="0" smtClean="0"/>
+              <a:t>Button</a:t>
+            </a:r>
+            <a:endParaRPr lang="en-US" sz="2400" dirty="0" smtClean="0"/>
+          </a:p>
+          <a:p>
+            <a:r>
+              <a:rPr lang="en-US" sz="2400" b="1" dirty="0" smtClean="0">
+                <a:solidFill>
+                  <a:srgbClr val="FFC000"/>
+                </a:solidFill>
+              </a:rPr>
+              <a:t>B) </a:t>
+            </a:r>
+            <a:r>
+              <a:rPr lang="en-US" sz="2400" dirty="0" smtClean="0"/>
+              <a:t>Form</a:t>
+            </a:r>
+            <a:endParaRPr lang="en-US" sz="2400" dirty="0" smtClean="0"/>
+          </a:p>
+          <a:p>
+            <a:r>
+              <a:rPr lang="en-US" sz="2400" b="1" dirty="0" smtClean="0">
+                <a:solidFill>
+                  <a:schemeClr val="accent2"/>
+                </a:solidFill>
+              </a:rPr>
+              <a:t>C)</a:t>
+            </a:r>
+            <a:r>
+              <a:rPr lang="en-US" sz="2400" dirty="0" smtClean="0">
+                <a:solidFill>
+                  <a:schemeClr val="accent2"/>
+                </a:solidFill>
+              </a:rPr>
+              <a:t> </a:t>
+            </a:r>
+            <a:r>
+              <a:rPr lang="en-US" sz="2400" dirty="0" smtClean="0"/>
+              <a:t>ToolTip</a:t>
+            </a:r>
+            <a:endParaRPr lang="en-US" sz="2400" dirty="0" smtClean="0"/>
+          </a:p>
+          <a:p>
+            <a:r>
+              <a:rPr lang="en-US" sz="2400" b="1" dirty="0" smtClean="0">
+                <a:solidFill>
+                  <a:srgbClr val="00B050"/>
+                </a:solidFill>
+              </a:rPr>
+              <a:t>D) </a:t>
+            </a:r>
+            <a:r>
+              <a:rPr lang="en-US" sz="2400" dirty="0" smtClean="0"/>
+              <a:t>I don’t know</a:t>
+            </a:r>
+          </a:p>
+          <a:p>
+            <a:endParaRPr lang="en-US" sz="2400" dirty="0"/>
+          </a:p>
+        </p:txBody>
+      </p:sp>
+      <p:sp>
+        <p:nvSpPr>
+          <p:cNvPr id="6" name="Rectangle 5"/>
+          <p:cNvSpPr/>
+          <p:nvPr/>
+        </p:nvSpPr>
+        <p:spPr>
+          <a:xfrm>
+            <a:off x="587381" y="377047"/>
+            <a:ext cx="11487662" cy="1200329"/>
+          </a:xfrm>
+          <a:prstGeom prst="rect">
+            <a:avLst/>
+          </a:prstGeom>
+        </p:spPr>
+        <p:txBody>
+          <a:bodyPr wrap="square">
+            <a:spAutoFit/>
+          </a:bodyPr>
+          <a:lstStyle/>
+          <a:p>
+            <a:r>
+              <a:rPr lang="en-US" sz="2400" dirty="0">
+                <a:solidFill>
+                  <a:srgbClr val="2B91AF"/>
+                </a:solidFill>
+                <a:highlight>
+                  <a:srgbClr val="FFFFFF"/>
+                </a:highlight>
+                <a:latin typeface="Consolas" panose="020B0609020204030204" pitchFamily="49" charset="0"/>
+              </a:rPr>
+              <a:t>Component</a:t>
+            </a:r>
+            <a:r>
+              <a:rPr lang="en-US" sz="2400" dirty="0">
+                <a:solidFill>
+                  <a:srgbClr val="000000"/>
+                </a:solidFill>
+                <a:highlight>
+                  <a:srgbClr val="FFFFFF"/>
+                </a:highlight>
+                <a:latin typeface="Consolas" panose="020B0609020204030204" pitchFamily="49" charset="0"/>
+              </a:rPr>
+              <a:t>[] from = { </a:t>
+            </a:r>
+            <a:r>
+              <a:rPr lang="en-US" sz="2400" dirty="0">
+                <a:solidFill>
+                  <a:srgbClr val="0000FF"/>
+                </a:solidFill>
+                <a:highlight>
+                  <a:srgbClr val="FFFFFF"/>
+                </a:highlight>
+                <a:latin typeface="Consolas" panose="020B0609020204030204" pitchFamily="49" charset="0"/>
+              </a:rPr>
+              <a:t>new</a:t>
+            </a:r>
+            <a:r>
+              <a:rPr lang="en-US" sz="2400" dirty="0">
+                <a:solidFill>
+                  <a:srgbClr val="000000"/>
+                </a:solidFill>
+                <a:highlight>
+                  <a:srgbClr val="FFFFFF"/>
+                </a:highlight>
+                <a:latin typeface="Consolas" panose="020B0609020204030204" pitchFamily="49" charset="0"/>
+              </a:rPr>
+              <a:t> </a:t>
+            </a:r>
+            <a:r>
+              <a:rPr lang="en-US" sz="2400" dirty="0">
+                <a:solidFill>
+                  <a:srgbClr val="2B91AF"/>
+                </a:solidFill>
+                <a:highlight>
+                  <a:srgbClr val="FFFFFF"/>
+                </a:highlight>
+                <a:latin typeface="Consolas" panose="020B0609020204030204" pitchFamily="49" charset="0"/>
+              </a:rPr>
+              <a:t>Button</a:t>
+            </a:r>
+            <a:r>
+              <a:rPr lang="en-US" sz="2400" dirty="0">
+                <a:solidFill>
+                  <a:srgbClr val="000000"/>
+                </a:solidFill>
+                <a:highlight>
+                  <a:srgbClr val="FFFFFF"/>
+                </a:highlight>
+                <a:latin typeface="Consolas" panose="020B0609020204030204" pitchFamily="49" charset="0"/>
+              </a:rPr>
+              <a:t>(), </a:t>
+            </a:r>
+            <a:r>
+              <a:rPr lang="en-US" sz="2400" dirty="0">
+                <a:solidFill>
+                  <a:srgbClr val="0000FF"/>
+                </a:solidFill>
+                <a:highlight>
+                  <a:srgbClr val="FFFFFF"/>
+                </a:highlight>
+                <a:latin typeface="Consolas" panose="020B0609020204030204" pitchFamily="49" charset="0"/>
+              </a:rPr>
+              <a:t>new</a:t>
+            </a:r>
+            <a:r>
+              <a:rPr lang="en-US" sz="2400" dirty="0">
+                <a:solidFill>
+                  <a:srgbClr val="000000"/>
+                </a:solidFill>
+                <a:highlight>
+                  <a:srgbClr val="FFFFFF"/>
+                </a:highlight>
+                <a:latin typeface="Consolas" panose="020B0609020204030204" pitchFamily="49" charset="0"/>
+              </a:rPr>
+              <a:t> </a:t>
+            </a:r>
+            <a:r>
+              <a:rPr lang="en-US" sz="2400" dirty="0">
+                <a:solidFill>
+                  <a:srgbClr val="2B91AF"/>
+                </a:solidFill>
+                <a:highlight>
+                  <a:srgbClr val="FFFFFF"/>
+                </a:highlight>
+                <a:latin typeface="Consolas" panose="020B0609020204030204" pitchFamily="49" charset="0"/>
+              </a:rPr>
+              <a:t>Form</a:t>
+            </a:r>
+            <a:r>
+              <a:rPr lang="en-US" sz="2400" dirty="0">
+                <a:solidFill>
+                  <a:srgbClr val="000000"/>
+                </a:solidFill>
+                <a:highlight>
+                  <a:srgbClr val="FFFFFF"/>
+                </a:highlight>
+                <a:latin typeface="Consolas" panose="020B0609020204030204" pitchFamily="49" charset="0"/>
+              </a:rPr>
+              <a:t>(), </a:t>
+            </a:r>
+            <a:r>
+              <a:rPr lang="en-US" sz="2400" dirty="0">
+                <a:solidFill>
+                  <a:srgbClr val="0000FF"/>
+                </a:solidFill>
+                <a:highlight>
+                  <a:srgbClr val="FFFFFF"/>
+                </a:highlight>
+                <a:latin typeface="Consolas" panose="020B0609020204030204" pitchFamily="49" charset="0"/>
+              </a:rPr>
+              <a:t>new</a:t>
+            </a:r>
+            <a:r>
+              <a:rPr lang="en-US" sz="2400" dirty="0">
+                <a:solidFill>
+                  <a:srgbClr val="000000"/>
+                </a:solidFill>
+                <a:highlight>
+                  <a:srgbClr val="FFFFFF"/>
+                </a:highlight>
+                <a:latin typeface="Consolas" panose="020B0609020204030204" pitchFamily="49" charset="0"/>
+              </a:rPr>
+              <a:t> </a:t>
+            </a:r>
+            <a:r>
+              <a:rPr lang="en-US" sz="2400" dirty="0">
+                <a:solidFill>
+                  <a:srgbClr val="2B91AF"/>
+                </a:solidFill>
+                <a:highlight>
+                  <a:srgbClr val="FFFFFF"/>
+                </a:highlight>
+                <a:latin typeface="Consolas" panose="020B0609020204030204" pitchFamily="49" charset="0"/>
+              </a:rPr>
+              <a:t>ToolTip</a:t>
+            </a:r>
+            <a:r>
+              <a:rPr lang="en-US" sz="2400" dirty="0">
+                <a:solidFill>
+                  <a:srgbClr val="000000"/>
+                </a:solidFill>
+                <a:highlight>
+                  <a:srgbClr val="FFFFFF"/>
+                </a:highlight>
+                <a:latin typeface="Consolas" panose="020B0609020204030204" pitchFamily="49" charset="0"/>
+              </a:rPr>
+              <a:t>(), };</a:t>
+            </a:r>
+          </a:p>
+          <a:p>
+            <a:r>
+              <a:rPr lang="en-US" sz="2400" dirty="0">
+                <a:solidFill>
+                  <a:srgbClr val="2B91AF"/>
+                </a:solidFill>
+                <a:highlight>
+                  <a:srgbClr val="FFFFFF"/>
+                </a:highlight>
+                <a:latin typeface="Consolas" panose="020B0609020204030204" pitchFamily="49" charset="0"/>
+              </a:rPr>
+              <a:t>Component</a:t>
+            </a:r>
+            <a:r>
+              <a:rPr lang="en-US" sz="2400" dirty="0">
+                <a:solidFill>
+                  <a:srgbClr val="000000"/>
+                </a:solidFill>
+                <a:highlight>
+                  <a:srgbClr val="FFFFFF"/>
+                </a:highlight>
+                <a:latin typeface="Consolas" panose="020B0609020204030204" pitchFamily="49" charset="0"/>
+              </a:rPr>
+              <a:t>[] to = </a:t>
+            </a:r>
+            <a:r>
+              <a:rPr lang="en-US" sz="2400" dirty="0">
+                <a:solidFill>
+                  <a:srgbClr val="0000FF"/>
+                </a:solidFill>
+                <a:highlight>
+                  <a:srgbClr val="FFFFFF"/>
+                </a:highlight>
+                <a:latin typeface="Consolas" panose="020B0609020204030204" pitchFamily="49" charset="0"/>
+              </a:rPr>
+              <a:t>new</a:t>
+            </a:r>
+            <a:r>
+              <a:rPr lang="en-US" sz="2400" dirty="0">
+                <a:solidFill>
+                  <a:srgbClr val="000000"/>
+                </a:solidFill>
+                <a:highlight>
+                  <a:srgbClr val="FFFFFF"/>
+                </a:highlight>
+                <a:latin typeface="Consolas" panose="020B0609020204030204" pitchFamily="49" charset="0"/>
+              </a:rPr>
+              <a:t> </a:t>
+            </a:r>
+            <a:r>
+              <a:rPr lang="en-US" sz="2400" dirty="0">
+                <a:solidFill>
+                  <a:srgbClr val="2B91AF"/>
+                </a:solidFill>
+                <a:highlight>
+                  <a:srgbClr val="FFFFFF"/>
+                </a:highlight>
+                <a:latin typeface="Consolas" panose="020B0609020204030204" pitchFamily="49" charset="0"/>
+              </a:rPr>
+              <a:t>Collage</a:t>
+            </a:r>
+            <a:r>
+              <a:rPr lang="en-US" sz="2400" dirty="0">
+                <a:solidFill>
+                  <a:srgbClr val="000000"/>
+                </a:solidFill>
+                <a:highlight>
+                  <a:srgbClr val="FFFFFF"/>
+                </a:highlight>
+                <a:latin typeface="Consolas" panose="020B0609020204030204" pitchFamily="49" charset="0"/>
+              </a:rPr>
+              <a:t>().</a:t>
+            </a:r>
+            <a:r>
+              <a:rPr lang="en-US" sz="2400" dirty="0" err="1">
+                <a:solidFill>
+                  <a:srgbClr val="000000"/>
+                </a:solidFill>
+                <a:highlight>
+                  <a:srgbClr val="FFFFFF"/>
+                </a:highlight>
+                <a:latin typeface="Consolas" panose="020B0609020204030204" pitchFamily="49" charset="0"/>
+              </a:rPr>
+              <a:t>GetMemories</a:t>
+            </a:r>
+            <a:r>
+              <a:rPr lang="en-US" sz="2400" dirty="0">
+                <a:solidFill>
+                  <a:srgbClr val="000000"/>
+                </a:solidFill>
+                <a:highlight>
+                  <a:srgbClr val="FFFFFF"/>
+                </a:highlight>
+                <a:latin typeface="Consolas" panose="020B0609020204030204" pitchFamily="49" charset="0"/>
+              </a:rPr>
+              <a:t>();</a:t>
+            </a:r>
+          </a:p>
+          <a:p>
+            <a:r>
+              <a:rPr lang="en-US" sz="2400" dirty="0" err="1">
+                <a:solidFill>
+                  <a:srgbClr val="2B91AF"/>
+                </a:solidFill>
+                <a:highlight>
+                  <a:srgbClr val="FFFFFF"/>
+                </a:highlight>
+                <a:latin typeface="Consolas" panose="020B0609020204030204" pitchFamily="49" charset="0"/>
+              </a:rPr>
+              <a:t>Array</a:t>
+            </a:r>
+            <a:r>
+              <a:rPr lang="en-US" sz="2400" dirty="0" err="1">
+                <a:solidFill>
+                  <a:srgbClr val="000000"/>
+                </a:solidFill>
+                <a:highlight>
+                  <a:srgbClr val="FFFFFF"/>
+                </a:highlight>
+                <a:latin typeface="Consolas" panose="020B0609020204030204" pitchFamily="49" charset="0"/>
+              </a:rPr>
+              <a:t>.Copy</a:t>
+            </a:r>
+            <a:r>
+              <a:rPr lang="en-US" sz="2400" dirty="0">
+                <a:solidFill>
+                  <a:srgbClr val="000000"/>
+                </a:solidFill>
+                <a:highlight>
+                  <a:srgbClr val="FFFFFF"/>
+                </a:highlight>
+                <a:latin typeface="Consolas" panose="020B0609020204030204" pitchFamily="49" charset="0"/>
+              </a:rPr>
+              <a:t>(from, to, </a:t>
+            </a:r>
+            <a:r>
+              <a:rPr lang="en-US" sz="2400" dirty="0" err="1">
+                <a:solidFill>
+                  <a:srgbClr val="000000"/>
+                </a:solidFill>
+                <a:highlight>
+                  <a:srgbClr val="FFFFFF"/>
+                </a:highlight>
+                <a:latin typeface="Consolas" panose="020B0609020204030204" pitchFamily="49" charset="0"/>
+              </a:rPr>
+              <a:t>from.Length</a:t>
+            </a:r>
+            <a:r>
+              <a:rPr lang="en-US" sz="2400" dirty="0">
+                <a:solidFill>
+                  <a:srgbClr val="000000"/>
+                </a:solidFill>
+                <a:highlight>
+                  <a:srgbClr val="FFFFFF"/>
+                </a:highlight>
+                <a:latin typeface="Consolas" panose="020B0609020204030204" pitchFamily="49" charset="0"/>
+              </a:rPr>
+              <a:t>);</a:t>
+            </a:r>
+            <a:endParaRPr lang="en-US" sz="2400" dirty="0"/>
+          </a:p>
+        </p:txBody>
+      </p:sp>
+    </p:spTree>
+    <p:extLst>
+      <p:ext uri="{BB962C8B-B14F-4D97-AF65-F5344CB8AC3E}">
+        <p14:creationId xmlns:p14="http://schemas.microsoft.com/office/powerpoint/2010/main" val="3944694035"/>
+      </p:ext>
+    </p:extLst>
+  </p:cSld>
+  <p:clrMapOvr>
+    <a:masterClrMapping/>
+  </p:clrMapOvr>
+  <p:timing>
+    <p:tnLst>
+      <p:par>
+        <p:cTn id="1" dur="indefinite" restart="never" nodeType="tmRoot">
+          <p:childTnLst>
+            <p:seq concurrent="1" nextAc="seek">
+              <p:cTn id="2" dur="indefinite" nodeType="mainSeq">
+                <p:childTnLst>
+                  <p:par>
+                    <p:cTn id="3" fill="hold">
+                      <p:stCondLst>
+                        <p:cond delay="indefinite"/>
+                      </p:stCondLst>
+                      <p:childTnLst>
+                        <p:par>
+                          <p:cTn id="4" fill="hold">
+                            <p:stCondLst>
+                              <p:cond delay="0"/>
+                            </p:stCondLst>
+                            <p:childTnLst>
+                              <p:par>
+                                <p:cTn id="5" presetID="1" presetClass="entr" presetSubtype="0" fill="hold" grpId="0" nodeType="clickEffect">
+                                  <p:stCondLst>
+                                    <p:cond delay="0"/>
+                                  </p:stCondLst>
+                                  <p:childTnLst>
+                                    <p:set>
+                                      <p:cBhvr>
+                                        <p:cTn id="6" dur="1" fill="hold">
+                                          <p:stCondLst>
+                                            <p:cond delay="0"/>
+                                          </p:stCondLst>
+                                        </p:cTn>
+                                        <p:tgtEl>
+                                          <p:spTgt spid="5"/>
+                                        </p:tgtEl>
+                                        <p:attrNameLst>
+                                          <p:attrName>style.visibility</p:attrName>
+                                        </p:attrNameLst>
+                                      </p:cBhvr>
+                                      <p:to>
+                                        <p:strVal val="visible"/>
+                                      </p:to>
+                                    </p:set>
+                                  </p:childTnLst>
+                                </p:cTn>
+                              </p:par>
+                            </p:childTnLst>
+                          </p:cTn>
+                        </p:par>
+                      </p:childTnLst>
+                    </p:cTn>
+                  </p:par>
+                  <p:par>
+                    <p:cTn id="7" fill="hold">
+                      <p:stCondLst>
+                        <p:cond delay="indefinite"/>
+                      </p:stCondLst>
+                      <p:childTnLst>
+                        <p:par>
+                          <p:cTn id="8" fill="hold">
+                            <p:stCondLst>
+                              <p:cond delay="0"/>
+                            </p:stCondLst>
+                            <p:childTnLst>
+                              <p:par>
+                                <p:cTn id="9" presetID="1" presetClass="entr" presetSubtype="0" fill="hold" grpId="0" nodeType="clickEffect">
+                                  <p:stCondLst>
+                                    <p:cond delay="0"/>
+                                  </p:stCondLst>
+                                  <p:childTnLst>
+                                    <p:set>
+                                      <p:cBhvr>
+                                        <p:cTn id="10" dur="1" fill="hold">
+                                          <p:stCondLst>
+                                            <p:cond delay="0"/>
+                                          </p:stCondLst>
+                                        </p:cTn>
+                                        <p:tgtEl>
+                                          <p:spTgt spid="7"/>
+                                        </p:tgtEl>
+                                        <p:attrNameLst>
+                                          <p:attrName>style.visibility</p:attrName>
+                                        </p:attrNameLst>
+                                      </p:cBhvr>
+                                      <p:to>
+                                        <p:strVal val="visible"/>
+                                      </p:to>
+                                    </p:set>
+                                  </p:childTnLst>
+                                </p:cTn>
+                              </p:par>
+                            </p:childTnLst>
+                          </p:cTn>
+                        </p:par>
+                      </p:childTnLst>
+                    </p:cTn>
+                  </p:par>
+                </p:childTnLst>
+              </p:cTn>
+              <p:prevCondLst>
+                <p:cond evt="onPrev" delay="0">
+                  <p:tgtEl>
+                    <p:sldTgt/>
+                  </p:tgtEl>
+                </p:cond>
+              </p:prevCondLst>
+              <p:nextCondLst>
+                <p:cond evt="onNext" delay="0">
+                  <p:tgtEl>
+                    <p:sldTgt/>
+                  </p:tgtEl>
+                </p:cond>
+              </p:nextCondLst>
+            </p:seq>
+          </p:childTnLst>
+        </p:cTn>
+      </p:par>
+    </p:tnLst>
+    <p:bldLst>
+      <p:bldP spid="5" grpId="0" animBg="1"/>
+      <p:bldP spid="7" grpId="0" animBg="1"/>
+    </p:bldLst>
+  </p:timing>
+</p:sld>
+</file>
+
+<file path=ppt/slides/slide15.xml><?xml version="1.0" encoding="utf-8"?>
 <p:sld xmlns:a="http://schemas.openxmlformats.org/drawingml/2006/main" xmlns:r="http://schemas.openxmlformats.org/officeDocument/2006/relationships" xmlns:p="http://schemas.openxmlformats.org/presentationml/2006/main">
   <p:cSld>
     <p:spTree>
@@ -4259,44 +6212,12 @@
           <a:p>
             <a:pPr algn="ctr"/>
             <a:r>
-              <a:rPr lang="en-US" sz="4800" i="1" spc="-50" dirty="0">
-                <a:latin typeface="+mj-lt"/>
-                <a:ea typeface="+mj-ea"/>
-                <a:cs typeface="+mj-cs"/>
-              </a:rPr>
-              <a:t>“Give example code </a:t>
-            </a:r>
-            <a:endParaRPr lang="en-US" sz="4800" i="1" spc="-50" dirty="0" smtClean="0">
-              <a:latin typeface="+mj-lt"/>
-              <a:ea typeface="+mj-ea"/>
-              <a:cs typeface="+mj-cs"/>
-            </a:endParaRPr>
-          </a:p>
-          <a:p>
-            <a:pPr algn="ctr"/>
-            <a:r>
               <a:rPr lang="en-US" sz="4800" i="1" spc="-50" dirty="0" smtClean="0">
                 <a:latin typeface="+mj-lt"/>
                 <a:ea typeface="+mj-ea"/>
                 <a:cs typeface="+mj-cs"/>
               </a:rPr>
-              <a:t>for </a:t>
-            </a:r>
-            <a:r>
-              <a:rPr lang="en-US" sz="4800" i="1" spc="-50" dirty="0">
-                <a:latin typeface="+mj-lt"/>
-                <a:ea typeface="+mj-ea"/>
-                <a:cs typeface="+mj-cs"/>
-              </a:rPr>
-              <a:t>any setup </a:t>
-            </a:r>
-            <a:r>
-              <a:rPr lang="en-US" sz="4800" i="1" spc="-50" dirty="0" smtClean="0">
-                <a:latin typeface="+mj-lt"/>
-                <a:ea typeface="+mj-ea"/>
-                <a:cs typeface="+mj-cs"/>
-              </a:rPr>
-              <a:t>needed”</a:t>
+              <a:t>“Runtime details make it clear where the error comes from”</a:t>
             </a:r>
             <a:endParaRPr lang="en-US" sz="4800" i="1" spc="-50" dirty="0">
               <a:latin typeface="+mj-lt"/>
@@ -4362,7 +6283,7 @@
     </p:spTree>
     <p:extLst>
       <p:ext uri="{BB962C8B-B14F-4D97-AF65-F5344CB8AC3E}">
-        <p14:creationId xmlns:p14="http://schemas.microsoft.com/office/powerpoint/2010/main" val="416516849"/>
+        <p14:creationId xmlns:p14="http://schemas.microsoft.com/office/powerpoint/2010/main" val="3646466883"/>
       </p:ext>
     </p:extLst>
   </p:cSld>
@@ -4372,14 +6293,2269 @@
   <p:timing>
     <p:tnLst>
       <p:par>
-        <p:cTn xmlns:p14="http://schemas.microsoft.com/office/powerpoint/2010/main" id="1" dur="indefinite" restart="never" nodeType="tmRoot"/>
+        <p:cTn id="1" dur="indefinite" restart="never" nodeType="tmRoot"/>
       </p:par>
     </p:tnLst>
   </p:timing>
 </p:sld>
 </file>
 
-<file path=ppt/slides/slide13.xml><?xml version="1.0" encoding="utf-8"?>
+<file path=ppt/slides/slide16.xml><?xml version="1.0" encoding="utf-8"?>
+<p:sld xmlns:a="http://schemas.openxmlformats.org/drawingml/2006/main" xmlns:r="http://schemas.openxmlformats.org/officeDocument/2006/relationships" xmlns:p="http://schemas.openxmlformats.org/presentationml/2006/main">
+  <p:cSld>
+    <p:spTree>
+      <p:nvGrpSpPr>
+        <p:cNvPr id="1" name=""/>
+        <p:cNvGrpSpPr/>
+        <p:nvPr/>
+      </p:nvGrpSpPr>
+      <p:grpSpPr>
+        <a:xfrm>
+          <a:off x="0" y="0"/>
+          <a:ext cx="0" cy="0"/>
+          <a:chOff x="0" y="0"/>
+          <a:chExt cx="0" cy="0"/>
+        </a:xfrm>
+      </p:grpSpPr>
+      <p:sp>
+        <p:nvSpPr>
+          <p:cNvPr id="3" name="Rectangle 2"/>
+          <p:cNvSpPr/>
+          <p:nvPr/>
+        </p:nvSpPr>
+        <p:spPr>
+          <a:xfrm>
+            <a:off x="6611" y="377047"/>
+            <a:ext cx="580770" cy="461665"/>
+          </a:xfrm>
+          <a:prstGeom prst="rect">
+            <a:avLst/>
+          </a:prstGeom>
+        </p:spPr>
+        <p:txBody>
+          <a:bodyPr wrap="square">
+            <a:spAutoFit/>
+          </a:bodyPr>
+          <a:lstStyle/>
+          <a:p>
+            <a:r>
+              <a:rPr lang="en-US" sz="2400" dirty="0" smtClean="0">
+                <a:solidFill>
+                  <a:srgbClr val="2B91AF"/>
+                </a:solidFill>
+                <a:highlight>
+                  <a:srgbClr val="FFFFFF"/>
+                </a:highlight>
+                <a:latin typeface="Consolas" panose="020B0609020204030204" pitchFamily="49" charset="0"/>
+              </a:rPr>
+              <a:t>75 </a:t>
+            </a:r>
+            <a:endParaRPr lang="en-US" sz="2400" dirty="0">
+              <a:solidFill>
+                <a:srgbClr val="2B91AF"/>
+              </a:solidFill>
+              <a:highlight>
+                <a:srgbClr val="FFFFFF"/>
+              </a:highlight>
+              <a:latin typeface="Consolas" panose="020B0609020204030204" pitchFamily="49" charset="0"/>
+            </a:endParaRPr>
+          </a:p>
+        </p:txBody>
+      </p:sp>
+      <p:sp>
+        <p:nvSpPr>
+          <p:cNvPr id="5" name="Rectangle 4"/>
+          <p:cNvSpPr/>
+          <p:nvPr/>
+        </p:nvSpPr>
+        <p:spPr>
+          <a:xfrm>
+            <a:off x="131713" y="1124589"/>
+            <a:ext cx="11976281" cy="1938992"/>
+          </a:xfrm>
+          <a:prstGeom prst="rect">
+            <a:avLst/>
+          </a:prstGeom>
+          <a:ln w="57150">
+            <a:solidFill>
+              <a:srgbClr val="FF0000"/>
+            </a:solidFill>
+          </a:ln>
+        </p:spPr>
+        <p:txBody>
+          <a:bodyPr wrap="square">
+            <a:spAutoFit/>
+          </a:bodyPr>
+          <a:lstStyle/>
+          <a:p>
+            <a:r>
+              <a:rPr lang="en-US" sz="2400" dirty="0" err="1" smtClean="0">
+                <a:solidFill>
+                  <a:srgbClr val="000000"/>
+                </a:solidFill>
+                <a:latin typeface="Consolas" panose="020B0609020204030204" pitchFamily="49" charset="0"/>
+              </a:rPr>
+              <a:t>System.FormatException</a:t>
+            </a:r>
+            <a:r>
+              <a:rPr lang="en-US" sz="2400" dirty="0">
+                <a:solidFill>
+                  <a:srgbClr val="000000"/>
+                </a:solidFill>
+                <a:latin typeface="Consolas" panose="020B0609020204030204" pitchFamily="49" charset="0"/>
+              </a:rPr>
+              <a:t>: The string was not recognized as a valid </a:t>
+            </a:r>
+            <a:r>
+              <a:rPr lang="en-US" sz="2400" dirty="0" err="1">
+                <a:solidFill>
+                  <a:srgbClr val="000000"/>
+                </a:solidFill>
+                <a:latin typeface="Consolas" panose="020B0609020204030204" pitchFamily="49" charset="0"/>
+              </a:rPr>
+              <a:t>DateTime</a:t>
+            </a:r>
+            <a:r>
+              <a:rPr lang="en-US" sz="2400" dirty="0">
+                <a:solidFill>
+                  <a:srgbClr val="000000"/>
+                </a:solidFill>
+                <a:latin typeface="Consolas" panose="020B0609020204030204" pitchFamily="49" charset="0"/>
+              </a:rPr>
+              <a:t>. There is an unknown word starting at index </a:t>
+            </a:r>
+            <a:r>
+              <a:rPr lang="en-US" sz="2400" dirty="0" smtClean="0">
+                <a:solidFill>
+                  <a:srgbClr val="000000"/>
+                </a:solidFill>
+                <a:latin typeface="Consolas" panose="020B0609020204030204" pitchFamily="49" charset="0"/>
+              </a:rPr>
+              <a:t>7.</a:t>
+            </a:r>
+            <a:endParaRPr lang="en-US" sz="2400" dirty="0">
+              <a:solidFill>
+                <a:srgbClr val="000000"/>
+              </a:solidFill>
+              <a:latin typeface="Consolas" panose="020B0609020204030204" pitchFamily="49" charset="0"/>
+            </a:endParaRPr>
+          </a:p>
+          <a:p>
+            <a:r>
+              <a:rPr lang="en-US" sz="2400" dirty="0">
+                <a:solidFill>
+                  <a:srgbClr val="000000"/>
+                </a:solidFill>
+                <a:latin typeface="Calibri" panose="020F0502020204030204" pitchFamily="34" charset="0"/>
+              </a:rPr>
+              <a:t>    at </a:t>
+            </a:r>
+            <a:r>
+              <a:rPr lang="en-US" sz="2400" u="sng" dirty="0" err="1">
+                <a:solidFill>
+                  <a:srgbClr val="00008B"/>
+                </a:solidFill>
+                <a:latin typeface="Calibri" panose="020F0502020204030204" pitchFamily="34" charset="0"/>
+              </a:rPr>
+              <a:t>System.DateTimeParse</a:t>
+            </a:r>
+            <a:r>
+              <a:rPr lang="en-US" sz="2400" dirty="0" err="1">
+                <a:solidFill>
+                  <a:srgbClr val="000000"/>
+                </a:solidFill>
+                <a:latin typeface="Calibri" panose="020F0502020204030204" pitchFamily="34" charset="0"/>
+              </a:rPr>
+              <a:t>.</a:t>
+            </a:r>
+            <a:r>
+              <a:rPr lang="en-US" sz="2400" u="sng" dirty="0" err="1">
+                <a:solidFill>
+                  <a:srgbClr val="008B8B"/>
+                </a:solidFill>
+                <a:latin typeface="Calibri" panose="020F0502020204030204" pitchFamily="34" charset="0"/>
+              </a:rPr>
+              <a:t>Parse</a:t>
+            </a:r>
+            <a:r>
+              <a:rPr lang="en-US" sz="2400" dirty="0">
+                <a:solidFill>
+                  <a:srgbClr val="000000"/>
+                </a:solidFill>
+                <a:latin typeface="Calibri" panose="020F0502020204030204" pitchFamily="34" charset="0"/>
+              </a:rPr>
+              <a:t>(String s, </a:t>
+            </a:r>
+            <a:r>
+              <a:rPr lang="en-US" sz="2400" dirty="0" err="1">
+                <a:solidFill>
+                  <a:srgbClr val="000000"/>
+                </a:solidFill>
+                <a:latin typeface="Calibri" panose="020F0502020204030204" pitchFamily="34" charset="0"/>
+              </a:rPr>
+              <a:t>DateTimeFormatInfo</a:t>
+            </a:r>
+            <a:r>
+              <a:rPr lang="en-US" sz="2400" dirty="0">
+                <a:solidFill>
+                  <a:srgbClr val="000000"/>
+                </a:solidFill>
+                <a:latin typeface="Calibri" panose="020F0502020204030204" pitchFamily="34" charset="0"/>
+              </a:rPr>
+              <a:t> </a:t>
+            </a:r>
+            <a:r>
+              <a:rPr lang="en-US" sz="2400" dirty="0" err="1">
+                <a:solidFill>
+                  <a:srgbClr val="000000"/>
+                </a:solidFill>
+                <a:latin typeface="Calibri" panose="020F0502020204030204" pitchFamily="34" charset="0"/>
+              </a:rPr>
+              <a:t>dtfi</a:t>
+            </a:r>
+            <a:r>
+              <a:rPr lang="en-US" sz="2400" dirty="0">
+                <a:solidFill>
+                  <a:srgbClr val="000000"/>
+                </a:solidFill>
+                <a:latin typeface="Calibri" panose="020F0502020204030204" pitchFamily="34" charset="0"/>
+              </a:rPr>
+              <a:t>, </a:t>
+            </a:r>
+            <a:r>
+              <a:rPr lang="en-US" sz="2400" dirty="0" err="1">
+                <a:solidFill>
+                  <a:srgbClr val="000000"/>
+                </a:solidFill>
+                <a:latin typeface="Calibri" panose="020F0502020204030204" pitchFamily="34" charset="0"/>
+              </a:rPr>
+              <a:t>DateTimeStyles</a:t>
+            </a:r>
+            <a:r>
+              <a:rPr lang="en-US" sz="2400" dirty="0">
+                <a:solidFill>
+                  <a:srgbClr val="000000"/>
+                </a:solidFill>
+                <a:latin typeface="Calibri" panose="020F0502020204030204" pitchFamily="34" charset="0"/>
+              </a:rPr>
+              <a:t> styles</a:t>
+            </a:r>
+            <a:r>
+              <a:rPr lang="en-US" sz="2400" dirty="0" smtClean="0">
+                <a:solidFill>
+                  <a:srgbClr val="000000"/>
+                </a:solidFill>
+                <a:latin typeface="Calibri" panose="020F0502020204030204" pitchFamily="34" charset="0"/>
+              </a:rPr>
+              <a:t>)</a:t>
+            </a:r>
+          </a:p>
+          <a:p>
+            <a:r>
+              <a:rPr lang="en-US" sz="2400" dirty="0">
+                <a:solidFill>
+                  <a:srgbClr val="000000"/>
+                </a:solidFill>
+                <a:latin typeface="Calibri" panose="020F0502020204030204" pitchFamily="34" charset="0"/>
+              </a:rPr>
+              <a:t> </a:t>
+            </a:r>
+            <a:r>
+              <a:rPr lang="en-US" sz="2400" dirty="0" smtClean="0">
+                <a:solidFill>
+                  <a:srgbClr val="000000"/>
+                </a:solidFill>
+                <a:latin typeface="Calibri" panose="020F0502020204030204" pitchFamily="34" charset="0"/>
+              </a:rPr>
+              <a:t>   </a:t>
+            </a:r>
+            <a:r>
+              <a:rPr lang="en-US" sz="2400" dirty="0">
+                <a:solidFill>
+                  <a:srgbClr val="000000"/>
+                </a:solidFill>
+                <a:latin typeface="Calibri" panose="020F0502020204030204" pitchFamily="34" charset="0"/>
+              </a:rPr>
+              <a:t>at </a:t>
+            </a:r>
+            <a:r>
+              <a:rPr lang="en-US" sz="2400" u="sng" dirty="0" err="1">
+                <a:solidFill>
+                  <a:srgbClr val="00008B"/>
+                </a:solidFill>
+                <a:latin typeface="Calibri" panose="020F0502020204030204" pitchFamily="34" charset="0"/>
+              </a:rPr>
+              <a:t>System.DateTime</a:t>
+            </a:r>
+            <a:r>
+              <a:rPr lang="en-US" sz="2400" dirty="0" err="1">
+                <a:solidFill>
+                  <a:srgbClr val="000000"/>
+                </a:solidFill>
+                <a:latin typeface="Calibri" panose="020F0502020204030204" pitchFamily="34" charset="0"/>
+              </a:rPr>
+              <a:t>.</a:t>
+            </a:r>
+            <a:r>
+              <a:rPr lang="en-US" sz="2400" u="sng" dirty="0" err="1">
+                <a:solidFill>
+                  <a:srgbClr val="008B8B"/>
+                </a:solidFill>
+                <a:latin typeface="Calibri" panose="020F0502020204030204" pitchFamily="34" charset="0"/>
+              </a:rPr>
+              <a:t>Parse</a:t>
+            </a:r>
+            <a:r>
+              <a:rPr lang="en-US" sz="2400" dirty="0">
+                <a:solidFill>
+                  <a:srgbClr val="000000"/>
+                </a:solidFill>
+                <a:latin typeface="Calibri" panose="020F0502020204030204" pitchFamily="34" charset="0"/>
+              </a:rPr>
+              <a:t>(String s</a:t>
+            </a:r>
+            <a:r>
+              <a:rPr lang="en-US" sz="2400" dirty="0" smtClean="0">
+                <a:solidFill>
+                  <a:srgbClr val="000000"/>
+                </a:solidFill>
+                <a:latin typeface="Calibri" panose="020F0502020204030204" pitchFamily="34" charset="0"/>
+              </a:rPr>
+              <a:t>)</a:t>
+            </a:r>
+          </a:p>
+          <a:p>
+            <a:r>
+              <a:rPr lang="en-US" sz="2400" dirty="0">
+                <a:solidFill>
+                  <a:srgbClr val="000000"/>
+                </a:solidFill>
+                <a:latin typeface="Calibri" panose="020F0502020204030204" pitchFamily="34" charset="0"/>
+              </a:rPr>
+              <a:t> </a:t>
+            </a:r>
+            <a:r>
+              <a:rPr lang="en-US" sz="2400" dirty="0" smtClean="0">
+                <a:solidFill>
+                  <a:srgbClr val="000000"/>
+                </a:solidFill>
+                <a:latin typeface="Calibri" panose="020F0502020204030204" pitchFamily="34" charset="0"/>
+              </a:rPr>
+              <a:t>   </a:t>
+            </a:r>
+            <a:r>
+              <a:rPr lang="en-US" sz="2400" dirty="0">
+                <a:solidFill>
+                  <a:srgbClr val="000000"/>
+                </a:solidFill>
+                <a:latin typeface="Calibri" panose="020F0502020204030204" pitchFamily="34" charset="0"/>
+              </a:rPr>
+              <a:t>at </a:t>
+            </a:r>
+            <a:r>
+              <a:rPr lang="en-US" sz="2400" u="sng" dirty="0" err="1">
+                <a:solidFill>
+                  <a:srgbClr val="00008B"/>
+                </a:solidFill>
+                <a:latin typeface="Calibri" panose="020F0502020204030204" pitchFamily="34" charset="0"/>
+              </a:rPr>
+              <a:t>ExceptionalExamples.UnitTests</a:t>
+            </a:r>
+            <a:r>
+              <a:rPr lang="en-US" sz="2400" dirty="0" err="1">
+                <a:solidFill>
+                  <a:srgbClr val="000000"/>
+                </a:solidFill>
+                <a:latin typeface="Calibri" panose="020F0502020204030204" pitchFamily="34" charset="0"/>
+              </a:rPr>
+              <a:t>.</a:t>
+            </a:r>
+            <a:r>
+              <a:rPr lang="en-US" sz="2400" u="sng" dirty="0" err="1">
+                <a:solidFill>
+                  <a:srgbClr val="008B8B"/>
+                </a:solidFill>
+                <a:latin typeface="Calibri" panose="020F0502020204030204" pitchFamily="34" charset="0"/>
+              </a:rPr>
+              <a:t>DateTimeParse</a:t>
+            </a:r>
+            <a:r>
+              <a:rPr lang="en-US" sz="2400" dirty="0">
+                <a:solidFill>
+                  <a:srgbClr val="000000"/>
+                </a:solidFill>
+                <a:latin typeface="Calibri" panose="020F0502020204030204" pitchFamily="34" charset="0"/>
+              </a:rPr>
+              <a:t>() in </a:t>
+            </a:r>
+            <a:r>
+              <a:rPr lang="en-US" sz="2400" u="sng" dirty="0">
+                <a:solidFill>
+                  <a:srgbClr val="0066CC"/>
+                </a:solidFill>
+                <a:latin typeface="Calibri" panose="020F0502020204030204" pitchFamily="34" charset="0"/>
+              </a:rPr>
+              <a:t>UnitTest1.cs: line </a:t>
+            </a:r>
+            <a:r>
+              <a:rPr lang="en-US" sz="2400" u="sng" dirty="0" smtClean="0">
+                <a:solidFill>
+                  <a:srgbClr val="0066CC"/>
+                </a:solidFill>
+                <a:latin typeface="Calibri" panose="020F0502020204030204" pitchFamily="34" charset="0"/>
+              </a:rPr>
+              <a:t>75</a:t>
+            </a:r>
+            <a:endParaRPr lang="en-US" sz="2400" dirty="0">
+              <a:solidFill>
+                <a:srgbClr val="000000"/>
+              </a:solidFill>
+              <a:latin typeface="Calibri" panose="020F0502020204030204" pitchFamily="34" charset="0"/>
+            </a:endParaRPr>
+          </a:p>
+        </p:txBody>
+      </p:sp>
+      <p:sp>
+        <p:nvSpPr>
+          <p:cNvPr id="7" name="TextBox 6"/>
+          <p:cNvSpPr txBox="1"/>
+          <p:nvPr/>
+        </p:nvSpPr>
+        <p:spPr>
+          <a:xfrm>
+            <a:off x="296996" y="3718790"/>
+            <a:ext cx="5317674" cy="2308324"/>
+          </a:xfrm>
+          <a:prstGeom prst="rect">
+            <a:avLst/>
+          </a:prstGeom>
+          <a:noFill/>
+          <a:ln>
+            <a:solidFill>
+              <a:schemeClr val="accent1"/>
+            </a:solidFill>
+          </a:ln>
+        </p:spPr>
+        <p:txBody>
+          <a:bodyPr wrap="none" rtlCol="0">
+            <a:spAutoFit/>
+          </a:bodyPr>
+          <a:lstStyle/>
+          <a:p>
+            <a:r>
+              <a:rPr lang="en-US" sz="2400" dirty="0" smtClean="0"/>
+              <a:t>How do you need to sanitize the date?</a:t>
+            </a:r>
+            <a:endParaRPr lang="en-US" sz="2400" dirty="0" smtClean="0"/>
+          </a:p>
+          <a:p>
+            <a:r>
+              <a:rPr lang="en-US" sz="2400" b="1" dirty="0" smtClean="0">
+                <a:solidFill>
+                  <a:srgbClr val="FF0000"/>
+                </a:solidFill>
+              </a:rPr>
+              <a:t>A</a:t>
+            </a:r>
+            <a:r>
+              <a:rPr lang="en-US" sz="2400" b="1" dirty="0" smtClean="0">
+                <a:solidFill>
+                  <a:srgbClr val="FF0000"/>
+                </a:solidFill>
+              </a:rPr>
+              <a:t>) </a:t>
+            </a:r>
+            <a:r>
+              <a:rPr lang="en-US" sz="2400" dirty="0" smtClean="0"/>
+              <a:t>Include </a:t>
+            </a:r>
+            <a:r>
+              <a:rPr lang="en-US" sz="2400" dirty="0" err="1" smtClean="0"/>
+              <a:t>CultureInfo</a:t>
+            </a:r>
+            <a:endParaRPr lang="en-US" sz="2400" dirty="0" smtClean="0"/>
+          </a:p>
+          <a:p>
+            <a:r>
+              <a:rPr lang="en-US" sz="2400" b="1" dirty="0" smtClean="0">
+                <a:solidFill>
+                  <a:srgbClr val="FFC000"/>
+                </a:solidFill>
+              </a:rPr>
+              <a:t>B) </a:t>
+            </a:r>
+            <a:r>
+              <a:rPr lang="en-US" sz="2400" dirty="0" smtClean="0"/>
+              <a:t>Remove “</a:t>
+            </a:r>
+            <a:r>
+              <a:rPr lang="en-US" sz="2400" dirty="0" err="1" smtClean="0"/>
+              <a:t>th</a:t>
+            </a:r>
+            <a:r>
+              <a:rPr lang="en-US" sz="2400" dirty="0" smtClean="0"/>
+              <a:t>”</a:t>
+            </a:r>
+            <a:endParaRPr lang="en-US" sz="2400" dirty="0" smtClean="0"/>
+          </a:p>
+          <a:p>
+            <a:r>
+              <a:rPr lang="en-US" sz="2400" b="1" dirty="0" smtClean="0">
+                <a:solidFill>
+                  <a:schemeClr val="accent2"/>
+                </a:solidFill>
+              </a:rPr>
+              <a:t>C)</a:t>
+            </a:r>
+            <a:r>
+              <a:rPr lang="en-US" sz="2400" dirty="0" smtClean="0">
+                <a:solidFill>
+                  <a:schemeClr val="accent2"/>
+                </a:solidFill>
+              </a:rPr>
+              <a:t> </a:t>
+            </a:r>
+            <a:r>
+              <a:rPr lang="en-US" sz="2400" dirty="0" smtClean="0"/>
+              <a:t>Only us first three letters of the month</a:t>
+            </a:r>
+            <a:endParaRPr lang="en-US" sz="2400" dirty="0" smtClean="0"/>
+          </a:p>
+          <a:p>
+            <a:r>
+              <a:rPr lang="en-US" sz="2400" b="1" dirty="0" smtClean="0">
+                <a:solidFill>
+                  <a:srgbClr val="00B050"/>
+                </a:solidFill>
+              </a:rPr>
+              <a:t>D) </a:t>
+            </a:r>
+            <a:r>
+              <a:rPr lang="en-US" sz="2400" dirty="0" smtClean="0"/>
+              <a:t>Other</a:t>
+            </a:r>
+            <a:endParaRPr lang="en-US" sz="2400" dirty="0" smtClean="0"/>
+          </a:p>
+          <a:p>
+            <a:endParaRPr lang="en-US" sz="2400" dirty="0"/>
+          </a:p>
+        </p:txBody>
+      </p:sp>
+      <p:sp>
+        <p:nvSpPr>
+          <p:cNvPr id="2" name="Rectangle 1"/>
+          <p:cNvSpPr/>
+          <p:nvPr/>
+        </p:nvSpPr>
+        <p:spPr>
+          <a:xfrm>
+            <a:off x="587381" y="377047"/>
+            <a:ext cx="7151317" cy="461665"/>
+          </a:xfrm>
+          <a:prstGeom prst="rect">
+            <a:avLst/>
+          </a:prstGeom>
+        </p:spPr>
+        <p:txBody>
+          <a:bodyPr wrap="none">
+            <a:spAutoFit/>
+          </a:bodyPr>
+          <a:lstStyle/>
+          <a:p>
+            <a:r>
+              <a:rPr lang="en-US" sz="2400" dirty="0" err="1">
+                <a:solidFill>
+                  <a:srgbClr val="0000FF"/>
+                </a:solidFill>
+                <a:highlight>
+                  <a:srgbClr val="FFFFFF"/>
+                </a:highlight>
+                <a:latin typeface="Consolas" panose="020B0609020204030204" pitchFamily="49" charset="0"/>
+              </a:rPr>
+              <a:t>var</a:t>
+            </a:r>
+            <a:r>
+              <a:rPr lang="en-US" sz="2400" dirty="0">
+                <a:solidFill>
+                  <a:srgbClr val="000000"/>
+                </a:solidFill>
+                <a:highlight>
+                  <a:srgbClr val="FFFFFF"/>
+                </a:highlight>
+                <a:latin typeface="Consolas" panose="020B0609020204030204" pitchFamily="49" charset="0"/>
+              </a:rPr>
+              <a:t> </a:t>
+            </a:r>
+            <a:r>
+              <a:rPr lang="en-US" sz="2400" dirty="0" err="1">
+                <a:solidFill>
+                  <a:srgbClr val="000000"/>
+                </a:solidFill>
+                <a:highlight>
+                  <a:srgbClr val="FFFFFF"/>
+                </a:highlight>
+                <a:latin typeface="Consolas" panose="020B0609020204030204" pitchFamily="49" charset="0"/>
+              </a:rPr>
+              <a:t>dateTime</a:t>
+            </a:r>
+            <a:r>
+              <a:rPr lang="en-US" sz="2400" dirty="0">
+                <a:solidFill>
+                  <a:srgbClr val="000000"/>
+                </a:solidFill>
+                <a:highlight>
+                  <a:srgbClr val="FFFFFF"/>
+                </a:highlight>
+                <a:latin typeface="Consolas" panose="020B0609020204030204" pitchFamily="49" charset="0"/>
+              </a:rPr>
+              <a:t> = </a:t>
+            </a:r>
+            <a:r>
+              <a:rPr lang="en-US" sz="2400" dirty="0" err="1">
+                <a:solidFill>
+                  <a:srgbClr val="2B91AF"/>
+                </a:solidFill>
+                <a:highlight>
+                  <a:srgbClr val="FFFFFF"/>
+                </a:highlight>
+                <a:latin typeface="Consolas" panose="020B0609020204030204" pitchFamily="49" charset="0"/>
+              </a:rPr>
+              <a:t>DateTime</a:t>
+            </a:r>
+            <a:r>
+              <a:rPr lang="en-US" sz="2400" dirty="0" err="1">
+                <a:solidFill>
+                  <a:srgbClr val="000000"/>
+                </a:solidFill>
+                <a:highlight>
+                  <a:srgbClr val="FFFFFF"/>
+                </a:highlight>
+                <a:latin typeface="Consolas" panose="020B0609020204030204" pitchFamily="49" charset="0"/>
+              </a:rPr>
+              <a:t>.Parse</a:t>
+            </a:r>
+            <a:r>
+              <a:rPr lang="en-US" sz="2400" dirty="0">
+                <a:solidFill>
+                  <a:srgbClr val="000000"/>
+                </a:solidFill>
+                <a:highlight>
+                  <a:srgbClr val="FFFFFF"/>
+                </a:highlight>
+                <a:latin typeface="Consolas" panose="020B0609020204030204" pitchFamily="49" charset="0"/>
+              </a:rPr>
+              <a:t>(</a:t>
+            </a:r>
+            <a:r>
+              <a:rPr lang="en-US" sz="2400" dirty="0" err="1">
+                <a:solidFill>
+                  <a:srgbClr val="000000"/>
+                </a:solidFill>
+                <a:highlight>
+                  <a:srgbClr val="FFFFFF"/>
+                </a:highlight>
+                <a:latin typeface="Consolas" panose="020B0609020204030204" pitchFamily="49" charset="0"/>
+              </a:rPr>
+              <a:t>form.Date</a:t>
+            </a:r>
+            <a:r>
+              <a:rPr lang="en-US" sz="2400" dirty="0">
+                <a:solidFill>
+                  <a:srgbClr val="000000"/>
+                </a:solidFill>
+                <a:highlight>
+                  <a:srgbClr val="FFFFFF"/>
+                </a:highlight>
+                <a:latin typeface="Consolas" panose="020B0609020204030204" pitchFamily="49" charset="0"/>
+              </a:rPr>
+              <a:t>);</a:t>
+            </a:r>
+            <a:endParaRPr lang="en-US" sz="2400" dirty="0"/>
+          </a:p>
+        </p:txBody>
+      </p:sp>
+    </p:spTree>
+    <p:extLst>
+      <p:ext uri="{BB962C8B-B14F-4D97-AF65-F5344CB8AC3E}">
+        <p14:creationId xmlns:p14="http://schemas.microsoft.com/office/powerpoint/2010/main" val="792045779"/>
+      </p:ext>
+    </p:extLst>
+  </p:cSld>
+  <p:clrMapOvr>
+    <a:masterClrMapping/>
+  </p:clrMapOvr>
+  <p:timing>
+    <p:tnLst>
+      <p:par>
+        <p:cTn id="1" dur="indefinite" restart="never" nodeType="tmRoot">
+          <p:childTnLst>
+            <p:seq concurrent="1" nextAc="seek">
+              <p:cTn id="2" dur="indefinite" nodeType="mainSeq">
+                <p:childTnLst>
+                  <p:par>
+                    <p:cTn id="3" fill="hold">
+                      <p:stCondLst>
+                        <p:cond delay="indefinite"/>
+                      </p:stCondLst>
+                      <p:childTnLst>
+                        <p:par>
+                          <p:cTn id="4" fill="hold">
+                            <p:stCondLst>
+                              <p:cond delay="0"/>
+                            </p:stCondLst>
+                            <p:childTnLst>
+                              <p:par>
+                                <p:cTn id="5" presetID="1" presetClass="entr" presetSubtype="0" fill="hold" grpId="0" nodeType="clickEffect">
+                                  <p:stCondLst>
+                                    <p:cond delay="0"/>
+                                  </p:stCondLst>
+                                  <p:childTnLst>
+                                    <p:set>
+                                      <p:cBhvr>
+                                        <p:cTn id="6" dur="1" fill="hold">
+                                          <p:stCondLst>
+                                            <p:cond delay="0"/>
+                                          </p:stCondLst>
+                                        </p:cTn>
+                                        <p:tgtEl>
+                                          <p:spTgt spid="5"/>
+                                        </p:tgtEl>
+                                        <p:attrNameLst>
+                                          <p:attrName>style.visibility</p:attrName>
+                                        </p:attrNameLst>
+                                      </p:cBhvr>
+                                      <p:to>
+                                        <p:strVal val="visible"/>
+                                      </p:to>
+                                    </p:set>
+                                  </p:childTnLst>
+                                </p:cTn>
+                              </p:par>
+                            </p:childTnLst>
+                          </p:cTn>
+                        </p:par>
+                      </p:childTnLst>
+                    </p:cTn>
+                  </p:par>
+                  <p:par>
+                    <p:cTn id="7" fill="hold">
+                      <p:stCondLst>
+                        <p:cond delay="indefinite"/>
+                      </p:stCondLst>
+                      <p:childTnLst>
+                        <p:par>
+                          <p:cTn id="8" fill="hold">
+                            <p:stCondLst>
+                              <p:cond delay="0"/>
+                            </p:stCondLst>
+                            <p:childTnLst>
+                              <p:par>
+                                <p:cTn id="9" presetID="1" presetClass="entr" presetSubtype="0" fill="hold" grpId="0" nodeType="clickEffect">
+                                  <p:stCondLst>
+                                    <p:cond delay="0"/>
+                                  </p:stCondLst>
+                                  <p:childTnLst>
+                                    <p:set>
+                                      <p:cBhvr>
+                                        <p:cTn id="10" dur="1" fill="hold">
+                                          <p:stCondLst>
+                                            <p:cond delay="0"/>
+                                          </p:stCondLst>
+                                        </p:cTn>
+                                        <p:tgtEl>
+                                          <p:spTgt spid="7"/>
+                                        </p:tgtEl>
+                                        <p:attrNameLst>
+                                          <p:attrName>style.visibility</p:attrName>
+                                        </p:attrNameLst>
+                                      </p:cBhvr>
+                                      <p:to>
+                                        <p:strVal val="visible"/>
+                                      </p:to>
+                                    </p:set>
+                                  </p:childTnLst>
+                                </p:cTn>
+                              </p:par>
+                            </p:childTnLst>
+                          </p:cTn>
+                        </p:par>
+                      </p:childTnLst>
+                    </p:cTn>
+                  </p:par>
+                </p:childTnLst>
+              </p:cTn>
+              <p:prevCondLst>
+                <p:cond evt="onPrev" delay="0">
+                  <p:tgtEl>
+                    <p:sldTgt/>
+                  </p:tgtEl>
+                </p:cond>
+              </p:prevCondLst>
+              <p:nextCondLst>
+                <p:cond evt="onNext" delay="0">
+                  <p:tgtEl>
+                    <p:sldTgt/>
+                  </p:tgtEl>
+                </p:cond>
+              </p:nextCondLst>
+            </p:seq>
+          </p:childTnLst>
+        </p:cTn>
+      </p:par>
+    </p:tnLst>
+    <p:bldLst>
+      <p:bldP spid="5" grpId="0" animBg="1"/>
+      <p:bldP spid="7" grpId="0" animBg="1"/>
+    </p:bldLst>
+  </p:timing>
+</p:sld>
+</file>
+
+<file path=ppt/slides/slide17.xml><?xml version="1.0" encoding="utf-8"?>
+<p:sld xmlns:a="http://schemas.openxmlformats.org/drawingml/2006/main" xmlns:r="http://schemas.openxmlformats.org/officeDocument/2006/relationships" xmlns:p="http://schemas.openxmlformats.org/presentationml/2006/main">
+  <p:cSld>
+    <p:spTree>
+      <p:nvGrpSpPr>
+        <p:cNvPr id="1" name=""/>
+        <p:cNvGrpSpPr/>
+        <p:nvPr/>
+      </p:nvGrpSpPr>
+      <p:grpSpPr>
+        <a:xfrm>
+          <a:off x="0" y="0"/>
+          <a:ext cx="0" cy="0"/>
+          <a:chOff x="0" y="0"/>
+          <a:chExt cx="0" cy="0"/>
+        </a:xfrm>
+      </p:grpSpPr>
+      <p:sp>
+        <p:nvSpPr>
+          <p:cNvPr id="7" name="TextBox 6"/>
+          <p:cNvSpPr txBox="1"/>
+          <p:nvPr/>
+        </p:nvSpPr>
+        <p:spPr>
+          <a:xfrm>
+            <a:off x="829966" y="1978499"/>
+            <a:ext cx="7109639" cy="4154984"/>
+          </a:xfrm>
+          <a:prstGeom prst="rect">
+            <a:avLst/>
+          </a:prstGeom>
+          <a:noFill/>
+          <a:ln>
+            <a:solidFill>
+              <a:schemeClr val="accent1"/>
+            </a:solidFill>
+          </a:ln>
+        </p:spPr>
+        <p:txBody>
+          <a:bodyPr wrap="none" rtlCol="0">
+            <a:spAutoFit/>
+          </a:bodyPr>
+          <a:lstStyle/>
+          <a:p>
+            <a:r>
+              <a:rPr lang="en-US" sz="2400" dirty="0" smtClean="0"/>
+              <a:t>Which error message would you prefer?</a:t>
+            </a:r>
+          </a:p>
+          <a:p>
+            <a:r>
+              <a:rPr lang="en-US" sz="2400" b="1" dirty="0" smtClean="0">
+                <a:solidFill>
+                  <a:srgbClr val="FF0000"/>
+                </a:solidFill>
+              </a:rPr>
+              <a:t>A) </a:t>
+            </a:r>
+            <a:r>
+              <a:rPr lang="en-US" sz="2400" dirty="0" smtClean="0"/>
+              <a:t>Cannot </a:t>
+            </a:r>
+            <a:r>
+              <a:rPr lang="en-US" sz="2400" dirty="0"/>
+              <a:t>parse "March 6th 2010" at index 7. </a:t>
+            </a:r>
+            <a:endParaRPr lang="en-US" sz="2400" dirty="0" smtClean="0"/>
+          </a:p>
+          <a:p>
+            <a:r>
+              <a:rPr lang="en-US" sz="2400" b="1" dirty="0" smtClean="0">
+                <a:solidFill>
+                  <a:srgbClr val="FFC000"/>
+                </a:solidFill>
+              </a:rPr>
+              <a:t>B) </a:t>
+            </a:r>
+            <a:r>
+              <a:rPr lang="en-US" sz="2400" dirty="0" smtClean="0"/>
+              <a:t>Cannot parse "March 6th 2010" at index 7.</a:t>
+            </a:r>
+          </a:p>
+          <a:p>
+            <a:r>
+              <a:rPr lang="en-US" sz="2400" dirty="0"/>
+              <a:t> </a:t>
+            </a:r>
+            <a:r>
+              <a:rPr lang="en-US" sz="2400" dirty="0" smtClean="0"/>
+              <a:t>  	See </a:t>
+            </a:r>
+            <a:r>
+              <a:rPr lang="en-US" sz="2400" dirty="0" smtClean="0">
+                <a:hlinkClick r:id="rId2"/>
+              </a:rPr>
+              <a:t>http://msdn.go/DateParseHelp</a:t>
+            </a:r>
+            <a:r>
+              <a:rPr lang="en-US" sz="2400" dirty="0" smtClean="0"/>
+              <a:t> for more details</a:t>
+            </a:r>
+          </a:p>
+          <a:p>
+            <a:r>
+              <a:rPr lang="en-US" sz="2400" b="1" dirty="0" smtClean="0">
+                <a:solidFill>
+                  <a:schemeClr val="accent2"/>
+                </a:solidFill>
+              </a:rPr>
+              <a:t>C)</a:t>
+            </a:r>
+            <a:r>
+              <a:rPr lang="en-US" sz="2400" dirty="0" smtClean="0">
+                <a:solidFill>
+                  <a:schemeClr val="accent2"/>
+                </a:solidFill>
+              </a:rPr>
+              <a:t> </a:t>
+            </a:r>
+            <a:r>
+              <a:rPr lang="en-US" sz="2400" dirty="0" smtClean="0"/>
+              <a:t>Cannot </a:t>
+            </a:r>
+            <a:r>
+              <a:rPr lang="en-US" sz="2400" dirty="0" smtClean="0"/>
+              <a:t>parse "March 6th 2010“ at index 7</a:t>
+            </a:r>
+          </a:p>
+          <a:p>
+            <a:r>
+              <a:rPr lang="en-US" sz="2400" dirty="0" smtClean="0"/>
+              <a:t>     V</a:t>
+            </a:r>
+            <a:r>
+              <a:rPr lang="en-US" sz="2400" dirty="0" smtClean="0"/>
+              <a:t>alid </a:t>
+            </a:r>
+            <a:r>
+              <a:rPr lang="en-US" sz="2400" dirty="0" smtClean="0"/>
+              <a:t>formats include: </a:t>
+            </a:r>
+          </a:p>
+          <a:p>
+            <a:r>
+              <a:rPr lang="en-US" sz="2400" dirty="0"/>
+              <a:t>		"&lt;Month&gt; &lt;Day&gt; &lt;Year&gt;" =&gt; “January 14 2010”</a:t>
+            </a:r>
+          </a:p>
+          <a:p>
+            <a:r>
+              <a:rPr lang="en-US" sz="2400" dirty="0"/>
+              <a:t>		"&lt;Month</a:t>
+            </a:r>
+            <a:r>
+              <a:rPr lang="en-US" sz="2400" dirty="0" smtClean="0"/>
+              <a:t>&gt;/&lt;</a:t>
+            </a:r>
+            <a:r>
+              <a:rPr lang="en-US" sz="2400" dirty="0"/>
+              <a:t>Day</a:t>
+            </a:r>
+            <a:r>
+              <a:rPr lang="en-US" sz="2400" dirty="0" smtClean="0"/>
+              <a:t>&gt;/&lt;</a:t>
+            </a:r>
+            <a:r>
+              <a:rPr lang="en-US" sz="2400" dirty="0"/>
+              <a:t>Year&gt;" =&gt; </a:t>
+            </a:r>
+            <a:r>
+              <a:rPr lang="en-US" sz="2400" dirty="0" smtClean="0"/>
+              <a:t>“1/14/2010</a:t>
+            </a:r>
+            <a:r>
+              <a:rPr lang="en-US" sz="2400" dirty="0"/>
+              <a:t>”</a:t>
+            </a:r>
+          </a:p>
+          <a:p>
+            <a:r>
+              <a:rPr lang="en-US" sz="2400" dirty="0"/>
+              <a:t>		</a:t>
+            </a:r>
+            <a:r>
+              <a:rPr lang="en-US" sz="2400" dirty="0" smtClean="0"/>
+              <a:t>"&lt;Year&gt;-&lt;Month&gt;-&lt;Day&gt;" </a:t>
+            </a:r>
+            <a:r>
+              <a:rPr lang="en-US" sz="2400" dirty="0"/>
+              <a:t>=&gt; </a:t>
+            </a:r>
+            <a:r>
+              <a:rPr lang="en-US" sz="2400" dirty="0" smtClean="0"/>
+              <a:t>“2010-01-24”</a:t>
+            </a:r>
+            <a:r>
+              <a:rPr lang="en-US" sz="2400" dirty="0"/>
+              <a:t>	</a:t>
+            </a:r>
+            <a:r>
+              <a:rPr lang="en-US" sz="2400" dirty="0" smtClean="0"/>
+              <a:t>	</a:t>
+            </a:r>
+            <a:endParaRPr lang="en-US" sz="2400" dirty="0" smtClean="0"/>
+          </a:p>
+          <a:p>
+            <a:r>
+              <a:rPr lang="en-US" sz="2400" b="1" dirty="0" smtClean="0">
+                <a:solidFill>
+                  <a:srgbClr val="00B050"/>
+                </a:solidFill>
+              </a:rPr>
+              <a:t>D</a:t>
+            </a:r>
+            <a:r>
+              <a:rPr lang="en-US" sz="2400" b="1" dirty="0" smtClean="0">
+                <a:solidFill>
+                  <a:srgbClr val="00B050"/>
+                </a:solidFill>
+              </a:rPr>
+              <a:t>) </a:t>
+            </a:r>
+            <a:r>
+              <a:rPr lang="en-US" sz="2400" dirty="0" smtClean="0"/>
+              <a:t>Other</a:t>
+            </a:r>
+          </a:p>
+          <a:p>
+            <a:endParaRPr lang="en-US" sz="2400" dirty="0"/>
+          </a:p>
+        </p:txBody>
+      </p:sp>
+      <p:sp>
+        <p:nvSpPr>
+          <p:cNvPr id="6" name="Rectangle 5"/>
+          <p:cNvSpPr/>
+          <p:nvPr/>
+        </p:nvSpPr>
+        <p:spPr>
+          <a:xfrm>
+            <a:off x="121941" y="145925"/>
+            <a:ext cx="580770" cy="461665"/>
+          </a:xfrm>
+          <a:prstGeom prst="rect">
+            <a:avLst/>
+          </a:prstGeom>
+        </p:spPr>
+        <p:txBody>
+          <a:bodyPr wrap="square">
+            <a:spAutoFit/>
+          </a:bodyPr>
+          <a:lstStyle/>
+          <a:p>
+            <a:r>
+              <a:rPr lang="en-US" sz="2400" dirty="0" smtClean="0">
+                <a:solidFill>
+                  <a:srgbClr val="2B91AF"/>
+                </a:solidFill>
+                <a:highlight>
+                  <a:srgbClr val="FFFFFF"/>
+                </a:highlight>
+                <a:latin typeface="Consolas" panose="020B0609020204030204" pitchFamily="49" charset="0"/>
+              </a:rPr>
+              <a:t>75 </a:t>
+            </a:r>
+            <a:endParaRPr lang="en-US" sz="2400" dirty="0">
+              <a:solidFill>
+                <a:srgbClr val="2B91AF"/>
+              </a:solidFill>
+              <a:highlight>
+                <a:srgbClr val="FFFFFF"/>
+              </a:highlight>
+              <a:latin typeface="Consolas" panose="020B0609020204030204" pitchFamily="49" charset="0"/>
+            </a:endParaRPr>
+          </a:p>
+        </p:txBody>
+      </p:sp>
+      <p:sp>
+        <p:nvSpPr>
+          <p:cNvPr id="8" name="Rectangle 7"/>
+          <p:cNvSpPr/>
+          <p:nvPr/>
+        </p:nvSpPr>
+        <p:spPr>
+          <a:xfrm>
+            <a:off x="702711" y="145925"/>
+            <a:ext cx="7151317" cy="461665"/>
+          </a:xfrm>
+          <a:prstGeom prst="rect">
+            <a:avLst/>
+          </a:prstGeom>
+        </p:spPr>
+        <p:txBody>
+          <a:bodyPr wrap="none">
+            <a:spAutoFit/>
+          </a:bodyPr>
+          <a:lstStyle/>
+          <a:p>
+            <a:r>
+              <a:rPr lang="en-US" sz="2400" dirty="0" err="1">
+                <a:solidFill>
+                  <a:srgbClr val="0000FF"/>
+                </a:solidFill>
+                <a:highlight>
+                  <a:srgbClr val="FFFFFF"/>
+                </a:highlight>
+                <a:latin typeface="Consolas" panose="020B0609020204030204" pitchFamily="49" charset="0"/>
+              </a:rPr>
+              <a:t>var</a:t>
+            </a:r>
+            <a:r>
+              <a:rPr lang="en-US" sz="2400" dirty="0">
+                <a:solidFill>
+                  <a:srgbClr val="000000"/>
+                </a:solidFill>
+                <a:highlight>
+                  <a:srgbClr val="FFFFFF"/>
+                </a:highlight>
+                <a:latin typeface="Consolas" panose="020B0609020204030204" pitchFamily="49" charset="0"/>
+              </a:rPr>
+              <a:t> </a:t>
+            </a:r>
+            <a:r>
+              <a:rPr lang="en-US" sz="2400" dirty="0" err="1">
+                <a:solidFill>
+                  <a:srgbClr val="000000"/>
+                </a:solidFill>
+                <a:highlight>
+                  <a:srgbClr val="FFFFFF"/>
+                </a:highlight>
+                <a:latin typeface="Consolas" panose="020B0609020204030204" pitchFamily="49" charset="0"/>
+              </a:rPr>
+              <a:t>dateTime</a:t>
+            </a:r>
+            <a:r>
+              <a:rPr lang="en-US" sz="2400" dirty="0">
+                <a:solidFill>
+                  <a:srgbClr val="000000"/>
+                </a:solidFill>
+                <a:highlight>
+                  <a:srgbClr val="FFFFFF"/>
+                </a:highlight>
+                <a:latin typeface="Consolas" panose="020B0609020204030204" pitchFamily="49" charset="0"/>
+              </a:rPr>
+              <a:t> = </a:t>
+            </a:r>
+            <a:r>
+              <a:rPr lang="en-US" sz="2400" dirty="0" err="1">
+                <a:solidFill>
+                  <a:srgbClr val="2B91AF"/>
+                </a:solidFill>
+                <a:highlight>
+                  <a:srgbClr val="FFFFFF"/>
+                </a:highlight>
+                <a:latin typeface="Consolas" panose="020B0609020204030204" pitchFamily="49" charset="0"/>
+              </a:rPr>
+              <a:t>DateTime</a:t>
+            </a:r>
+            <a:r>
+              <a:rPr lang="en-US" sz="2400" dirty="0" err="1">
+                <a:solidFill>
+                  <a:srgbClr val="000000"/>
+                </a:solidFill>
+                <a:highlight>
+                  <a:srgbClr val="FFFFFF"/>
+                </a:highlight>
+                <a:latin typeface="Consolas" panose="020B0609020204030204" pitchFamily="49" charset="0"/>
+              </a:rPr>
+              <a:t>.Parse</a:t>
+            </a:r>
+            <a:r>
+              <a:rPr lang="en-US" sz="2400" dirty="0">
+                <a:solidFill>
+                  <a:srgbClr val="000000"/>
+                </a:solidFill>
+                <a:highlight>
+                  <a:srgbClr val="FFFFFF"/>
+                </a:highlight>
+                <a:latin typeface="Consolas" panose="020B0609020204030204" pitchFamily="49" charset="0"/>
+              </a:rPr>
+              <a:t>(</a:t>
+            </a:r>
+            <a:r>
+              <a:rPr lang="en-US" sz="2400" dirty="0" err="1">
+                <a:solidFill>
+                  <a:srgbClr val="000000"/>
+                </a:solidFill>
+                <a:highlight>
+                  <a:srgbClr val="FFFFFF"/>
+                </a:highlight>
+                <a:latin typeface="Consolas" panose="020B0609020204030204" pitchFamily="49" charset="0"/>
+              </a:rPr>
+              <a:t>form.Date</a:t>
+            </a:r>
+            <a:r>
+              <a:rPr lang="en-US" sz="2400" dirty="0">
+                <a:solidFill>
+                  <a:srgbClr val="000000"/>
+                </a:solidFill>
+                <a:highlight>
+                  <a:srgbClr val="FFFFFF"/>
+                </a:highlight>
+                <a:latin typeface="Consolas" panose="020B0609020204030204" pitchFamily="49" charset="0"/>
+              </a:rPr>
+              <a:t>);</a:t>
+            </a:r>
+            <a:endParaRPr lang="en-US" sz="2400" dirty="0"/>
+          </a:p>
+        </p:txBody>
+      </p:sp>
+    </p:spTree>
+    <p:extLst>
+      <p:ext uri="{BB962C8B-B14F-4D97-AF65-F5344CB8AC3E}">
+        <p14:creationId xmlns:p14="http://schemas.microsoft.com/office/powerpoint/2010/main" val="1068833042"/>
+      </p:ext>
+    </p:extLst>
+  </p:cSld>
+  <p:clrMapOvr>
+    <a:masterClrMapping/>
+  </p:clrMapOvr>
+  <p:timing>
+    <p:tnLst>
+      <p:par>
+        <p:cTn id="1" dur="indefinite" restart="never" nodeType="tmRoot"/>
+      </p:par>
+    </p:tnLst>
+  </p:timing>
+</p:sld>
+</file>
+
+<file path=ppt/slides/slide18.xml><?xml version="1.0" encoding="utf-8"?>
+<p:sld xmlns:a="http://schemas.openxmlformats.org/drawingml/2006/main" xmlns:r="http://schemas.openxmlformats.org/officeDocument/2006/relationships" xmlns:p="http://schemas.openxmlformats.org/presentationml/2006/main">
+  <p:cSld>
+    <p:spTree>
+      <p:nvGrpSpPr>
+        <p:cNvPr id="1" name=""/>
+        <p:cNvGrpSpPr/>
+        <p:nvPr/>
+      </p:nvGrpSpPr>
+      <p:grpSpPr>
+        <a:xfrm>
+          <a:off x="0" y="0"/>
+          <a:ext cx="0" cy="0"/>
+          <a:chOff x="0" y="0"/>
+          <a:chExt cx="0" cy="0"/>
+        </a:xfrm>
+      </p:grpSpPr>
+      <p:sp>
+        <p:nvSpPr>
+          <p:cNvPr id="3" name="Rectangle 2"/>
+          <p:cNvSpPr/>
+          <p:nvPr/>
+        </p:nvSpPr>
+        <p:spPr>
+          <a:xfrm>
+            <a:off x="6611" y="377047"/>
+            <a:ext cx="580770" cy="461665"/>
+          </a:xfrm>
+          <a:prstGeom prst="rect">
+            <a:avLst/>
+          </a:prstGeom>
+        </p:spPr>
+        <p:txBody>
+          <a:bodyPr wrap="square">
+            <a:spAutoFit/>
+          </a:bodyPr>
+          <a:lstStyle/>
+          <a:p>
+            <a:r>
+              <a:rPr lang="en-US" sz="2400" dirty="0" smtClean="0">
+                <a:solidFill>
+                  <a:srgbClr val="2B91AF"/>
+                </a:solidFill>
+                <a:highlight>
+                  <a:srgbClr val="FFFFFF"/>
+                </a:highlight>
+                <a:latin typeface="Consolas" panose="020B0609020204030204" pitchFamily="49" charset="0"/>
+              </a:rPr>
+              <a:t>75 </a:t>
+            </a:r>
+            <a:endParaRPr lang="en-US" sz="2400" dirty="0">
+              <a:solidFill>
+                <a:srgbClr val="2B91AF"/>
+              </a:solidFill>
+              <a:highlight>
+                <a:srgbClr val="FFFFFF"/>
+              </a:highlight>
+              <a:latin typeface="Consolas" panose="020B0609020204030204" pitchFamily="49" charset="0"/>
+            </a:endParaRPr>
+          </a:p>
+        </p:txBody>
+      </p:sp>
+      <p:sp>
+        <p:nvSpPr>
+          <p:cNvPr id="5" name="Rectangle 4"/>
+          <p:cNvSpPr/>
+          <p:nvPr/>
+        </p:nvSpPr>
+        <p:spPr>
+          <a:xfrm>
+            <a:off x="107000" y="910405"/>
+            <a:ext cx="11976281" cy="2554545"/>
+          </a:xfrm>
+          <a:prstGeom prst="rect">
+            <a:avLst/>
+          </a:prstGeom>
+          <a:ln w="57150">
+            <a:solidFill>
+              <a:srgbClr val="FF0000"/>
+            </a:solidFill>
+          </a:ln>
+        </p:spPr>
+        <p:txBody>
+          <a:bodyPr wrap="square">
+            <a:spAutoFit/>
+          </a:bodyPr>
+          <a:lstStyle/>
+          <a:p>
+            <a:r>
+              <a:rPr lang="en-US" sz="2000" dirty="0" err="1" smtClean="0">
+                <a:solidFill>
+                  <a:srgbClr val="000000"/>
+                </a:solidFill>
+                <a:latin typeface="Consolas" panose="020B0609020204030204" pitchFamily="49" charset="0"/>
+              </a:rPr>
+              <a:t>System.FormatException</a:t>
+            </a:r>
+            <a:r>
+              <a:rPr lang="en-US" sz="2000" dirty="0" smtClean="0">
+                <a:solidFill>
+                  <a:srgbClr val="000000"/>
+                </a:solidFill>
+                <a:latin typeface="Consolas" panose="020B0609020204030204" pitchFamily="49" charset="0"/>
+              </a:rPr>
+              <a:t>: Cannot </a:t>
+            </a:r>
+            <a:r>
+              <a:rPr lang="en-US" sz="2000" dirty="0">
+                <a:solidFill>
+                  <a:srgbClr val="000000"/>
+                </a:solidFill>
+                <a:latin typeface="Consolas" panose="020B0609020204030204" pitchFamily="49" charset="0"/>
+              </a:rPr>
+              <a:t>parse </a:t>
+            </a:r>
+            <a:r>
+              <a:rPr lang="en-US" sz="2000" dirty="0">
+                <a:solidFill>
+                  <a:srgbClr val="000000"/>
+                </a:solidFill>
+                <a:latin typeface="Consolas" panose="020B0609020204030204" pitchFamily="49" charset="0"/>
+              </a:rPr>
+              <a:t>"</a:t>
+            </a:r>
+            <a:r>
+              <a:rPr lang="en-US" sz="2000" dirty="0" smtClean="0">
+                <a:solidFill>
+                  <a:srgbClr val="000000"/>
+                </a:solidFill>
+                <a:latin typeface="Consolas" panose="020B0609020204030204" pitchFamily="49" charset="0"/>
+              </a:rPr>
+              <a:t>March </a:t>
+            </a:r>
+            <a:r>
+              <a:rPr lang="en-US" sz="2000" dirty="0">
+                <a:solidFill>
+                  <a:srgbClr val="000000"/>
+                </a:solidFill>
+                <a:latin typeface="Consolas" panose="020B0609020204030204" pitchFamily="49" charset="0"/>
+              </a:rPr>
+              <a:t>6th </a:t>
+            </a:r>
+            <a:r>
+              <a:rPr lang="en-US" sz="2000" dirty="0" smtClean="0">
+                <a:solidFill>
+                  <a:srgbClr val="000000"/>
+                </a:solidFill>
+                <a:latin typeface="Consolas" panose="020B0609020204030204" pitchFamily="49" charset="0"/>
+              </a:rPr>
+              <a:t>2010</a:t>
+            </a:r>
+            <a:r>
+              <a:rPr lang="en-US" sz="2000" dirty="0">
+                <a:solidFill>
+                  <a:srgbClr val="000000"/>
+                </a:solidFill>
+                <a:latin typeface="Consolas" panose="020B0609020204030204" pitchFamily="49" charset="0"/>
+              </a:rPr>
+              <a:t>"</a:t>
+            </a:r>
+            <a:r>
+              <a:rPr lang="en-US" sz="2000" dirty="0" smtClean="0">
+                <a:solidFill>
+                  <a:srgbClr val="000000"/>
+                </a:solidFill>
+                <a:latin typeface="Consolas" panose="020B0609020204030204" pitchFamily="49" charset="0"/>
+              </a:rPr>
+              <a:t> </a:t>
+            </a:r>
+            <a:r>
+              <a:rPr lang="en-US" sz="2000" dirty="0">
+                <a:solidFill>
+                  <a:srgbClr val="000000"/>
+                </a:solidFill>
+                <a:latin typeface="Consolas" panose="020B0609020204030204" pitchFamily="49" charset="0"/>
+              </a:rPr>
+              <a:t>at index 7</a:t>
+            </a:r>
+          </a:p>
+          <a:p>
+            <a:r>
+              <a:rPr lang="en-US" sz="2000" dirty="0">
+                <a:solidFill>
+                  <a:srgbClr val="000000"/>
+                </a:solidFill>
+                <a:latin typeface="Consolas" panose="020B0609020204030204" pitchFamily="49" charset="0"/>
+              </a:rPr>
+              <a:t>     Valid formats include: </a:t>
+            </a:r>
+          </a:p>
+          <a:p>
+            <a:r>
+              <a:rPr lang="en-US" sz="2000" dirty="0">
+                <a:solidFill>
+                  <a:srgbClr val="000000"/>
+                </a:solidFill>
+                <a:latin typeface="Consolas" panose="020B0609020204030204" pitchFamily="49" charset="0"/>
+              </a:rPr>
+              <a:t>		"&lt;Month&gt; &lt;Day&gt; &lt;Year&gt;" =&gt; </a:t>
+            </a:r>
+            <a:r>
+              <a:rPr lang="en-US" sz="2000" dirty="0">
+                <a:solidFill>
+                  <a:srgbClr val="000000"/>
+                </a:solidFill>
+                <a:latin typeface="Consolas" panose="020B0609020204030204" pitchFamily="49" charset="0"/>
+              </a:rPr>
+              <a:t>"</a:t>
+            </a:r>
+            <a:r>
+              <a:rPr lang="en-US" sz="2000" dirty="0" smtClean="0">
+                <a:solidFill>
+                  <a:srgbClr val="000000"/>
+                </a:solidFill>
+                <a:latin typeface="Consolas" panose="020B0609020204030204" pitchFamily="49" charset="0"/>
+              </a:rPr>
+              <a:t>January </a:t>
+            </a:r>
+            <a:r>
+              <a:rPr lang="en-US" sz="2000" dirty="0">
+                <a:solidFill>
+                  <a:srgbClr val="000000"/>
+                </a:solidFill>
+                <a:latin typeface="Consolas" panose="020B0609020204030204" pitchFamily="49" charset="0"/>
+              </a:rPr>
+              <a:t>14 </a:t>
+            </a:r>
+            <a:r>
+              <a:rPr lang="en-US" sz="2000" dirty="0" smtClean="0">
+                <a:solidFill>
+                  <a:srgbClr val="000000"/>
+                </a:solidFill>
+                <a:latin typeface="Consolas" panose="020B0609020204030204" pitchFamily="49" charset="0"/>
+              </a:rPr>
+              <a:t>2010</a:t>
+            </a:r>
+            <a:r>
+              <a:rPr lang="en-US" sz="2000" dirty="0">
+                <a:solidFill>
+                  <a:srgbClr val="000000"/>
+                </a:solidFill>
+                <a:latin typeface="Consolas" panose="020B0609020204030204" pitchFamily="49" charset="0"/>
+              </a:rPr>
+              <a:t>"</a:t>
+            </a:r>
+            <a:endParaRPr lang="en-US" sz="2000" dirty="0">
+              <a:solidFill>
+                <a:srgbClr val="000000"/>
+              </a:solidFill>
+              <a:latin typeface="Consolas" panose="020B0609020204030204" pitchFamily="49" charset="0"/>
+            </a:endParaRPr>
+          </a:p>
+          <a:p>
+            <a:r>
+              <a:rPr lang="en-US" sz="2000" dirty="0">
+                <a:solidFill>
+                  <a:srgbClr val="000000"/>
+                </a:solidFill>
+                <a:latin typeface="Consolas" panose="020B0609020204030204" pitchFamily="49" charset="0"/>
+              </a:rPr>
+              <a:t>		"&lt;Month&gt;/&lt;Day&gt;/&lt;Year&gt;" =&gt; </a:t>
+            </a:r>
+            <a:r>
+              <a:rPr lang="en-US" sz="2000" dirty="0">
+                <a:solidFill>
+                  <a:srgbClr val="000000"/>
+                </a:solidFill>
+                <a:latin typeface="Consolas" panose="020B0609020204030204" pitchFamily="49" charset="0"/>
+              </a:rPr>
+              <a:t>"</a:t>
+            </a:r>
+            <a:r>
+              <a:rPr lang="en-US" sz="2000" dirty="0" smtClean="0">
+                <a:solidFill>
+                  <a:srgbClr val="000000"/>
+                </a:solidFill>
+                <a:latin typeface="Consolas" panose="020B0609020204030204" pitchFamily="49" charset="0"/>
+              </a:rPr>
+              <a:t>1/14/2010</a:t>
+            </a:r>
+            <a:r>
+              <a:rPr lang="en-US" sz="2000" dirty="0">
+                <a:solidFill>
+                  <a:srgbClr val="000000"/>
+                </a:solidFill>
+                <a:latin typeface="Consolas" panose="020B0609020204030204" pitchFamily="49" charset="0"/>
+              </a:rPr>
+              <a:t>"</a:t>
+            </a:r>
+            <a:endParaRPr lang="en-US" sz="2000" dirty="0">
+              <a:solidFill>
+                <a:srgbClr val="000000"/>
+              </a:solidFill>
+              <a:latin typeface="Consolas" panose="020B0609020204030204" pitchFamily="49" charset="0"/>
+            </a:endParaRPr>
+          </a:p>
+          <a:p>
+            <a:r>
+              <a:rPr lang="en-US" sz="2000" dirty="0">
+                <a:solidFill>
+                  <a:srgbClr val="000000"/>
+                </a:solidFill>
+                <a:latin typeface="Consolas" panose="020B0609020204030204" pitchFamily="49" charset="0"/>
+              </a:rPr>
+              <a:t>		"&lt;Year&gt;-&lt;Month&gt;-&lt;Day&gt;" =&gt; </a:t>
+            </a:r>
+            <a:r>
+              <a:rPr lang="en-US" sz="2000" dirty="0">
+                <a:solidFill>
+                  <a:srgbClr val="000000"/>
+                </a:solidFill>
+                <a:latin typeface="Consolas" panose="020B0609020204030204" pitchFamily="49" charset="0"/>
+              </a:rPr>
+              <a:t>"</a:t>
+            </a:r>
+            <a:r>
+              <a:rPr lang="en-US" sz="2000" dirty="0" smtClean="0">
+                <a:solidFill>
+                  <a:srgbClr val="000000"/>
+                </a:solidFill>
+                <a:latin typeface="Consolas" panose="020B0609020204030204" pitchFamily="49" charset="0"/>
+              </a:rPr>
+              <a:t>2010-01-24</a:t>
+            </a:r>
+            <a:r>
+              <a:rPr lang="en-US" sz="2000" dirty="0">
+                <a:solidFill>
+                  <a:srgbClr val="000000"/>
+                </a:solidFill>
+                <a:latin typeface="Consolas" panose="020B0609020204030204" pitchFamily="49" charset="0"/>
+              </a:rPr>
+              <a:t>"</a:t>
+            </a:r>
+          </a:p>
+          <a:p>
+            <a:r>
+              <a:rPr lang="en-US" sz="2000" dirty="0" smtClean="0">
+                <a:solidFill>
+                  <a:srgbClr val="000000"/>
+                </a:solidFill>
+                <a:latin typeface="Calibri" panose="020F0502020204030204" pitchFamily="34" charset="0"/>
+              </a:rPr>
+              <a:t>    </a:t>
+            </a:r>
+            <a:r>
+              <a:rPr lang="en-US" sz="2000" dirty="0">
+                <a:solidFill>
+                  <a:srgbClr val="000000"/>
+                </a:solidFill>
+                <a:latin typeface="Calibri" panose="020F0502020204030204" pitchFamily="34" charset="0"/>
+              </a:rPr>
+              <a:t>at </a:t>
+            </a:r>
+            <a:r>
+              <a:rPr lang="en-US" sz="2000" u="sng" dirty="0" err="1">
+                <a:solidFill>
+                  <a:srgbClr val="00008B"/>
+                </a:solidFill>
+                <a:latin typeface="Calibri" panose="020F0502020204030204" pitchFamily="34" charset="0"/>
+              </a:rPr>
+              <a:t>System.DateTimeParse</a:t>
+            </a:r>
+            <a:r>
+              <a:rPr lang="en-US" sz="2000" dirty="0" err="1">
+                <a:solidFill>
+                  <a:srgbClr val="000000"/>
+                </a:solidFill>
+                <a:latin typeface="Calibri" panose="020F0502020204030204" pitchFamily="34" charset="0"/>
+              </a:rPr>
+              <a:t>.</a:t>
+            </a:r>
+            <a:r>
+              <a:rPr lang="en-US" sz="2000" u="sng" dirty="0" err="1">
+                <a:solidFill>
+                  <a:srgbClr val="008B8B"/>
+                </a:solidFill>
+                <a:latin typeface="Calibri" panose="020F0502020204030204" pitchFamily="34" charset="0"/>
+              </a:rPr>
+              <a:t>Parse</a:t>
+            </a:r>
+            <a:r>
+              <a:rPr lang="en-US" sz="2000" dirty="0">
+                <a:solidFill>
+                  <a:srgbClr val="000000"/>
+                </a:solidFill>
+                <a:latin typeface="Calibri" panose="020F0502020204030204" pitchFamily="34" charset="0"/>
+              </a:rPr>
+              <a:t>(String s, </a:t>
+            </a:r>
+            <a:r>
+              <a:rPr lang="en-US" sz="2000" dirty="0" err="1">
+                <a:solidFill>
+                  <a:srgbClr val="000000"/>
+                </a:solidFill>
+                <a:latin typeface="Calibri" panose="020F0502020204030204" pitchFamily="34" charset="0"/>
+              </a:rPr>
+              <a:t>DateTimeFormatInfo</a:t>
+            </a:r>
+            <a:r>
+              <a:rPr lang="en-US" sz="2000" dirty="0">
+                <a:solidFill>
+                  <a:srgbClr val="000000"/>
+                </a:solidFill>
+                <a:latin typeface="Calibri" panose="020F0502020204030204" pitchFamily="34" charset="0"/>
+              </a:rPr>
+              <a:t> </a:t>
+            </a:r>
+            <a:r>
+              <a:rPr lang="en-US" sz="2000" dirty="0" err="1">
+                <a:solidFill>
+                  <a:srgbClr val="000000"/>
+                </a:solidFill>
+                <a:latin typeface="Calibri" panose="020F0502020204030204" pitchFamily="34" charset="0"/>
+              </a:rPr>
+              <a:t>dtfi</a:t>
+            </a:r>
+            <a:r>
+              <a:rPr lang="en-US" sz="2000" dirty="0">
+                <a:solidFill>
+                  <a:srgbClr val="000000"/>
+                </a:solidFill>
+                <a:latin typeface="Calibri" panose="020F0502020204030204" pitchFamily="34" charset="0"/>
+              </a:rPr>
+              <a:t>, </a:t>
+            </a:r>
+            <a:r>
+              <a:rPr lang="en-US" sz="2000" dirty="0" err="1">
+                <a:solidFill>
+                  <a:srgbClr val="000000"/>
+                </a:solidFill>
+                <a:latin typeface="Calibri" panose="020F0502020204030204" pitchFamily="34" charset="0"/>
+              </a:rPr>
+              <a:t>DateTimeStyles</a:t>
+            </a:r>
+            <a:r>
+              <a:rPr lang="en-US" sz="2000" dirty="0">
+                <a:solidFill>
+                  <a:srgbClr val="000000"/>
+                </a:solidFill>
+                <a:latin typeface="Calibri" panose="020F0502020204030204" pitchFamily="34" charset="0"/>
+              </a:rPr>
+              <a:t> styles</a:t>
+            </a:r>
+            <a:r>
+              <a:rPr lang="en-US" sz="2000" dirty="0" smtClean="0">
+                <a:solidFill>
+                  <a:srgbClr val="000000"/>
+                </a:solidFill>
+                <a:latin typeface="Calibri" panose="020F0502020204030204" pitchFamily="34" charset="0"/>
+              </a:rPr>
+              <a:t>)</a:t>
+            </a:r>
+          </a:p>
+          <a:p>
+            <a:r>
+              <a:rPr lang="en-US" sz="2000" dirty="0">
+                <a:solidFill>
+                  <a:srgbClr val="000000"/>
+                </a:solidFill>
+                <a:latin typeface="Calibri" panose="020F0502020204030204" pitchFamily="34" charset="0"/>
+              </a:rPr>
+              <a:t> </a:t>
+            </a:r>
+            <a:r>
+              <a:rPr lang="en-US" sz="2000" dirty="0" smtClean="0">
+                <a:solidFill>
+                  <a:srgbClr val="000000"/>
+                </a:solidFill>
+                <a:latin typeface="Calibri" panose="020F0502020204030204" pitchFamily="34" charset="0"/>
+              </a:rPr>
+              <a:t>   </a:t>
+            </a:r>
+            <a:r>
+              <a:rPr lang="en-US" sz="2000" dirty="0">
+                <a:solidFill>
+                  <a:srgbClr val="000000"/>
+                </a:solidFill>
+                <a:latin typeface="Calibri" panose="020F0502020204030204" pitchFamily="34" charset="0"/>
+              </a:rPr>
+              <a:t>at </a:t>
+            </a:r>
+            <a:r>
+              <a:rPr lang="en-US" sz="2000" u="sng" dirty="0" err="1">
+                <a:solidFill>
+                  <a:srgbClr val="00008B"/>
+                </a:solidFill>
+                <a:latin typeface="Calibri" panose="020F0502020204030204" pitchFamily="34" charset="0"/>
+              </a:rPr>
+              <a:t>System.DateTime</a:t>
+            </a:r>
+            <a:r>
+              <a:rPr lang="en-US" sz="2000" dirty="0" err="1">
+                <a:solidFill>
+                  <a:srgbClr val="000000"/>
+                </a:solidFill>
+                <a:latin typeface="Calibri" panose="020F0502020204030204" pitchFamily="34" charset="0"/>
+              </a:rPr>
+              <a:t>.</a:t>
+            </a:r>
+            <a:r>
+              <a:rPr lang="en-US" sz="2000" u="sng" dirty="0" err="1">
+                <a:solidFill>
+                  <a:srgbClr val="008B8B"/>
+                </a:solidFill>
+                <a:latin typeface="Calibri" panose="020F0502020204030204" pitchFamily="34" charset="0"/>
+              </a:rPr>
+              <a:t>Parse</a:t>
+            </a:r>
+            <a:r>
+              <a:rPr lang="en-US" sz="2000" dirty="0">
+                <a:solidFill>
+                  <a:srgbClr val="000000"/>
+                </a:solidFill>
+                <a:latin typeface="Calibri" panose="020F0502020204030204" pitchFamily="34" charset="0"/>
+              </a:rPr>
+              <a:t>(String s</a:t>
+            </a:r>
+            <a:r>
+              <a:rPr lang="en-US" sz="2000" dirty="0" smtClean="0">
+                <a:solidFill>
+                  <a:srgbClr val="000000"/>
+                </a:solidFill>
+                <a:latin typeface="Calibri" panose="020F0502020204030204" pitchFamily="34" charset="0"/>
+              </a:rPr>
+              <a:t>)</a:t>
+            </a:r>
+          </a:p>
+          <a:p>
+            <a:r>
+              <a:rPr lang="en-US" sz="2000" dirty="0">
+                <a:solidFill>
+                  <a:srgbClr val="000000"/>
+                </a:solidFill>
+                <a:latin typeface="Calibri" panose="020F0502020204030204" pitchFamily="34" charset="0"/>
+              </a:rPr>
+              <a:t> </a:t>
+            </a:r>
+            <a:r>
+              <a:rPr lang="en-US" sz="2000" dirty="0" smtClean="0">
+                <a:solidFill>
+                  <a:srgbClr val="000000"/>
+                </a:solidFill>
+                <a:latin typeface="Calibri" panose="020F0502020204030204" pitchFamily="34" charset="0"/>
+              </a:rPr>
+              <a:t>   </a:t>
+            </a:r>
+            <a:r>
+              <a:rPr lang="en-US" sz="2000" dirty="0">
+                <a:solidFill>
+                  <a:srgbClr val="000000"/>
+                </a:solidFill>
+                <a:latin typeface="Calibri" panose="020F0502020204030204" pitchFamily="34" charset="0"/>
+              </a:rPr>
+              <a:t>at </a:t>
+            </a:r>
+            <a:r>
+              <a:rPr lang="en-US" sz="2000" u="sng" dirty="0" err="1">
+                <a:solidFill>
+                  <a:srgbClr val="00008B"/>
+                </a:solidFill>
+                <a:latin typeface="Calibri" panose="020F0502020204030204" pitchFamily="34" charset="0"/>
+              </a:rPr>
+              <a:t>ExceptionalExamples.UnitTests</a:t>
+            </a:r>
+            <a:r>
+              <a:rPr lang="en-US" sz="2000" dirty="0" err="1">
+                <a:solidFill>
+                  <a:srgbClr val="000000"/>
+                </a:solidFill>
+                <a:latin typeface="Calibri" panose="020F0502020204030204" pitchFamily="34" charset="0"/>
+              </a:rPr>
+              <a:t>.</a:t>
+            </a:r>
+            <a:r>
+              <a:rPr lang="en-US" sz="2000" u="sng" dirty="0" err="1">
+                <a:solidFill>
+                  <a:srgbClr val="008B8B"/>
+                </a:solidFill>
+                <a:latin typeface="Calibri" panose="020F0502020204030204" pitchFamily="34" charset="0"/>
+              </a:rPr>
+              <a:t>DateTimeParse</a:t>
+            </a:r>
+            <a:r>
+              <a:rPr lang="en-US" sz="2000" dirty="0">
+                <a:solidFill>
+                  <a:srgbClr val="000000"/>
+                </a:solidFill>
+                <a:latin typeface="Calibri" panose="020F0502020204030204" pitchFamily="34" charset="0"/>
+              </a:rPr>
+              <a:t>() in </a:t>
+            </a:r>
+            <a:r>
+              <a:rPr lang="en-US" sz="2000" u="sng" dirty="0">
+                <a:solidFill>
+                  <a:srgbClr val="0066CC"/>
+                </a:solidFill>
+                <a:latin typeface="Calibri" panose="020F0502020204030204" pitchFamily="34" charset="0"/>
+              </a:rPr>
+              <a:t>UnitTest1.cs: line </a:t>
+            </a:r>
+            <a:r>
+              <a:rPr lang="en-US" sz="2000" u="sng" dirty="0" smtClean="0">
+                <a:solidFill>
+                  <a:srgbClr val="0066CC"/>
+                </a:solidFill>
+                <a:latin typeface="Calibri" panose="020F0502020204030204" pitchFamily="34" charset="0"/>
+              </a:rPr>
+              <a:t>75</a:t>
+            </a:r>
+            <a:endParaRPr lang="en-US" sz="2000" dirty="0">
+              <a:solidFill>
+                <a:srgbClr val="000000"/>
+              </a:solidFill>
+              <a:latin typeface="Calibri" panose="020F0502020204030204" pitchFamily="34" charset="0"/>
+            </a:endParaRPr>
+          </a:p>
+        </p:txBody>
+      </p:sp>
+      <p:sp>
+        <p:nvSpPr>
+          <p:cNvPr id="7" name="TextBox 6"/>
+          <p:cNvSpPr txBox="1"/>
+          <p:nvPr/>
+        </p:nvSpPr>
+        <p:spPr>
+          <a:xfrm>
+            <a:off x="296996" y="3718790"/>
+            <a:ext cx="5317674" cy="2308324"/>
+          </a:xfrm>
+          <a:prstGeom prst="rect">
+            <a:avLst/>
+          </a:prstGeom>
+          <a:noFill/>
+          <a:ln>
+            <a:solidFill>
+              <a:schemeClr val="accent1"/>
+            </a:solidFill>
+          </a:ln>
+        </p:spPr>
+        <p:txBody>
+          <a:bodyPr wrap="none" rtlCol="0">
+            <a:spAutoFit/>
+          </a:bodyPr>
+          <a:lstStyle/>
+          <a:p>
+            <a:r>
+              <a:rPr lang="en-US" sz="2400" dirty="0" smtClean="0"/>
+              <a:t>How do you need to sanitize the date?</a:t>
+            </a:r>
+            <a:endParaRPr lang="en-US" sz="2400" dirty="0" smtClean="0"/>
+          </a:p>
+          <a:p>
+            <a:r>
+              <a:rPr lang="en-US" sz="2400" b="1" dirty="0" smtClean="0">
+                <a:solidFill>
+                  <a:srgbClr val="FF0000"/>
+                </a:solidFill>
+              </a:rPr>
+              <a:t>A</a:t>
+            </a:r>
+            <a:r>
+              <a:rPr lang="en-US" sz="2400" b="1" dirty="0" smtClean="0">
+                <a:solidFill>
+                  <a:srgbClr val="FF0000"/>
+                </a:solidFill>
+              </a:rPr>
+              <a:t>) </a:t>
+            </a:r>
+            <a:r>
+              <a:rPr lang="en-US" sz="2400" dirty="0" smtClean="0"/>
+              <a:t>Include </a:t>
+            </a:r>
+            <a:r>
+              <a:rPr lang="en-US" sz="2400" dirty="0" err="1" smtClean="0"/>
+              <a:t>CultureInfo</a:t>
+            </a:r>
+            <a:endParaRPr lang="en-US" sz="2400" dirty="0" smtClean="0"/>
+          </a:p>
+          <a:p>
+            <a:r>
+              <a:rPr lang="en-US" sz="2400" b="1" dirty="0" smtClean="0">
+                <a:solidFill>
+                  <a:srgbClr val="FFC000"/>
+                </a:solidFill>
+              </a:rPr>
+              <a:t>B) </a:t>
+            </a:r>
+            <a:r>
+              <a:rPr lang="en-US" sz="2400" dirty="0" smtClean="0"/>
+              <a:t>Remove “</a:t>
+            </a:r>
+            <a:r>
+              <a:rPr lang="en-US" sz="2400" dirty="0" err="1" smtClean="0"/>
+              <a:t>th</a:t>
+            </a:r>
+            <a:r>
+              <a:rPr lang="en-US" sz="2400" dirty="0" smtClean="0"/>
+              <a:t>”</a:t>
+            </a:r>
+            <a:endParaRPr lang="en-US" sz="2400" dirty="0" smtClean="0"/>
+          </a:p>
+          <a:p>
+            <a:r>
+              <a:rPr lang="en-US" sz="2400" b="1" dirty="0" smtClean="0">
+                <a:solidFill>
+                  <a:schemeClr val="accent2"/>
+                </a:solidFill>
+              </a:rPr>
+              <a:t>C)</a:t>
+            </a:r>
+            <a:r>
+              <a:rPr lang="en-US" sz="2400" dirty="0" smtClean="0">
+                <a:solidFill>
+                  <a:schemeClr val="accent2"/>
+                </a:solidFill>
+              </a:rPr>
+              <a:t> </a:t>
+            </a:r>
+            <a:r>
+              <a:rPr lang="en-US" sz="2400" dirty="0" smtClean="0"/>
+              <a:t>Only us first three letters of the month</a:t>
+            </a:r>
+            <a:endParaRPr lang="en-US" sz="2400" dirty="0" smtClean="0"/>
+          </a:p>
+          <a:p>
+            <a:r>
+              <a:rPr lang="en-US" sz="2400" b="1" dirty="0" smtClean="0">
+                <a:solidFill>
+                  <a:srgbClr val="00B050"/>
+                </a:solidFill>
+              </a:rPr>
+              <a:t>D) </a:t>
+            </a:r>
+            <a:r>
+              <a:rPr lang="en-US" sz="2400" dirty="0" smtClean="0"/>
+              <a:t>Other</a:t>
+            </a:r>
+            <a:endParaRPr lang="en-US" sz="2400" dirty="0" smtClean="0"/>
+          </a:p>
+          <a:p>
+            <a:endParaRPr lang="en-US" sz="2400" dirty="0"/>
+          </a:p>
+        </p:txBody>
+      </p:sp>
+      <p:sp>
+        <p:nvSpPr>
+          <p:cNvPr id="2" name="Rectangle 1"/>
+          <p:cNvSpPr/>
+          <p:nvPr/>
+        </p:nvSpPr>
+        <p:spPr>
+          <a:xfrm>
+            <a:off x="587381" y="377047"/>
+            <a:ext cx="7151317" cy="461665"/>
+          </a:xfrm>
+          <a:prstGeom prst="rect">
+            <a:avLst/>
+          </a:prstGeom>
+        </p:spPr>
+        <p:txBody>
+          <a:bodyPr wrap="none">
+            <a:spAutoFit/>
+          </a:bodyPr>
+          <a:lstStyle/>
+          <a:p>
+            <a:r>
+              <a:rPr lang="en-US" sz="2400" dirty="0" err="1">
+                <a:solidFill>
+                  <a:srgbClr val="0000FF"/>
+                </a:solidFill>
+                <a:highlight>
+                  <a:srgbClr val="FFFFFF"/>
+                </a:highlight>
+                <a:latin typeface="Consolas" panose="020B0609020204030204" pitchFamily="49" charset="0"/>
+              </a:rPr>
+              <a:t>var</a:t>
+            </a:r>
+            <a:r>
+              <a:rPr lang="en-US" sz="2400" dirty="0">
+                <a:solidFill>
+                  <a:srgbClr val="000000"/>
+                </a:solidFill>
+                <a:highlight>
+                  <a:srgbClr val="FFFFFF"/>
+                </a:highlight>
+                <a:latin typeface="Consolas" panose="020B0609020204030204" pitchFamily="49" charset="0"/>
+              </a:rPr>
+              <a:t> </a:t>
+            </a:r>
+            <a:r>
+              <a:rPr lang="en-US" sz="2400" dirty="0" err="1">
+                <a:solidFill>
+                  <a:srgbClr val="000000"/>
+                </a:solidFill>
+                <a:highlight>
+                  <a:srgbClr val="FFFFFF"/>
+                </a:highlight>
+                <a:latin typeface="Consolas" panose="020B0609020204030204" pitchFamily="49" charset="0"/>
+              </a:rPr>
+              <a:t>dateTime</a:t>
+            </a:r>
+            <a:r>
+              <a:rPr lang="en-US" sz="2400" dirty="0">
+                <a:solidFill>
+                  <a:srgbClr val="000000"/>
+                </a:solidFill>
+                <a:highlight>
+                  <a:srgbClr val="FFFFFF"/>
+                </a:highlight>
+                <a:latin typeface="Consolas" panose="020B0609020204030204" pitchFamily="49" charset="0"/>
+              </a:rPr>
+              <a:t> = </a:t>
+            </a:r>
+            <a:r>
+              <a:rPr lang="en-US" sz="2400" dirty="0" err="1">
+                <a:solidFill>
+                  <a:srgbClr val="2B91AF"/>
+                </a:solidFill>
+                <a:highlight>
+                  <a:srgbClr val="FFFFFF"/>
+                </a:highlight>
+                <a:latin typeface="Consolas" panose="020B0609020204030204" pitchFamily="49" charset="0"/>
+              </a:rPr>
+              <a:t>DateTime</a:t>
+            </a:r>
+            <a:r>
+              <a:rPr lang="en-US" sz="2400" dirty="0" err="1">
+                <a:solidFill>
+                  <a:srgbClr val="000000"/>
+                </a:solidFill>
+                <a:highlight>
+                  <a:srgbClr val="FFFFFF"/>
+                </a:highlight>
+                <a:latin typeface="Consolas" panose="020B0609020204030204" pitchFamily="49" charset="0"/>
+              </a:rPr>
+              <a:t>.Parse</a:t>
+            </a:r>
+            <a:r>
+              <a:rPr lang="en-US" sz="2400" dirty="0">
+                <a:solidFill>
+                  <a:srgbClr val="000000"/>
+                </a:solidFill>
+                <a:highlight>
+                  <a:srgbClr val="FFFFFF"/>
+                </a:highlight>
+                <a:latin typeface="Consolas" panose="020B0609020204030204" pitchFamily="49" charset="0"/>
+              </a:rPr>
+              <a:t>(</a:t>
+            </a:r>
+            <a:r>
+              <a:rPr lang="en-US" sz="2400" dirty="0" err="1">
+                <a:solidFill>
+                  <a:srgbClr val="000000"/>
+                </a:solidFill>
+                <a:highlight>
+                  <a:srgbClr val="FFFFFF"/>
+                </a:highlight>
+                <a:latin typeface="Consolas" panose="020B0609020204030204" pitchFamily="49" charset="0"/>
+              </a:rPr>
+              <a:t>form.Date</a:t>
+            </a:r>
+            <a:r>
+              <a:rPr lang="en-US" sz="2400" dirty="0">
+                <a:solidFill>
+                  <a:srgbClr val="000000"/>
+                </a:solidFill>
+                <a:highlight>
+                  <a:srgbClr val="FFFFFF"/>
+                </a:highlight>
+                <a:latin typeface="Consolas" panose="020B0609020204030204" pitchFamily="49" charset="0"/>
+              </a:rPr>
+              <a:t>);</a:t>
+            </a:r>
+            <a:endParaRPr lang="en-US" sz="2400" dirty="0"/>
+          </a:p>
+        </p:txBody>
+      </p:sp>
+    </p:spTree>
+    <p:extLst>
+      <p:ext uri="{BB962C8B-B14F-4D97-AF65-F5344CB8AC3E}">
+        <p14:creationId xmlns:p14="http://schemas.microsoft.com/office/powerpoint/2010/main" val="894204927"/>
+      </p:ext>
+    </p:extLst>
+  </p:cSld>
+  <p:clrMapOvr>
+    <a:masterClrMapping/>
+  </p:clrMapOvr>
+  <p:timing>
+    <p:tnLst>
+      <p:par>
+        <p:cTn id="1" dur="indefinite" restart="never" nodeType="tmRoot">
+          <p:childTnLst>
+            <p:seq concurrent="1" nextAc="seek">
+              <p:cTn id="2" dur="indefinite" nodeType="mainSeq">
+                <p:childTnLst>
+                  <p:par>
+                    <p:cTn id="3" fill="hold">
+                      <p:stCondLst>
+                        <p:cond delay="indefinite"/>
+                      </p:stCondLst>
+                      <p:childTnLst>
+                        <p:par>
+                          <p:cTn id="4" fill="hold">
+                            <p:stCondLst>
+                              <p:cond delay="0"/>
+                            </p:stCondLst>
+                            <p:childTnLst>
+                              <p:par>
+                                <p:cTn id="5" presetID="1" presetClass="entr" presetSubtype="0" fill="hold" grpId="0" nodeType="clickEffect">
+                                  <p:stCondLst>
+                                    <p:cond delay="0"/>
+                                  </p:stCondLst>
+                                  <p:childTnLst>
+                                    <p:set>
+                                      <p:cBhvr>
+                                        <p:cTn id="6" dur="1" fill="hold">
+                                          <p:stCondLst>
+                                            <p:cond delay="0"/>
+                                          </p:stCondLst>
+                                        </p:cTn>
+                                        <p:tgtEl>
+                                          <p:spTgt spid="5"/>
+                                        </p:tgtEl>
+                                        <p:attrNameLst>
+                                          <p:attrName>style.visibility</p:attrName>
+                                        </p:attrNameLst>
+                                      </p:cBhvr>
+                                      <p:to>
+                                        <p:strVal val="visible"/>
+                                      </p:to>
+                                    </p:set>
+                                  </p:childTnLst>
+                                </p:cTn>
+                              </p:par>
+                            </p:childTnLst>
+                          </p:cTn>
+                        </p:par>
+                      </p:childTnLst>
+                    </p:cTn>
+                  </p:par>
+                  <p:par>
+                    <p:cTn id="7" fill="hold">
+                      <p:stCondLst>
+                        <p:cond delay="indefinite"/>
+                      </p:stCondLst>
+                      <p:childTnLst>
+                        <p:par>
+                          <p:cTn id="8" fill="hold">
+                            <p:stCondLst>
+                              <p:cond delay="0"/>
+                            </p:stCondLst>
+                            <p:childTnLst>
+                              <p:par>
+                                <p:cTn id="9" presetID="1" presetClass="entr" presetSubtype="0" fill="hold" grpId="0" nodeType="clickEffect">
+                                  <p:stCondLst>
+                                    <p:cond delay="0"/>
+                                  </p:stCondLst>
+                                  <p:childTnLst>
+                                    <p:set>
+                                      <p:cBhvr>
+                                        <p:cTn id="10" dur="1" fill="hold">
+                                          <p:stCondLst>
+                                            <p:cond delay="0"/>
+                                          </p:stCondLst>
+                                        </p:cTn>
+                                        <p:tgtEl>
+                                          <p:spTgt spid="7"/>
+                                        </p:tgtEl>
+                                        <p:attrNameLst>
+                                          <p:attrName>style.visibility</p:attrName>
+                                        </p:attrNameLst>
+                                      </p:cBhvr>
+                                      <p:to>
+                                        <p:strVal val="visible"/>
+                                      </p:to>
+                                    </p:set>
+                                  </p:childTnLst>
+                                </p:cTn>
+                              </p:par>
+                            </p:childTnLst>
+                          </p:cTn>
+                        </p:par>
+                      </p:childTnLst>
+                    </p:cTn>
+                  </p:par>
+                </p:childTnLst>
+              </p:cTn>
+              <p:prevCondLst>
+                <p:cond evt="onPrev" delay="0">
+                  <p:tgtEl>
+                    <p:sldTgt/>
+                  </p:tgtEl>
+                </p:cond>
+              </p:prevCondLst>
+              <p:nextCondLst>
+                <p:cond evt="onNext" delay="0">
+                  <p:tgtEl>
+                    <p:sldTgt/>
+                  </p:tgtEl>
+                </p:cond>
+              </p:nextCondLst>
+            </p:seq>
+          </p:childTnLst>
+        </p:cTn>
+      </p:par>
+    </p:tnLst>
+    <p:bldLst>
+      <p:bldP spid="5" grpId="0" animBg="1"/>
+      <p:bldP spid="7" grpId="0" animBg="1"/>
+    </p:bldLst>
+  </p:timing>
+</p:sld>
+</file>
+
+<file path=ppt/slides/slide19.xml><?xml version="1.0" encoding="utf-8"?>
 <p:sld xmlns:a="http://schemas.openxmlformats.org/drawingml/2006/main" xmlns:r="http://schemas.openxmlformats.org/officeDocument/2006/relationships" xmlns:p="http://schemas.openxmlformats.org/presentationml/2006/main">
   <p:cSld>
     <p:spTree>
@@ -4455,7 +8631,39 @@
                 <a:ea typeface="+mj-ea"/>
                 <a:cs typeface="+mj-cs"/>
               </a:rPr>
-              <a:t>“Show examples if </a:t>
+              <a:t>“</a:t>
+            </a:r>
+            <a:r>
+              <a:rPr lang="en-US" sz="4800" i="1" spc="-50" dirty="0" smtClean="0">
+                <a:latin typeface="+mj-lt"/>
+                <a:ea typeface="+mj-ea"/>
+                <a:cs typeface="+mj-cs"/>
+              </a:rPr>
+              <a:t>Show </a:t>
+            </a:r>
+            <a:r>
+              <a:rPr lang="en-US" sz="4800" i="1" spc="-50" dirty="0" err="1" smtClean="0">
+                <a:latin typeface="+mj-lt"/>
+                <a:ea typeface="+mj-ea"/>
+                <a:cs typeface="+mj-cs"/>
+              </a:rPr>
+              <a:t>tl;dr</a:t>
+            </a:r>
+            <a:r>
+              <a:rPr lang="en-US" sz="4800" i="1" spc="-50" dirty="0" smtClean="0">
+                <a:latin typeface="+mj-lt"/>
+                <a:ea typeface="+mj-ea"/>
+                <a:cs typeface="+mj-cs"/>
+              </a:rPr>
+              <a:t> </a:t>
+            </a:r>
+            <a:r>
+              <a:rPr lang="en-US" sz="4800" i="1" spc="-50" dirty="0" smtClean="0">
+                <a:latin typeface="+mj-lt"/>
+                <a:ea typeface="+mj-ea"/>
+                <a:cs typeface="+mj-cs"/>
+              </a:rPr>
+              <a:t>examples if </a:t>
             </a:r>
           </a:p>
           <a:p>
@@ -4542,166 +8750,7 @@
   <p:timing>
     <p:tnLst>
       <p:par>
-        <p:cTn xmlns:p14="http://schemas.microsoft.com/office/powerpoint/2010/main" id="1" dur="indefinite" restart="never" nodeType="tmRoot"/>
-      </p:par>
-    </p:tnLst>
-  </p:timing>
-</p:sld>
-</file>
-
-<file path=ppt/slides/slide14.xml><?xml version="1.0" encoding="utf-8"?>
-<p:sld xmlns:a="http://schemas.openxmlformats.org/drawingml/2006/main" xmlns:r="http://schemas.openxmlformats.org/officeDocument/2006/relationships" xmlns:p="http://schemas.openxmlformats.org/presentationml/2006/main">
-  <p:cSld>
-    <p:spTree>
-      <p:nvGrpSpPr>
-        <p:cNvPr id="1" name=""/>
-        <p:cNvGrpSpPr/>
-        <p:nvPr/>
-      </p:nvGrpSpPr>
-      <p:grpSpPr>
-        <a:xfrm>
-          <a:off x="0" y="0"/>
-          <a:ext cx="0" cy="0"/>
-          <a:chOff x="0" y="0"/>
-          <a:chExt cx="0" cy="0"/>
-        </a:xfrm>
-      </p:grpSpPr>
-      <p:sp>
-        <p:nvSpPr>
-          <p:cNvPr id="2" name="Title 1"/>
-          <p:cNvSpPr>
-            <a:spLocks noGrp="1"/>
-          </p:cNvSpPr>
-          <p:nvPr>
-            <p:ph type="title" idx="4294967295"/>
-          </p:nvPr>
-        </p:nvSpPr>
-        <p:spPr>
-          <a:xfrm>
-            <a:off x="1097280" y="264188"/>
-            <a:ext cx="10058400" cy="1025525"/>
-          </a:xfrm>
-        </p:spPr>
-        <p:txBody>
-          <a:bodyPr>
-            <a:normAutofit/>
-          </a:bodyPr>
-          <a:lstStyle/>
-          <a:p>
-            <a:r>
-              <a:rPr lang="en-US" sz="3600" dirty="0" smtClean="0"/>
-              <a:t>This exception proves the rule…</a:t>
-            </a:r>
-            <a:endParaRPr lang="en-US" sz="3600" dirty="0"/>
-          </a:p>
-        </p:txBody>
-      </p:sp>
-      <p:sp>
-        <p:nvSpPr>
-          <p:cNvPr id="3" name="Content Placeholder 2"/>
-          <p:cNvSpPr>
-            <a:spLocks noGrp="1"/>
-          </p:cNvSpPr>
-          <p:nvPr>
-            <p:ph idx="4294967295"/>
-          </p:nvPr>
-        </p:nvSpPr>
-        <p:spPr>
-          <a:xfrm>
-            <a:off x="1097280" y="1414804"/>
-            <a:ext cx="10058400" cy="4024313"/>
-          </a:xfrm>
-        </p:spPr>
-        <p:txBody>
-          <a:bodyPr anchor="ctr">
-            <a:normAutofit/>
-          </a:bodyPr>
-          <a:lstStyle/>
-          <a:p>
-            <a:pPr algn="ctr"/>
-            <a:r>
-              <a:rPr lang="en-US" sz="4800" i="1" spc="-50" dirty="0" smtClean="0">
-                <a:latin typeface="+mj-lt"/>
-                <a:ea typeface="+mj-ea"/>
-                <a:cs typeface="+mj-cs"/>
-              </a:rPr>
-              <a:t>“Point to online documentation”</a:t>
-            </a:r>
-            <a:endParaRPr lang="en-US" sz="4800" i="1" spc="-50" dirty="0">
-              <a:latin typeface="+mj-lt"/>
-              <a:ea typeface="+mj-ea"/>
-              <a:cs typeface="+mj-cs"/>
-            </a:endParaRPr>
-          </a:p>
-        </p:txBody>
-      </p:sp>
-      <p:sp>
-        <p:nvSpPr>
-          <p:cNvPr id="4" name="Title 1"/>
-          <p:cNvSpPr txBox="1">
-            <a:spLocks/>
-          </p:cNvSpPr>
-          <p:nvPr/>
-        </p:nvSpPr>
-        <p:spPr>
-          <a:xfrm>
-            <a:off x="1097280" y="5234030"/>
-            <a:ext cx="10058400" cy="1025730"/>
-          </a:xfrm>
-          <a:prstGeom prst="rect">
-            <a:avLst/>
-          </a:prstGeom>
-        </p:spPr>
-        <p:txBody>
-          <a:bodyPr vert="horz" lIns="91440" tIns="45720" rIns="91440" bIns="45720" rtlCol="0" anchor="b">
-            <a:normAutofit/>
-          </a:bodyPr>
-          <a:lstStyle>
-            <a:lvl1pPr algn="l" defTabSz="914400" rtl="0" eaLnBrk="1" latinLnBrk="0" hangingPunct="1">
-              <a:lnSpc>
-                <a:spcPct val="85000"/>
-              </a:lnSpc>
-              <a:spcBef>
-                <a:spcPct val="0"/>
-              </a:spcBef>
-              <a:buNone/>
-              <a:defRPr sz="4800" kern="1200" spc="-50" baseline="0">
-                <a:solidFill>
-                  <a:schemeClr val="tx1">
-                    <a:lumMod val="75000"/>
-                    <a:lumOff val="25000"/>
-                  </a:schemeClr>
-                </a:solidFill>
-                <a:latin typeface="+mj-lt"/>
-                <a:ea typeface="+mj-ea"/>
-                <a:cs typeface="+mj-cs"/>
-              </a:defRPr>
-            </a:lvl1pPr>
-          </a:lstStyle>
-          <a:p>
-            <a:pPr algn="r"/>
-            <a:r>
-              <a:rPr lang="en-US" sz="3600" dirty="0" smtClean="0"/>
-              <a:t>…to give the confused coder some guidance</a:t>
-            </a:r>
-            <a:endParaRPr lang="en-US" sz="3600" dirty="0"/>
-          </a:p>
-        </p:txBody>
-      </p:sp>
-    </p:spTree>
-    <p:extLst>
-      <p:ext uri="{BB962C8B-B14F-4D97-AF65-F5344CB8AC3E}">
-        <p14:creationId xmlns:p14="http://schemas.microsoft.com/office/powerpoint/2010/main" val="1162058314"/>
-      </p:ext>
-    </p:extLst>
-  </p:cSld>
-  <p:clrMapOvr>
-    <a:masterClrMapping/>
-  </p:clrMapOvr>
-  <p:timing>
-    <p:tnLst>
-      <p:par>
-        <p:cTn xmlns:p14="http://schemas.microsoft.com/office/powerpoint/2010/main" id="1" dur="indefinite" restart="never" nodeType="tmRoot"/>
+        <p:cTn id="1" dur="indefinite" restart="never" nodeType="tmRoot"/>
       </p:par>
     </p:tnLst>
   </p:timing>
@@ -4796,6 +8845,547 @@
 </p:sld>
 </file>
 
+<file path=ppt/slides/slide20.xml><?xml version="1.0" encoding="utf-8"?>
+<p:sld xmlns:a="http://schemas.openxmlformats.org/drawingml/2006/main" xmlns:r="http://schemas.openxmlformats.org/officeDocument/2006/relationships" xmlns:p="http://schemas.openxmlformats.org/presentationml/2006/main">
+  <p:cSld>
+    <p:spTree>
+      <p:nvGrpSpPr>
+        <p:cNvPr id="1" name=""/>
+        <p:cNvGrpSpPr/>
+        <p:nvPr/>
+      </p:nvGrpSpPr>
+      <p:grpSpPr>
+        <a:xfrm>
+          <a:off x="0" y="0"/>
+          <a:ext cx="0" cy="0"/>
+          <a:chOff x="0" y="0"/>
+          <a:chExt cx="0" cy="0"/>
+        </a:xfrm>
+      </p:grpSpPr>
+      <p:sp>
+        <p:nvSpPr>
+          <p:cNvPr id="2" name="Title 1"/>
+          <p:cNvSpPr>
+            <a:spLocks noGrp="1"/>
+          </p:cNvSpPr>
+          <p:nvPr>
+            <p:ph type="title" idx="4294967295"/>
+          </p:nvPr>
+        </p:nvSpPr>
+        <p:spPr>
+          <a:xfrm>
+            <a:off x="1097280" y="264188"/>
+            <a:ext cx="10058400" cy="1025525"/>
+          </a:xfrm>
+        </p:spPr>
+        <p:txBody>
+          <a:bodyPr>
+            <a:normAutofit/>
+          </a:bodyPr>
+          <a:lstStyle/>
+          <a:p>
+            <a:r>
+              <a:rPr lang="en-US" sz="3600" dirty="0" smtClean="0"/>
+              <a:t>This exception proves the rule…</a:t>
+            </a:r>
+            <a:endParaRPr lang="en-US" sz="3600" dirty="0"/>
+          </a:p>
+        </p:txBody>
+      </p:sp>
+      <p:sp>
+        <p:nvSpPr>
+          <p:cNvPr id="3" name="Content Placeholder 2"/>
+          <p:cNvSpPr>
+            <a:spLocks noGrp="1"/>
+          </p:cNvSpPr>
+          <p:nvPr>
+            <p:ph idx="4294967295"/>
+          </p:nvPr>
+        </p:nvSpPr>
+        <p:spPr>
+          <a:xfrm>
+            <a:off x="1097280" y="1414804"/>
+            <a:ext cx="10058400" cy="4024313"/>
+          </a:xfrm>
+        </p:spPr>
+        <p:txBody>
+          <a:bodyPr anchor="ctr">
+            <a:normAutofit/>
+          </a:bodyPr>
+          <a:lstStyle/>
+          <a:p>
+            <a:pPr algn="ctr"/>
+            <a:r>
+              <a:rPr lang="en-US" sz="4800" i="1" spc="-50" dirty="0">
+                <a:latin typeface="+mj-lt"/>
+                <a:ea typeface="+mj-ea"/>
+                <a:cs typeface="+mj-cs"/>
+              </a:rPr>
+              <a:t>“Give example code </a:t>
+            </a:r>
+            <a:endParaRPr lang="en-US" sz="4800" i="1" spc="-50" dirty="0" smtClean="0">
+              <a:latin typeface="+mj-lt"/>
+              <a:ea typeface="+mj-ea"/>
+              <a:cs typeface="+mj-cs"/>
+            </a:endParaRPr>
+          </a:p>
+          <a:p>
+            <a:pPr algn="ctr"/>
+            <a:r>
+              <a:rPr lang="en-US" sz="4800" i="1" spc="-50" dirty="0" smtClean="0">
+                <a:latin typeface="+mj-lt"/>
+                <a:ea typeface="+mj-ea"/>
+                <a:cs typeface="+mj-cs"/>
+              </a:rPr>
+              <a:t>for </a:t>
+            </a:r>
+            <a:r>
+              <a:rPr lang="en-US" sz="4800" i="1" spc="-50" dirty="0">
+                <a:latin typeface="+mj-lt"/>
+                <a:ea typeface="+mj-ea"/>
+                <a:cs typeface="+mj-cs"/>
+              </a:rPr>
+              <a:t>any setup </a:t>
+            </a:r>
+            <a:r>
+              <a:rPr lang="en-US" sz="4800" i="1" spc="-50" dirty="0" smtClean="0">
+                <a:latin typeface="+mj-lt"/>
+                <a:ea typeface="+mj-ea"/>
+                <a:cs typeface="+mj-cs"/>
+              </a:rPr>
+              <a:t>needed”</a:t>
+            </a:r>
+            <a:endParaRPr lang="en-US" sz="4800" i="1" spc="-50" dirty="0">
+              <a:latin typeface="+mj-lt"/>
+              <a:ea typeface="+mj-ea"/>
+              <a:cs typeface="+mj-cs"/>
+            </a:endParaRPr>
+          </a:p>
+        </p:txBody>
+      </p:sp>
+      <p:sp>
+        <p:nvSpPr>
+          <p:cNvPr id="4" name="Title 1"/>
+          <p:cNvSpPr txBox="1">
+            <a:spLocks/>
+          </p:cNvSpPr>
+          <p:nvPr/>
+        </p:nvSpPr>
+        <p:spPr>
+          <a:xfrm>
+            <a:off x="1097280" y="5234030"/>
+            <a:ext cx="10058400" cy="1025730"/>
+          </a:xfrm>
+          <a:prstGeom prst="rect">
+            <a:avLst/>
+          </a:prstGeom>
+        </p:spPr>
+        <p:txBody>
+          <a:bodyPr vert="horz" lIns="91440" tIns="45720" rIns="91440" bIns="45720" rtlCol="0" anchor="b">
+            <a:normAutofit/>
+          </a:bodyPr>
+          <a:lstStyle>
+            <a:lvl1pPr algn="l" defTabSz="914400" rtl="0" eaLnBrk="1" latinLnBrk="0" hangingPunct="1">
+              <a:lnSpc>
+                <a:spcPct val="85000"/>
+              </a:lnSpc>
+              <a:spcBef>
+                <a:spcPct val="0"/>
+              </a:spcBef>
+              <a:buNone/>
+              <a:defRPr sz="4800" kern="1200" spc="-50" baseline="0">
+                <a:solidFill>
+                  <a:schemeClr val="tx1">
+                    <a:lumMod val="75000"/>
+                    <a:lumOff val="25000"/>
+                  </a:schemeClr>
+                </a:solidFill>
+                <a:latin typeface="+mj-lt"/>
+                <a:ea typeface="+mj-ea"/>
+                <a:cs typeface="+mj-cs"/>
+              </a:defRPr>
+            </a:lvl1pPr>
+          </a:lstStyle>
+          <a:p>
+            <a:pPr algn="r"/>
+            <a:r>
+              <a:rPr lang="en-US" sz="3600" dirty="0" smtClean="0"/>
+              <a:t>…to give the confused coder some guidance</a:t>
+            </a:r>
+            <a:endParaRPr lang="en-US" sz="3600" dirty="0"/>
+          </a:p>
+        </p:txBody>
+      </p:sp>
+    </p:spTree>
+    <p:extLst>
+      <p:ext uri="{BB962C8B-B14F-4D97-AF65-F5344CB8AC3E}">
+        <p14:creationId xmlns:p14="http://schemas.microsoft.com/office/powerpoint/2010/main" val="416516849"/>
+      </p:ext>
+    </p:extLst>
+  </p:cSld>
+  <p:clrMapOvr>
+    <a:masterClrMapping/>
+  </p:clrMapOvr>
+  <p:timing>
+    <p:tnLst>
+      <p:par>
+        <p:cTn id="1" dur="indefinite" restart="never" nodeType="tmRoot"/>
+      </p:par>
+    </p:tnLst>
+  </p:timing>
+</p:sld>
+</file>
+
+<file path=ppt/slides/slide21.xml><?xml version="1.0" encoding="utf-8"?>
+<p:sld xmlns:a="http://schemas.openxmlformats.org/drawingml/2006/main" xmlns:r="http://schemas.openxmlformats.org/officeDocument/2006/relationships" xmlns:p="http://schemas.openxmlformats.org/presentationml/2006/main">
+  <p:cSld>
+    <p:spTree>
+      <p:nvGrpSpPr>
+        <p:cNvPr id="1" name=""/>
+        <p:cNvGrpSpPr/>
+        <p:nvPr/>
+      </p:nvGrpSpPr>
+      <p:grpSpPr>
+        <a:xfrm>
+          <a:off x="0" y="0"/>
+          <a:ext cx="0" cy="0"/>
+          <a:chOff x="0" y="0"/>
+          <a:chExt cx="0" cy="0"/>
+        </a:xfrm>
+      </p:grpSpPr>
+      <p:sp>
+        <p:nvSpPr>
+          <p:cNvPr id="2" name="Title 1"/>
+          <p:cNvSpPr>
+            <a:spLocks noGrp="1"/>
+          </p:cNvSpPr>
+          <p:nvPr>
+            <p:ph type="title" idx="4294967295"/>
+          </p:nvPr>
+        </p:nvSpPr>
+        <p:spPr>
+          <a:xfrm>
+            <a:off x="1097280" y="264188"/>
+            <a:ext cx="10058400" cy="1025525"/>
+          </a:xfrm>
+        </p:spPr>
+        <p:txBody>
+          <a:bodyPr>
+            <a:normAutofit/>
+          </a:bodyPr>
+          <a:lstStyle/>
+          <a:p>
+            <a:r>
+              <a:rPr lang="en-US" sz="3600" dirty="0" smtClean="0"/>
+              <a:t>This exception proves the rule…</a:t>
+            </a:r>
+            <a:endParaRPr lang="en-US" sz="3600" dirty="0"/>
+          </a:p>
+        </p:txBody>
+      </p:sp>
+      <p:sp>
+        <p:nvSpPr>
+          <p:cNvPr id="3" name="Content Placeholder 2"/>
+          <p:cNvSpPr>
+            <a:spLocks noGrp="1"/>
+          </p:cNvSpPr>
+          <p:nvPr>
+            <p:ph idx="4294967295"/>
+          </p:nvPr>
+        </p:nvSpPr>
+        <p:spPr>
+          <a:xfrm>
+            <a:off x="1097280" y="1414804"/>
+            <a:ext cx="10058400" cy="4024313"/>
+          </a:xfrm>
+        </p:spPr>
+        <p:txBody>
+          <a:bodyPr anchor="ctr">
+            <a:normAutofit/>
+          </a:bodyPr>
+          <a:lstStyle/>
+          <a:p>
+            <a:pPr algn="ctr"/>
+            <a:r>
+              <a:rPr lang="en-US" sz="4800" i="1" spc="-50" dirty="0">
+                <a:latin typeface="+mj-lt"/>
+                <a:ea typeface="+mj-ea"/>
+                <a:cs typeface="+mj-cs"/>
+              </a:rPr>
+              <a:t>“Give example code </a:t>
+            </a:r>
+            <a:endParaRPr lang="en-US" sz="4800" i="1" spc="-50" dirty="0" smtClean="0">
+              <a:latin typeface="+mj-lt"/>
+              <a:ea typeface="+mj-ea"/>
+              <a:cs typeface="+mj-cs"/>
+            </a:endParaRPr>
+          </a:p>
+          <a:p>
+            <a:pPr algn="ctr"/>
+            <a:r>
+              <a:rPr lang="en-US" sz="4800" i="1" spc="-50" dirty="0" smtClean="0">
+                <a:latin typeface="+mj-lt"/>
+                <a:ea typeface="+mj-ea"/>
+                <a:cs typeface="+mj-cs"/>
+              </a:rPr>
+              <a:t>for </a:t>
+            </a:r>
+            <a:r>
+              <a:rPr lang="en-US" sz="4800" i="1" spc="-50" dirty="0">
+                <a:latin typeface="+mj-lt"/>
+                <a:ea typeface="+mj-ea"/>
+                <a:cs typeface="+mj-cs"/>
+              </a:rPr>
+              <a:t>any setup </a:t>
+            </a:r>
+            <a:r>
+              <a:rPr lang="en-US" sz="4800" i="1" spc="-50" dirty="0" smtClean="0">
+                <a:latin typeface="+mj-lt"/>
+                <a:ea typeface="+mj-ea"/>
+                <a:cs typeface="+mj-cs"/>
+              </a:rPr>
+              <a:t>needed”</a:t>
+            </a:r>
+            <a:endParaRPr lang="en-US" sz="4800" i="1" spc="-50" dirty="0">
+              <a:latin typeface="+mj-lt"/>
+              <a:ea typeface="+mj-ea"/>
+              <a:cs typeface="+mj-cs"/>
+            </a:endParaRPr>
+          </a:p>
+        </p:txBody>
+      </p:sp>
+      <p:sp>
+        <p:nvSpPr>
+          <p:cNvPr id="4" name="Title 1"/>
+          <p:cNvSpPr txBox="1">
+            <a:spLocks/>
+          </p:cNvSpPr>
+          <p:nvPr/>
+        </p:nvSpPr>
+        <p:spPr>
+          <a:xfrm>
+            <a:off x="1097280" y="5234030"/>
+            <a:ext cx="10058400" cy="1025730"/>
+          </a:xfrm>
+          <a:prstGeom prst="rect">
+            <a:avLst/>
+          </a:prstGeom>
+        </p:spPr>
+        <p:txBody>
+          <a:bodyPr vert="horz" lIns="91440" tIns="45720" rIns="91440" bIns="45720" rtlCol="0" anchor="b">
+            <a:normAutofit/>
+          </a:bodyPr>
+          <a:lstStyle>
+            <a:lvl1pPr algn="l" defTabSz="914400" rtl="0" eaLnBrk="1" latinLnBrk="0" hangingPunct="1">
+              <a:lnSpc>
+                <a:spcPct val="85000"/>
+              </a:lnSpc>
+              <a:spcBef>
+                <a:spcPct val="0"/>
+              </a:spcBef>
+              <a:buNone/>
+              <a:defRPr sz="4800" kern="1200" spc="-50" baseline="0">
+                <a:solidFill>
+                  <a:schemeClr val="tx1">
+                    <a:lumMod val="75000"/>
+                    <a:lumOff val="25000"/>
+                  </a:schemeClr>
+                </a:solidFill>
+                <a:latin typeface="+mj-lt"/>
+                <a:ea typeface="+mj-ea"/>
+                <a:cs typeface="+mj-cs"/>
+              </a:defRPr>
+            </a:lvl1pPr>
+          </a:lstStyle>
+          <a:p>
+            <a:pPr algn="r"/>
+            <a:r>
+              <a:rPr lang="en-US" sz="3600" dirty="0" smtClean="0"/>
+              <a:t>…to give the confused coder some guidance</a:t>
+            </a:r>
+            <a:endParaRPr lang="en-US" sz="3600" dirty="0"/>
+          </a:p>
+        </p:txBody>
+      </p:sp>
+    </p:spTree>
+    <p:extLst>
+      <p:ext uri="{BB962C8B-B14F-4D97-AF65-F5344CB8AC3E}">
+        <p14:creationId xmlns:p14="http://schemas.microsoft.com/office/powerpoint/2010/main" val="3542262179"/>
+      </p:ext>
+    </p:extLst>
+  </p:cSld>
+  <p:clrMapOvr>
+    <a:masterClrMapping/>
+  </p:clrMapOvr>
+  <p:timing>
+    <p:tnLst>
+      <p:par>
+        <p:cTn id="1" dur="indefinite" restart="never" nodeType="tmRoot"/>
+      </p:par>
+    </p:tnLst>
+  </p:timing>
+</p:sld>
+</file>
+
+<file path=ppt/slides/slide22.xml><?xml version="1.0" encoding="utf-8"?>
+<p:sld xmlns:a="http://schemas.openxmlformats.org/drawingml/2006/main" xmlns:r="http://schemas.openxmlformats.org/officeDocument/2006/relationships" xmlns:p="http://schemas.openxmlformats.org/presentationml/2006/main">
+  <p:cSld>
+    <p:spTree>
+      <p:nvGrpSpPr>
+        <p:cNvPr id="1" name=""/>
+        <p:cNvGrpSpPr/>
+        <p:nvPr/>
+      </p:nvGrpSpPr>
+      <p:grpSpPr>
+        <a:xfrm>
+          <a:off x="0" y="0"/>
+          <a:ext cx="0" cy="0"/>
+          <a:chOff x="0" y="0"/>
+          <a:chExt cx="0" cy="0"/>
+        </a:xfrm>
+      </p:grpSpPr>
+      <p:sp>
+        <p:nvSpPr>
+          <p:cNvPr id="2" name="Title 1"/>
+          <p:cNvSpPr>
+            <a:spLocks noGrp="1"/>
+          </p:cNvSpPr>
+          <p:nvPr>
+            <p:ph type="title" idx="4294967295"/>
+          </p:nvPr>
+        </p:nvSpPr>
+        <p:spPr>
+          <a:xfrm>
+            <a:off x="1097280" y="264188"/>
+            <a:ext cx="10058400" cy="1025525"/>
+          </a:xfrm>
+        </p:spPr>
+        <p:txBody>
+          <a:bodyPr>
+            <a:normAutofit/>
+          </a:bodyPr>
+          <a:lstStyle/>
+          <a:p>
+            <a:r>
+              <a:rPr lang="en-US" sz="3600" dirty="0" smtClean="0"/>
+              <a:t>This exception proves the rule…</a:t>
+            </a:r>
+            <a:endParaRPr lang="en-US" sz="3600" dirty="0"/>
+          </a:p>
+        </p:txBody>
+      </p:sp>
+      <p:sp>
+        <p:nvSpPr>
+          <p:cNvPr id="3" name="Content Placeholder 2"/>
+          <p:cNvSpPr>
+            <a:spLocks noGrp="1"/>
+          </p:cNvSpPr>
+          <p:nvPr>
+            <p:ph idx="4294967295"/>
+          </p:nvPr>
+        </p:nvSpPr>
+        <p:spPr>
+          <a:xfrm>
+            <a:off x="1097280" y="1414804"/>
+            <a:ext cx="10058400" cy="4024313"/>
+          </a:xfrm>
+        </p:spPr>
+        <p:txBody>
+          <a:bodyPr anchor="ctr">
+            <a:normAutofit/>
+          </a:bodyPr>
+          <a:lstStyle/>
+          <a:p>
+            <a:pPr algn="ctr"/>
+            <a:r>
+              <a:rPr lang="en-US" sz="4800" i="1" spc="-50" dirty="0" smtClean="0">
+                <a:latin typeface="+mj-lt"/>
+                <a:ea typeface="+mj-ea"/>
+                <a:cs typeface="+mj-cs"/>
+              </a:rPr>
+              <a:t>“Point to online documentation”</a:t>
+            </a:r>
+            <a:endParaRPr lang="en-US" sz="4800" i="1" spc="-50" dirty="0">
+              <a:latin typeface="+mj-lt"/>
+              <a:ea typeface="+mj-ea"/>
+              <a:cs typeface="+mj-cs"/>
+            </a:endParaRPr>
+          </a:p>
+        </p:txBody>
+      </p:sp>
+      <p:sp>
+        <p:nvSpPr>
+          <p:cNvPr id="4" name="Title 1"/>
+          <p:cNvSpPr txBox="1">
+            <a:spLocks/>
+          </p:cNvSpPr>
+          <p:nvPr/>
+        </p:nvSpPr>
+        <p:spPr>
+          <a:xfrm>
+            <a:off x="1097280" y="5234030"/>
+            <a:ext cx="10058400" cy="1025730"/>
+          </a:xfrm>
+          <a:prstGeom prst="rect">
+            <a:avLst/>
+          </a:prstGeom>
+        </p:spPr>
+        <p:txBody>
+          <a:bodyPr vert="horz" lIns="91440" tIns="45720" rIns="91440" bIns="45720" rtlCol="0" anchor="b">
+            <a:normAutofit/>
+          </a:bodyPr>
+          <a:lstStyle>
+            <a:lvl1pPr algn="l" defTabSz="914400" rtl="0" eaLnBrk="1" latinLnBrk="0" hangingPunct="1">
+              <a:lnSpc>
+                <a:spcPct val="85000"/>
+              </a:lnSpc>
+              <a:spcBef>
+                <a:spcPct val="0"/>
+              </a:spcBef>
+              <a:buNone/>
+              <a:defRPr sz="4800" kern="1200" spc="-50" baseline="0">
+                <a:solidFill>
+                  <a:schemeClr val="tx1">
+                    <a:lumMod val="75000"/>
+                    <a:lumOff val="25000"/>
+                  </a:schemeClr>
+                </a:solidFill>
+                <a:latin typeface="+mj-lt"/>
+                <a:ea typeface="+mj-ea"/>
+                <a:cs typeface="+mj-cs"/>
+              </a:defRPr>
+            </a:lvl1pPr>
+          </a:lstStyle>
+          <a:p>
+            <a:pPr algn="r"/>
+            <a:r>
+              <a:rPr lang="en-US" sz="3600" dirty="0" smtClean="0"/>
+              <a:t>…to give the confused coder some guidance</a:t>
+            </a:r>
+            <a:endParaRPr lang="en-US" sz="3600" dirty="0"/>
+          </a:p>
+        </p:txBody>
+      </p:sp>
+    </p:spTree>
+    <p:extLst>
+      <p:ext uri="{BB962C8B-B14F-4D97-AF65-F5344CB8AC3E}">
+        <p14:creationId xmlns:p14="http://schemas.microsoft.com/office/powerpoint/2010/main" val="1162058314"/>
+      </p:ext>
+    </p:extLst>
+  </p:cSld>
+  <p:clrMapOvr>
+    <a:masterClrMapping/>
+  </p:clrMapOvr>
+  <p:timing>
+    <p:tnLst>
+      <p:par>
+        <p:cTn id="1" dur="indefinite" restart="never" nodeType="tmRoot"/>
+      </p:par>
+    </p:tnLst>
+  </p:timing>
+</p:sld>
+</file>
+
 <file path=ppt/slides/slide3.xml><?xml version="1.0" encoding="utf-8"?>
 <p:sld xmlns:a="http://schemas.openxmlformats.org/drawingml/2006/main" xmlns:r="http://schemas.openxmlformats.org/officeDocument/2006/relationships" xmlns:p="http://schemas.openxmlformats.org/presentationml/2006/main">
   <p:cSld>
@@ -5541,7 +10131,7 @@
   <p:timing>
     <p:tnLst>
       <p:par>
-        <p:cTn xmlns:p14="http://schemas.microsoft.com/office/powerpoint/2010/main" id="1" dur="indefinite" restart="never" nodeType="tmRoot">
+        <p:cTn id="1" dur="indefinite" restart="never" nodeType="tmRoot">
           <p:childTnLst>
             <p:seq concurrent="1" nextAc="seek">
               <p:cTn id="2" dur="indefinite" nodeType="mainSeq">
@@ -5968,7 +10558,7 @@
   <p:timing>
     <p:tnLst>
       <p:par>
-        <p:cTn xmlns:p14="http://schemas.microsoft.com/office/powerpoint/2010/main" id="1" dur="indefinite" restart="never" nodeType="tmRoot"/>
+        <p:cTn id="1" dur="indefinite" restart="never" nodeType="tmRoot"/>
       </p:par>
     </p:tnLst>
   </p:timing>
@@ -6779,7 +11369,7 @@
   <p:timing>
     <p:tnLst>
       <p:par>
-        <p:cTn xmlns:p14="http://schemas.microsoft.com/office/powerpoint/2010/main" id="1" dur="indefinite" restart="never" nodeType="tmRoot"/>
+        <p:cTn id="1" dur="indefinite" restart="never" nodeType="tmRoot"/>
       </p:par>
     </p:tnLst>
   </p:timing>
@@ -6965,7 +11555,7 @@
   <p:timing>
     <p:tnLst>
       <p:par>
-        <p:cTn xmlns:p14="http://schemas.microsoft.com/office/powerpoint/2010/main" id="1" dur="indefinite" restart="never" nodeType="tmRoot"/>
+        <p:cTn id="1" dur="indefinite" restart="never" nodeType="tmRoot"/>
       </p:par>
     </p:tnLst>
   </p:timing>
@@ -8488,7 +13078,7 @@
   <p:timing>
     <p:tnLst>
       <p:par>
-        <p:cTn xmlns:p14="http://schemas.microsoft.com/office/powerpoint/2010/main" id="1" dur="indefinite" restart="never" nodeType="tmRoot">
+        <p:cTn id="1" dur="indefinite" restart="never" nodeType="tmRoot">
           <p:childTnLst>
             <p:seq concurrent="1" nextAc="seek">
               <p:cTn id="2" dur="indefinite" nodeType="mainSeq">
@@ -9155,7 +13745,7 @@
   <p:timing>
     <p:tnLst>
       <p:par>
-        <p:cTn xmlns:p14="http://schemas.microsoft.com/office/powerpoint/2010/main" id="1" dur="indefinite" restart="never" nodeType="tmRoot"/>
+        <p:cTn id="1" dur="indefinite" restart="never" nodeType="tmRoot"/>
       </p:par>
     </p:tnLst>
   </p:timing>
@@ -10702,7 +15292,7 @@
   <p:timing>
     <p:tnLst>
       <p:par>
-        <p:cTn xmlns:p14="http://schemas.microsoft.com/office/powerpoint/2010/main" id="1" dur="indefinite" restart="never" nodeType="tmRoot">
+        <p:cTn id="1" dur="indefinite" restart="never" nodeType="tmRoot">
           <p:childTnLst>
             <p:seq concurrent="1" nextAc="seek">
               <p:cTn id="2" dur="indefinite" nodeType="mainSeq">
@@ -11057,7 +15647,7 @@
   <a:extraClrSchemeLst/>
   <a:extLst>
     <a:ext uri="{05A4C25C-085E-4340-85A3-A5531E510DB2}">
-      <thm15:themeFamily xmlns:thm15="http://schemas.microsoft.com/office/thememl/2012/main" xmlns="" name="Retrospect" id="{5F128B03-DCCA-4EEB-AB3B-CF2899314A46}" vid="{9CC26709-368C-4D72-9060-94E5B3FF3CD6}"/>
+      <thm15:themeFamily xmlns:thm15="http://schemas.microsoft.com/office/thememl/2012/main" name="Retrospect" id="{5F128B03-DCCA-4EEB-AB3B-CF2899314A46}" vid="{9CC26709-368C-4D72-9060-94E5B3FF3CD6}"/>
     </a:ext>
   </a:extLst>
 </a:theme>
